--- a/Bitcoin.pptx
+++ b/Bitcoin.pptx
@@ -6,6 +6,9 @@
   </p:sldMasterIdLst>
   <p:sldIdLst>
     <p:sldId id="256" r:id="rId2"/>
+    <p:sldId id="257" r:id="rId3"/>
+    <p:sldId id="258" r:id="rId4"/>
+    <p:sldId id="259" r:id="rId5"/>
   </p:sldIdLst>
   <p:sldSz cx="12192000" cy="6858000"/>
   <p:notesSz cx="6858000" cy="9144000"/>
@@ -889,6 +892,753 @@
   <dgm:styleLbl name="fgShp">
     <dgm:fillClrLst meth="repeat">
       <a:schemeClr val="accent3">
+        <a:tint val="60000"/>
+      </a:schemeClr>
+    </dgm:fillClrLst>
+    <dgm:linClrLst meth="repeat">
+      <a:schemeClr val="lt1"/>
+    </dgm:linClrLst>
+    <dgm:effectClrLst/>
+    <dgm:txLinClrLst/>
+    <dgm:txFillClrLst meth="repeat">
+      <a:schemeClr val="dk1"/>
+    </dgm:txFillClrLst>
+    <dgm:txEffectClrLst/>
+  </dgm:styleLbl>
+  <dgm:styleLbl name="revTx">
+    <dgm:fillClrLst meth="repeat">
+      <a:schemeClr val="lt1">
+        <a:alpha val="0"/>
+      </a:schemeClr>
+    </dgm:fillClrLst>
+    <dgm:linClrLst meth="repeat">
+      <a:schemeClr val="dk1">
+        <a:alpha val="0"/>
+      </a:schemeClr>
+    </dgm:linClrLst>
+    <dgm:effectClrLst/>
+    <dgm:txLinClrLst/>
+    <dgm:txFillClrLst meth="repeat">
+      <a:schemeClr val="tx1"/>
+    </dgm:txFillClrLst>
+    <dgm:txEffectClrLst/>
+  </dgm:styleLbl>
+</dgm:colorsDef>
+</file>
+
+<file path=ppt/diagrams/colors2.xml><?xml version="1.0" encoding="utf-8"?>
+<dgm:colorsDef xmlns:dgm="http://schemas.openxmlformats.org/drawingml/2006/diagram" xmlns:a="http://schemas.openxmlformats.org/drawingml/2006/main" uniqueId="urn:microsoft.com/office/officeart/2005/8/colors/accent1_2">
+  <dgm:title val=""/>
+  <dgm:desc val=""/>
+  <dgm:catLst>
+    <dgm:cat type="accent1" pri="11200"/>
+  </dgm:catLst>
+  <dgm:styleLbl name="node0">
+    <dgm:fillClrLst meth="repeat">
+      <a:schemeClr val="accent1"/>
+    </dgm:fillClrLst>
+    <dgm:linClrLst meth="repeat">
+      <a:schemeClr val="lt1"/>
+    </dgm:linClrLst>
+    <dgm:effectClrLst/>
+    <dgm:txLinClrLst/>
+    <dgm:txFillClrLst/>
+    <dgm:txEffectClrLst/>
+  </dgm:styleLbl>
+  <dgm:styleLbl name="alignNode1">
+    <dgm:fillClrLst meth="repeat">
+      <a:schemeClr val="accent1"/>
+    </dgm:fillClrLst>
+    <dgm:linClrLst meth="repeat">
+      <a:schemeClr val="accent1"/>
+    </dgm:linClrLst>
+    <dgm:effectClrLst/>
+    <dgm:txLinClrLst/>
+    <dgm:txFillClrLst/>
+    <dgm:txEffectClrLst/>
+  </dgm:styleLbl>
+  <dgm:styleLbl name="node1">
+    <dgm:fillClrLst meth="repeat">
+      <a:schemeClr val="accent1"/>
+    </dgm:fillClrLst>
+    <dgm:linClrLst meth="repeat">
+      <a:schemeClr val="lt1"/>
+    </dgm:linClrLst>
+    <dgm:effectClrLst/>
+    <dgm:txLinClrLst/>
+    <dgm:txFillClrLst/>
+    <dgm:txEffectClrLst/>
+  </dgm:styleLbl>
+  <dgm:styleLbl name="lnNode1">
+    <dgm:fillClrLst meth="repeat">
+      <a:schemeClr val="accent1"/>
+    </dgm:fillClrLst>
+    <dgm:linClrLst meth="repeat">
+      <a:schemeClr val="lt1"/>
+    </dgm:linClrLst>
+    <dgm:effectClrLst/>
+    <dgm:txLinClrLst/>
+    <dgm:txFillClrLst/>
+    <dgm:txEffectClrLst/>
+  </dgm:styleLbl>
+  <dgm:styleLbl name="vennNode1">
+    <dgm:fillClrLst meth="repeat">
+      <a:schemeClr val="accent1">
+        <a:alpha val="50000"/>
+      </a:schemeClr>
+    </dgm:fillClrLst>
+    <dgm:linClrLst meth="repeat">
+      <a:schemeClr val="lt1"/>
+    </dgm:linClrLst>
+    <dgm:effectClrLst/>
+    <dgm:txLinClrLst/>
+    <dgm:txFillClrLst/>
+    <dgm:txEffectClrLst/>
+  </dgm:styleLbl>
+  <dgm:styleLbl name="node2">
+    <dgm:fillClrLst meth="repeat">
+      <a:schemeClr val="accent1"/>
+    </dgm:fillClrLst>
+    <dgm:linClrLst meth="repeat">
+      <a:schemeClr val="lt1"/>
+    </dgm:linClrLst>
+    <dgm:effectClrLst/>
+    <dgm:txLinClrLst/>
+    <dgm:txFillClrLst/>
+    <dgm:txEffectClrLst/>
+  </dgm:styleLbl>
+  <dgm:styleLbl name="node3">
+    <dgm:fillClrLst meth="repeat">
+      <a:schemeClr val="accent1"/>
+    </dgm:fillClrLst>
+    <dgm:linClrLst meth="repeat">
+      <a:schemeClr val="lt1"/>
+    </dgm:linClrLst>
+    <dgm:effectClrLst/>
+    <dgm:txLinClrLst/>
+    <dgm:txFillClrLst/>
+    <dgm:txEffectClrLst/>
+  </dgm:styleLbl>
+  <dgm:styleLbl name="node4">
+    <dgm:fillClrLst meth="repeat">
+      <a:schemeClr val="accent1"/>
+    </dgm:fillClrLst>
+    <dgm:linClrLst meth="repeat">
+      <a:schemeClr val="lt1"/>
+    </dgm:linClrLst>
+    <dgm:effectClrLst/>
+    <dgm:txLinClrLst/>
+    <dgm:txFillClrLst/>
+    <dgm:txEffectClrLst/>
+  </dgm:styleLbl>
+  <dgm:styleLbl name="fgImgPlace1">
+    <dgm:fillClrLst meth="repeat">
+      <a:schemeClr val="accent1">
+        <a:tint val="50000"/>
+      </a:schemeClr>
+    </dgm:fillClrLst>
+    <dgm:linClrLst meth="repeat">
+      <a:schemeClr val="lt1"/>
+    </dgm:linClrLst>
+    <dgm:effectClrLst/>
+    <dgm:txLinClrLst/>
+    <dgm:txFillClrLst meth="repeat">
+      <a:schemeClr val="lt1"/>
+    </dgm:txFillClrLst>
+    <dgm:txEffectClrLst/>
+  </dgm:styleLbl>
+  <dgm:styleLbl name="alignImgPlace1">
+    <dgm:fillClrLst meth="repeat">
+      <a:schemeClr val="accent1">
+        <a:tint val="50000"/>
+      </a:schemeClr>
+    </dgm:fillClrLst>
+    <dgm:linClrLst meth="repeat">
+      <a:schemeClr val="lt1"/>
+    </dgm:linClrLst>
+    <dgm:effectClrLst/>
+    <dgm:txLinClrLst/>
+    <dgm:txFillClrLst meth="repeat">
+      <a:schemeClr val="lt1"/>
+    </dgm:txFillClrLst>
+    <dgm:txEffectClrLst/>
+  </dgm:styleLbl>
+  <dgm:styleLbl name="bgImgPlace1">
+    <dgm:fillClrLst meth="repeat">
+      <a:schemeClr val="accent1">
+        <a:tint val="50000"/>
+      </a:schemeClr>
+    </dgm:fillClrLst>
+    <dgm:linClrLst meth="repeat">
+      <a:schemeClr val="lt1"/>
+    </dgm:linClrLst>
+    <dgm:effectClrLst/>
+    <dgm:txLinClrLst/>
+    <dgm:txFillClrLst meth="repeat">
+      <a:schemeClr val="lt1"/>
+    </dgm:txFillClrLst>
+    <dgm:txEffectClrLst/>
+  </dgm:styleLbl>
+  <dgm:styleLbl name="sibTrans2D1">
+    <dgm:fillClrLst meth="repeat">
+      <a:schemeClr val="accent1">
+        <a:tint val="60000"/>
+      </a:schemeClr>
+    </dgm:fillClrLst>
+    <dgm:linClrLst meth="repeat">
+      <a:schemeClr val="accent1">
+        <a:tint val="60000"/>
+      </a:schemeClr>
+    </dgm:linClrLst>
+    <dgm:effectClrLst/>
+    <dgm:txLinClrLst/>
+    <dgm:txFillClrLst/>
+    <dgm:txEffectClrLst/>
+  </dgm:styleLbl>
+  <dgm:styleLbl name="fgSibTrans2D1">
+    <dgm:fillClrLst meth="repeat">
+      <a:schemeClr val="accent1">
+        <a:tint val="60000"/>
+      </a:schemeClr>
+    </dgm:fillClrLst>
+    <dgm:linClrLst meth="repeat">
+      <a:schemeClr val="accent1">
+        <a:tint val="60000"/>
+      </a:schemeClr>
+    </dgm:linClrLst>
+    <dgm:effectClrLst/>
+    <dgm:txLinClrLst/>
+    <dgm:txFillClrLst/>
+    <dgm:txEffectClrLst/>
+  </dgm:styleLbl>
+  <dgm:styleLbl name="bgSibTrans2D1">
+    <dgm:fillClrLst meth="repeat">
+      <a:schemeClr val="accent1">
+        <a:tint val="60000"/>
+      </a:schemeClr>
+    </dgm:fillClrLst>
+    <dgm:linClrLst meth="repeat">
+      <a:schemeClr val="accent1">
+        <a:tint val="60000"/>
+      </a:schemeClr>
+    </dgm:linClrLst>
+    <dgm:effectClrLst/>
+    <dgm:txLinClrLst/>
+    <dgm:txFillClrLst/>
+    <dgm:txEffectClrLst/>
+  </dgm:styleLbl>
+  <dgm:styleLbl name="sibTrans1D1">
+    <dgm:fillClrLst meth="repeat">
+      <a:schemeClr val="accent1"/>
+    </dgm:fillClrLst>
+    <dgm:linClrLst meth="repeat">
+      <a:schemeClr val="accent1"/>
+    </dgm:linClrLst>
+    <dgm:effectClrLst/>
+    <dgm:txLinClrLst/>
+    <dgm:txFillClrLst meth="repeat">
+      <a:schemeClr val="tx1"/>
+    </dgm:txFillClrLst>
+    <dgm:txEffectClrLst/>
+  </dgm:styleLbl>
+  <dgm:styleLbl name="callout">
+    <dgm:fillClrLst meth="repeat">
+      <a:schemeClr val="accent1"/>
+    </dgm:fillClrLst>
+    <dgm:linClrLst meth="repeat">
+      <a:schemeClr val="accent1">
+        <a:tint val="50000"/>
+      </a:schemeClr>
+    </dgm:linClrLst>
+    <dgm:effectClrLst/>
+    <dgm:txLinClrLst/>
+    <dgm:txFillClrLst meth="repeat">
+      <a:schemeClr val="tx1"/>
+    </dgm:txFillClrLst>
+    <dgm:txEffectClrLst/>
+  </dgm:styleLbl>
+  <dgm:styleLbl name="asst0">
+    <dgm:fillClrLst meth="repeat">
+      <a:schemeClr val="accent1"/>
+    </dgm:fillClrLst>
+    <dgm:linClrLst meth="repeat">
+      <a:schemeClr val="lt1"/>
+    </dgm:linClrLst>
+    <dgm:effectClrLst/>
+    <dgm:txLinClrLst/>
+    <dgm:txFillClrLst/>
+    <dgm:txEffectClrLst/>
+  </dgm:styleLbl>
+  <dgm:styleLbl name="asst1">
+    <dgm:fillClrLst meth="repeat">
+      <a:schemeClr val="accent1"/>
+    </dgm:fillClrLst>
+    <dgm:linClrLst meth="repeat">
+      <a:schemeClr val="lt1"/>
+    </dgm:linClrLst>
+    <dgm:effectClrLst/>
+    <dgm:txLinClrLst/>
+    <dgm:txFillClrLst/>
+    <dgm:txEffectClrLst/>
+  </dgm:styleLbl>
+  <dgm:styleLbl name="asst2">
+    <dgm:fillClrLst meth="repeat">
+      <a:schemeClr val="accent1"/>
+    </dgm:fillClrLst>
+    <dgm:linClrLst meth="repeat">
+      <a:schemeClr val="lt1"/>
+    </dgm:linClrLst>
+    <dgm:effectClrLst/>
+    <dgm:txLinClrLst/>
+    <dgm:txFillClrLst/>
+    <dgm:txEffectClrLst/>
+  </dgm:styleLbl>
+  <dgm:styleLbl name="asst3">
+    <dgm:fillClrLst meth="repeat">
+      <a:schemeClr val="accent1"/>
+    </dgm:fillClrLst>
+    <dgm:linClrLst meth="repeat">
+      <a:schemeClr val="lt1"/>
+    </dgm:linClrLst>
+    <dgm:effectClrLst/>
+    <dgm:txLinClrLst/>
+    <dgm:txFillClrLst/>
+    <dgm:txEffectClrLst/>
+  </dgm:styleLbl>
+  <dgm:styleLbl name="asst4">
+    <dgm:fillClrLst meth="repeat">
+      <a:schemeClr val="accent1"/>
+    </dgm:fillClrLst>
+    <dgm:linClrLst meth="repeat">
+      <a:schemeClr val="lt1"/>
+    </dgm:linClrLst>
+    <dgm:effectClrLst/>
+    <dgm:txLinClrLst/>
+    <dgm:txFillClrLst/>
+    <dgm:txEffectClrLst/>
+  </dgm:styleLbl>
+  <dgm:styleLbl name="parChTrans2D1">
+    <dgm:fillClrLst meth="repeat">
+      <a:schemeClr val="accent1">
+        <a:tint val="60000"/>
+      </a:schemeClr>
+    </dgm:fillClrLst>
+    <dgm:linClrLst meth="repeat">
+      <a:schemeClr val="accent1">
+        <a:tint val="60000"/>
+      </a:schemeClr>
+    </dgm:linClrLst>
+    <dgm:effectClrLst/>
+    <dgm:txLinClrLst/>
+    <dgm:txFillClrLst meth="repeat">
+      <a:schemeClr val="lt1"/>
+    </dgm:txFillClrLst>
+    <dgm:txEffectClrLst/>
+  </dgm:styleLbl>
+  <dgm:styleLbl name="parChTrans2D2">
+    <dgm:fillClrLst meth="repeat">
+      <a:schemeClr val="accent1"/>
+    </dgm:fillClrLst>
+    <dgm:linClrLst meth="repeat">
+      <a:schemeClr val="accent1"/>
+    </dgm:linClrLst>
+    <dgm:effectClrLst/>
+    <dgm:txLinClrLst/>
+    <dgm:txFillClrLst meth="repeat">
+      <a:schemeClr val="lt1"/>
+    </dgm:txFillClrLst>
+    <dgm:txEffectClrLst/>
+  </dgm:styleLbl>
+  <dgm:styleLbl name="parChTrans2D3">
+    <dgm:fillClrLst meth="repeat">
+      <a:schemeClr val="accent1"/>
+    </dgm:fillClrLst>
+    <dgm:linClrLst meth="repeat">
+      <a:schemeClr val="accent1"/>
+    </dgm:linClrLst>
+    <dgm:effectClrLst/>
+    <dgm:txLinClrLst/>
+    <dgm:txFillClrLst meth="repeat">
+      <a:schemeClr val="lt1"/>
+    </dgm:txFillClrLst>
+    <dgm:txEffectClrLst/>
+  </dgm:styleLbl>
+  <dgm:styleLbl name="parChTrans2D4">
+    <dgm:fillClrLst meth="repeat">
+      <a:schemeClr val="accent1"/>
+    </dgm:fillClrLst>
+    <dgm:linClrLst meth="repeat">
+      <a:schemeClr val="accent1"/>
+    </dgm:linClrLst>
+    <dgm:effectClrLst/>
+    <dgm:txLinClrLst/>
+    <dgm:txFillClrLst meth="repeat">
+      <a:schemeClr val="lt1"/>
+    </dgm:txFillClrLst>
+    <dgm:txEffectClrLst/>
+  </dgm:styleLbl>
+  <dgm:styleLbl name="parChTrans1D1">
+    <dgm:fillClrLst meth="repeat">
+      <a:schemeClr val="accent1"/>
+    </dgm:fillClrLst>
+    <dgm:linClrLst meth="repeat">
+      <a:schemeClr val="accent1">
+        <a:shade val="60000"/>
+      </a:schemeClr>
+    </dgm:linClrLst>
+    <dgm:effectClrLst/>
+    <dgm:txLinClrLst/>
+    <dgm:txFillClrLst meth="repeat">
+      <a:schemeClr val="tx1"/>
+    </dgm:txFillClrLst>
+    <dgm:txEffectClrLst/>
+  </dgm:styleLbl>
+  <dgm:styleLbl name="parChTrans1D2">
+    <dgm:fillClrLst meth="repeat">
+      <a:schemeClr val="accent1"/>
+    </dgm:fillClrLst>
+    <dgm:linClrLst meth="repeat">
+      <a:schemeClr val="accent1">
+        <a:shade val="60000"/>
+      </a:schemeClr>
+    </dgm:linClrLst>
+    <dgm:effectClrLst/>
+    <dgm:txLinClrLst/>
+    <dgm:txFillClrLst meth="repeat">
+      <a:schemeClr val="tx1"/>
+    </dgm:txFillClrLst>
+    <dgm:txEffectClrLst/>
+  </dgm:styleLbl>
+  <dgm:styleLbl name="parChTrans1D3">
+    <dgm:fillClrLst meth="repeat">
+      <a:schemeClr val="accent1"/>
+    </dgm:fillClrLst>
+    <dgm:linClrLst meth="repeat">
+      <a:schemeClr val="accent1">
+        <a:shade val="80000"/>
+      </a:schemeClr>
+    </dgm:linClrLst>
+    <dgm:effectClrLst/>
+    <dgm:txLinClrLst/>
+    <dgm:txFillClrLst meth="repeat">
+      <a:schemeClr val="tx1"/>
+    </dgm:txFillClrLst>
+    <dgm:txEffectClrLst/>
+  </dgm:styleLbl>
+  <dgm:styleLbl name="parChTrans1D4">
+    <dgm:fillClrLst meth="repeat">
+      <a:schemeClr val="accent1"/>
+    </dgm:fillClrLst>
+    <dgm:linClrLst meth="repeat">
+      <a:schemeClr val="accent1">
+        <a:shade val="80000"/>
+      </a:schemeClr>
+    </dgm:linClrLst>
+    <dgm:effectClrLst/>
+    <dgm:txLinClrLst/>
+    <dgm:txFillClrLst meth="repeat">
+      <a:schemeClr val="tx1"/>
+    </dgm:txFillClrLst>
+    <dgm:txEffectClrLst/>
+  </dgm:styleLbl>
+  <dgm:styleLbl name="fgAcc1">
+    <dgm:fillClrLst meth="repeat">
+      <a:schemeClr val="lt1">
+        <a:alpha val="90000"/>
+      </a:schemeClr>
+    </dgm:fillClrLst>
+    <dgm:linClrLst meth="repeat">
+      <a:schemeClr val="accent1"/>
+    </dgm:linClrLst>
+    <dgm:effectClrLst/>
+    <dgm:txLinClrLst/>
+    <dgm:txFillClrLst meth="repeat">
+      <a:schemeClr val="dk1"/>
+    </dgm:txFillClrLst>
+    <dgm:txEffectClrLst/>
+  </dgm:styleLbl>
+  <dgm:styleLbl name="conFgAcc1">
+    <dgm:fillClrLst meth="repeat">
+      <a:schemeClr val="lt1">
+        <a:alpha val="90000"/>
+      </a:schemeClr>
+    </dgm:fillClrLst>
+    <dgm:linClrLst meth="repeat">
+      <a:schemeClr val="accent1"/>
+    </dgm:linClrLst>
+    <dgm:effectClrLst/>
+    <dgm:txLinClrLst/>
+    <dgm:txFillClrLst meth="repeat">
+      <a:schemeClr val="dk1"/>
+    </dgm:txFillClrLst>
+    <dgm:txEffectClrLst/>
+  </dgm:styleLbl>
+  <dgm:styleLbl name="alignAcc1">
+    <dgm:fillClrLst meth="repeat">
+      <a:schemeClr val="lt1">
+        <a:alpha val="90000"/>
+      </a:schemeClr>
+    </dgm:fillClrLst>
+    <dgm:linClrLst meth="repeat">
+      <a:schemeClr val="accent1"/>
+    </dgm:linClrLst>
+    <dgm:effectClrLst/>
+    <dgm:txLinClrLst/>
+    <dgm:txFillClrLst meth="repeat">
+      <a:schemeClr val="dk1"/>
+    </dgm:txFillClrLst>
+    <dgm:txEffectClrLst/>
+  </dgm:styleLbl>
+  <dgm:styleLbl name="trAlignAcc1">
+    <dgm:fillClrLst meth="repeat">
+      <a:schemeClr val="lt1">
+        <a:alpha val="40000"/>
+      </a:schemeClr>
+    </dgm:fillClrLst>
+    <dgm:linClrLst meth="repeat">
+      <a:schemeClr val="accent1"/>
+    </dgm:linClrLst>
+    <dgm:effectClrLst/>
+    <dgm:txLinClrLst/>
+    <dgm:txFillClrLst meth="repeat">
+      <a:schemeClr val="dk1"/>
+    </dgm:txFillClrLst>
+    <dgm:txEffectClrLst/>
+  </dgm:styleLbl>
+  <dgm:styleLbl name="bgAcc1">
+    <dgm:fillClrLst meth="repeat">
+      <a:schemeClr val="lt1">
+        <a:alpha val="90000"/>
+      </a:schemeClr>
+    </dgm:fillClrLst>
+    <dgm:linClrLst meth="repeat">
+      <a:schemeClr val="accent1"/>
+    </dgm:linClrLst>
+    <dgm:effectClrLst/>
+    <dgm:txLinClrLst/>
+    <dgm:txFillClrLst meth="repeat">
+      <a:schemeClr val="dk1"/>
+    </dgm:txFillClrLst>
+    <dgm:txEffectClrLst/>
+  </dgm:styleLbl>
+  <dgm:styleLbl name="solidFgAcc1">
+    <dgm:fillClrLst meth="repeat">
+      <a:schemeClr val="lt1"/>
+    </dgm:fillClrLst>
+    <dgm:linClrLst meth="repeat">
+      <a:schemeClr val="accent1"/>
+    </dgm:linClrLst>
+    <dgm:effectClrLst/>
+    <dgm:txLinClrLst/>
+    <dgm:txFillClrLst meth="repeat">
+      <a:schemeClr val="dk1"/>
+    </dgm:txFillClrLst>
+    <dgm:txEffectClrLst/>
+  </dgm:styleLbl>
+  <dgm:styleLbl name="solidAlignAcc1">
+    <dgm:fillClrLst meth="repeat">
+      <a:schemeClr val="lt1"/>
+    </dgm:fillClrLst>
+    <dgm:linClrLst meth="repeat">
+      <a:schemeClr val="accent1"/>
+    </dgm:linClrLst>
+    <dgm:effectClrLst/>
+    <dgm:txLinClrLst/>
+    <dgm:txFillClrLst meth="repeat">
+      <a:schemeClr val="dk1"/>
+    </dgm:txFillClrLst>
+    <dgm:txEffectClrLst/>
+  </dgm:styleLbl>
+  <dgm:styleLbl name="solidBgAcc1">
+    <dgm:fillClrLst meth="repeat">
+      <a:schemeClr val="lt1"/>
+    </dgm:fillClrLst>
+    <dgm:linClrLst meth="repeat">
+      <a:schemeClr val="accent1"/>
+    </dgm:linClrLst>
+    <dgm:effectClrLst/>
+    <dgm:txLinClrLst/>
+    <dgm:txFillClrLst meth="repeat">
+      <a:schemeClr val="dk1"/>
+    </dgm:txFillClrLst>
+    <dgm:txEffectClrLst/>
+  </dgm:styleLbl>
+  <dgm:styleLbl name="fgAccFollowNode1">
+    <dgm:fillClrLst meth="repeat">
+      <a:schemeClr val="accent1">
+        <a:alpha val="90000"/>
+        <a:tint val="40000"/>
+      </a:schemeClr>
+    </dgm:fillClrLst>
+    <dgm:linClrLst meth="repeat">
+      <a:schemeClr val="accent1">
+        <a:alpha val="90000"/>
+        <a:tint val="40000"/>
+      </a:schemeClr>
+    </dgm:linClrLst>
+    <dgm:effectClrLst/>
+    <dgm:txLinClrLst/>
+    <dgm:txFillClrLst meth="repeat">
+      <a:schemeClr val="dk1"/>
+    </dgm:txFillClrLst>
+    <dgm:txEffectClrLst/>
+  </dgm:styleLbl>
+  <dgm:styleLbl name="alignAccFollowNode1">
+    <dgm:fillClrLst meth="repeat">
+      <a:schemeClr val="accent1">
+        <a:alpha val="90000"/>
+        <a:tint val="40000"/>
+      </a:schemeClr>
+    </dgm:fillClrLst>
+    <dgm:linClrLst meth="repeat">
+      <a:schemeClr val="accent1">
+        <a:alpha val="90000"/>
+        <a:tint val="40000"/>
+      </a:schemeClr>
+    </dgm:linClrLst>
+    <dgm:effectClrLst/>
+    <dgm:txLinClrLst/>
+    <dgm:txFillClrLst meth="repeat">
+      <a:schemeClr val="dk1"/>
+    </dgm:txFillClrLst>
+    <dgm:txEffectClrLst/>
+  </dgm:styleLbl>
+  <dgm:styleLbl name="bgAccFollowNode1">
+    <dgm:fillClrLst meth="repeat">
+      <a:schemeClr val="accent1">
+        <a:alpha val="90000"/>
+        <a:tint val="40000"/>
+      </a:schemeClr>
+    </dgm:fillClrLst>
+    <dgm:linClrLst meth="repeat">
+      <a:schemeClr val="accent1">
+        <a:alpha val="90000"/>
+        <a:tint val="40000"/>
+      </a:schemeClr>
+    </dgm:linClrLst>
+    <dgm:effectClrLst/>
+    <dgm:txLinClrLst/>
+    <dgm:txFillClrLst meth="repeat">
+      <a:schemeClr val="dk1"/>
+    </dgm:txFillClrLst>
+    <dgm:txEffectClrLst/>
+  </dgm:styleLbl>
+  <dgm:styleLbl name="fgAcc0">
+    <dgm:fillClrLst meth="repeat">
+      <a:schemeClr val="lt1">
+        <a:alpha val="90000"/>
+      </a:schemeClr>
+    </dgm:fillClrLst>
+    <dgm:linClrLst meth="repeat">
+      <a:schemeClr val="accent1"/>
+    </dgm:linClrLst>
+    <dgm:effectClrLst/>
+    <dgm:txLinClrLst/>
+    <dgm:txFillClrLst meth="repeat">
+      <a:schemeClr val="dk1"/>
+    </dgm:txFillClrLst>
+    <dgm:txEffectClrLst/>
+  </dgm:styleLbl>
+  <dgm:styleLbl name="fgAcc2">
+    <dgm:fillClrLst meth="repeat">
+      <a:schemeClr val="lt1">
+        <a:alpha val="90000"/>
+      </a:schemeClr>
+    </dgm:fillClrLst>
+    <dgm:linClrLst meth="repeat">
+      <a:schemeClr val="accent1"/>
+    </dgm:linClrLst>
+    <dgm:effectClrLst/>
+    <dgm:txLinClrLst/>
+    <dgm:txFillClrLst meth="repeat">
+      <a:schemeClr val="dk1"/>
+    </dgm:txFillClrLst>
+    <dgm:txEffectClrLst/>
+  </dgm:styleLbl>
+  <dgm:styleLbl name="fgAcc3">
+    <dgm:fillClrLst meth="repeat">
+      <a:schemeClr val="lt1">
+        <a:alpha val="90000"/>
+      </a:schemeClr>
+    </dgm:fillClrLst>
+    <dgm:linClrLst meth="repeat">
+      <a:schemeClr val="accent1"/>
+    </dgm:linClrLst>
+    <dgm:effectClrLst/>
+    <dgm:txLinClrLst/>
+    <dgm:txFillClrLst meth="repeat">
+      <a:schemeClr val="dk1"/>
+    </dgm:txFillClrLst>
+    <dgm:txEffectClrLst/>
+  </dgm:styleLbl>
+  <dgm:styleLbl name="fgAcc4">
+    <dgm:fillClrLst meth="repeat">
+      <a:schemeClr val="lt1">
+        <a:alpha val="90000"/>
+      </a:schemeClr>
+    </dgm:fillClrLst>
+    <dgm:linClrLst meth="repeat">
+      <a:schemeClr val="accent1"/>
+    </dgm:linClrLst>
+    <dgm:effectClrLst/>
+    <dgm:txLinClrLst/>
+    <dgm:txFillClrLst meth="repeat">
+      <a:schemeClr val="dk1"/>
+    </dgm:txFillClrLst>
+    <dgm:txEffectClrLst/>
+  </dgm:styleLbl>
+  <dgm:styleLbl name="bgShp">
+    <dgm:fillClrLst meth="repeat">
+      <a:schemeClr val="accent1">
+        <a:tint val="40000"/>
+      </a:schemeClr>
+    </dgm:fillClrLst>
+    <dgm:linClrLst meth="repeat">
+      <a:schemeClr val="accent1"/>
+    </dgm:linClrLst>
+    <dgm:effectClrLst/>
+    <dgm:txLinClrLst/>
+    <dgm:txFillClrLst meth="repeat">
+      <a:schemeClr val="dk1"/>
+    </dgm:txFillClrLst>
+    <dgm:txEffectClrLst/>
+  </dgm:styleLbl>
+  <dgm:styleLbl name="dkBgShp">
+    <dgm:fillClrLst meth="repeat">
+      <a:schemeClr val="accent1">
+        <a:shade val="80000"/>
+      </a:schemeClr>
+    </dgm:fillClrLst>
+    <dgm:linClrLst meth="repeat">
+      <a:schemeClr val="accent1"/>
+    </dgm:linClrLst>
+    <dgm:effectClrLst/>
+    <dgm:txLinClrLst/>
+    <dgm:txFillClrLst meth="repeat">
+      <a:schemeClr val="lt1"/>
+    </dgm:txFillClrLst>
+    <dgm:txEffectClrLst/>
+  </dgm:styleLbl>
+  <dgm:styleLbl name="trBgShp">
+    <dgm:fillClrLst meth="repeat">
+      <a:schemeClr val="accent1">
+        <a:tint val="50000"/>
+        <a:alpha val="40000"/>
+      </a:schemeClr>
+    </dgm:fillClrLst>
+    <dgm:linClrLst meth="repeat">
+      <a:schemeClr val="accent1"/>
+    </dgm:linClrLst>
+    <dgm:effectClrLst/>
+    <dgm:txLinClrLst/>
+    <dgm:txFillClrLst meth="repeat">
+      <a:schemeClr val="lt1"/>
+    </dgm:txFillClrLst>
+    <dgm:txEffectClrLst/>
+  </dgm:styleLbl>
+  <dgm:styleLbl name="fgShp">
+    <dgm:fillClrLst meth="repeat">
+      <a:schemeClr val="accent1">
         <a:tint val="60000"/>
       </a:schemeClr>
     </dgm:fillClrLst>
@@ -1230,6 +1980,729 @@
     <dgm:cxn modelId="{25C2640D-B334-4BDF-B549-24F8D59AD0E7}" type="presParOf" srcId="{607A24F3-463F-4070-BB54-259CBC85AF07}" destId="{4B6FDD17-0EC6-45F0-8C86-3DC5316E20FC}" srcOrd="5" destOrd="0" presId="urn:microsoft.com/office/officeart/2005/8/layout/StepDownProcess"/>
     <dgm:cxn modelId="{75A140D9-CDF0-4775-8806-60542FBB31EA}" type="presParOf" srcId="{607A24F3-463F-4070-BB54-259CBC85AF07}" destId="{B024D73D-8FE6-47EA-BF4E-65E6C2ADE20D}" srcOrd="6" destOrd="0" presId="urn:microsoft.com/office/officeart/2005/8/layout/StepDownProcess"/>
     <dgm:cxn modelId="{E3E75AE8-0927-4F63-AA52-C18C2382BEE1}" type="presParOf" srcId="{B024D73D-8FE6-47EA-BF4E-65E6C2ADE20D}" destId="{55B51872-E786-4185-8762-3AC7C4B5EE05}" srcOrd="0" destOrd="0" presId="urn:microsoft.com/office/officeart/2005/8/layout/StepDownProcess"/>
+  </dgm:cxnLst>
+  <dgm:bg/>
+  <dgm:whole/>
+  <dgm:extLst>
+    <a:ext uri="http://schemas.microsoft.com/office/drawing/2008/diagram">
+      <dsp:dataModelExt xmlns:dsp="http://schemas.microsoft.com/office/drawing/2008/diagram" relId="rId6" minVer="http://schemas.openxmlformats.org/drawingml/2006/diagram"/>
+    </a:ext>
+  </dgm:extLst>
+</dgm:dataModel>
+</file>
+
+<file path=ppt/diagrams/data2.xml><?xml version="1.0" encoding="utf-8"?>
+<dgm:dataModel xmlns:dgm="http://schemas.openxmlformats.org/drawingml/2006/diagram" xmlns:a="http://schemas.openxmlformats.org/drawingml/2006/main">
+  <dgm:ptLst>
+    <dgm:pt modelId="{175454F9-4C3F-4188-87B6-3F4801B15BDF}" type="doc">
+      <dgm:prSet loTypeId="urn:microsoft.com/office/officeart/2005/8/layout/hierarchy2" loCatId="hierarchy" qsTypeId="urn:microsoft.com/office/officeart/2005/8/quickstyle/simple1" qsCatId="simple" csTypeId="urn:microsoft.com/office/officeart/2005/8/colors/accent1_2" csCatId="accent1" phldr="1"/>
+      <dgm:spPr/>
+      <dgm:t>
+        <a:bodyPr/>
+        <a:lstStyle/>
+        <a:p>
+          <a:endParaRPr lang="en-IN"/>
+        </a:p>
+      </dgm:t>
+    </dgm:pt>
+    <dgm:pt modelId="{6E8DC0C4-CC74-42C1-8FE6-00FC25E56737}">
+      <dgm:prSet phldrT="[Text]">
+        <dgm:style>
+          <a:lnRef idx="0">
+            <a:scrgbClr r="0" g="0" b="0"/>
+          </a:lnRef>
+          <a:fillRef idx="0">
+            <a:scrgbClr r="0" g="0" b="0"/>
+          </a:fillRef>
+          <a:effectRef idx="0">
+            <a:scrgbClr r="0" g="0" b="0"/>
+          </a:effectRef>
+          <a:fontRef idx="minor">
+            <a:schemeClr val="dk1"/>
+          </a:fontRef>
+        </dgm:style>
+      </dgm:prSet>
+      <dgm:spPr>
+        <a:noFill/>
+        <a:ln w="9525" cap="flat" cmpd="sng" algn="ctr">
+          <a:solidFill>
+            <a:schemeClr val="dk1"/>
+          </a:solidFill>
+          <a:prstDash val="solid"/>
+          <a:round/>
+          <a:headEnd type="none" w="med" len="med"/>
+          <a:tailEnd type="none" w="med" len="med"/>
+        </a:ln>
+      </dgm:spPr>
+      <dgm:t>
+        <a:bodyPr/>
+        <a:lstStyle/>
+        <a:p>
+          <a:r>
+            <a:rPr lang="en-IN" dirty="0"/>
+            <a:t>H(abc)</a:t>
+          </a:r>
+        </a:p>
+      </dgm:t>
+    </dgm:pt>
+    <dgm:pt modelId="{C8810A27-DA6A-4B5D-A0E9-2233D93403B0}" type="parTrans" cxnId="{989100E7-5AFD-43D6-8DA5-BB588E0B417D}">
+      <dgm:prSet/>
+      <dgm:spPr/>
+      <dgm:t>
+        <a:bodyPr/>
+        <a:lstStyle/>
+        <a:p>
+          <a:endParaRPr lang="en-IN"/>
+        </a:p>
+      </dgm:t>
+    </dgm:pt>
+    <dgm:pt modelId="{7D494AA1-5F2B-439B-86E2-7F37483A2594}" type="sibTrans" cxnId="{989100E7-5AFD-43D6-8DA5-BB588E0B417D}">
+      <dgm:prSet/>
+      <dgm:spPr/>
+      <dgm:t>
+        <a:bodyPr/>
+        <a:lstStyle/>
+        <a:p>
+          <a:endParaRPr lang="en-IN"/>
+        </a:p>
+      </dgm:t>
+    </dgm:pt>
+    <dgm:pt modelId="{F8354AC4-58CF-49EC-B309-F62C8F5EA770}">
+      <dgm:prSet phldrT="[Text]">
+        <dgm:style>
+          <a:lnRef idx="0">
+            <a:scrgbClr r="0" g="0" b="0"/>
+          </a:lnRef>
+          <a:fillRef idx="0">
+            <a:scrgbClr r="0" g="0" b="0"/>
+          </a:fillRef>
+          <a:effectRef idx="0">
+            <a:scrgbClr r="0" g="0" b="0"/>
+          </a:effectRef>
+          <a:fontRef idx="minor">
+            <a:schemeClr val="dk1"/>
+          </a:fontRef>
+        </dgm:style>
+      </dgm:prSet>
+      <dgm:spPr>
+        <a:noFill/>
+        <a:ln w="9525" cap="flat" cmpd="sng" algn="ctr">
+          <a:solidFill>
+            <a:schemeClr val="dk1"/>
+          </a:solidFill>
+          <a:prstDash val="solid"/>
+          <a:round/>
+          <a:headEnd type="none" w="med" len="med"/>
+          <a:tailEnd type="none" w="med" len="med"/>
+        </a:ln>
+      </dgm:spPr>
+      <dgm:t>
+        <a:bodyPr/>
+        <a:lstStyle/>
+        <a:p>
+          <a:r>
+            <a:rPr lang="en-IN" dirty="0"/>
+            <a:t>H(ab)</a:t>
+          </a:r>
+        </a:p>
+      </dgm:t>
+    </dgm:pt>
+    <dgm:pt modelId="{D85CD01F-4842-46FE-9712-5F8446262752}" type="parTrans" cxnId="{63403371-2AE0-4D76-A7B1-984C10A5E6E1}">
+      <dgm:prSet>
+        <dgm:style>
+          <a:lnRef idx="0">
+            <a:scrgbClr r="0" g="0" b="0"/>
+          </a:lnRef>
+          <a:fillRef idx="0">
+            <a:scrgbClr r="0" g="0" b="0"/>
+          </a:fillRef>
+          <a:effectRef idx="0">
+            <a:scrgbClr r="0" g="0" b="0"/>
+          </a:effectRef>
+          <a:fontRef idx="minor">
+            <a:schemeClr val="dk1"/>
+          </a:fontRef>
+        </dgm:style>
+      </dgm:prSet>
+      <dgm:spPr>
+        <a:ln w="9525" cap="flat" cmpd="sng" algn="ctr">
+          <a:solidFill>
+            <a:schemeClr val="dk1"/>
+          </a:solidFill>
+          <a:prstDash val="solid"/>
+          <a:round/>
+          <a:headEnd type="none" w="med" len="med"/>
+          <a:tailEnd type="none" w="med" len="med"/>
+        </a:ln>
+      </dgm:spPr>
+      <dgm:t>
+        <a:bodyPr/>
+        <a:lstStyle/>
+        <a:p>
+          <a:endParaRPr lang="en-IN"/>
+        </a:p>
+      </dgm:t>
+    </dgm:pt>
+    <dgm:pt modelId="{003B8D0E-A527-4940-959D-79A73E674CAB}" type="sibTrans" cxnId="{63403371-2AE0-4D76-A7B1-984C10A5E6E1}">
+      <dgm:prSet/>
+      <dgm:spPr/>
+      <dgm:t>
+        <a:bodyPr/>
+        <a:lstStyle/>
+        <a:p>
+          <a:endParaRPr lang="en-IN"/>
+        </a:p>
+      </dgm:t>
+    </dgm:pt>
+    <dgm:pt modelId="{252461B3-581E-4868-8E26-23CFEE3C6511}">
+      <dgm:prSet phldrT="[Text]">
+        <dgm:style>
+          <a:lnRef idx="0">
+            <a:scrgbClr r="0" g="0" b="0"/>
+          </a:lnRef>
+          <a:fillRef idx="0">
+            <a:scrgbClr r="0" g="0" b="0"/>
+          </a:fillRef>
+          <a:effectRef idx="0">
+            <a:scrgbClr r="0" g="0" b="0"/>
+          </a:effectRef>
+          <a:fontRef idx="minor">
+            <a:schemeClr val="dk1"/>
+          </a:fontRef>
+        </dgm:style>
+      </dgm:prSet>
+      <dgm:spPr>
+        <a:noFill/>
+        <a:ln w="9525" cap="flat" cmpd="sng" algn="ctr">
+          <a:solidFill>
+            <a:schemeClr val="dk1"/>
+          </a:solidFill>
+          <a:prstDash val="solid"/>
+          <a:round/>
+          <a:headEnd type="none" w="med" len="med"/>
+          <a:tailEnd type="none" w="med" len="med"/>
+        </a:ln>
+      </dgm:spPr>
+      <dgm:t>
+        <a:bodyPr/>
+        <a:lstStyle/>
+        <a:p>
+          <a:r>
+            <a:rPr lang="en-IN" dirty="0"/>
+            <a:t>H(a)</a:t>
+          </a:r>
+        </a:p>
+      </dgm:t>
+    </dgm:pt>
+    <dgm:pt modelId="{F8382E85-3D85-4DCC-9E85-745A3B593DCD}" type="parTrans" cxnId="{12C931FB-186D-4382-A360-B96F2E7BD866}">
+      <dgm:prSet>
+        <dgm:style>
+          <a:lnRef idx="0">
+            <a:scrgbClr r="0" g="0" b="0"/>
+          </a:lnRef>
+          <a:fillRef idx="0">
+            <a:scrgbClr r="0" g="0" b="0"/>
+          </a:fillRef>
+          <a:effectRef idx="0">
+            <a:scrgbClr r="0" g="0" b="0"/>
+          </a:effectRef>
+          <a:fontRef idx="minor">
+            <a:schemeClr val="dk1"/>
+          </a:fontRef>
+        </dgm:style>
+      </dgm:prSet>
+      <dgm:spPr>
+        <a:ln w="9525" cap="flat" cmpd="sng" algn="ctr">
+          <a:solidFill>
+            <a:schemeClr val="dk1"/>
+          </a:solidFill>
+          <a:prstDash val="solid"/>
+          <a:round/>
+          <a:headEnd type="none" w="med" len="med"/>
+          <a:tailEnd type="none" w="med" len="med"/>
+        </a:ln>
+      </dgm:spPr>
+      <dgm:t>
+        <a:bodyPr/>
+        <a:lstStyle/>
+        <a:p>
+          <a:endParaRPr lang="en-IN"/>
+        </a:p>
+      </dgm:t>
+    </dgm:pt>
+    <dgm:pt modelId="{030C6D1D-473B-481A-943D-2021C70F1CCF}" type="sibTrans" cxnId="{12C931FB-186D-4382-A360-B96F2E7BD866}">
+      <dgm:prSet/>
+      <dgm:spPr/>
+      <dgm:t>
+        <a:bodyPr/>
+        <a:lstStyle/>
+        <a:p>
+          <a:endParaRPr lang="en-IN"/>
+        </a:p>
+      </dgm:t>
+    </dgm:pt>
+    <dgm:pt modelId="{A0E44D07-8A48-4AC5-86FF-4E16B23C2A39}">
+      <dgm:prSet phldrT="[Text]">
+        <dgm:style>
+          <a:lnRef idx="0">
+            <a:scrgbClr r="0" g="0" b="0"/>
+          </a:lnRef>
+          <a:fillRef idx="0">
+            <a:scrgbClr r="0" g="0" b="0"/>
+          </a:fillRef>
+          <a:effectRef idx="0">
+            <a:scrgbClr r="0" g="0" b="0"/>
+          </a:effectRef>
+          <a:fontRef idx="minor">
+            <a:schemeClr val="dk1"/>
+          </a:fontRef>
+        </dgm:style>
+      </dgm:prSet>
+      <dgm:spPr>
+        <a:noFill/>
+        <a:ln w="9525" cap="flat" cmpd="sng" algn="ctr">
+          <a:solidFill>
+            <a:schemeClr val="dk1"/>
+          </a:solidFill>
+          <a:prstDash val="solid"/>
+          <a:round/>
+          <a:headEnd type="none" w="med" len="med"/>
+          <a:tailEnd type="none" w="med" len="med"/>
+        </a:ln>
+      </dgm:spPr>
+      <dgm:t>
+        <a:bodyPr/>
+        <a:lstStyle/>
+        <a:p>
+          <a:r>
+            <a:rPr lang="en-IN" dirty="0"/>
+            <a:t>H(b)</a:t>
+          </a:r>
+        </a:p>
+      </dgm:t>
+    </dgm:pt>
+    <dgm:pt modelId="{0AA01162-F4CC-4EB0-91CD-A4A549AEEBA6}" type="parTrans" cxnId="{E7955055-0281-4942-A62E-BD69E34B8B64}">
+      <dgm:prSet>
+        <dgm:style>
+          <a:lnRef idx="0">
+            <a:scrgbClr r="0" g="0" b="0"/>
+          </a:lnRef>
+          <a:fillRef idx="0">
+            <a:scrgbClr r="0" g="0" b="0"/>
+          </a:fillRef>
+          <a:effectRef idx="0">
+            <a:scrgbClr r="0" g="0" b="0"/>
+          </a:effectRef>
+          <a:fontRef idx="minor">
+            <a:schemeClr val="dk1"/>
+          </a:fontRef>
+        </dgm:style>
+      </dgm:prSet>
+      <dgm:spPr>
+        <a:ln w="9525" cap="flat" cmpd="sng" algn="ctr">
+          <a:solidFill>
+            <a:schemeClr val="dk1"/>
+          </a:solidFill>
+          <a:prstDash val="solid"/>
+          <a:round/>
+          <a:headEnd type="none" w="med" len="med"/>
+          <a:tailEnd type="none" w="med" len="med"/>
+        </a:ln>
+      </dgm:spPr>
+      <dgm:t>
+        <a:bodyPr/>
+        <a:lstStyle/>
+        <a:p>
+          <a:endParaRPr lang="en-IN"/>
+        </a:p>
+      </dgm:t>
+    </dgm:pt>
+    <dgm:pt modelId="{502268CE-1EC2-4E54-8AE6-8EF72AD79493}" type="sibTrans" cxnId="{E7955055-0281-4942-A62E-BD69E34B8B64}">
+      <dgm:prSet/>
+      <dgm:spPr/>
+      <dgm:t>
+        <a:bodyPr/>
+        <a:lstStyle/>
+        <a:p>
+          <a:endParaRPr lang="en-IN"/>
+        </a:p>
+      </dgm:t>
+    </dgm:pt>
+    <dgm:pt modelId="{EF86A11E-4A87-4635-8BD1-94B02842712F}">
+      <dgm:prSet phldrT="[Text]">
+        <dgm:style>
+          <a:lnRef idx="0">
+            <a:scrgbClr r="0" g="0" b="0"/>
+          </a:lnRef>
+          <a:fillRef idx="0">
+            <a:scrgbClr r="0" g="0" b="0"/>
+          </a:fillRef>
+          <a:effectRef idx="0">
+            <a:scrgbClr r="0" g="0" b="0"/>
+          </a:effectRef>
+          <a:fontRef idx="minor">
+            <a:schemeClr val="dk1"/>
+          </a:fontRef>
+        </dgm:style>
+      </dgm:prSet>
+      <dgm:spPr>
+        <a:noFill/>
+        <a:ln w="9525" cap="flat" cmpd="sng" algn="ctr">
+          <a:solidFill>
+            <a:schemeClr val="dk1"/>
+          </a:solidFill>
+          <a:prstDash val="solid"/>
+          <a:round/>
+          <a:headEnd type="none" w="med" len="med"/>
+          <a:tailEnd type="none" w="med" len="med"/>
+        </a:ln>
+      </dgm:spPr>
+      <dgm:t>
+        <a:bodyPr/>
+        <a:lstStyle/>
+        <a:p>
+          <a:r>
+            <a:rPr lang="en-IN" dirty="0"/>
+            <a:t>H(c)</a:t>
+          </a:r>
+        </a:p>
+      </dgm:t>
+    </dgm:pt>
+    <dgm:pt modelId="{00EE18F6-0802-46EA-9CD2-02B1BE8190C8}" type="parTrans" cxnId="{1C30C327-18F0-47DA-BC59-154EEFA402D2}">
+      <dgm:prSet>
+        <dgm:style>
+          <a:lnRef idx="0">
+            <a:scrgbClr r="0" g="0" b="0"/>
+          </a:lnRef>
+          <a:fillRef idx="0">
+            <a:scrgbClr r="0" g="0" b="0"/>
+          </a:fillRef>
+          <a:effectRef idx="0">
+            <a:scrgbClr r="0" g="0" b="0"/>
+          </a:effectRef>
+          <a:fontRef idx="minor">
+            <a:schemeClr val="dk1"/>
+          </a:fontRef>
+        </dgm:style>
+      </dgm:prSet>
+      <dgm:spPr>
+        <a:ln w="9525" cap="flat" cmpd="sng" algn="ctr">
+          <a:solidFill>
+            <a:schemeClr val="dk1"/>
+          </a:solidFill>
+          <a:prstDash val="solid"/>
+          <a:round/>
+          <a:headEnd type="none" w="med" len="med"/>
+          <a:tailEnd type="none" w="med" len="med"/>
+        </a:ln>
+      </dgm:spPr>
+      <dgm:t>
+        <a:bodyPr/>
+        <a:lstStyle/>
+        <a:p>
+          <a:endParaRPr lang="en-IN"/>
+        </a:p>
+      </dgm:t>
+    </dgm:pt>
+    <dgm:pt modelId="{DBFFC989-A954-4808-854A-8A064EF01B94}" type="sibTrans" cxnId="{1C30C327-18F0-47DA-BC59-154EEFA402D2}">
+      <dgm:prSet/>
+      <dgm:spPr/>
+      <dgm:t>
+        <a:bodyPr/>
+        <a:lstStyle/>
+        <a:p>
+          <a:endParaRPr lang="en-IN"/>
+        </a:p>
+      </dgm:t>
+    </dgm:pt>
+    <dgm:pt modelId="{F8706F02-74D8-490B-96DC-9BC70FF54060}">
+      <dgm:prSet phldrT="[Text]">
+        <dgm:style>
+          <a:lnRef idx="0">
+            <a:scrgbClr r="0" g="0" b="0"/>
+          </a:lnRef>
+          <a:fillRef idx="0">
+            <a:scrgbClr r="0" g="0" b="0"/>
+          </a:fillRef>
+          <a:effectRef idx="0">
+            <a:scrgbClr r="0" g="0" b="0"/>
+          </a:effectRef>
+          <a:fontRef idx="minor">
+            <a:schemeClr val="dk1"/>
+          </a:fontRef>
+        </dgm:style>
+      </dgm:prSet>
+      <dgm:spPr>
+        <a:noFill/>
+        <a:ln w="9525" cap="flat" cmpd="sng" algn="ctr">
+          <a:solidFill>
+            <a:schemeClr val="dk1"/>
+          </a:solidFill>
+          <a:prstDash val="solid"/>
+          <a:round/>
+          <a:headEnd type="none" w="med" len="med"/>
+          <a:tailEnd type="none" w="med" len="med"/>
+        </a:ln>
+      </dgm:spPr>
+      <dgm:t>
+        <a:bodyPr/>
+        <a:lstStyle/>
+        <a:p>
+          <a:r>
+            <a:rPr lang="en-IN" dirty="0"/>
+            <a:t>H(c)</a:t>
+          </a:r>
+        </a:p>
+      </dgm:t>
+    </dgm:pt>
+    <dgm:pt modelId="{DD3F0D5D-11D7-4653-A726-5025656DC533}" type="parTrans" cxnId="{57196B58-841A-4749-ACD3-FFAC08BE6901}">
+      <dgm:prSet>
+        <dgm:style>
+          <a:lnRef idx="0">
+            <a:scrgbClr r="0" g="0" b="0"/>
+          </a:lnRef>
+          <a:fillRef idx="0">
+            <a:scrgbClr r="0" g="0" b="0"/>
+          </a:fillRef>
+          <a:effectRef idx="0">
+            <a:scrgbClr r="0" g="0" b="0"/>
+          </a:effectRef>
+          <a:fontRef idx="minor">
+            <a:schemeClr val="dk1"/>
+          </a:fontRef>
+        </dgm:style>
+      </dgm:prSet>
+      <dgm:spPr>
+        <a:ln w="9525" cap="flat" cmpd="sng" algn="ctr">
+          <a:solidFill>
+            <a:schemeClr val="dk1"/>
+          </a:solidFill>
+          <a:prstDash val="solid"/>
+          <a:round/>
+          <a:headEnd type="none" w="med" len="med"/>
+          <a:tailEnd type="none" w="med" len="med"/>
+        </a:ln>
+      </dgm:spPr>
+      <dgm:t>
+        <a:bodyPr/>
+        <a:lstStyle/>
+        <a:p>
+          <a:endParaRPr lang="en-IN"/>
+        </a:p>
+      </dgm:t>
+    </dgm:pt>
+    <dgm:pt modelId="{D05D91D0-3C55-4E1A-8307-B74D7C03810C}" type="sibTrans" cxnId="{57196B58-841A-4749-ACD3-FFAC08BE6901}">
+      <dgm:prSet/>
+      <dgm:spPr/>
+      <dgm:t>
+        <a:bodyPr/>
+        <a:lstStyle/>
+        <a:p>
+          <a:endParaRPr lang="en-IN"/>
+        </a:p>
+      </dgm:t>
+    </dgm:pt>
+    <dgm:pt modelId="{E74C6F7F-AE5A-4BB9-9E80-7A21628DAA90}" type="pres">
+      <dgm:prSet presAssocID="{175454F9-4C3F-4188-87B6-3F4801B15BDF}" presName="diagram" presStyleCnt="0">
+        <dgm:presLayoutVars>
+          <dgm:chPref val="1"/>
+          <dgm:dir/>
+          <dgm:animOne val="branch"/>
+          <dgm:animLvl val="lvl"/>
+          <dgm:resizeHandles val="exact"/>
+        </dgm:presLayoutVars>
+      </dgm:prSet>
+      <dgm:spPr/>
+    </dgm:pt>
+    <dgm:pt modelId="{B96D7FE6-7330-409A-8CC3-AFCF0591B2F7}" type="pres">
+      <dgm:prSet presAssocID="{6E8DC0C4-CC74-42C1-8FE6-00FC25E56737}" presName="root1" presStyleCnt="0"/>
+      <dgm:spPr/>
+    </dgm:pt>
+    <dgm:pt modelId="{2479E8BF-31D9-412A-9413-5356D586A2EC}" type="pres">
+      <dgm:prSet presAssocID="{6E8DC0C4-CC74-42C1-8FE6-00FC25E56737}" presName="LevelOneTextNode" presStyleLbl="node0" presStyleIdx="0" presStyleCnt="1" custFlipHor="1" custLinFactNeighborX="-1168" custLinFactNeighborY="-7842">
+        <dgm:presLayoutVars>
+          <dgm:chPref val="3"/>
+        </dgm:presLayoutVars>
+      </dgm:prSet>
+      <dgm:spPr/>
+    </dgm:pt>
+    <dgm:pt modelId="{68A4C271-0CB4-4AAF-8913-90F692B718A7}" type="pres">
+      <dgm:prSet presAssocID="{6E8DC0C4-CC74-42C1-8FE6-00FC25E56737}" presName="level2hierChild" presStyleCnt="0"/>
+      <dgm:spPr/>
+    </dgm:pt>
+    <dgm:pt modelId="{E620676F-FF1A-42F6-9C75-EA1643F29311}" type="pres">
+      <dgm:prSet presAssocID="{D85CD01F-4842-46FE-9712-5F8446262752}" presName="conn2-1" presStyleLbl="parChTrans1D2" presStyleIdx="0" presStyleCnt="2"/>
+      <dgm:spPr/>
+    </dgm:pt>
+    <dgm:pt modelId="{9773D0F5-0EFC-445C-951E-A7CCB5C6C725}" type="pres">
+      <dgm:prSet presAssocID="{D85CD01F-4842-46FE-9712-5F8446262752}" presName="connTx" presStyleLbl="parChTrans1D2" presStyleIdx="0" presStyleCnt="2"/>
+      <dgm:spPr/>
+    </dgm:pt>
+    <dgm:pt modelId="{27456904-D722-48CF-8F07-42B887B8C97B}" type="pres">
+      <dgm:prSet presAssocID="{F8354AC4-58CF-49EC-B309-F62C8F5EA770}" presName="root2" presStyleCnt="0"/>
+      <dgm:spPr/>
+    </dgm:pt>
+    <dgm:pt modelId="{0CF7864F-2E23-4D90-BCF1-F2A3CD8FB95E}" type="pres">
+      <dgm:prSet presAssocID="{F8354AC4-58CF-49EC-B309-F62C8F5EA770}" presName="LevelTwoTextNode" presStyleLbl="node2" presStyleIdx="0" presStyleCnt="2" custFlipHor="1" custLinFactNeighborX="0" custLinFactNeighborY="-69862">
+        <dgm:presLayoutVars>
+          <dgm:chPref val="3"/>
+        </dgm:presLayoutVars>
+      </dgm:prSet>
+      <dgm:spPr/>
+    </dgm:pt>
+    <dgm:pt modelId="{541B92BE-3080-4EEC-9011-D45701E1CEC6}" type="pres">
+      <dgm:prSet presAssocID="{F8354AC4-58CF-49EC-B309-F62C8F5EA770}" presName="level3hierChild" presStyleCnt="0"/>
+      <dgm:spPr/>
+    </dgm:pt>
+    <dgm:pt modelId="{C1027D51-6C25-4BB5-90E3-915FB27E7319}" type="pres">
+      <dgm:prSet presAssocID="{F8382E85-3D85-4DCC-9E85-745A3B593DCD}" presName="conn2-1" presStyleLbl="parChTrans1D3" presStyleIdx="0" presStyleCnt="3"/>
+      <dgm:spPr/>
+    </dgm:pt>
+    <dgm:pt modelId="{73DF8B38-9735-43FB-A319-5E2FD22B3D94}" type="pres">
+      <dgm:prSet presAssocID="{F8382E85-3D85-4DCC-9E85-745A3B593DCD}" presName="connTx" presStyleLbl="parChTrans1D3" presStyleIdx="0" presStyleCnt="3"/>
+      <dgm:spPr/>
+    </dgm:pt>
+    <dgm:pt modelId="{1F58E533-4185-40F2-89D8-7998691267EF}" type="pres">
+      <dgm:prSet presAssocID="{252461B3-581E-4868-8E26-23CFEE3C6511}" presName="root2" presStyleCnt="0"/>
+      <dgm:spPr/>
+    </dgm:pt>
+    <dgm:pt modelId="{AA312B94-E805-4A37-A4EE-BCD50293262C}" type="pres">
+      <dgm:prSet presAssocID="{252461B3-581E-4868-8E26-23CFEE3C6511}" presName="LevelTwoTextNode" presStyleLbl="node3" presStyleIdx="0" presStyleCnt="3" custFlipHor="1" custLinFactNeighborX="-1069" custLinFactNeighborY="-85545">
+        <dgm:presLayoutVars>
+          <dgm:chPref val="3"/>
+        </dgm:presLayoutVars>
+      </dgm:prSet>
+      <dgm:spPr/>
+    </dgm:pt>
+    <dgm:pt modelId="{A04C41C0-B69E-4497-B1DD-59582415722B}" type="pres">
+      <dgm:prSet presAssocID="{252461B3-581E-4868-8E26-23CFEE3C6511}" presName="level3hierChild" presStyleCnt="0"/>
+      <dgm:spPr/>
+    </dgm:pt>
+    <dgm:pt modelId="{90811F5E-C0CB-4FAC-AA1E-61DA0B04C7D4}" type="pres">
+      <dgm:prSet presAssocID="{0AA01162-F4CC-4EB0-91CD-A4A549AEEBA6}" presName="conn2-1" presStyleLbl="parChTrans1D3" presStyleIdx="1" presStyleCnt="3"/>
+      <dgm:spPr/>
+    </dgm:pt>
+    <dgm:pt modelId="{AECB3B37-2300-494C-898D-B28F6D12BBF5}" type="pres">
+      <dgm:prSet presAssocID="{0AA01162-F4CC-4EB0-91CD-A4A549AEEBA6}" presName="connTx" presStyleLbl="parChTrans1D3" presStyleIdx="1" presStyleCnt="3"/>
+      <dgm:spPr/>
+    </dgm:pt>
+    <dgm:pt modelId="{FA894F75-ACF4-47BB-A6DB-E5376F6DFF7F}" type="pres">
+      <dgm:prSet presAssocID="{A0E44D07-8A48-4AC5-86FF-4E16B23C2A39}" presName="root2" presStyleCnt="0"/>
+      <dgm:spPr/>
+    </dgm:pt>
+    <dgm:pt modelId="{04611D0E-C9DC-4CBF-BB08-C1286E20CCA1}" type="pres">
+      <dgm:prSet presAssocID="{A0E44D07-8A48-4AC5-86FF-4E16B23C2A39}" presName="LevelTwoTextNode" presStyleLbl="node3" presStyleIdx="1" presStyleCnt="3" custFlipHor="1" custLinFactNeighborY="-41446">
+        <dgm:presLayoutVars>
+          <dgm:chPref val="3"/>
+        </dgm:presLayoutVars>
+      </dgm:prSet>
+      <dgm:spPr/>
+    </dgm:pt>
+    <dgm:pt modelId="{DD6B048D-7E0E-4418-9661-0A9A2F8F61D9}" type="pres">
+      <dgm:prSet presAssocID="{A0E44D07-8A48-4AC5-86FF-4E16B23C2A39}" presName="level3hierChild" presStyleCnt="0"/>
+      <dgm:spPr/>
+    </dgm:pt>
+    <dgm:pt modelId="{0255321E-16D4-4A63-AFE6-12BBA66F257B}" type="pres">
+      <dgm:prSet presAssocID="{00EE18F6-0802-46EA-9CD2-02B1BE8190C8}" presName="conn2-1" presStyleLbl="parChTrans1D2" presStyleIdx="1" presStyleCnt="2"/>
+      <dgm:spPr/>
+    </dgm:pt>
+    <dgm:pt modelId="{ABBC54AB-05DC-4061-BDE0-26BAA078E0DB}" type="pres">
+      <dgm:prSet presAssocID="{00EE18F6-0802-46EA-9CD2-02B1BE8190C8}" presName="connTx" presStyleLbl="parChTrans1D2" presStyleIdx="1" presStyleCnt="2"/>
+      <dgm:spPr/>
+    </dgm:pt>
+    <dgm:pt modelId="{0FB3C823-66BE-42FB-8EE6-2712E5A96664}" type="pres">
+      <dgm:prSet presAssocID="{EF86A11E-4A87-4635-8BD1-94B02842712F}" presName="root2" presStyleCnt="0"/>
+      <dgm:spPr/>
+    </dgm:pt>
+    <dgm:pt modelId="{82D9AF9C-6EB9-4FED-ACB9-7FA3A9474F52}" type="pres">
+      <dgm:prSet presAssocID="{EF86A11E-4A87-4635-8BD1-94B02842712F}" presName="LevelTwoTextNode" presStyleLbl="node2" presStyleIdx="1" presStyleCnt="2" custFlipHor="1" custLinFactNeighborX="-2138" custLinFactNeighborY="76990">
+        <dgm:presLayoutVars>
+          <dgm:chPref val="3"/>
+        </dgm:presLayoutVars>
+      </dgm:prSet>
+      <dgm:spPr/>
+    </dgm:pt>
+    <dgm:pt modelId="{F2426DF9-2231-4112-9987-9B7A93D678DD}" type="pres">
+      <dgm:prSet presAssocID="{EF86A11E-4A87-4635-8BD1-94B02842712F}" presName="level3hierChild" presStyleCnt="0"/>
+      <dgm:spPr/>
+    </dgm:pt>
+    <dgm:pt modelId="{11F4427E-FE15-4500-B9AC-1AB198B8A879}" type="pres">
+      <dgm:prSet presAssocID="{DD3F0D5D-11D7-4653-A726-5025656DC533}" presName="conn2-1" presStyleLbl="parChTrans1D3" presStyleIdx="2" presStyleCnt="3"/>
+      <dgm:spPr/>
+    </dgm:pt>
+    <dgm:pt modelId="{4159F7E5-B2FC-4878-8EC3-DA6F86237971}" type="pres">
+      <dgm:prSet presAssocID="{DD3F0D5D-11D7-4653-A726-5025656DC533}" presName="connTx" presStyleLbl="parChTrans1D3" presStyleIdx="2" presStyleCnt="3"/>
+      <dgm:spPr/>
+    </dgm:pt>
+    <dgm:pt modelId="{EDEFCC8B-8A82-443B-9257-08E8AF117313}" type="pres">
+      <dgm:prSet presAssocID="{F8706F02-74D8-490B-96DC-9BC70FF54060}" presName="root2" presStyleCnt="0"/>
+      <dgm:spPr/>
+    </dgm:pt>
+    <dgm:pt modelId="{DF351525-307A-46C5-BF9D-320433DF1AC6}" type="pres">
+      <dgm:prSet presAssocID="{F8706F02-74D8-490B-96DC-9BC70FF54060}" presName="LevelTwoTextNode" presStyleLbl="node3" presStyleIdx="2" presStyleCnt="3" custFlipHor="1" custLinFactNeighborX="1783" custLinFactNeighborY="75564">
+        <dgm:presLayoutVars>
+          <dgm:chPref val="3"/>
+        </dgm:presLayoutVars>
+      </dgm:prSet>
+      <dgm:spPr/>
+    </dgm:pt>
+    <dgm:pt modelId="{57BB417A-A7AA-4740-94E6-F5E0E42C0683}" type="pres">
+      <dgm:prSet presAssocID="{F8706F02-74D8-490B-96DC-9BC70FF54060}" presName="level3hierChild" presStyleCnt="0"/>
+      <dgm:spPr/>
+    </dgm:pt>
+  </dgm:ptLst>
+  <dgm:cxnLst>
+    <dgm:cxn modelId="{73DF200B-F7EB-4FF8-B70F-0E0D323B04A3}" type="presOf" srcId="{DD3F0D5D-11D7-4653-A726-5025656DC533}" destId="{4159F7E5-B2FC-4878-8EC3-DA6F86237971}" srcOrd="1" destOrd="0" presId="urn:microsoft.com/office/officeart/2005/8/layout/hierarchy2"/>
+    <dgm:cxn modelId="{86FD460D-6F79-4401-AB1F-2287CA0AFD7F}" type="presOf" srcId="{0AA01162-F4CC-4EB0-91CD-A4A549AEEBA6}" destId="{AECB3B37-2300-494C-898D-B28F6D12BBF5}" srcOrd="1" destOrd="0" presId="urn:microsoft.com/office/officeart/2005/8/layout/hierarchy2"/>
+    <dgm:cxn modelId="{C5446310-0BB1-44DD-B252-384AEBF75FE6}" type="presOf" srcId="{00EE18F6-0802-46EA-9CD2-02B1BE8190C8}" destId="{0255321E-16D4-4A63-AFE6-12BBA66F257B}" srcOrd="0" destOrd="0" presId="urn:microsoft.com/office/officeart/2005/8/layout/hierarchy2"/>
+    <dgm:cxn modelId="{C295EB11-2815-428A-8DE2-DE8FFF289053}" type="presOf" srcId="{D85CD01F-4842-46FE-9712-5F8446262752}" destId="{E620676F-FF1A-42F6-9C75-EA1643F29311}" srcOrd="0" destOrd="0" presId="urn:microsoft.com/office/officeart/2005/8/layout/hierarchy2"/>
+    <dgm:cxn modelId="{1C30C327-18F0-47DA-BC59-154EEFA402D2}" srcId="{6E8DC0C4-CC74-42C1-8FE6-00FC25E56737}" destId="{EF86A11E-4A87-4635-8BD1-94B02842712F}" srcOrd="1" destOrd="0" parTransId="{00EE18F6-0802-46EA-9CD2-02B1BE8190C8}" sibTransId="{DBFFC989-A954-4808-854A-8A064EF01B94}"/>
+    <dgm:cxn modelId="{9494212D-C3B5-49F1-BBB0-B88035E4E0B5}" type="presOf" srcId="{DD3F0D5D-11D7-4653-A726-5025656DC533}" destId="{11F4427E-FE15-4500-B9AC-1AB198B8A879}" srcOrd="0" destOrd="0" presId="urn:microsoft.com/office/officeart/2005/8/layout/hierarchy2"/>
+    <dgm:cxn modelId="{D96EBF32-3D60-4CA2-BBBB-C2C3CF91838E}" type="presOf" srcId="{F8382E85-3D85-4DCC-9E85-745A3B593DCD}" destId="{73DF8B38-9735-43FB-A319-5E2FD22B3D94}" srcOrd="1" destOrd="0" presId="urn:microsoft.com/office/officeart/2005/8/layout/hierarchy2"/>
+    <dgm:cxn modelId="{2AD56D5F-A605-4575-A60A-7BBEF3376FF3}" type="presOf" srcId="{D85CD01F-4842-46FE-9712-5F8446262752}" destId="{9773D0F5-0EFC-445C-951E-A7CCB5C6C725}" srcOrd="1" destOrd="0" presId="urn:microsoft.com/office/officeart/2005/8/layout/hierarchy2"/>
+    <dgm:cxn modelId="{63403371-2AE0-4D76-A7B1-984C10A5E6E1}" srcId="{6E8DC0C4-CC74-42C1-8FE6-00FC25E56737}" destId="{F8354AC4-58CF-49EC-B309-F62C8F5EA770}" srcOrd="0" destOrd="0" parTransId="{D85CD01F-4842-46FE-9712-5F8446262752}" sibTransId="{003B8D0E-A527-4940-959D-79A73E674CAB}"/>
+    <dgm:cxn modelId="{6342F353-C561-4EE6-97BC-3F38FB8CB492}" type="presOf" srcId="{F8382E85-3D85-4DCC-9E85-745A3B593DCD}" destId="{C1027D51-6C25-4BB5-90E3-915FB27E7319}" srcOrd="0" destOrd="0" presId="urn:microsoft.com/office/officeart/2005/8/layout/hierarchy2"/>
+    <dgm:cxn modelId="{3AC90155-391D-476B-A0EC-336ADF0EF489}" type="presOf" srcId="{00EE18F6-0802-46EA-9CD2-02B1BE8190C8}" destId="{ABBC54AB-05DC-4061-BDE0-26BAA078E0DB}" srcOrd="1" destOrd="0" presId="urn:microsoft.com/office/officeart/2005/8/layout/hierarchy2"/>
+    <dgm:cxn modelId="{E7955055-0281-4942-A62E-BD69E34B8B64}" srcId="{F8354AC4-58CF-49EC-B309-F62C8F5EA770}" destId="{A0E44D07-8A48-4AC5-86FF-4E16B23C2A39}" srcOrd="1" destOrd="0" parTransId="{0AA01162-F4CC-4EB0-91CD-A4A549AEEBA6}" sibTransId="{502268CE-1EC2-4E54-8AE6-8EF72AD79493}"/>
+    <dgm:cxn modelId="{57196B58-841A-4749-ACD3-FFAC08BE6901}" srcId="{EF86A11E-4A87-4635-8BD1-94B02842712F}" destId="{F8706F02-74D8-490B-96DC-9BC70FF54060}" srcOrd="0" destOrd="0" parTransId="{DD3F0D5D-11D7-4653-A726-5025656DC533}" sibTransId="{D05D91D0-3C55-4E1A-8307-B74D7C03810C}"/>
+    <dgm:cxn modelId="{1C92DF59-CDA3-4D84-A168-5E896AAA5F4A}" type="presOf" srcId="{F8706F02-74D8-490B-96DC-9BC70FF54060}" destId="{DF351525-307A-46C5-BF9D-320433DF1AC6}" srcOrd="0" destOrd="0" presId="urn:microsoft.com/office/officeart/2005/8/layout/hierarchy2"/>
+    <dgm:cxn modelId="{D3FD1A96-877D-41BC-B974-D61ECBABCC0B}" type="presOf" srcId="{252461B3-581E-4868-8E26-23CFEE3C6511}" destId="{AA312B94-E805-4A37-A4EE-BCD50293262C}" srcOrd="0" destOrd="0" presId="urn:microsoft.com/office/officeart/2005/8/layout/hierarchy2"/>
+    <dgm:cxn modelId="{B4CD99B9-8146-4D95-AF84-72966FFD09A7}" type="presOf" srcId="{175454F9-4C3F-4188-87B6-3F4801B15BDF}" destId="{E74C6F7F-AE5A-4BB9-9E80-7A21628DAA90}" srcOrd="0" destOrd="0" presId="urn:microsoft.com/office/officeart/2005/8/layout/hierarchy2"/>
+    <dgm:cxn modelId="{4C7E89BF-43FC-4BD7-991D-B3CDC5FBCD08}" type="presOf" srcId="{EF86A11E-4A87-4635-8BD1-94B02842712F}" destId="{82D9AF9C-6EB9-4FED-ACB9-7FA3A9474F52}" srcOrd="0" destOrd="0" presId="urn:microsoft.com/office/officeart/2005/8/layout/hierarchy2"/>
+    <dgm:cxn modelId="{CC2F34CB-F36E-4B8E-AF02-EA92AEF25ACB}" type="presOf" srcId="{F8354AC4-58CF-49EC-B309-F62C8F5EA770}" destId="{0CF7864F-2E23-4D90-BCF1-F2A3CD8FB95E}" srcOrd="0" destOrd="0" presId="urn:microsoft.com/office/officeart/2005/8/layout/hierarchy2"/>
+    <dgm:cxn modelId="{68BBE9D1-A36C-4B2F-AFE0-ED3527CE787E}" type="presOf" srcId="{A0E44D07-8A48-4AC5-86FF-4E16B23C2A39}" destId="{04611D0E-C9DC-4CBF-BB08-C1286E20CCA1}" srcOrd="0" destOrd="0" presId="urn:microsoft.com/office/officeart/2005/8/layout/hierarchy2"/>
+    <dgm:cxn modelId="{4CE92ADC-4E1F-40EA-BF54-ED3E45BD30C2}" type="presOf" srcId="{0AA01162-F4CC-4EB0-91CD-A4A549AEEBA6}" destId="{90811F5E-C0CB-4FAC-AA1E-61DA0B04C7D4}" srcOrd="0" destOrd="0" presId="urn:microsoft.com/office/officeart/2005/8/layout/hierarchy2"/>
+    <dgm:cxn modelId="{989100E7-5AFD-43D6-8DA5-BB588E0B417D}" srcId="{175454F9-4C3F-4188-87B6-3F4801B15BDF}" destId="{6E8DC0C4-CC74-42C1-8FE6-00FC25E56737}" srcOrd="0" destOrd="0" parTransId="{C8810A27-DA6A-4B5D-A0E9-2233D93403B0}" sibTransId="{7D494AA1-5F2B-439B-86E2-7F37483A2594}"/>
+    <dgm:cxn modelId="{0A535DF0-378B-4D7E-A935-EC6DE166AF91}" type="presOf" srcId="{6E8DC0C4-CC74-42C1-8FE6-00FC25E56737}" destId="{2479E8BF-31D9-412A-9413-5356D586A2EC}" srcOrd="0" destOrd="0" presId="urn:microsoft.com/office/officeart/2005/8/layout/hierarchy2"/>
+    <dgm:cxn modelId="{12C931FB-186D-4382-A360-B96F2E7BD866}" srcId="{F8354AC4-58CF-49EC-B309-F62C8F5EA770}" destId="{252461B3-581E-4868-8E26-23CFEE3C6511}" srcOrd="0" destOrd="0" parTransId="{F8382E85-3D85-4DCC-9E85-745A3B593DCD}" sibTransId="{030C6D1D-473B-481A-943D-2021C70F1CCF}"/>
+    <dgm:cxn modelId="{33EFAA2F-B66B-4ECD-B9FA-CB444FE672FF}" type="presParOf" srcId="{E74C6F7F-AE5A-4BB9-9E80-7A21628DAA90}" destId="{B96D7FE6-7330-409A-8CC3-AFCF0591B2F7}" srcOrd="0" destOrd="0" presId="urn:microsoft.com/office/officeart/2005/8/layout/hierarchy2"/>
+    <dgm:cxn modelId="{3A673C88-C7C0-4199-B9E5-DBCFADC2501C}" type="presParOf" srcId="{B96D7FE6-7330-409A-8CC3-AFCF0591B2F7}" destId="{2479E8BF-31D9-412A-9413-5356D586A2EC}" srcOrd="0" destOrd="0" presId="urn:microsoft.com/office/officeart/2005/8/layout/hierarchy2"/>
+    <dgm:cxn modelId="{E732CABB-F910-495C-8104-DB54542024CF}" type="presParOf" srcId="{B96D7FE6-7330-409A-8CC3-AFCF0591B2F7}" destId="{68A4C271-0CB4-4AAF-8913-90F692B718A7}" srcOrd="1" destOrd="0" presId="urn:microsoft.com/office/officeart/2005/8/layout/hierarchy2"/>
+    <dgm:cxn modelId="{0E046AEF-DCC6-4A5E-90D0-9F46ADA70620}" type="presParOf" srcId="{68A4C271-0CB4-4AAF-8913-90F692B718A7}" destId="{E620676F-FF1A-42F6-9C75-EA1643F29311}" srcOrd="0" destOrd="0" presId="urn:microsoft.com/office/officeart/2005/8/layout/hierarchy2"/>
+    <dgm:cxn modelId="{F96586DB-C904-46A3-A733-7283E8F13A35}" type="presParOf" srcId="{E620676F-FF1A-42F6-9C75-EA1643F29311}" destId="{9773D0F5-0EFC-445C-951E-A7CCB5C6C725}" srcOrd="0" destOrd="0" presId="urn:microsoft.com/office/officeart/2005/8/layout/hierarchy2"/>
+    <dgm:cxn modelId="{28F5DF0F-DCAA-45ED-AE8D-4E379DE12619}" type="presParOf" srcId="{68A4C271-0CB4-4AAF-8913-90F692B718A7}" destId="{27456904-D722-48CF-8F07-42B887B8C97B}" srcOrd="1" destOrd="0" presId="urn:microsoft.com/office/officeart/2005/8/layout/hierarchy2"/>
+    <dgm:cxn modelId="{859A25C3-1DF9-4DAC-9D61-34C50BE9686D}" type="presParOf" srcId="{27456904-D722-48CF-8F07-42B887B8C97B}" destId="{0CF7864F-2E23-4D90-BCF1-F2A3CD8FB95E}" srcOrd="0" destOrd="0" presId="urn:microsoft.com/office/officeart/2005/8/layout/hierarchy2"/>
+    <dgm:cxn modelId="{529C1786-43EB-4DFA-B13C-8DDFCB788BC3}" type="presParOf" srcId="{27456904-D722-48CF-8F07-42B887B8C97B}" destId="{541B92BE-3080-4EEC-9011-D45701E1CEC6}" srcOrd="1" destOrd="0" presId="urn:microsoft.com/office/officeart/2005/8/layout/hierarchy2"/>
+    <dgm:cxn modelId="{4C8B5029-6075-4BD0-9821-BC8F53943776}" type="presParOf" srcId="{541B92BE-3080-4EEC-9011-D45701E1CEC6}" destId="{C1027D51-6C25-4BB5-90E3-915FB27E7319}" srcOrd="0" destOrd="0" presId="urn:microsoft.com/office/officeart/2005/8/layout/hierarchy2"/>
+    <dgm:cxn modelId="{B1CFE87A-8BA1-4119-8126-BF43F7AB5577}" type="presParOf" srcId="{C1027D51-6C25-4BB5-90E3-915FB27E7319}" destId="{73DF8B38-9735-43FB-A319-5E2FD22B3D94}" srcOrd="0" destOrd="0" presId="urn:microsoft.com/office/officeart/2005/8/layout/hierarchy2"/>
+    <dgm:cxn modelId="{51E70943-38D5-4E5C-BE1F-56460B711A52}" type="presParOf" srcId="{541B92BE-3080-4EEC-9011-D45701E1CEC6}" destId="{1F58E533-4185-40F2-89D8-7998691267EF}" srcOrd="1" destOrd="0" presId="urn:microsoft.com/office/officeart/2005/8/layout/hierarchy2"/>
+    <dgm:cxn modelId="{6FD01627-E921-404E-894E-12AE27527022}" type="presParOf" srcId="{1F58E533-4185-40F2-89D8-7998691267EF}" destId="{AA312B94-E805-4A37-A4EE-BCD50293262C}" srcOrd="0" destOrd="0" presId="urn:microsoft.com/office/officeart/2005/8/layout/hierarchy2"/>
+    <dgm:cxn modelId="{E47A16F2-1409-4B0F-AA32-A03F9F40CC12}" type="presParOf" srcId="{1F58E533-4185-40F2-89D8-7998691267EF}" destId="{A04C41C0-B69E-4497-B1DD-59582415722B}" srcOrd="1" destOrd="0" presId="urn:microsoft.com/office/officeart/2005/8/layout/hierarchy2"/>
+    <dgm:cxn modelId="{66732B83-930B-4C21-8796-1D2C2EF460EC}" type="presParOf" srcId="{541B92BE-3080-4EEC-9011-D45701E1CEC6}" destId="{90811F5E-C0CB-4FAC-AA1E-61DA0B04C7D4}" srcOrd="2" destOrd="0" presId="urn:microsoft.com/office/officeart/2005/8/layout/hierarchy2"/>
+    <dgm:cxn modelId="{E033BE44-1276-484F-A217-B4C50B7964C2}" type="presParOf" srcId="{90811F5E-C0CB-4FAC-AA1E-61DA0B04C7D4}" destId="{AECB3B37-2300-494C-898D-B28F6D12BBF5}" srcOrd="0" destOrd="0" presId="urn:microsoft.com/office/officeart/2005/8/layout/hierarchy2"/>
+    <dgm:cxn modelId="{FA32946F-FD62-46AA-B5A2-87748AAD2B0A}" type="presParOf" srcId="{541B92BE-3080-4EEC-9011-D45701E1CEC6}" destId="{FA894F75-ACF4-47BB-A6DB-E5376F6DFF7F}" srcOrd="3" destOrd="0" presId="urn:microsoft.com/office/officeart/2005/8/layout/hierarchy2"/>
+    <dgm:cxn modelId="{14C546A2-FA84-4858-8709-3D8C36FEA5BB}" type="presParOf" srcId="{FA894F75-ACF4-47BB-A6DB-E5376F6DFF7F}" destId="{04611D0E-C9DC-4CBF-BB08-C1286E20CCA1}" srcOrd="0" destOrd="0" presId="urn:microsoft.com/office/officeart/2005/8/layout/hierarchy2"/>
+    <dgm:cxn modelId="{890E244D-5F9C-4C3B-84C1-9ED7330AAFD4}" type="presParOf" srcId="{FA894F75-ACF4-47BB-A6DB-E5376F6DFF7F}" destId="{DD6B048D-7E0E-4418-9661-0A9A2F8F61D9}" srcOrd="1" destOrd="0" presId="urn:microsoft.com/office/officeart/2005/8/layout/hierarchy2"/>
+    <dgm:cxn modelId="{7FCD7C25-5D3C-4B38-9267-6B0B14047C53}" type="presParOf" srcId="{68A4C271-0CB4-4AAF-8913-90F692B718A7}" destId="{0255321E-16D4-4A63-AFE6-12BBA66F257B}" srcOrd="2" destOrd="0" presId="urn:microsoft.com/office/officeart/2005/8/layout/hierarchy2"/>
+    <dgm:cxn modelId="{9B2BAF80-1E0D-43B1-8815-80737B7BD8EC}" type="presParOf" srcId="{0255321E-16D4-4A63-AFE6-12BBA66F257B}" destId="{ABBC54AB-05DC-4061-BDE0-26BAA078E0DB}" srcOrd="0" destOrd="0" presId="urn:microsoft.com/office/officeart/2005/8/layout/hierarchy2"/>
+    <dgm:cxn modelId="{2A2428DF-E02C-4769-B470-ECA1737B5FAE}" type="presParOf" srcId="{68A4C271-0CB4-4AAF-8913-90F692B718A7}" destId="{0FB3C823-66BE-42FB-8EE6-2712E5A96664}" srcOrd="3" destOrd="0" presId="urn:microsoft.com/office/officeart/2005/8/layout/hierarchy2"/>
+    <dgm:cxn modelId="{82DD678E-0A93-4397-88B4-643B51C94C2B}" type="presParOf" srcId="{0FB3C823-66BE-42FB-8EE6-2712E5A96664}" destId="{82D9AF9C-6EB9-4FED-ACB9-7FA3A9474F52}" srcOrd="0" destOrd="0" presId="urn:microsoft.com/office/officeart/2005/8/layout/hierarchy2"/>
+    <dgm:cxn modelId="{76FDFD16-6EAB-41CA-A13C-2860FBE36539}" type="presParOf" srcId="{0FB3C823-66BE-42FB-8EE6-2712E5A96664}" destId="{F2426DF9-2231-4112-9987-9B7A93D678DD}" srcOrd="1" destOrd="0" presId="urn:microsoft.com/office/officeart/2005/8/layout/hierarchy2"/>
+    <dgm:cxn modelId="{1C2EC357-2D00-4ECF-9753-E6C476452DC7}" type="presParOf" srcId="{F2426DF9-2231-4112-9987-9B7A93D678DD}" destId="{11F4427E-FE15-4500-B9AC-1AB198B8A879}" srcOrd="0" destOrd="0" presId="urn:microsoft.com/office/officeart/2005/8/layout/hierarchy2"/>
+    <dgm:cxn modelId="{5259CA5B-10CE-47DD-9C25-9EADCEE9B2DA}" type="presParOf" srcId="{11F4427E-FE15-4500-B9AC-1AB198B8A879}" destId="{4159F7E5-B2FC-4878-8EC3-DA6F86237971}" srcOrd="0" destOrd="0" presId="urn:microsoft.com/office/officeart/2005/8/layout/hierarchy2"/>
+    <dgm:cxn modelId="{6CB734F7-29F8-47AF-8BF8-5AE60991BCD7}" type="presParOf" srcId="{F2426DF9-2231-4112-9987-9B7A93D678DD}" destId="{EDEFCC8B-8A82-443B-9257-08E8AF117313}" srcOrd="1" destOrd="0" presId="urn:microsoft.com/office/officeart/2005/8/layout/hierarchy2"/>
+    <dgm:cxn modelId="{4E4DAA10-75A4-49EE-AEC7-132A459D6444}" type="presParOf" srcId="{EDEFCC8B-8A82-443B-9257-08E8AF117313}" destId="{DF351525-307A-46C5-BF9D-320433DF1AC6}" srcOrd="0" destOrd="0" presId="urn:microsoft.com/office/officeart/2005/8/layout/hierarchy2"/>
+    <dgm:cxn modelId="{AF92B5A8-DB44-4B95-B353-D2B2A854DB12}" type="presParOf" srcId="{EDEFCC8B-8A82-443B-9257-08E8AF117313}" destId="{57BB417A-A7AA-4740-94E6-F5E0E42C0683}" srcOrd="1" destOrd="0" presId="urn:microsoft.com/office/officeart/2005/8/layout/hierarchy2"/>
   </dgm:cxnLst>
   <dgm:bg/>
   <dgm:whole/>
@@ -1835,6 +3308,833 @@
 </dsp:drawing>
 </file>
 
+<file path=ppt/diagrams/drawing2.xml><?xml version="1.0" encoding="utf-8"?>
+<dsp:drawing xmlns:dgm="http://schemas.openxmlformats.org/drawingml/2006/diagram" xmlns:dsp="http://schemas.microsoft.com/office/drawing/2008/diagram" xmlns:a="http://schemas.openxmlformats.org/drawingml/2006/main">
+  <dsp:spTree>
+    <dsp:nvGrpSpPr>
+      <dsp:cNvPr id="0" name=""/>
+      <dsp:cNvGrpSpPr/>
+    </dsp:nvGrpSpPr>
+    <dsp:grpSpPr/>
+    <dsp:sp modelId="{2479E8BF-31D9-412A-9413-5356D586A2EC}">
+      <dsp:nvSpPr>
+        <dsp:cNvPr id="0" name=""/>
+        <dsp:cNvSpPr/>
+      </dsp:nvSpPr>
+      <dsp:spPr>
+        <a:xfrm flipH="1">
+          <a:off x="0" y="2398364"/>
+          <a:ext cx="2137833" cy="1068916"/>
+        </a:xfrm>
+        <a:prstGeom prst="roundRect">
+          <a:avLst>
+            <a:gd name="adj" fmla="val 10000"/>
+          </a:avLst>
+        </a:prstGeom>
+        <a:noFill/>
+        <a:ln w="9525" cap="flat" cmpd="sng" algn="ctr">
+          <a:solidFill>
+            <a:schemeClr val="dk1"/>
+          </a:solidFill>
+          <a:prstDash val="solid"/>
+          <a:round/>
+          <a:headEnd type="none" w="med" len="med"/>
+          <a:tailEnd type="none" w="med" len="med"/>
+        </a:ln>
+        <a:effectLst/>
+      </dsp:spPr>
+      <dsp:style>
+        <a:lnRef idx="0">
+          <a:scrgbClr r="0" g="0" b="0"/>
+        </a:lnRef>
+        <a:fillRef idx="0">
+          <a:scrgbClr r="0" g="0" b="0"/>
+        </a:fillRef>
+        <a:effectRef idx="0">
+          <a:scrgbClr r="0" g="0" b="0"/>
+        </a:effectRef>
+        <a:fontRef idx="minor">
+          <a:schemeClr val="dk1"/>
+        </a:fontRef>
+      </dsp:style>
+      <dsp:txBody>
+        <a:bodyPr spcFirstLastPara="0" vert="horz" wrap="square" lIns="37465" tIns="37465" rIns="37465" bIns="37465" numCol="1" spcCol="1270" anchor="ctr" anchorCtr="0">
+          <a:noAutofit/>
+        </a:bodyPr>
+        <a:lstStyle/>
+        <a:p>
+          <a:pPr marL="0" lvl="0" indent="0" algn="ctr" defTabSz="2622550">
+            <a:lnSpc>
+              <a:spcPct val="90000"/>
+            </a:lnSpc>
+            <a:spcBef>
+              <a:spcPct val="0"/>
+            </a:spcBef>
+            <a:spcAft>
+              <a:spcPct val="35000"/>
+            </a:spcAft>
+            <a:buNone/>
+          </a:pPr>
+          <a:r>
+            <a:rPr lang="en-IN" sz="5900" kern="1200" dirty="0"/>
+            <a:t>H(abc)</a:t>
+          </a:r>
+        </a:p>
+      </dsp:txBody>
+      <dsp:txXfrm>
+        <a:off x="31307" y="2429671"/>
+        <a:ext cx="2075219" cy="1006302"/>
+      </dsp:txXfrm>
+    </dsp:sp>
+    <dsp:sp modelId="{E620676F-FF1A-42F6-9C75-EA1643F29311}">
+      <dsp:nvSpPr>
+        <dsp:cNvPr id="0" name=""/>
+        <dsp:cNvSpPr/>
+      </dsp:nvSpPr>
+      <dsp:spPr>
+        <a:xfrm rot="17904515">
+          <a:off x="1665524" y="2122627"/>
+          <a:ext cx="1801868" cy="35507"/>
+        </a:xfrm>
+        <a:custGeom>
+          <a:avLst/>
+          <a:gdLst/>
+          <a:ahLst/>
+          <a:cxnLst/>
+          <a:rect l="0" t="0" r="0" b="0"/>
+          <a:pathLst>
+            <a:path>
+              <a:moveTo>
+                <a:pt x="0" y="17753"/>
+              </a:moveTo>
+              <a:lnTo>
+                <a:pt x="1801868" y="17753"/>
+              </a:lnTo>
+            </a:path>
+          </a:pathLst>
+        </a:custGeom>
+        <a:noFill/>
+        <a:ln w="9525" cap="flat" cmpd="sng" algn="ctr">
+          <a:solidFill>
+            <a:schemeClr val="dk1"/>
+          </a:solidFill>
+          <a:prstDash val="solid"/>
+          <a:round/>
+          <a:headEnd type="none" w="med" len="med"/>
+          <a:tailEnd type="none" w="med" len="med"/>
+        </a:ln>
+        <a:effectLst/>
+      </dsp:spPr>
+      <dsp:style>
+        <a:lnRef idx="0">
+          <a:scrgbClr r="0" g="0" b="0"/>
+        </a:lnRef>
+        <a:fillRef idx="0">
+          <a:scrgbClr r="0" g="0" b="0"/>
+        </a:fillRef>
+        <a:effectRef idx="0">
+          <a:scrgbClr r="0" g="0" b="0"/>
+        </a:effectRef>
+        <a:fontRef idx="minor">
+          <a:schemeClr val="dk1"/>
+        </a:fontRef>
+      </dsp:style>
+      <dsp:txBody>
+        <a:bodyPr spcFirstLastPara="0" vert="horz" wrap="square" lIns="12700" tIns="0" rIns="12700" bIns="0" numCol="1" spcCol="1270" anchor="ctr" anchorCtr="0">
+          <a:noAutofit/>
+        </a:bodyPr>
+        <a:lstStyle/>
+        <a:p>
+          <a:pPr marL="0" lvl="0" indent="0" algn="ctr" defTabSz="266700">
+            <a:lnSpc>
+              <a:spcPct val="90000"/>
+            </a:lnSpc>
+            <a:spcBef>
+              <a:spcPct val="0"/>
+            </a:spcBef>
+            <a:spcAft>
+              <a:spcPct val="35000"/>
+            </a:spcAft>
+            <a:buNone/>
+          </a:pPr>
+          <a:endParaRPr lang="en-IN" sz="600" kern="1200"/>
+        </a:p>
+      </dsp:txBody>
+      <dsp:txXfrm>
+        <a:off x="2521411" y="2095334"/>
+        <a:ext cx="90093" cy="90093"/>
+      </dsp:txXfrm>
+    </dsp:sp>
+    <dsp:sp modelId="{0CF7864F-2E23-4D90-BCF1-F2A3CD8FB95E}">
+      <dsp:nvSpPr>
+        <dsp:cNvPr id="0" name=""/>
+        <dsp:cNvSpPr/>
+      </dsp:nvSpPr>
+      <dsp:spPr>
+        <a:xfrm flipH="1">
+          <a:off x="2995083" y="813481"/>
+          <a:ext cx="2137833" cy="1068916"/>
+        </a:xfrm>
+        <a:prstGeom prst="roundRect">
+          <a:avLst>
+            <a:gd name="adj" fmla="val 10000"/>
+          </a:avLst>
+        </a:prstGeom>
+        <a:noFill/>
+        <a:ln w="9525" cap="flat" cmpd="sng" algn="ctr">
+          <a:solidFill>
+            <a:schemeClr val="dk1"/>
+          </a:solidFill>
+          <a:prstDash val="solid"/>
+          <a:round/>
+          <a:headEnd type="none" w="med" len="med"/>
+          <a:tailEnd type="none" w="med" len="med"/>
+        </a:ln>
+        <a:effectLst/>
+      </dsp:spPr>
+      <dsp:style>
+        <a:lnRef idx="0">
+          <a:scrgbClr r="0" g="0" b="0"/>
+        </a:lnRef>
+        <a:fillRef idx="0">
+          <a:scrgbClr r="0" g="0" b="0"/>
+        </a:fillRef>
+        <a:effectRef idx="0">
+          <a:scrgbClr r="0" g="0" b="0"/>
+        </a:effectRef>
+        <a:fontRef idx="minor">
+          <a:schemeClr val="dk1"/>
+        </a:fontRef>
+      </dsp:style>
+      <dsp:txBody>
+        <a:bodyPr spcFirstLastPara="0" vert="horz" wrap="square" lIns="37465" tIns="37465" rIns="37465" bIns="37465" numCol="1" spcCol="1270" anchor="ctr" anchorCtr="0">
+          <a:noAutofit/>
+        </a:bodyPr>
+        <a:lstStyle/>
+        <a:p>
+          <a:pPr marL="0" lvl="0" indent="0" algn="ctr" defTabSz="2622550">
+            <a:lnSpc>
+              <a:spcPct val="90000"/>
+            </a:lnSpc>
+            <a:spcBef>
+              <a:spcPct val="0"/>
+            </a:spcBef>
+            <a:spcAft>
+              <a:spcPct val="35000"/>
+            </a:spcAft>
+            <a:buNone/>
+          </a:pPr>
+          <a:r>
+            <a:rPr lang="en-IN" sz="5900" kern="1200" dirty="0"/>
+            <a:t>H(ab)</a:t>
+          </a:r>
+        </a:p>
+      </dsp:txBody>
+      <dsp:txXfrm>
+        <a:off x="3026390" y="844788"/>
+        <a:ext cx="2075219" cy="1006302"/>
+      </dsp:txXfrm>
+    </dsp:sp>
+    <dsp:sp modelId="{C1027D51-6C25-4BB5-90E3-915FB27E7319}">
+      <dsp:nvSpPr>
+        <dsp:cNvPr id="0" name=""/>
+        <dsp:cNvSpPr/>
+      </dsp:nvSpPr>
+      <dsp:spPr>
+        <a:xfrm rot="19006459">
+          <a:off x="4977954" y="939053"/>
+          <a:ext cx="1142203" cy="35507"/>
+        </a:xfrm>
+        <a:custGeom>
+          <a:avLst/>
+          <a:gdLst/>
+          <a:ahLst/>
+          <a:cxnLst/>
+          <a:rect l="0" t="0" r="0" b="0"/>
+          <a:pathLst>
+            <a:path>
+              <a:moveTo>
+                <a:pt x="0" y="17753"/>
+              </a:moveTo>
+              <a:lnTo>
+                <a:pt x="1142203" y="17753"/>
+              </a:lnTo>
+            </a:path>
+          </a:pathLst>
+        </a:custGeom>
+        <a:noFill/>
+        <a:ln w="9525" cap="flat" cmpd="sng" algn="ctr">
+          <a:solidFill>
+            <a:schemeClr val="dk1"/>
+          </a:solidFill>
+          <a:prstDash val="solid"/>
+          <a:round/>
+          <a:headEnd type="none" w="med" len="med"/>
+          <a:tailEnd type="none" w="med" len="med"/>
+        </a:ln>
+        <a:effectLst/>
+      </dsp:spPr>
+      <dsp:style>
+        <a:lnRef idx="0">
+          <a:scrgbClr r="0" g="0" b="0"/>
+        </a:lnRef>
+        <a:fillRef idx="0">
+          <a:scrgbClr r="0" g="0" b="0"/>
+        </a:fillRef>
+        <a:effectRef idx="0">
+          <a:scrgbClr r="0" g="0" b="0"/>
+        </a:effectRef>
+        <a:fontRef idx="minor">
+          <a:schemeClr val="dk1"/>
+        </a:fontRef>
+      </dsp:style>
+      <dsp:txBody>
+        <a:bodyPr spcFirstLastPara="0" vert="horz" wrap="square" lIns="12700" tIns="0" rIns="12700" bIns="0" numCol="1" spcCol="1270" anchor="ctr" anchorCtr="0">
+          <a:noAutofit/>
+        </a:bodyPr>
+        <a:lstStyle/>
+        <a:p>
+          <a:pPr marL="0" lvl="0" indent="0" algn="ctr" defTabSz="222250">
+            <a:lnSpc>
+              <a:spcPct val="90000"/>
+            </a:lnSpc>
+            <a:spcBef>
+              <a:spcPct val="0"/>
+            </a:spcBef>
+            <a:spcAft>
+              <a:spcPct val="35000"/>
+            </a:spcAft>
+            <a:buNone/>
+          </a:pPr>
+          <a:endParaRPr lang="en-IN" sz="500" kern="1200"/>
+        </a:p>
+      </dsp:txBody>
+      <dsp:txXfrm>
+        <a:off x="5520501" y="928252"/>
+        <a:ext cx="57110" cy="57110"/>
+      </dsp:txXfrm>
+    </dsp:sp>
+    <dsp:sp modelId="{AA312B94-E805-4A37-A4EE-BCD50293262C}">
+      <dsp:nvSpPr>
+        <dsp:cNvPr id="0" name=""/>
+        <dsp:cNvSpPr/>
+      </dsp:nvSpPr>
+      <dsp:spPr>
+        <a:xfrm flipH="1">
+          <a:off x="5965196" y="31216"/>
+          <a:ext cx="2137833" cy="1068916"/>
+        </a:xfrm>
+        <a:prstGeom prst="roundRect">
+          <a:avLst>
+            <a:gd name="adj" fmla="val 10000"/>
+          </a:avLst>
+        </a:prstGeom>
+        <a:noFill/>
+        <a:ln w="9525" cap="flat" cmpd="sng" algn="ctr">
+          <a:solidFill>
+            <a:schemeClr val="dk1"/>
+          </a:solidFill>
+          <a:prstDash val="solid"/>
+          <a:round/>
+          <a:headEnd type="none" w="med" len="med"/>
+          <a:tailEnd type="none" w="med" len="med"/>
+        </a:ln>
+        <a:effectLst/>
+      </dsp:spPr>
+      <dsp:style>
+        <a:lnRef idx="0">
+          <a:scrgbClr r="0" g="0" b="0"/>
+        </a:lnRef>
+        <a:fillRef idx="0">
+          <a:scrgbClr r="0" g="0" b="0"/>
+        </a:fillRef>
+        <a:effectRef idx="0">
+          <a:scrgbClr r="0" g="0" b="0"/>
+        </a:effectRef>
+        <a:fontRef idx="minor">
+          <a:schemeClr val="dk1"/>
+        </a:fontRef>
+      </dsp:style>
+      <dsp:txBody>
+        <a:bodyPr spcFirstLastPara="0" vert="horz" wrap="square" lIns="37465" tIns="37465" rIns="37465" bIns="37465" numCol="1" spcCol="1270" anchor="ctr" anchorCtr="0">
+          <a:noAutofit/>
+        </a:bodyPr>
+        <a:lstStyle/>
+        <a:p>
+          <a:pPr marL="0" lvl="0" indent="0" algn="ctr" defTabSz="2622550">
+            <a:lnSpc>
+              <a:spcPct val="90000"/>
+            </a:lnSpc>
+            <a:spcBef>
+              <a:spcPct val="0"/>
+            </a:spcBef>
+            <a:spcAft>
+              <a:spcPct val="35000"/>
+            </a:spcAft>
+            <a:buNone/>
+          </a:pPr>
+          <a:r>
+            <a:rPr lang="en-IN" sz="5900" kern="1200" dirty="0"/>
+            <a:t>H(a)</a:t>
+          </a:r>
+        </a:p>
+      </dsp:txBody>
+      <dsp:txXfrm>
+        <a:off x="5996503" y="62523"/>
+        <a:ext cx="2075219" cy="1006302"/>
+      </dsp:txXfrm>
+    </dsp:sp>
+    <dsp:sp modelId="{90811F5E-C0CB-4FAC-AA1E-61DA0B04C7D4}">
+      <dsp:nvSpPr>
+        <dsp:cNvPr id="0" name=""/>
+        <dsp:cNvSpPr/>
+      </dsp:nvSpPr>
+      <dsp:spPr>
+        <a:xfrm rot="2822526">
+          <a:off x="4933056" y="1789371"/>
+          <a:ext cx="1254853" cy="35507"/>
+        </a:xfrm>
+        <a:custGeom>
+          <a:avLst/>
+          <a:gdLst/>
+          <a:ahLst/>
+          <a:cxnLst/>
+          <a:rect l="0" t="0" r="0" b="0"/>
+          <a:pathLst>
+            <a:path>
+              <a:moveTo>
+                <a:pt x="0" y="17753"/>
+              </a:moveTo>
+              <a:lnTo>
+                <a:pt x="1254853" y="17753"/>
+              </a:lnTo>
+            </a:path>
+          </a:pathLst>
+        </a:custGeom>
+        <a:noFill/>
+        <a:ln w="9525" cap="flat" cmpd="sng" algn="ctr">
+          <a:solidFill>
+            <a:schemeClr val="dk1"/>
+          </a:solidFill>
+          <a:prstDash val="solid"/>
+          <a:round/>
+          <a:headEnd type="none" w="med" len="med"/>
+          <a:tailEnd type="none" w="med" len="med"/>
+        </a:ln>
+        <a:effectLst/>
+      </dsp:spPr>
+      <dsp:style>
+        <a:lnRef idx="0">
+          <a:scrgbClr r="0" g="0" b="0"/>
+        </a:lnRef>
+        <a:fillRef idx="0">
+          <a:scrgbClr r="0" g="0" b="0"/>
+        </a:fillRef>
+        <a:effectRef idx="0">
+          <a:scrgbClr r="0" g="0" b="0"/>
+        </a:effectRef>
+        <a:fontRef idx="minor">
+          <a:schemeClr val="dk1"/>
+        </a:fontRef>
+      </dsp:style>
+      <dsp:txBody>
+        <a:bodyPr spcFirstLastPara="0" vert="horz" wrap="square" lIns="12700" tIns="0" rIns="12700" bIns="0" numCol="1" spcCol="1270" anchor="ctr" anchorCtr="0">
+          <a:noAutofit/>
+        </a:bodyPr>
+        <a:lstStyle/>
+        <a:p>
+          <a:pPr marL="0" lvl="0" indent="0" algn="ctr" defTabSz="222250">
+            <a:lnSpc>
+              <a:spcPct val="90000"/>
+            </a:lnSpc>
+            <a:spcBef>
+              <a:spcPct val="0"/>
+            </a:spcBef>
+            <a:spcAft>
+              <a:spcPct val="35000"/>
+            </a:spcAft>
+            <a:buNone/>
+          </a:pPr>
+          <a:endParaRPr lang="en-IN" sz="500" kern="1200"/>
+        </a:p>
+      </dsp:txBody>
+      <dsp:txXfrm>
+        <a:off x="5529112" y="1775753"/>
+        <a:ext cx="62742" cy="62742"/>
+      </dsp:txXfrm>
+    </dsp:sp>
+    <dsp:sp modelId="{04611D0E-C9DC-4CBF-BB08-C1286E20CCA1}">
+      <dsp:nvSpPr>
+        <dsp:cNvPr id="0" name=""/>
+        <dsp:cNvSpPr/>
+      </dsp:nvSpPr>
+      <dsp:spPr>
+        <a:xfrm flipH="1">
+          <a:off x="5988050" y="1731851"/>
+          <a:ext cx="2137833" cy="1068916"/>
+        </a:xfrm>
+        <a:prstGeom prst="roundRect">
+          <a:avLst>
+            <a:gd name="adj" fmla="val 10000"/>
+          </a:avLst>
+        </a:prstGeom>
+        <a:noFill/>
+        <a:ln w="9525" cap="flat" cmpd="sng" algn="ctr">
+          <a:solidFill>
+            <a:schemeClr val="dk1"/>
+          </a:solidFill>
+          <a:prstDash val="solid"/>
+          <a:round/>
+          <a:headEnd type="none" w="med" len="med"/>
+          <a:tailEnd type="none" w="med" len="med"/>
+        </a:ln>
+        <a:effectLst/>
+      </dsp:spPr>
+      <dsp:style>
+        <a:lnRef idx="0">
+          <a:scrgbClr r="0" g="0" b="0"/>
+        </a:lnRef>
+        <a:fillRef idx="0">
+          <a:scrgbClr r="0" g="0" b="0"/>
+        </a:fillRef>
+        <a:effectRef idx="0">
+          <a:scrgbClr r="0" g="0" b="0"/>
+        </a:effectRef>
+        <a:fontRef idx="minor">
+          <a:schemeClr val="dk1"/>
+        </a:fontRef>
+      </dsp:style>
+      <dsp:txBody>
+        <a:bodyPr spcFirstLastPara="0" vert="horz" wrap="square" lIns="37465" tIns="37465" rIns="37465" bIns="37465" numCol="1" spcCol="1270" anchor="ctr" anchorCtr="0">
+          <a:noAutofit/>
+        </a:bodyPr>
+        <a:lstStyle/>
+        <a:p>
+          <a:pPr marL="0" lvl="0" indent="0" algn="ctr" defTabSz="2622550">
+            <a:lnSpc>
+              <a:spcPct val="90000"/>
+            </a:lnSpc>
+            <a:spcBef>
+              <a:spcPct val="0"/>
+            </a:spcBef>
+            <a:spcAft>
+              <a:spcPct val="35000"/>
+            </a:spcAft>
+            <a:buNone/>
+          </a:pPr>
+          <a:r>
+            <a:rPr lang="en-IN" sz="5900" kern="1200" dirty="0"/>
+            <a:t>H(b)</a:t>
+          </a:r>
+        </a:p>
+      </dsp:txBody>
+      <dsp:txXfrm>
+        <a:off x="6019357" y="1763158"/>
+        <a:ext cx="2075219" cy="1006302"/>
+      </dsp:txXfrm>
+    </dsp:sp>
+    <dsp:sp modelId="{0255321E-16D4-4A63-AFE6-12BBA66F257B}">
+      <dsp:nvSpPr>
+        <dsp:cNvPr id="0" name=""/>
+        <dsp:cNvSpPr/>
+      </dsp:nvSpPr>
+      <dsp:spPr>
+        <a:xfrm rot="3964172">
+          <a:off x="1543250" y="3829430"/>
+          <a:ext cx="2000708" cy="35507"/>
+        </a:xfrm>
+        <a:custGeom>
+          <a:avLst/>
+          <a:gdLst/>
+          <a:ahLst/>
+          <a:cxnLst/>
+          <a:rect l="0" t="0" r="0" b="0"/>
+          <a:pathLst>
+            <a:path>
+              <a:moveTo>
+                <a:pt x="0" y="17753"/>
+              </a:moveTo>
+              <a:lnTo>
+                <a:pt x="2000708" y="17753"/>
+              </a:lnTo>
+            </a:path>
+          </a:pathLst>
+        </a:custGeom>
+        <a:noFill/>
+        <a:ln w="9525" cap="flat" cmpd="sng" algn="ctr">
+          <a:solidFill>
+            <a:schemeClr val="dk1"/>
+          </a:solidFill>
+          <a:prstDash val="solid"/>
+          <a:round/>
+          <a:headEnd type="none" w="med" len="med"/>
+          <a:tailEnd type="none" w="med" len="med"/>
+        </a:ln>
+        <a:effectLst/>
+      </dsp:spPr>
+      <dsp:style>
+        <a:lnRef idx="0">
+          <a:scrgbClr r="0" g="0" b="0"/>
+        </a:lnRef>
+        <a:fillRef idx="0">
+          <a:scrgbClr r="0" g="0" b="0"/>
+        </a:fillRef>
+        <a:effectRef idx="0">
+          <a:scrgbClr r="0" g="0" b="0"/>
+        </a:effectRef>
+        <a:fontRef idx="minor">
+          <a:schemeClr val="dk1"/>
+        </a:fontRef>
+      </dsp:style>
+      <dsp:txBody>
+        <a:bodyPr spcFirstLastPara="0" vert="horz" wrap="square" lIns="12700" tIns="0" rIns="12700" bIns="0" numCol="1" spcCol="1270" anchor="ctr" anchorCtr="0">
+          <a:noAutofit/>
+        </a:bodyPr>
+        <a:lstStyle/>
+        <a:p>
+          <a:pPr marL="0" lvl="0" indent="0" algn="ctr" defTabSz="311150">
+            <a:lnSpc>
+              <a:spcPct val="90000"/>
+            </a:lnSpc>
+            <a:spcBef>
+              <a:spcPct val="0"/>
+            </a:spcBef>
+            <a:spcAft>
+              <a:spcPct val="35000"/>
+            </a:spcAft>
+            <a:buNone/>
+          </a:pPr>
+          <a:endParaRPr lang="en-IN" sz="700" kern="1200"/>
+        </a:p>
+      </dsp:txBody>
+      <dsp:txXfrm>
+        <a:off x="2493587" y="3797166"/>
+        <a:ext cx="100035" cy="100035"/>
+      </dsp:txXfrm>
+    </dsp:sp>
+    <dsp:sp modelId="{82D9AF9C-6EB9-4FED-ACB9-7FA3A9474F52}">
+      <dsp:nvSpPr>
+        <dsp:cNvPr id="0" name=""/>
+        <dsp:cNvSpPr/>
+      </dsp:nvSpPr>
+      <dsp:spPr>
+        <a:xfrm flipH="1">
+          <a:off x="2949376" y="4227088"/>
+          <a:ext cx="2137833" cy="1068916"/>
+        </a:xfrm>
+        <a:prstGeom prst="roundRect">
+          <a:avLst>
+            <a:gd name="adj" fmla="val 10000"/>
+          </a:avLst>
+        </a:prstGeom>
+        <a:noFill/>
+        <a:ln w="9525" cap="flat" cmpd="sng" algn="ctr">
+          <a:solidFill>
+            <a:schemeClr val="dk1"/>
+          </a:solidFill>
+          <a:prstDash val="solid"/>
+          <a:round/>
+          <a:headEnd type="none" w="med" len="med"/>
+          <a:tailEnd type="none" w="med" len="med"/>
+        </a:ln>
+        <a:effectLst/>
+      </dsp:spPr>
+      <dsp:style>
+        <a:lnRef idx="0">
+          <a:scrgbClr r="0" g="0" b="0"/>
+        </a:lnRef>
+        <a:fillRef idx="0">
+          <a:scrgbClr r="0" g="0" b="0"/>
+        </a:fillRef>
+        <a:effectRef idx="0">
+          <a:scrgbClr r="0" g="0" b="0"/>
+        </a:effectRef>
+        <a:fontRef idx="minor">
+          <a:schemeClr val="dk1"/>
+        </a:fontRef>
+      </dsp:style>
+      <dsp:txBody>
+        <a:bodyPr spcFirstLastPara="0" vert="horz" wrap="square" lIns="37465" tIns="37465" rIns="37465" bIns="37465" numCol="1" spcCol="1270" anchor="ctr" anchorCtr="0">
+          <a:noAutofit/>
+        </a:bodyPr>
+        <a:lstStyle/>
+        <a:p>
+          <a:pPr marL="0" lvl="0" indent="0" algn="ctr" defTabSz="2622550">
+            <a:lnSpc>
+              <a:spcPct val="90000"/>
+            </a:lnSpc>
+            <a:spcBef>
+              <a:spcPct val="0"/>
+            </a:spcBef>
+            <a:spcAft>
+              <a:spcPct val="35000"/>
+            </a:spcAft>
+            <a:buNone/>
+          </a:pPr>
+          <a:r>
+            <a:rPr lang="en-IN" sz="5900" kern="1200" dirty="0"/>
+            <a:t>H(c)</a:t>
+          </a:r>
+        </a:p>
+      </dsp:txBody>
+      <dsp:txXfrm>
+        <a:off x="2980683" y="4258395"/>
+        <a:ext cx="2075219" cy="1006302"/>
+      </dsp:txXfrm>
+    </dsp:sp>
+    <dsp:sp modelId="{11F4427E-FE15-4500-B9AC-1AB198B8A879}">
+      <dsp:nvSpPr>
+        <dsp:cNvPr id="0" name=""/>
+        <dsp:cNvSpPr/>
+      </dsp:nvSpPr>
+      <dsp:spPr>
+        <a:xfrm rot="21541973">
+          <a:off x="5087145" y="4736171"/>
+          <a:ext cx="903085" cy="35507"/>
+        </a:xfrm>
+        <a:custGeom>
+          <a:avLst/>
+          <a:gdLst/>
+          <a:ahLst/>
+          <a:cxnLst/>
+          <a:rect l="0" t="0" r="0" b="0"/>
+          <a:pathLst>
+            <a:path>
+              <a:moveTo>
+                <a:pt x="0" y="17753"/>
+              </a:moveTo>
+              <a:lnTo>
+                <a:pt x="903085" y="17753"/>
+              </a:lnTo>
+            </a:path>
+          </a:pathLst>
+        </a:custGeom>
+        <a:noFill/>
+        <a:ln w="9525" cap="flat" cmpd="sng" algn="ctr">
+          <a:solidFill>
+            <a:schemeClr val="dk1"/>
+          </a:solidFill>
+          <a:prstDash val="solid"/>
+          <a:round/>
+          <a:headEnd type="none" w="med" len="med"/>
+          <a:tailEnd type="none" w="med" len="med"/>
+        </a:ln>
+        <a:effectLst/>
+      </dsp:spPr>
+      <dsp:style>
+        <a:lnRef idx="0">
+          <a:scrgbClr r="0" g="0" b="0"/>
+        </a:lnRef>
+        <a:fillRef idx="0">
+          <a:scrgbClr r="0" g="0" b="0"/>
+        </a:fillRef>
+        <a:effectRef idx="0">
+          <a:scrgbClr r="0" g="0" b="0"/>
+        </a:effectRef>
+        <a:fontRef idx="minor">
+          <a:schemeClr val="dk1"/>
+        </a:fontRef>
+      </dsp:style>
+      <dsp:txBody>
+        <a:bodyPr spcFirstLastPara="0" vert="horz" wrap="square" lIns="12700" tIns="0" rIns="12700" bIns="0" numCol="1" spcCol="1270" anchor="ctr" anchorCtr="0">
+          <a:noAutofit/>
+        </a:bodyPr>
+        <a:lstStyle/>
+        <a:p>
+          <a:pPr marL="0" lvl="0" indent="0" algn="ctr" defTabSz="222250">
+            <a:lnSpc>
+              <a:spcPct val="90000"/>
+            </a:lnSpc>
+            <a:spcBef>
+              <a:spcPct val="0"/>
+            </a:spcBef>
+            <a:spcAft>
+              <a:spcPct val="35000"/>
+            </a:spcAft>
+            <a:buNone/>
+          </a:pPr>
+          <a:endParaRPr lang="en-IN" sz="500" kern="1200"/>
+        </a:p>
+      </dsp:txBody>
+      <dsp:txXfrm>
+        <a:off x="5516111" y="4731348"/>
+        <a:ext cx="45154" cy="45154"/>
+      </dsp:txXfrm>
+    </dsp:sp>
+    <dsp:sp modelId="{DF351525-307A-46C5-BF9D-320433DF1AC6}">
+      <dsp:nvSpPr>
+        <dsp:cNvPr id="0" name=""/>
+        <dsp:cNvSpPr/>
+      </dsp:nvSpPr>
+      <dsp:spPr>
+        <a:xfrm flipH="1">
+          <a:off x="5990166" y="4211845"/>
+          <a:ext cx="2137833" cy="1068916"/>
+        </a:xfrm>
+        <a:prstGeom prst="roundRect">
+          <a:avLst>
+            <a:gd name="adj" fmla="val 10000"/>
+          </a:avLst>
+        </a:prstGeom>
+        <a:noFill/>
+        <a:ln w="9525" cap="flat" cmpd="sng" algn="ctr">
+          <a:solidFill>
+            <a:schemeClr val="dk1"/>
+          </a:solidFill>
+          <a:prstDash val="solid"/>
+          <a:round/>
+          <a:headEnd type="none" w="med" len="med"/>
+          <a:tailEnd type="none" w="med" len="med"/>
+        </a:ln>
+        <a:effectLst/>
+      </dsp:spPr>
+      <dsp:style>
+        <a:lnRef idx="0">
+          <a:scrgbClr r="0" g="0" b="0"/>
+        </a:lnRef>
+        <a:fillRef idx="0">
+          <a:scrgbClr r="0" g="0" b="0"/>
+        </a:fillRef>
+        <a:effectRef idx="0">
+          <a:scrgbClr r="0" g="0" b="0"/>
+        </a:effectRef>
+        <a:fontRef idx="minor">
+          <a:schemeClr val="dk1"/>
+        </a:fontRef>
+      </dsp:style>
+      <dsp:txBody>
+        <a:bodyPr spcFirstLastPara="0" vert="horz" wrap="square" lIns="37465" tIns="37465" rIns="37465" bIns="37465" numCol="1" spcCol="1270" anchor="ctr" anchorCtr="0">
+          <a:noAutofit/>
+        </a:bodyPr>
+        <a:lstStyle/>
+        <a:p>
+          <a:pPr marL="0" lvl="0" indent="0" algn="ctr" defTabSz="2622550">
+            <a:lnSpc>
+              <a:spcPct val="90000"/>
+            </a:lnSpc>
+            <a:spcBef>
+              <a:spcPct val="0"/>
+            </a:spcBef>
+            <a:spcAft>
+              <a:spcPct val="35000"/>
+            </a:spcAft>
+            <a:buNone/>
+          </a:pPr>
+          <a:r>
+            <a:rPr lang="en-IN" sz="5900" kern="1200" dirty="0"/>
+            <a:t>H(c)</a:t>
+          </a:r>
+        </a:p>
+      </dsp:txBody>
+      <dsp:txXfrm>
+        <a:off x="6021473" y="4243152"/>
+        <a:ext cx="2075219" cy="1006302"/>
+      </dsp:txXfrm>
+    </dsp:sp>
+  </dsp:spTree>
+</dsp:drawing>
+</file>
+
 <file path=ppt/diagrams/layout1.xml><?xml version="1.0" encoding="utf-8"?>
 <dgm:layoutDef xmlns:dgm="http://schemas.openxmlformats.org/drawingml/2006/diagram" xmlns:a="http://schemas.openxmlformats.org/drawingml/2006/main" uniqueId="urn:microsoft.com/office/officeart/2005/8/layout/StepDownProcess">
   <dgm:title val=""/>
@@ -2153,7 +4453,1361 @@
 </dgm:layoutDef>
 </file>
 
+<file path=ppt/diagrams/layout2.xml><?xml version="1.0" encoding="utf-8"?>
+<dgm:layoutDef xmlns:dgm="http://schemas.openxmlformats.org/drawingml/2006/diagram" xmlns:a="http://schemas.openxmlformats.org/drawingml/2006/main" uniqueId="urn:microsoft.com/office/officeart/2005/8/layout/hierarchy2">
+  <dgm:title val=""/>
+  <dgm:desc val=""/>
+  <dgm:catLst>
+    <dgm:cat type="hierarchy" pri="5000"/>
+  </dgm:catLst>
+  <dgm:sampData>
+    <dgm:dataModel>
+      <dgm:ptLst>
+        <dgm:pt modelId="0" type="doc"/>
+        <dgm:pt modelId="1">
+          <dgm:prSet phldr="1"/>
+        </dgm:pt>
+        <dgm:pt modelId="2">
+          <dgm:prSet phldr="1"/>
+        </dgm:pt>
+        <dgm:pt modelId="21">
+          <dgm:prSet phldr="1"/>
+        </dgm:pt>
+        <dgm:pt modelId="22">
+          <dgm:prSet phldr="1"/>
+        </dgm:pt>
+        <dgm:pt modelId="3">
+          <dgm:prSet phldr="1"/>
+        </dgm:pt>
+        <dgm:pt modelId="31">
+          <dgm:prSet phldr="1"/>
+        </dgm:pt>
+      </dgm:ptLst>
+      <dgm:cxnLst>
+        <dgm:cxn modelId="4" srcId="0" destId="1" srcOrd="0" destOrd="0"/>
+        <dgm:cxn modelId="5" srcId="1" destId="2" srcOrd="0" destOrd="0"/>
+        <dgm:cxn modelId="6" srcId="1" destId="3" srcOrd="1" destOrd="0"/>
+        <dgm:cxn modelId="23" srcId="2" destId="21" srcOrd="0" destOrd="0"/>
+        <dgm:cxn modelId="24" srcId="2" destId="22" srcOrd="1" destOrd="0"/>
+        <dgm:cxn modelId="33" srcId="3" destId="31" srcOrd="0" destOrd="0"/>
+      </dgm:cxnLst>
+      <dgm:bg/>
+      <dgm:whole/>
+    </dgm:dataModel>
+  </dgm:sampData>
+  <dgm:styleData>
+    <dgm:dataModel>
+      <dgm:ptLst>
+        <dgm:pt modelId="0" type="doc"/>
+        <dgm:pt modelId="1"/>
+        <dgm:pt modelId="11"/>
+        <dgm:pt modelId="12"/>
+      </dgm:ptLst>
+      <dgm:cxnLst>
+        <dgm:cxn modelId="2" srcId="0" destId="1" srcOrd="0" destOrd="0"/>
+        <dgm:cxn modelId="13" srcId="1" destId="11" srcOrd="0" destOrd="0"/>
+        <dgm:cxn modelId="14" srcId="1" destId="12" srcOrd="1" destOrd="0"/>
+      </dgm:cxnLst>
+      <dgm:bg/>
+      <dgm:whole/>
+    </dgm:dataModel>
+  </dgm:styleData>
+  <dgm:clrData>
+    <dgm:dataModel>
+      <dgm:ptLst>
+        <dgm:pt modelId="0" type="doc"/>
+        <dgm:pt modelId="1"/>
+        <dgm:pt modelId="2"/>
+        <dgm:pt modelId="21"/>
+        <dgm:pt modelId="211"/>
+        <dgm:pt modelId="3"/>
+        <dgm:pt modelId="31"/>
+        <dgm:pt modelId="311"/>
+      </dgm:ptLst>
+      <dgm:cxnLst>
+        <dgm:cxn modelId="4" srcId="0" destId="1" srcOrd="0" destOrd="0"/>
+        <dgm:cxn modelId="5" srcId="1" destId="2" srcOrd="0" destOrd="0"/>
+        <dgm:cxn modelId="6" srcId="1" destId="3" srcOrd="1" destOrd="0"/>
+        <dgm:cxn modelId="23" srcId="2" destId="21" srcOrd="0" destOrd="0"/>
+        <dgm:cxn modelId="24" srcId="21" destId="211" srcOrd="0" destOrd="0"/>
+        <dgm:cxn modelId="33" srcId="3" destId="31" srcOrd="0" destOrd="0"/>
+        <dgm:cxn modelId="34" srcId="31" destId="311" srcOrd="0" destOrd="0"/>
+      </dgm:cxnLst>
+      <dgm:bg/>
+      <dgm:whole/>
+    </dgm:dataModel>
+  </dgm:clrData>
+  <dgm:layoutNode name="diagram">
+    <dgm:varLst>
+      <dgm:chPref val="1"/>
+      <dgm:dir/>
+      <dgm:animOne val="branch"/>
+      <dgm:animLvl val="lvl"/>
+      <dgm:resizeHandles val="exact"/>
+    </dgm:varLst>
+    <dgm:choose name="Name0">
+      <dgm:if name="Name1" func="var" arg="dir" op="equ" val="norm">
+        <dgm:alg type="hierChild">
+          <dgm:param type="linDir" val="fromT"/>
+          <dgm:param type="chAlign" val="l"/>
+        </dgm:alg>
+      </dgm:if>
+      <dgm:else name="Name2">
+        <dgm:alg type="hierChild">
+          <dgm:param type="linDir" val="fromT"/>
+          <dgm:param type="chAlign" val="r"/>
+        </dgm:alg>
+      </dgm:else>
+    </dgm:choose>
+    <dgm:shape xmlns:r="http://schemas.openxmlformats.org/officeDocument/2006/relationships" r:blip="">
+      <dgm:adjLst/>
+    </dgm:shape>
+    <dgm:presOf/>
+    <dgm:constrLst>
+      <dgm:constr type="h" for="des" ptType="node" refType="h"/>
+      <dgm:constr type="w" for="des" ptType="node" refType="h" refFor="des" refPtType="node" fact="2"/>
+      <dgm:constr type="sibSp" refType="h" refFor="des" refPtType="node" op="equ" fact="0.15"/>
+      <dgm:constr type="sibSp" for="des" forName="level2hierChild" refType="h" refFor="des" refPtType="node" op="equ" fact="0.15"/>
+      <dgm:constr type="sibSp" for="des" forName="level3hierChild" refType="h" refFor="des" refPtType="node" op="equ" fact="0.15"/>
+      <dgm:constr type="sp" for="des" forName="root1" refType="w" refFor="des" refPtType="node" fact="0.4"/>
+      <dgm:constr type="sp" for="des" forName="root2" refType="sp" refFor="des" refForName="root1" op="equ"/>
+      <dgm:constr type="primFontSz" for="des" ptType="node" op="equ" val="65"/>
+      <dgm:constr type="primFontSz" for="des" forName="connTx" op="equ" val="55"/>
+      <dgm:constr type="primFontSz" for="des" forName="connTx" refType="primFontSz" refFor="des" refPtType="node" op="lte" fact="0.8"/>
+    </dgm:constrLst>
+    <dgm:ruleLst/>
+    <dgm:forEach name="Name3" axis="ch">
+      <dgm:forEach name="Name4" axis="self" ptType="node">
+        <dgm:layoutNode name="root1">
+          <dgm:choose name="Name5">
+            <dgm:if name="Name6" func="var" arg="dir" op="equ" val="norm">
+              <dgm:alg type="hierRoot">
+                <dgm:param type="hierAlign" val="lCtrCh"/>
+              </dgm:alg>
+            </dgm:if>
+            <dgm:else name="Name7">
+              <dgm:alg type="hierRoot">
+                <dgm:param type="hierAlign" val="rCtrCh"/>
+              </dgm:alg>
+            </dgm:else>
+          </dgm:choose>
+          <dgm:shape xmlns:r="http://schemas.openxmlformats.org/officeDocument/2006/relationships" r:blip="">
+            <dgm:adjLst/>
+          </dgm:shape>
+          <dgm:presOf/>
+          <dgm:constrLst/>
+          <dgm:ruleLst/>
+          <dgm:layoutNode name="LevelOneTextNode" styleLbl="node0">
+            <dgm:varLst>
+              <dgm:chPref val="3"/>
+            </dgm:varLst>
+            <dgm:alg type="tx"/>
+            <dgm:shape xmlns:r="http://schemas.openxmlformats.org/officeDocument/2006/relationships" type="roundRect" r:blip="">
+              <dgm:adjLst>
+                <dgm:adj idx="1" val="0.1"/>
+              </dgm:adjLst>
+            </dgm:shape>
+            <dgm:presOf axis="self"/>
+            <dgm:constrLst>
+              <dgm:constr type="tMarg" refType="primFontSz" fact="0.05"/>
+              <dgm:constr type="bMarg" refType="primFontSz" fact="0.05"/>
+              <dgm:constr type="lMarg" refType="primFontSz" fact="0.05"/>
+              <dgm:constr type="rMarg" refType="primFontSz" fact="0.05"/>
+            </dgm:constrLst>
+            <dgm:ruleLst>
+              <dgm:rule type="primFontSz" val="5" fact="NaN" max="NaN"/>
+            </dgm:ruleLst>
+          </dgm:layoutNode>
+          <dgm:layoutNode name="level2hierChild">
+            <dgm:choose name="Name8">
+              <dgm:if name="Name9" func="var" arg="dir" op="equ" val="norm">
+                <dgm:alg type="hierChild">
+                  <dgm:param type="linDir" val="fromT"/>
+                  <dgm:param type="chAlign" val="l"/>
+                </dgm:alg>
+              </dgm:if>
+              <dgm:else name="Name10">
+                <dgm:alg type="hierChild">
+                  <dgm:param type="linDir" val="fromT"/>
+                  <dgm:param type="chAlign" val="r"/>
+                </dgm:alg>
+              </dgm:else>
+            </dgm:choose>
+            <dgm:shape xmlns:r="http://schemas.openxmlformats.org/officeDocument/2006/relationships" r:blip="">
+              <dgm:adjLst/>
+            </dgm:shape>
+            <dgm:presOf/>
+            <dgm:constrLst/>
+            <dgm:ruleLst/>
+            <dgm:forEach name="repeat" axis="ch">
+              <dgm:forEach name="Name11" axis="self" ptType="parTrans" cnt="1">
+                <dgm:layoutNode name="conn2-1">
+                  <dgm:choose name="Name12">
+                    <dgm:if name="Name13" func="var" arg="dir" op="equ" val="norm">
+                      <dgm:alg type="conn">
+                        <dgm:param type="dim" val="1D"/>
+                        <dgm:param type="begPts" val="midR"/>
+                        <dgm:param type="endPts" val="midL"/>
+                        <dgm:param type="endSty" val="noArr"/>
+                      </dgm:alg>
+                    </dgm:if>
+                    <dgm:else name="Name14">
+                      <dgm:alg type="conn">
+                        <dgm:param type="dim" val="1D"/>
+                        <dgm:param type="begPts" val="midL"/>
+                        <dgm:param type="endPts" val="midR"/>
+                        <dgm:param type="endSty" val="noArr"/>
+                      </dgm:alg>
+                    </dgm:else>
+                  </dgm:choose>
+                  <dgm:shape xmlns:r="http://schemas.openxmlformats.org/officeDocument/2006/relationships" type="conn" r:blip="">
+                    <dgm:adjLst/>
+                  </dgm:shape>
+                  <dgm:presOf axis="self"/>
+                  <dgm:constrLst>
+                    <dgm:constr type="w" val="1"/>
+                    <dgm:constr type="h" val="5"/>
+                    <dgm:constr type="connDist"/>
+                    <dgm:constr type="begPad"/>
+                    <dgm:constr type="endPad"/>
+                    <dgm:constr type="userA" for="ch" refType="connDist"/>
+                  </dgm:constrLst>
+                  <dgm:ruleLst/>
+                  <dgm:layoutNode name="connTx">
+                    <dgm:alg type="tx">
+                      <dgm:param type="autoTxRot" val="grav"/>
+                    </dgm:alg>
+                    <dgm:shape xmlns:r="http://schemas.openxmlformats.org/officeDocument/2006/relationships" type="rect" r:blip="" hideGeom="1">
+                      <dgm:adjLst/>
+                    </dgm:shape>
+                    <dgm:presOf axis="self"/>
+                    <dgm:constrLst>
+                      <dgm:constr type="userA"/>
+                      <dgm:constr type="w" refType="userA" fact="0.05"/>
+                      <dgm:constr type="h" refType="userA" fact="0.05"/>
+                      <dgm:constr type="lMarg" val="1"/>
+                      <dgm:constr type="rMarg" val="1"/>
+                      <dgm:constr type="tMarg"/>
+                      <dgm:constr type="bMarg"/>
+                    </dgm:constrLst>
+                    <dgm:ruleLst>
+                      <dgm:rule type="h" val="NaN" fact="0.25" max="NaN"/>
+                      <dgm:rule type="w" val="NaN" fact="0.8" max="NaN"/>
+                      <dgm:rule type="primFontSz" val="5" fact="NaN" max="NaN"/>
+                    </dgm:ruleLst>
+                  </dgm:layoutNode>
+                </dgm:layoutNode>
+              </dgm:forEach>
+              <dgm:forEach name="Name15" axis="self" ptType="node">
+                <dgm:layoutNode name="root2">
+                  <dgm:choose name="Name16">
+                    <dgm:if name="Name17" func="var" arg="dir" op="equ" val="norm">
+                      <dgm:alg type="hierRoot">
+                        <dgm:param type="hierAlign" val="lCtrCh"/>
+                      </dgm:alg>
+                    </dgm:if>
+                    <dgm:else name="Name18">
+                      <dgm:alg type="hierRoot">
+                        <dgm:param type="hierAlign" val="rCtrCh"/>
+                      </dgm:alg>
+                    </dgm:else>
+                  </dgm:choose>
+                  <dgm:shape xmlns:r="http://schemas.openxmlformats.org/officeDocument/2006/relationships" r:blip="">
+                    <dgm:adjLst/>
+                  </dgm:shape>
+                  <dgm:presOf/>
+                  <dgm:constrLst/>
+                  <dgm:ruleLst/>
+                  <dgm:layoutNode name="LevelTwoTextNode">
+                    <dgm:varLst>
+                      <dgm:chPref val="3"/>
+                    </dgm:varLst>
+                    <dgm:alg type="tx"/>
+                    <dgm:shape xmlns:r="http://schemas.openxmlformats.org/officeDocument/2006/relationships" type="roundRect" r:blip="">
+                      <dgm:adjLst>
+                        <dgm:adj idx="1" val="0.1"/>
+                      </dgm:adjLst>
+                    </dgm:shape>
+                    <dgm:presOf axis="self"/>
+                    <dgm:constrLst>
+                      <dgm:constr type="tMarg" refType="primFontSz" fact="0.05"/>
+                      <dgm:constr type="bMarg" refType="primFontSz" fact="0.05"/>
+                      <dgm:constr type="lMarg" refType="primFontSz" fact="0.05"/>
+                      <dgm:constr type="rMarg" refType="primFontSz" fact="0.05"/>
+                    </dgm:constrLst>
+                    <dgm:ruleLst>
+                      <dgm:rule type="primFontSz" val="5" fact="NaN" max="NaN"/>
+                    </dgm:ruleLst>
+                  </dgm:layoutNode>
+                  <dgm:layoutNode name="level3hierChild">
+                    <dgm:choose name="Name19">
+                      <dgm:if name="Name20" func="var" arg="dir" op="equ" val="norm">
+                        <dgm:alg type="hierChild">
+                          <dgm:param type="linDir" val="fromT"/>
+                          <dgm:param type="chAlign" val="l"/>
+                        </dgm:alg>
+                      </dgm:if>
+                      <dgm:else name="Name21">
+                        <dgm:alg type="hierChild">
+                          <dgm:param type="linDir" val="fromT"/>
+                          <dgm:param type="chAlign" val="r"/>
+                        </dgm:alg>
+                      </dgm:else>
+                    </dgm:choose>
+                    <dgm:shape xmlns:r="http://schemas.openxmlformats.org/officeDocument/2006/relationships" r:blip="">
+                      <dgm:adjLst/>
+                    </dgm:shape>
+                    <dgm:presOf/>
+                    <dgm:constrLst/>
+                    <dgm:ruleLst/>
+                    <dgm:forEach name="Name22" ref="repeat"/>
+                  </dgm:layoutNode>
+                </dgm:layoutNode>
+              </dgm:forEach>
+            </dgm:forEach>
+          </dgm:layoutNode>
+        </dgm:layoutNode>
+      </dgm:forEach>
+    </dgm:forEach>
+  </dgm:layoutNode>
+</dgm:layoutDef>
+</file>
+
 <file path=ppt/diagrams/quickStyle1.xml><?xml version="1.0" encoding="utf-8"?>
+<dgm:styleDef xmlns:dgm="http://schemas.openxmlformats.org/drawingml/2006/diagram" xmlns:a="http://schemas.openxmlformats.org/drawingml/2006/main" uniqueId="urn:microsoft.com/office/officeart/2005/8/quickstyle/simple1">
+  <dgm:title val=""/>
+  <dgm:desc val=""/>
+  <dgm:catLst>
+    <dgm:cat type="simple" pri="10100"/>
+  </dgm:catLst>
+  <dgm:scene3d>
+    <a:camera prst="orthographicFront"/>
+    <a:lightRig rig="threePt" dir="t"/>
+  </dgm:scene3d>
+  <dgm:styleLbl name="node0">
+    <dgm:scene3d>
+      <a:camera prst="orthographicFront"/>
+      <a:lightRig rig="threePt" dir="t"/>
+    </dgm:scene3d>
+    <dgm:sp3d/>
+    <dgm:txPr/>
+    <dgm:style>
+      <a:lnRef idx="2">
+        <a:scrgbClr r="0" g="0" b="0"/>
+      </a:lnRef>
+      <a:fillRef idx="1">
+        <a:scrgbClr r="0" g="0" b="0"/>
+      </a:fillRef>
+      <a:effectRef idx="0">
+        <a:scrgbClr r="0" g="0" b="0"/>
+      </a:effectRef>
+      <a:fontRef idx="minor">
+        <a:schemeClr val="lt1"/>
+      </a:fontRef>
+    </dgm:style>
+  </dgm:styleLbl>
+  <dgm:styleLbl name="lnNode1">
+    <dgm:scene3d>
+      <a:camera prst="orthographicFront"/>
+      <a:lightRig rig="threePt" dir="t"/>
+    </dgm:scene3d>
+    <dgm:sp3d/>
+    <dgm:txPr/>
+    <dgm:style>
+      <a:lnRef idx="2">
+        <a:scrgbClr r="0" g="0" b="0"/>
+      </a:lnRef>
+      <a:fillRef idx="1">
+        <a:scrgbClr r="0" g="0" b="0"/>
+      </a:fillRef>
+      <a:effectRef idx="0">
+        <a:scrgbClr r="0" g="0" b="0"/>
+      </a:effectRef>
+      <a:fontRef idx="minor">
+        <a:schemeClr val="lt1"/>
+      </a:fontRef>
+    </dgm:style>
+  </dgm:styleLbl>
+  <dgm:styleLbl name="vennNode1">
+    <dgm:scene3d>
+      <a:camera prst="orthographicFront"/>
+      <a:lightRig rig="threePt" dir="t"/>
+    </dgm:scene3d>
+    <dgm:sp3d/>
+    <dgm:txPr/>
+    <dgm:style>
+      <a:lnRef idx="2">
+        <a:scrgbClr r="0" g="0" b="0"/>
+      </a:lnRef>
+      <a:fillRef idx="1">
+        <a:scrgbClr r="0" g="0" b="0"/>
+      </a:fillRef>
+      <a:effectRef idx="0">
+        <a:scrgbClr r="0" g="0" b="0"/>
+      </a:effectRef>
+      <a:fontRef idx="minor">
+        <a:schemeClr val="tx1"/>
+      </a:fontRef>
+    </dgm:style>
+  </dgm:styleLbl>
+  <dgm:styleLbl name="alignNode1">
+    <dgm:scene3d>
+      <a:camera prst="orthographicFront"/>
+      <a:lightRig rig="threePt" dir="t"/>
+    </dgm:scene3d>
+    <dgm:sp3d/>
+    <dgm:txPr/>
+    <dgm:style>
+      <a:lnRef idx="2">
+        <a:scrgbClr r="0" g="0" b="0"/>
+      </a:lnRef>
+      <a:fillRef idx="1">
+        <a:scrgbClr r="0" g="0" b="0"/>
+      </a:fillRef>
+      <a:effectRef idx="0">
+        <a:scrgbClr r="0" g="0" b="0"/>
+      </a:effectRef>
+      <a:fontRef idx="minor">
+        <a:schemeClr val="lt1"/>
+      </a:fontRef>
+    </dgm:style>
+  </dgm:styleLbl>
+  <dgm:styleLbl name="node1">
+    <dgm:scene3d>
+      <a:camera prst="orthographicFront"/>
+      <a:lightRig rig="threePt" dir="t"/>
+    </dgm:scene3d>
+    <dgm:sp3d/>
+    <dgm:txPr/>
+    <dgm:style>
+      <a:lnRef idx="2">
+        <a:scrgbClr r="0" g="0" b="0"/>
+      </a:lnRef>
+      <a:fillRef idx="1">
+        <a:scrgbClr r="0" g="0" b="0"/>
+      </a:fillRef>
+      <a:effectRef idx="0">
+        <a:scrgbClr r="0" g="0" b="0"/>
+      </a:effectRef>
+      <a:fontRef idx="minor">
+        <a:schemeClr val="lt1"/>
+      </a:fontRef>
+    </dgm:style>
+  </dgm:styleLbl>
+  <dgm:styleLbl name="node2">
+    <dgm:scene3d>
+      <a:camera prst="orthographicFront"/>
+      <a:lightRig rig="threePt" dir="t"/>
+    </dgm:scene3d>
+    <dgm:sp3d/>
+    <dgm:txPr/>
+    <dgm:style>
+      <a:lnRef idx="2">
+        <a:scrgbClr r="0" g="0" b="0"/>
+      </a:lnRef>
+      <a:fillRef idx="1">
+        <a:scrgbClr r="0" g="0" b="0"/>
+      </a:fillRef>
+      <a:effectRef idx="0">
+        <a:scrgbClr r="0" g="0" b="0"/>
+      </a:effectRef>
+      <a:fontRef idx="minor">
+        <a:schemeClr val="lt1"/>
+      </a:fontRef>
+    </dgm:style>
+  </dgm:styleLbl>
+  <dgm:styleLbl name="node3">
+    <dgm:scene3d>
+      <a:camera prst="orthographicFront"/>
+      <a:lightRig rig="threePt" dir="t"/>
+    </dgm:scene3d>
+    <dgm:sp3d/>
+    <dgm:txPr/>
+    <dgm:style>
+      <a:lnRef idx="2">
+        <a:scrgbClr r="0" g="0" b="0"/>
+      </a:lnRef>
+      <a:fillRef idx="1">
+        <a:scrgbClr r="0" g="0" b="0"/>
+      </a:fillRef>
+      <a:effectRef idx="0">
+        <a:scrgbClr r="0" g="0" b="0"/>
+      </a:effectRef>
+      <a:fontRef idx="minor">
+        <a:schemeClr val="lt1"/>
+      </a:fontRef>
+    </dgm:style>
+  </dgm:styleLbl>
+  <dgm:styleLbl name="node4">
+    <dgm:scene3d>
+      <a:camera prst="orthographicFront"/>
+      <a:lightRig rig="threePt" dir="t"/>
+    </dgm:scene3d>
+    <dgm:sp3d/>
+    <dgm:txPr/>
+    <dgm:style>
+      <a:lnRef idx="2">
+        <a:scrgbClr r="0" g="0" b="0"/>
+      </a:lnRef>
+      <a:fillRef idx="1">
+        <a:scrgbClr r="0" g="0" b="0"/>
+      </a:fillRef>
+      <a:effectRef idx="0">
+        <a:scrgbClr r="0" g="0" b="0"/>
+      </a:effectRef>
+      <a:fontRef idx="minor">
+        <a:schemeClr val="lt1"/>
+      </a:fontRef>
+    </dgm:style>
+  </dgm:styleLbl>
+  <dgm:styleLbl name="fgImgPlace1">
+    <dgm:scene3d>
+      <a:camera prst="orthographicFront"/>
+      <a:lightRig rig="threePt" dir="t"/>
+    </dgm:scene3d>
+    <dgm:sp3d/>
+    <dgm:txPr/>
+    <dgm:style>
+      <a:lnRef idx="2">
+        <a:scrgbClr r="0" g="0" b="0"/>
+      </a:lnRef>
+      <a:fillRef idx="1">
+        <a:scrgbClr r="0" g="0" b="0"/>
+      </a:fillRef>
+      <a:effectRef idx="0">
+        <a:scrgbClr r="0" g="0" b="0"/>
+      </a:effectRef>
+      <a:fontRef idx="minor"/>
+    </dgm:style>
+  </dgm:styleLbl>
+  <dgm:styleLbl name="alignImgPlace1">
+    <dgm:scene3d>
+      <a:camera prst="orthographicFront"/>
+      <a:lightRig rig="threePt" dir="t"/>
+    </dgm:scene3d>
+    <dgm:sp3d/>
+    <dgm:txPr/>
+    <dgm:style>
+      <a:lnRef idx="2">
+        <a:scrgbClr r="0" g="0" b="0"/>
+      </a:lnRef>
+      <a:fillRef idx="1">
+        <a:scrgbClr r="0" g="0" b="0"/>
+      </a:fillRef>
+      <a:effectRef idx="0">
+        <a:scrgbClr r="0" g="0" b="0"/>
+      </a:effectRef>
+      <a:fontRef idx="minor"/>
+    </dgm:style>
+  </dgm:styleLbl>
+  <dgm:styleLbl name="bgImgPlace1">
+    <dgm:scene3d>
+      <a:camera prst="orthographicFront"/>
+      <a:lightRig rig="threePt" dir="t"/>
+    </dgm:scene3d>
+    <dgm:sp3d/>
+    <dgm:txPr/>
+    <dgm:style>
+      <a:lnRef idx="2">
+        <a:scrgbClr r="0" g="0" b="0"/>
+      </a:lnRef>
+      <a:fillRef idx="1">
+        <a:scrgbClr r="0" g="0" b="0"/>
+      </a:fillRef>
+      <a:effectRef idx="0">
+        <a:scrgbClr r="0" g="0" b="0"/>
+      </a:effectRef>
+      <a:fontRef idx="minor"/>
+    </dgm:style>
+  </dgm:styleLbl>
+  <dgm:styleLbl name="sibTrans2D1">
+    <dgm:scene3d>
+      <a:camera prst="orthographicFront"/>
+      <a:lightRig rig="threePt" dir="t"/>
+    </dgm:scene3d>
+    <dgm:sp3d/>
+    <dgm:txPr/>
+    <dgm:style>
+      <a:lnRef idx="0">
+        <a:scrgbClr r="0" g="0" b="0"/>
+      </a:lnRef>
+      <a:fillRef idx="1">
+        <a:scrgbClr r="0" g="0" b="0"/>
+      </a:fillRef>
+      <a:effectRef idx="0">
+        <a:scrgbClr r="0" g="0" b="0"/>
+      </a:effectRef>
+      <a:fontRef idx="minor">
+        <a:schemeClr val="lt1"/>
+      </a:fontRef>
+    </dgm:style>
+  </dgm:styleLbl>
+  <dgm:styleLbl name="fgSibTrans2D1">
+    <dgm:scene3d>
+      <a:camera prst="orthographicFront"/>
+      <a:lightRig rig="threePt" dir="t"/>
+    </dgm:scene3d>
+    <dgm:sp3d/>
+    <dgm:txPr/>
+    <dgm:style>
+      <a:lnRef idx="0">
+        <a:scrgbClr r="0" g="0" b="0"/>
+      </a:lnRef>
+      <a:fillRef idx="1">
+        <a:scrgbClr r="0" g="0" b="0"/>
+      </a:fillRef>
+      <a:effectRef idx="0">
+        <a:scrgbClr r="0" g="0" b="0"/>
+      </a:effectRef>
+      <a:fontRef idx="minor">
+        <a:schemeClr val="lt1"/>
+      </a:fontRef>
+    </dgm:style>
+  </dgm:styleLbl>
+  <dgm:styleLbl name="bgSibTrans2D1">
+    <dgm:scene3d>
+      <a:camera prst="orthographicFront"/>
+      <a:lightRig rig="threePt" dir="t"/>
+    </dgm:scene3d>
+    <dgm:sp3d/>
+    <dgm:txPr/>
+    <dgm:style>
+      <a:lnRef idx="0">
+        <a:scrgbClr r="0" g="0" b="0"/>
+      </a:lnRef>
+      <a:fillRef idx="1">
+        <a:scrgbClr r="0" g="0" b="0"/>
+      </a:fillRef>
+      <a:effectRef idx="0">
+        <a:scrgbClr r="0" g="0" b="0"/>
+      </a:effectRef>
+      <a:fontRef idx="minor">
+        <a:schemeClr val="lt1"/>
+      </a:fontRef>
+    </dgm:style>
+  </dgm:styleLbl>
+  <dgm:styleLbl name="sibTrans1D1">
+    <dgm:scene3d>
+      <a:camera prst="orthographicFront"/>
+      <a:lightRig rig="threePt" dir="t"/>
+    </dgm:scene3d>
+    <dgm:sp3d/>
+    <dgm:txPr/>
+    <dgm:style>
+      <a:lnRef idx="1">
+        <a:scrgbClr r="0" g="0" b="0"/>
+      </a:lnRef>
+      <a:fillRef idx="0">
+        <a:scrgbClr r="0" g="0" b="0"/>
+      </a:fillRef>
+      <a:effectRef idx="0">
+        <a:scrgbClr r="0" g="0" b="0"/>
+      </a:effectRef>
+      <a:fontRef idx="minor"/>
+    </dgm:style>
+  </dgm:styleLbl>
+  <dgm:styleLbl name="callout">
+    <dgm:scene3d>
+      <a:camera prst="orthographicFront"/>
+      <a:lightRig rig="threePt" dir="t"/>
+    </dgm:scene3d>
+    <dgm:sp3d/>
+    <dgm:txPr/>
+    <dgm:style>
+      <a:lnRef idx="2">
+        <a:scrgbClr r="0" g="0" b="0"/>
+      </a:lnRef>
+      <a:fillRef idx="1">
+        <a:scrgbClr r="0" g="0" b="0"/>
+      </a:fillRef>
+      <a:effectRef idx="0">
+        <a:scrgbClr r="0" g="0" b="0"/>
+      </a:effectRef>
+      <a:fontRef idx="minor"/>
+    </dgm:style>
+  </dgm:styleLbl>
+  <dgm:styleLbl name="asst0">
+    <dgm:scene3d>
+      <a:camera prst="orthographicFront"/>
+      <a:lightRig rig="threePt" dir="t"/>
+    </dgm:scene3d>
+    <dgm:sp3d/>
+    <dgm:txPr/>
+    <dgm:style>
+      <a:lnRef idx="2">
+        <a:scrgbClr r="0" g="0" b="0"/>
+      </a:lnRef>
+      <a:fillRef idx="1">
+        <a:scrgbClr r="0" g="0" b="0"/>
+      </a:fillRef>
+      <a:effectRef idx="0">
+        <a:scrgbClr r="0" g="0" b="0"/>
+      </a:effectRef>
+      <a:fontRef idx="minor">
+        <a:schemeClr val="lt1"/>
+      </a:fontRef>
+    </dgm:style>
+  </dgm:styleLbl>
+  <dgm:styleLbl name="asst1">
+    <dgm:scene3d>
+      <a:camera prst="orthographicFront"/>
+      <a:lightRig rig="threePt" dir="t"/>
+    </dgm:scene3d>
+    <dgm:sp3d/>
+    <dgm:txPr/>
+    <dgm:style>
+      <a:lnRef idx="2">
+        <a:scrgbClr r="0" g="0" b="0"/>
+      </a:lnRef>
+      <a:fillRef idx="1">
+        <a:scrgbClr r="0" g="0" b="0"/>
+      </a:fillRef>
+      <a:effectRef idx="0">
+        <a:scrgbClr r="0" g="0" b="0"/>
+      </a:effectRef>
+      <a:fontRef idx="minor">
+        <a:schemeClr val="lt1"/>
+      </a:fontRef>
+    </dgm:style>
+  </dgm:styleLbl>
+  <dgm:styleLbl name="asst2">
+    <dgm:scene3d>
+      <a:camera prst="orthographicFront"/>
+      <a:lightRig rig="threePt" dir="t"/>
+    </dgm:scene3d>
+    <dgm:sp3d/>
+    <dgm:txPr/>
+    <dgm:style>
+      <a:lnRef idx="2">
+        <a:scrgbClr r="0" g="0" b="0"/>
+      </a:lnRef>
+      <a:fillRef idx="1">
+        <a:scrgbClr r="0" g="0" b="0"/>
+      </a:fillRef>
+      <a:effectRef idx="0">
+        <a:scrgbClr r="0" g="0" b="0"/>
+      </a:effectRef>
+      <a:fontRef idx="minor">
+        <a:schemeClr val="lt1"/>
+      </a:fontRef>
+    </dgm:style>
+  </dgm:styleLbl>
+  <dgm:styleLbl name="asst3">
+    <dgm:scene3d>
+      <a:camera prst="orthographicFront"/>
+      <a:lightRig rig="threePt" dir="t"/>
+    </dgm:scene3d>
+    <dgm:sp3d/>
+    <dgm:txPr/>
+    <dgm:style>
+      <a:lnRef idx="2">
+        <a:scrgbClr r="0" g="0" b="0"/>
+      </a:lnRef>
+      <a:fillRef idx="1">
+        <a:scrgbClr r="0" g="0" b="0"/>
+      </a:fillRef>
+      <a:effectRef idx="0">
+        <a:scrgbClr r="0" g="0" b="0"/>
+      </a:effectRef>
+      <a:fontRef idx="minor">
+        <a:schemeClr val="lt1"/>
+      </a:fontRef>
+    </dgm:style>
+  </dgm:styleLbl>
+  <dgm:styleLbl name="asst4">
+    <dgm:scene3d>
+      <a:camera prst="orthographicFront"/>
+      <a:lightRig rig="threePt" dir="t"/>
+    </dgm:scene3d>
+    <dgm:sp3d/>
+    <dgm:txPr/>
+    <dgm:style>
+      <a:lnRef idx="2">
+        <a:scrgbClr r="0" g="0" b="0"/>
+      </a:lnRef>
+      <a:fillRef idx="1">
+        <a:scrgbClr r="0" g="0" b="0"/>
+      </a:fillRef>
+      <a:effectRef idx="0">
+        <a:scrgbClr r="0" g="0" b="0"/>
+      </a:effectRef>
+      <a:fontRef idx="minor">
+        <a:schemeClr val="lt1"/>
+      </a:fontRef>
+    </dgm:style>
+  </dgm:styleLbl>
+  <dgm:styleLbl name="parChTrans2D1">
+    <dgm:scene3d>
+      <a:camera prst="orthographicFront"/>
+      <a:lightRig rig="threePt" dir="t"/>
+    </dgm:scene3d>
+    <dgm:sp3d/>
+    <dgm:txPr/>
+    <dgm:style>
+      <a:lnRef idx="2">
+        <a:scrgbClr r="0" g="0" b="0"/>
+      </a:lnRef>
+      <a:fillRef idx="1">
+        <a:scrgbClr r="0" g="0" b="0"/>
+      </a:fillRef>
+      <a:effectRef idx="0">
+        <a:scrgbClr r="0" g="0" b="0"/>
+      </a:effectRef>
+      <a:fontRef idx="minor">
+        <a:schemeClr val="lt1"/>
+      </a:fontRef>
+    </dgm:style>
+  </dgm:styleLbl>
+  <dgm:styleLbl name="parChTrans2D2">
+    <dgm:scene3d>
+      <a:camera prst="orthographicFront"/>
+      <a:lightRig rig="threePt" dir="t"/>
+    </dgm:scene3d>
+    <dgm:sp3d/>
+    <dgm:txPr/>
+    <dgm:style>
+      <a:lnRef idx="2">
+        <a:scrgbClr r="0" g="0" b="0"/>
+      </a:lnRef>
+      <a:fillRef idx="1">
+        <a:scrgbClr r="0" g="0" b="0"/>
+      </a:fillRef>
+      <a:effectRef idx="0">
+        <a:scrgbClr r="0" g="0" b="0"/>
+      </a:effectRef>
+      <a:fontRef idx="minor">
+        <a:schemeClr val="lt1"/>
+      </a:fontRef>
+    </dgm:style>
+  </dgm:styleLbl>
+  <dgm:styleLbl name="parChTrans2D3">
+    <dgm:scene3d>
+      <a:camera prst="orthographicFront"/>
+      <a:lightRig rig="threePt" dir="t"/>
+    </dgm:scene3d>
+    <dgm:sp3d/>
+    <dgm:txPr/>
+    <dgm:style>
+      <a:lnRef idx="2">
+        <a:scrgbClr r="0" g="0" b="0"/>
+      </a:lnRef>
+      <a:fillRef idx="1">
+        <a:scrgbClr r="0" g="0" b="0"/>
+      </a:fillRef>
+      <a:effectRef idx="0">
+        <a:scrgbClr r="0" g="0" b="0"/>
+      </a:effectRef>
+      <a:fontRef idx="minor">
+        <a:schemeClr val="lt1"/>
+      </a:fontRef>
+    </dgm:style>
+  </dgm:styleLbl>
+  <dgm:styleLbl name="parChTrans2D4">
+    <dgm:scene3d>
+      <a:camera prst="orthographicFront"/>
+      <a:lightRig rig="threePt" dir="t"/>
+    </dgm:scene3d>
+    <dgm:sp3d/>
+    <dgm:txPr/>
+    <dgm:style>
+      <a:lnRef idx="2">
+        <a:scrgbClr r="0" g="0" b="0"/>
+      </a:lnRef>
+      <a:fillRef idx="1">
+        <a:scrgbClr r="0" g="0" b="0"/>
+      </a:fillRef>
+      <a:effectRef idx="0">
+        <a:scrgbClr r="0" g="0" b="0"/>
+      </a:effectRef>
+      <a:fontRef idx="minor">
+        <a:schemeClr val="lt1"/>
+      </a:fontRef>
+    </dgm:style>
+  </dgm:styleLbl>
+  <dgm:styleLbl name="parChTrans1D1">
+    <dgm:scene3d>
+      <a:camera prst="orthographicFront"/>
+      <a:lightRig rig="threePt" dir="t"/>
+    </dgm:scene3d>
+    <dgm:sp3d/>
+    <dgm:txPr/>
+    <dgm:style>
+      <a:lnRef idx="2">
+        <a:scrgbClr r="0" g="0" b="0"/>
+      </a:lnRef>
+      <a:fillRef idx="0">
+        <a:scrgbClr r="0" g="0" b="0"/>
+      </a:fillRef>
+      <a:effectRef idx="0">
+        <a:scrgbClr r="0" g="0" b="0"/>
+      </a:effectRef>
+      <a:fontRef idx="minor"/>
+    </dgm:style>
+  </dgm:styleLbl>
+  <dgm:styleLbl name="parChTrans1D2">
+    <dgm:scene3d>
+      <a:camera prst="orthographicFront"/>
+      <a:lightRig rig="threePt" dir="t"/>
+    </dgm:scene3d>
+    <dgm:sp3d/>
+    <dgm:txPr/>
+    <dgm:style>
+      <a:lnRef idx="2">
+        <a:scrgbClr r="0" g="0" b="0"/>
+      </a:lnRef>
+      <a:fillRef idx="0">
+        <a:scrgbClr r="0" g="0" b="0"/>
+      </a:fillRef>
+      <a:effectRef idx="0">
+        <a:scrgbClr r="0" g="0" b="0"/>
+      </a:effectRef>
+      <a:fontRef idx="minor"/>
+    </dgm:style>
+  </dgm:styleLbl>
+  <dgm:styleLbl name="parChTrans1D3">
+    <dgm:scene3d>
+      <a:camera prst="orthographicFront"/>
+      <a:lightRig rig="threePt" dir="t"/>
+    </dgm:scene3d>
+    <dgm:sp3d/>
+    <dgm:txPr/>
+    <dgm:style>
+      <a:lnRef idx="2">
+        <a:scrgbClr r="0" g="0" b="0"/>
+      </a:lnRef>
+      <a:fillRef idx="0">
+        <a:scrgbClr r="0" g="0" b="0"/>
+      </a:fillRef>
+      <a:effectRef idx="0">
+        <a:scrgbClr r="0" g="0" b="0"/>
+      </a:effectRef>
+      <a:fontRef idx="minor"/>
+    </dgm:style>
+  </dgm:styleLbl>
+  <dgm:styleLbl name="parChTrans1D4">
+    <dgm:scene3d>
+      <a:camera prst="orthographicFront"/>
+      <a:lightRig rig="threePt" dir="t"/>
+    </dgm:scene3d>
+    <dgm:sp3d/>
+    <dgm:txPr/>
+    <dgm:style>
+      <a:lnRef idx="2">
+        <a:scrgbClr r="0" g="0" b="0"/>
+      </a:lnRef>
+      <a:fillRef idx="0">
+        <a:scrgbClr r="0" g="0" b="0"/>
+      </a:fillRef>
+      <a:effectRef idx="0">
+        <a:scrgbClr r="0" g="0" b="0"/>
+      </a:effectRef>
+      <a:fontRef idx="minor"/>
+    </dgm:style>
+  </dgm:styleLbl>
+  <dgm:styleLbl name="fgAcc1">
+    <dgm:scene3d>
+      <a:camera prst="orthographicFront"/>
+      <a:lightRig rig="threePt" dir="t"/>
+    </dgm:scene3d>
+    <dgm:sp3d/>
+    <dgm:txPr/>
+    <dgm:style>
+      <a:lnRef idx="2">
+        <a:scrgbClr r="0" g="0" b="0"/>
+      </a:lnRef>
+      <a:fillRef idx="1">
+        <a:scrgbClr r="0" g="0" b="0"/>
+      </a:fillRef>
+      <a:effectRef idx="0">
+        <a:scrgbClr r="0" g="0" b="0"/>
+      </a:effectRef>
+      <a:fontRef idx="minor"/>
+    </dgm:style>
+  </dgm:styleLbl>
+  <dgm:styleLbl name="conFgAcc1">
+    <dgm:scene3d>
+      <a:camera prst="orthographicFront"/>
+      <a:lightRig rig="threePt" dir="t"/>
+    </dgm:scene3d>
+    <dgm:sp3d/>
+    <dgm:txPr/>
+    <dgm:style>
+      <a:lnRef idx="2">
+        <a:scrgbClr r="0" g="0" b="0"/>
+      </a:lnRef>
+      <a:fillRef idx="1">
+        <a:scrgbClr r="0" g="0" b="0"/>
+      </a:fillRef>
+      <a:effectRef idx="0">
+        <a:scrgbClr r="0" g="0" b="0"/>
+      </a:effectRef>
+      <a:fontRef idx="minor"/>
+    </dgm:style>
+  </dgm:styleLbl>
+  <dgm:styleLbl name="alignAcc1">
+    <dgm:scene3d>
+      <a:camera prst="orthographicFront"/>
+      <a:lightRig rig="threePt" dir="t"/>
+    </dgm:scene3d>
+    <dgm:sp3d/>
+    <dgm:txPr/>
+    <dgm:style>
+      <a:lnRef idx="2">
+        <a:scrgbClr r="0" g="0" b="0"/>
+      </a:lnRef>
+      <a:fillRef idx="1">
+        <a:scrgbClr r="0" g="0" b="0"/>
+      </a:fillRef>
+      <a:effectRef idx="0">
+        <a:scrgbClr r="0" g="0" b="0"/>
+      </a:effectRef>
+      <a:fontRef idx="minor"/>
+    </dgm:style>
+  </dgm:styleLbl>
+  <dgm:styleLbl name="trAlignAcc1">
+    <dgm:scene3d>
+      <a:camera prst="orthographicFront"/>
+      <a:lightRig rig="threePt" dir="t"/>
+    </dgm:scene3d>
+    <dgm:sp3d/>
+    <dgm:txPr/>
+    <dgm:style>
+      <a:lnRef idx="1">
+        <a:scrgbClr r="0" g="0" b="0"/>
+      </a:lnRef>
+      <a:fillRef idx="1">
+        <a:scrgbClr r="0" g="0" b="0"/>
+      </a:fillRef>
+      <a:effectRef idx="0">
+        <a:scrgbClr r="0" g="0" b="0"/>
+      </a:effectRef>
+      <a:fontRef idx="minor"/>
+    </dgm:style>
+  </dgm:styleLbl>
+  <dgm:styleLbl name="bgAcc1">
+    <dgm:scene3d>
+      <a:camera prst="orthographicFront"/>
+      <a:lightRig rig="threePt" dir="t"/>
+    </dgm:scene3d>
+    <dgm:sp3d/>
+    <dgm:txPr/>
+    <dgm:style>
+      <a:lnRef idx="2">
+        <a:scrgbClr r="0" g="0" b="0"/>
+      </a:lnRef>
+      <a:fillRef idx="1">
+        <a:scrgbClr r="0" g="0" b="0"/>
+      </a:fillRef>
+      <a:effectRef idx="0">
+        <a:scrgbClr r="0" g="0" b="0"/>
+      </a:effectRef>
+      <a:fontRef idx="minor"/>
+    </dgm:style>
+  </dgm:styleLbl>
+  <dgm:styleLbl name="solidFgAcc1">
+    <dgm:scene3d>
+      <a:camera prst="orthographicFront"/>
+      <a:lightRig rig="threePt" dir="t"/>
+    </dgm:scene3d>
+    <dgm:sp3d/>
+    <dgm:txPr/>
+    <dgm:style>
+      <a:lnRef idx="2">
+        <a:scrgbClr r="0" g="0" b="0"/>
+      </a:lnRef>
+      <a:fillRef idx="1">
+        <a:scrgbClr r="0" g="0" b="0"/>
+      </a:fillRef>
+      <a:effectRef idx="0">
+        <a:scrgbClr r="0" g="0" b="0"/>
+      </a:effectRef>
+      <a:fontRef idx="minor"/>
+    </dgm:style>
+  </dgm:styleLbl>
+  <dgm:styleLbl name="solidAlignAcc1">
+    <dgm:scene3d>
+      <a:camera prst="orthographicFront"/>
+      <a:lightRig rig="threePt" dir="t"/>
+    </dgm:scene3d>
+    <dgm:sp3d/>
+    <dgm:txPr/>
+    <dgm:style>
+      <a:lnRef idx="2">
+        <a:scrgbClr r="0" g="0" b="0"/>
+      </a:lnRef>
+      <a:fillRef idx="1">
+        <a:scrgbClr r="0" g="0" b="0"/>
+      </a:fillRef>
+      <a:effectRef idx="0">
+        <a:scrgbClr r="0" g="0" b="0"/>
+      </a:effectRef>
+      <a:fontRef idx="minor"/>
+    </dgm:style>
+  </dgm:styleLbl>
+  <dgm:styleLbl name="solidBgAcc1">
+    <dgm:scene3d>
+      <a:camera prst="orthographicFront"/>
+      <a:lightRig rig="threePt" dir="t"/>
+    </dgm:scene3d>
+    <dgm:sp3d/>
+    <dgm:txPr/>
+    <dgm:style>
+      <a:lnRef idx="2">
+        <a:scrgbClr r="0" g="0" b="0"/>
+      </a:lnRef>
+      <a:fillRef idx="1">
+        <a:scrgbClr r="0" g="0" b="0"/>
+      </a:fillRef>
+      <a:effectRef idx="0">
+        <a:scrgbClr r="0" g="0" b="0"/>
+      </a:effectRef>
+      <a:fontRef idx="minor"/>
+    </dgm:style>
+  </dgm:styleLbl>
+  <dgm:styleLbl name="fgAccFollowNode1">
+    <dgm:scene3d>
+      <a:camera prst="orthographicFront"/>
+      <a:lightRig rig="threePt" dir="t"/>
+    </dgm:scene3d>
+    <dgm:sp3d/>
+    <dgm:txPr/>
+    <dgm:style>
+      <a:lnRef idx="2">
+        <a:scrgbClr r="0" g="0" b="0"/>
+      </a:lnRef>
+      <a:fillRef idx="1">
+        <a:scrgbClr r="0" g="0" b="0"/>
+      </a:fillRef>
+      <a:effectRef idx="0">
+        <a:scrgbClr r="0" g="0" b="0"/>
+      </a:effectRef>
+      <a:fontRef idx="minor"/>
+    </dgm:style>
+  </dgm:styleLbl>
+  <dgm:styleLbl name="alignAccFollowNode1">
+    <dgm:scene3d>
+      <a:camera prst="orthographicFront"/>
+      <a:lightRig rig="threePt" dir="t"/>
+    </dgm:scene3d>
+    <dgm:sp3d/>
+    <dgm:txPr/>
+    <dgm:style>
+      <a:lnRef idx="2">
+        <a:scrgbClr r="0" g="0" b="0"/>
+      </a:lnRef>
+      <a:fillRef idx="1">
+        <a:scrgbClr r="0" g="0" b="0"/>
+      </a:fillRef>
+      <a:effectRef idx="0">
+        <a:scrgbClr r="0" g="0" b="0"/>
+      </a:effectRef>
+      <a:fontRef idx="minor"/>
+    </dgm:style>
+  </dgm:styleLbl>
+  <dgm:styleLbl name="bgAccFollowNode1">
+    <dgm:scene3d>
+      <a:camera prst="orthographicFront"/>
+      <a:lightRig rig="threePt" dir="t"/>
+    </dgm:scene3d>
+    <dgm:sp3d/>
+    <dgm:txPr/>
+    <dgm:style>
+      <a:lnRef idx="2">
+        <a:scrgbClr r="0" g="0" b="0"/>
+      </a:lnRef>
+      <a:fillRef idx="1">
+        <a:scrgbClr r="0" g="0" b="0"/>
+      </a:fillRef>
+      <a:effectRef idx="0">
+        <a:scrgbClr r="0" g="0" b="0"/>
+      </a:effectRef>
+      <a:fontRef idx="minor"/>
+    </dgm:style>
+  </dgm:styleLbl>
+  <dgm:styleLbl name="fgAcc0">
+    <dgm:scene3d>
+      <a:camera prst="orthographicFront"/>
+      <a:lightRig rig="threePt" dir="t"/>
+    </dgm:scene3d>
+    <dgm:sp3d/>
+    <dgm:txPr/>
+    <dgm:style>
+      <a:lnRef idx="2">
+        <a:scrgbClr r="0" g="0" b="0"/>
+      </a:lnRef>
+      <a:fillRef idx="1">
+        <a:scrgbClr r="0" g="0" b="0"/>
+      </a:fillRef>
+      <a:effectRef idx="0">
+        <a:scrgbClr r="0" g="0" b="0"/>
+      </a:effectRef>
+      <a:fontRef idx="minor"/>
+    </dgm:style>
+  </dgm:styleLbl>
+  <dgm:styleLbl name="fgAcc2">
+    <dgm:scene3d>
+      <a:camera prst="orthographicFront"/>
+      <a:lightRig rig="threePt" dir="t"/>
+    </dgm:scene3d>
+    <dgm:sp3d/>
+    <dgm:txPr/>
+    <dgm:style>
+      <a:lnRef idx="2">
+        <a:scrgbClr r="0" g="0" b="0"/>
+      </a:lnRef>
+      <a:fillRef idx="1">
+        <a:scrgbClr r="0" g="0" b="0"/>
+      </a:fillRef>
+      <a:effectRef idx="0">
+        <a:scrgbClr r="0" g="0" b="0"/>
+      </a:effectRef>
+      <a:fontRef idx="minor"/>
+    </dgm:style>
+  </dgm:styleLbl>
+  <dgm:styleLbl name="fgAcc3">
+    <dgm:scene3d>
+      <a:camera prst="orthographicFront"/>
+      <a:lightRig rig="threePt" dir="t"/>
+    </dgm:scene3d>
+    <dgm:sp3d/>
+    <dgm:txPr/>
+    <dgm:style>
+      <a:lnRef idx="2">
+        <a:scrgbClr r="0" g="0" b="0"/>
+      </a:lnRef>
+      <a:fillRef idx="1">
+        <a:scrgbClr r="0" g="0" b="0"/>
+      </a:fillRef>
+      <a:effectRef idx="0">
+        <a:scrgbClr r="0" g="0" b="0"/>
+      </a:effectRef>
+      <a:fontRef idx="minor"/>
+    </dgm:style>
+  </dgm:styleLbl>
+  <dgm:styleLbl name="fgAcc4">
+    <dgm:scene3d>
+      <a:camera prst="orthographicFront"/>
+      <a:lightRig rig="threePt" dir="t"/>
+    </dgm:scene3d>
+    <dgm:sp3d/>
+    <dgm:txPr/>
+    <dgm:style>
+      <a:lnRef idx="2">
+        <a:scrgbClr r="0" g="0" b="0"/>
+      </a:lnRef>
+      <a:fillRef idx="1">
+        <a:scrgbClr r="0" g="0" b="0"/>
+      </a:fillRef>
+      <a:effectRef idx="0">
+        <a:scrgbClr r="0" g="0" b="0"/>
+      </a:effectRef>
+      <a:fontRef idx="minor"/>
+    </dgm:style>
+  </dgm:styleLbl>
+  <dgm:styleLbl name="bgShp">
+    <dgm:scene3d>
+      <a:camera prst="orthographicFront"/>
+      <a:lightRig rig="threePt" dir="t"/>
+    </dgm:scene3d>
+    <dgm:sp3d/>
+    <dgm:txPr/>
+    <dgm:style>
+      <a:lnRef idx="0">
+        <a:scrgbClr r="0" g="0" b="0"/>
+      </a:lnRef>
+      <a:fillRef idx="1">
+        <a:scrgbClr r="0" g="0" b="0"/>
+      </a:fillRef>
+      <a:effectRef idx="0">
+        <a:scrgbClr r="0" g="0" b="0"/>
+      </a:effectRef>
+      <a:fontRef idx="minor"/>
+    </dgm:style>
+  </dgm:styleLbl>
+  <dgm:styleLbl name="dkBgShp">
+    <dgm:scene3d>
+      <a:camera prst="orthographicFront"/>
+      <a:lightRig rig="threePt" dir="t"/>
+    </dgm:scene3d>
+    <dgm:sp3d/>
+    <dgm:txPr/>
+    <dgm:style>
+      <a:lnRef idx="0">
+        <a:scrgbClr r="0" g="0" b="0"/>
+      </a:lnRef>
+      <a:fillRef idx="1">
+        <a:scrgbClr r="0" g="0" b="0"/>
+      </a:fillRef>
+      <a:effectRef idx="0">
+        <a:scrgbClr r="0" g="0" b="0"/>
+      </a:effectRef>
+      <a:fontRef idx="minor"/>
+    </dgm:style>
+  </dgm:styleLbl>
+  <dgm:styleLbl name="trBgShp">
+    <dgm:scene3d>
+      <a:camera prst="orthographicFront"/>
+      <a:lightRig rig="threePt" dir="t"/>
+    </dgm:scene3d>
+    <dgm:sp3d/>
+    <dgm:txPr/>
+    <dgm:style>
+      <a:lnRef idx="0">
+        <a:scrgbClr r="0" g="0" b="0"/>
+      </a:lnRef>
+      <a:fillRef idx="1">
+        <a:scrgbClr r="0" g="0" b="0"/>
+      </a:fillRef>
+      <a:effectRef idx="0">
+        <a:scrgbClr r="0" g="0" b="0"/>
+      </a:effectRef>
+      <a:fontRef idx="minor"/>
+    </dgm:style>
+  </dgm:styleLbl>
+  <dgm:styleLbl name="fgShp">
+    <dgm:scene3d>
+      <a:camera prst="orthographicFront"/>
+      <a:lightRig rig="threePt" dir="t"/>
+    </dgm:scene3d>
+    <dgm:sp3d/>
+    <dgm:txPr/>
+    <dgm:style>
+      <a:lnRef idx="2">
+        <a:scrgbClr r="0" g="0" b="0"/>
+      </a:lnRef>
+      <a:fillRef idx="1">
+        <a:scrgbClr r="0" g="0" b="0"/>
+      </a:fillRef>
+      <a:effectRef idx="0">
+        <a:scrgbClr r="0" g="0" b="0"/>
+      </a:effectRef>
+      <a:fontRef idx="minor"/>
+    </dgm:style>
+  </dgm:styleLbl>
+  <dgm:styleLbl name="revTx">
+    <dgm:scene3d>
+      <a:camera prst="orthographicFront"/>
+      <a:lightRig rig="threePt" dir="t"/>
+    </dgm:scene3d>
+    <dgm:sp3d/>
+    <dgm:txPr/>
+    <dgm:style>
+      <a:lnRef idx="0">
+        <a:scrgbClr r="0" g="0" b="0"/>
+      </a:lnRef>
+      <a:fillRef idx="0">
+        <a:scrgbClr r="0" g="0" b="0"/>
+      </a:fillRef>
+      <a:effectRef idx="0">
+        <a:scrgbClr r="0" g="0" b="0"/>
+      </a:effectRef>
+      <a:fontRef idx="minor"/>
+    </dgm:style>
+  </dgm:styleLbl>
+</dgm:styleDef>
+</file>
+
+<file path=ppt/diagrams/quickStyle2.xml><?xml version="1.0" encoding="utf-8"?>
 <dgm:styleDef xmlns:dgm="http://schemas.openxmlformats.org/drawingml/2006/diagram" xmlns:a="http://schemas.openxmlformats.org/drawingml/2006/main" uniqueId="urn:microsoft.com/office/officeart/2005/8/quickstyle/simple1">
   <dgm:title val=""/>
   <dgm:desc val=""/>
@@ -3336,7 +6990,7 @@
           <a:p>
             <a:fld id="{C97A8BB4-432F-4534-BB7D-1DAA3422BDA4}" type="datetimeFigureOut">
               <a:rPr lang="en-IN" smtClean="0"/>
-              <a:t>17-02-2018</a:t>
+              <a:t>18-02-2018</a:t>
             </a:fld>
             <a:endParaRPr lang="en-IN"/>
           </a:p>
@@ -3536,7 +7190,7 @@
           <a:p>
             <a:fld id="{C97A8BB4-432F-4534-BB7D-1DAA3422BDA4}" type="datetimeFigureOut">
               <a:rPr lang="en-IN" smtClean="0"/>
-              <a:t>17-02-2018</a:t>
+              <a:t>18-02-2018</a:t>
             </a:fld>
             <a:endParaRPr lang="en-IN"/>
           </a:p>
@@ -3746,7 +7400,7 @@
           <a:p>
             <a:fld id="{C97A8BB4-432F-4534-BB7D-1DAA3422BDA4}" type="datetimeFigureOut">
               <a:rPr lang="en-IN" smtClean="0"/>
-              <a:t>17-02-2018</a:t>
+              <a:t>18-02-2018</a:t>
             </a:fld>
             <a:endParaRPr lang="en-IN"/>
           </a:p>
@@ -3946,7 +7600,7 @@
           <a:p>
             <a:fld id="{C97A8BB4-432F-4534-BB7D-1DAA3422BDA4}" type="datetimeFigureOut">
               <a:rPr lang="en-IN" smtClean="0"/>
-              <a:t>17-02-2018</a:t>
+              <a:t>18-02-2018</a:t>
             </a:fld>
             <a:endParaRPr lang="en-IN"/>
           </a:p>
@@ -4222,7 +7876,7 @@
           <a:p>
             <a:fld id="{C97A8BB4-432F-4534-BB7D-1DAA3422BDA4}" type="datetimeFigureOut">
               <a:rPr lang="en-IN" smtClean="0"/>
-              <a:t>17-02-2018</a:t>
+              <a:t>18-02-2018</a:t>
             </a:fld>
             <a:endParaRPr lang="en-IN"/>
           </a:p>
@@ -4490,7 +8144,7 @@
           <a:p>
             <a:fld id="{C97A8BB4-432F-4534-BB7D-1DAA3422BDA4}" type="datetimeFigureOut">
               <a:rPr lang="en-IN" smtClean="0"/>
-              <a:t>17-02-2018</a:t>
+              <a:t>18-02-2018</a:t>
             </a:fld>
             <a:endParaRPr lang="en-IN"/>
           </a:p>
@@ -4905,7 +8559,7 @@
           <a:p>
             <a:fld id="{C97A8BB4-432F-4534-BB7D-1DAA3422BDA4}" type="datetimeFigureOut">
               <a:rPr lang="en-IN" smtClean="0"/>
-              <a:t>17-02-2018</a:t>
+              <a:t>18-02-2018</a:t>
             </a:fld>
             <a:endParaRPr lang="en-IN"/>
           </a:p>
@@ -5047,7 +8701,7 @@
           <a:p>
             <a:fld id="{C97A8BB4-432F-4534-BB7D-1DAA3422BDA4}" type="datetimeFigureOut">
               <a:rPr lang="en-IN" smtClean="0"/>
-              <a:t>17-02-2018</a:t>
+              <a:t>18-02-2018</a:t>
             </a:fld>
             <a:endParaRPr lang="en-IN"/>
           </a:p>
@@ -5160,7 +8814,7 @@
           <a:p>
             <a:fld id="{C97A8BB4-432F-4534-BB7D-1DAA3422BDA4}" type="datetimeFigureOut">
               <a:rPr lang="en-IN" smtClean="0"/>
-              <a:t>17-02-2018</a:t>
+              <a:t>18-02-2018</a:t>
             </a:fld>
             <a:endParaRPr lang="en-IN"/>
           </a:p>
@@ -5473,7 +9127,7 @@
           <a:p>
             <a:fld id="{C97A8BB4-432F-4534-BB7D-1DAA3422BDA4}" type="datetimeFigureOut">
               <a:rPr lang="en-IN" smtClean="0"/>
-              <a:t>17-02-2018</a:t>
+              <a:t>18-02-2018</a:t>
             </a:fld>
             <a:endParaRPr lang="en-IN"/>
           </a:p>
@@ -5762,7 +9416,7 @@
           <a:p>
             <a:fld id="{C97A8BB4-432F-4534-BB7D-1DAA3422BDA4}" type="datetimeFigureOut">
               <a:rPr lang="en-IN" smtClean="0"/>
-              <a:t>17-02-2018</a:t>
+              <a:t>18-02-2018</a:t>
             </a:fld>
             <a:endParaRPr lang="en-IN"/>
           </a:p>
@@ -6005,7 +9659,7 @@
           <a:p>
             <a:fld id="{C97A8BB4-432F-4534-BB7D-1DAA3422BDA4}" type="datetimeFigureOut">
               <a:rPr lang="en-IN" smtClean="0"/>
-              <a:t>17-02-2018</a:t>
+              <a:t>18-02-2018</a:t>
             </a:fld>
             <a:endParaRPr lang="en-IN"/>
           </a:p>
@@ -6463,6 +10117,3182 @@
 </p:sld>
 </file>
 
+<file path=ppt/slides/slide2.xml><?xml version="1.0" encoding="utf-8"?>
+<p:sld xmlns:a="http://schemas.openxmlformats.org/drawingml/2006/main" xmlns:r="http://schemas.openxmlformats.org/officeDocument/2006/relationships" xmlns:p="http://schemas.openxmlformats.org/presentationml/2006/main">
+  <p:cSld>
+    <p:spTree>
+      <p:nvGrpSpPr>
+        <p:cNvPr id="1" name=""/>
+        <p:cNvGrpSpPr/>
+        <p:nvPr/>
+      </p:nvGrpSpPr>
+      <p:grpSpPr>
+        <a:xfrm>
+          <a:off x="0" y="0"/>
+          <a:ext cx="0" cy="0"/>
+          <a:chOff x="0" y="0"/>
+          <a:chExt cx="0" cy="0"/>
+        </a:xfrm>
+      </p:grpSpPr>
+      <p:sp>
+        <p:nvSpPr>
+          <p:cNvPr id="2" name="Rectangle 1">
+            <a:extLst>
+              <a:ext uri="{FF2B5EF4-FFF2-40B4-BE49-F238E27FC236}">
+                <a16:creationId xmlns:a16="http://schemas.microsoft.com/office/drawing/2014/main" id="{365100BD-BCC2-45B1-82C4-EB1A2EB48E53}"/>
+              </a:ext>
+            </a:extLst>
+          </p:cNvPr>
+          <p:cNvSpPr/>
+          <p:nvPr/>
+        </p:nvSpPr>
+        <p:spPr>
+          <a:xfrm>
+            <a:off x="826477" y="509954"/>
+            <a:ext cx="1688123" cy="457200"/>
+          </a:xfrm>
+          <a:prstGeom prst="rect">
+            <a:avLst/>
+          </a:prstGeom>
+          <a:solidFill>
+            <a:schemeClr val="tx1">
+              <a:lumMod val="50000"/>
+              <a:lumOff val="50000"/>
+            </a:schemeClr>
+          </a:solidFill>
+        </p:spPr>
+        <p:style>
+          <a:lnRef idx="2">
+            <a:schemeClr val="accent1">
+              <a:shade val="50000"/>
+            </a:schemeClr>
+          </a:lnRef>
+          <a:fillRef idx="1">
+            <a:schemeClr val="accent1"/>
+          </a:fillRef>
+          <a:effectRef idx="0">
+            <a:schemeClr val="accent1"/>
+          </a:effectRef>
+          <a:fontRef idx="minor">
+            <a:schemeClr val="lt1"/>
+          </a:fontRef>
+        </p:style>
+        <p:txBody>
+          <a:bodyPr rtlCol="0" anchor="ctr"/>
+          <a:lstStyle/>
+          <a:p>
+            <a:pPr algn="ctr"/>
+            <a:r>
+              <a:rPr lang="en-IN" dirty="0"/>
+              <a:t>Group 1</a:t>
+            </a:r>
+          </a:p>
+        </p:txBody>
+      </p:sp>
+      <p:sp>
+        <p:nvSpPr>
+          <p:cNvPr id="26" name="Rectangle 25">
+            <a:extLst>
+              <a:ext uri="{FF2B5EF4-FFF2-40B4-BE49-F238E27FC236}">
+                <a16:creationId xmlns:a16="http://schemas.microsoft.com/office/drawing/2014/main" id="{AB6EC9B2-7C16-4A15-B094-9A48C1DB6811}"/>
+              </a:ext>
+            </a:extLst>
+          </p:cNvPr>
+          <p:cNvSpPr/>
+          <p:nvPr/>
+        </p:nvSpPr>
+        <p:spPr>
+          <a:xfrm>
+            <a:off x="826476" y="1199418"/>
+            <a:ext cx="1688123" cy="457200"/>
+          </a:xfrm>
+          <a:prstGeom prst="rect">
+            <a:avLst/>
+          </a:prstGeom>
+          <a:solidFill>
+            <a:schemeClr val="tx1">
+              <a:lumMod val="50000"/>
+              <a:lumOff val="50000"/>
+            </a:schemeClr>
+          </a:solidFill>
+        </p:spPr>
+        <p:style>
+          <a:lnRef idx="2">
+            <a:schemeClr val="accent1">
+              <a:shade val="50000"/>
+            </a:schemeClr>
+          </a:lnRef>
+          <a:fillRef idx="1">
+            <a:schemeClr val="accent1"/>
+          </a:fillRef>
+          <a:effectRef idx="0">
+            <a:schemeClr val="accent1"/>
+          </a:effectRef>
+          <a:fontRef idx="minor">
+            <a:schemeClr val="lt1"/>
+          </a:fontRef>
+        </p:style>
+        <p:txBody>
+          <a:bodyPr rtlCol="0" anchor="ctr"/>
+          <a:lstStyle/>
+          <a:p>
+            <a:pPr algn="ctr"/>
+            <a:r>
+              <a:rPr lang="en-IN" dirty="0"/>
+              <a:t>Group 2</a:t>
+            </a:r>
+          </a:p>
+        </p:txBody>
+      </p:sp>
+      <p:sp>
+        <p:nvSpPr>
+          <p:cNvPr id="33" name="Rectangle 32">
+            <a:extLst>
+              <a:ext uri="{FF2B5EF4-FFF2-40B4-BE49-F238E27FC236}">
+                <a16:creationId xmlns:a16="http://schemas.microsoft.com/office/drawing/2014/main" id="{94766FA1-210D-4745-A401-AF2101359392}"/>
+              </a:ext>
+            </a:extLst>
+          </p:cNvPr>
+          <p:cNvSpPr/>
+          <p:nvPr/>
+        </p:nvSpPr>
+        <p:spPr>
+          <a:xfrm>
+            <a:off x="835264" y="2343882"/>
+            <a:ext cx="1688123" cy="457200"/>
+          </a:xfrm>
+          <a:prstGeom prst="rect">
+            <a:avLst/>
+          </a:prstGeom>
+          <a:solidFill>
+            <a:schemeClr val="tx1">
+              <a:lumMod val="50000"/>
+              <a:lumOff val="50000"/>
+            </a:schemeClr>
+          </a:solidFill>
+        </p:spPr>
+        <p:style>
+          <a:lnRef idx="2">
+            <a:schemeClr val="accent1">
+              <a:shade val="50000"/>
+            </a:schemeClr>
+          </a:lnRef>
+          <a:fillRef idx="1">
+            <a:schemeClr val="accent1"/>
+          </a:fillRef>
+          <a:effectRef idx="0">
+            <a:schemeClr val="accent1"/>
+          </a:effectRef>
+          <a:fontRef idx="minor">
+            <a:schemeClr val="lt1"/>
+          </a:fontRef>
+        </p:style>
+        <p:txBody>
+          <a:bodyPr rtlCol="0" anchor="ctr"/>
+          <a:lstStyle/>
+          <a:p>
+            <a:pPr algn="ctr"/>
+            <a:r>
+              <a:rPr lang="en-IN" dirty="0"/>
+              <a:t>Group 16</a:t>
+            </a:r>
+          </a:p>
+        </p:txBody>
+      </p:sp>
+      <p:cxnSp>
+        <p:nvCxnSpPr>
+          <p:cNvPr id="6" name="Straight Arrow Connector 5">
+            <a:extLst>
+              <a:ext uri="{FF2B5EF4-FFF2-40B4-BE49-F238E27FC236}">
+                <a16:creationId xmlns:a16="http://schemas.microsoft.com/office/drawing/2014/main" id="{8F1B4269-4BDC-426B-9EE3-F120180EA053}"/>
+              </a:ext>
+            </a:extLst>
+          </p:cNvPr>
+          <p:cNvCxnSpPr>
+            <a:cxnSpLocks/>
+          </p:cNvCxnSpPr>
+          <p:nvPr/>
+        </p:nvCxnSpPr>
+        <p:spPr>
+          <a:xfrm>
+            <a:off x="1679326" y="1793631"/>
+            <a:ext cx="0" cy="413238"/>
+          </a:xfrm>
+          <a:prstGeom prst="straightConnector1">
+            <a:avLst/>
+          </a:prstGeom>
+          <a:ln w="12700">
+            <a:prstDash val="sysDash"/>
+            <a:tailEnd type="triangle"/>
+          </a:ln>
+        </p:spPr>
+        <p:style>
+          <a:lnRef idx="1">
+            <a:schemeClr val="accent1"/>
+          </a:lnRef>
+          <a:fillRef idx="0">
+            <a:schemeClr val="accent1"/>
+          </a:fillRef>
+          <a:effectRef idx="0">
+            <a:schemeClr val="accent1"/>
+          </a:effectRef>
+          <a:fontRef idx="minor">
+            <a:schemeClr val="tx1"/>
+          </a:fontRef>
+        </p:style>
+      </p:cxnSp>
+      <p:sp>
+        <p:nvSpPr>
+          <p:cNvPr id="38" name="Rectangle 37">
+            <a:extLst>
+              <a:ext uri="{FF2B5EF4-FFF2-40B4-BE49-F238E27FC236}">
+                <a16:creationId xmlns:a16="http://schemas.microsoft.com/office/drawing/2014/main" id="{501B2C9B-2C63-45E1-8CFC-1AFA4C186037}"/>
+              </a:ext>
+            </a:extLst>
+          </p:cNvPr>
+          <p:cNvSpPr/>
+          <p:nvPr/>
+        </p:nvSpPr>
+        <p:spPr>
+          <a:xfrm>
+            <a:off x="808905" y="3626510"/>
+            <a:ext cx="1688123" cy="457200"/>
+          </a:xfrm>
+          <a:prstGeom prst="rect">
+            <a:avLst/>
+          </a:prstGeom>
+          <a:solidFill>
+            <a:schemeClr val="tx1">
+              <a:lumMod val="50000"/>
+              <a:lumOff val="50000"/>
+            </a:schemeClr>
+          </a:solidFill>
+        </p:spPr>
+        <p:style>
+          <a:lnRef idx="2">
+            <a:schemeClr val="accent1">
+              <a:shade val="50000"/>
+            </a:schemeClr>
+          </a:lnRef>
+          <a:fillRef idx="1">
+            <a:schemeClr val="accent1"/>
+          </a:fillRef>
+          <a:effectRef idx="0">
+            <a:schemeClr val="accent1"/>
+          </a:effectRef>
+          <a:fontRef idx="minor">
+            <a:schemeClr val="lt1"/>
+          </a:fontRef>
+        </p:style>
+        <p:txBody>
+          <a:bodyPr rtlCol="0" anchor="ctr"/>
+          <a:lstStyle/>
+          <a:p>
+            <a:pPr algn="ctr"/>
+            <a:r>
+              <a:rPr lang="en-IN" dirty="0"/>
+              <a:t>Group 17</a:t>
+            </a:r>
+          </a:p>
+        </p:txBody>
+      </p:sp>
+      <p:sp>
+        <p:nvSpPr>
+          <p:cNvPr id="39" name="Rectangle 38">
+            <a:extLst>
+              <a:ext uri="{FF2B5EF4-FFF2-40B4-BE49-F238E27FC236}">
+                <a16:creationId xmlns:a16="http://schemas.microsoft.com/office/drawing/2014/main" id="{CD1A396B-6C0A-4309-AAD9-E2C66BB6E898}"/>
+              </a:ext>
+            </a:extLst>
+          </p:cNvPr>
+          <p:cNvSpPr/>
+          <p:nvPr/>
+        </p:nvSpPr>
+        <p:spPr>
+          <a:xfrm>
+            <a:off x="808904" y="4315974"/>
+            <a:ext cx="1688123" cy="457200"/>
+          </a:xfrm>
+          <a:prstGeom prst="rect">
+            <a:avLst/>
+          </a:prstGeom>
+          <a:solidFill>
+            <a:schemeClr val="tx1">
+              <a:lumMod val="50000"/>
+              <a:lumOff val="50000"/>
+            </a:schemeClr>
+          </a:solidFill>
+        </p:spPr>
+        <p:style>
+          <a:lnRef idx="2">
+            <a:schemeClr val="accent1">
+              <a:shade val="50000"/>
+            </a:schemeClr>
+          </a:lnRef>
+          <a:fillRef idx="1">
+            <a:schemeClr val="accent1"/>
+          </a:fillRef>
+          <a:effectRef idx="0">
+            <a:schemeClr val="accent1"/>
+          </a:effectRef>
+          <a:fontRef idx="minor">
+            <a:schemeClr val="lt1"/>
+          </a:fontRef>
+        </p:style>
+        <p:txBody>
+          <a:bodyPr rtlCol="0" anchor="ctr"/>
+          <a:lstStyle/>
+          <a:p>
+            <a:pPr algn="ctr"/>
+            <a:r>
+              <a:rPr lang="en-IN" dirty="0"/>
+              <a:t>Group 18</a:t>
+            </a:r>
+          </a:p>
+        </p:txBody>
+      </p:sp>
+      <p:sp>
+        <p:nvSpPr>
+          <p:cNvPr id="40" name="Rectangle 39">
+            <a:extLst>
+              <a:ext uri="{FF2B5EF4-FFF2-40B4-BE49-F238E27FC236}">
+                <a16:creationId xmlns:a16="http://schemas.microsoft.com/office/drawing/2014/main" id="{8701DC9B-C956-4784-B0E1-B4C7E96B12D9}"/>
+              </a:ext>
+            </a:extLst>
+          </p:cNvPr>
+          <p:cNvSpPr/>
+          <p:nvPr/>
+        </p:nvSpPr>
+        <p:spPr>
+          <a:xfrm>
+            <a:off x="817692" y="5460438"/>
+            <a:ext cx="1688123" cy="457200"/>
+          </a:xfrm>
+          <a:prstGeom prst="rect">
+            <a:avLst/>
+          </a:prstGeom>
+          <a:solidFill>
+            <a:schemeClr val="tx1">
+              <a:lumMod val="50000"/>
+              <a:lumOff val="50000"/>
+            </a:schemeClr>
+          </a:solidFill>
+        </p:spPr>
+        <p:style>
+          <a:lnRef idx="2">
+            <a:schemeClr val="accent1">
+              <a:shade val="50000"/>
+            </a:schemeClr>
+          </a:lnRef>
+          <a:fillRef idx="1">
+            <a:schemeClr val="accent1"/>
+          </a:fillRef>
+          <a:effectRef idx="0">
+            <a:schemeClr val="accent1"/>
+          </a:effectRef>
+          <a:fontRef idx="minor">
+            <a:schemeClr val="lt1"/>
+          </a:fontRef>
+        </p:style>
+        <p:txBody>
+          <a:bodyPr rtlCol="0" anchor="ctr"/>
+          <a:lstStyle/>
+          <a:p>
+            <a:pPr algn="ctr"/>
+            <a:r>
+              <a:rPr lang="en-IN" dirty="0"/>
+              <a:t>Group 64</a:t>
+            </a:r>
+          </a:p>
+        </p:txBody>
+      </p:sp>
+      <p:cxnSp>
+        <p:nvCxnSpPr>
+          <p:cNvPr id="41" name="Straight Arrow Connector 40">
+            <a:extLst>
+              <a:ext uri="{FF2B5EF4-FFF2-40B4-BE49-F238E27FC236}">
+                <a16:creationId xmlns:a16="http://schemas.microsoft.com/office/drawing/2014/main" id="{B44F7E2B-AF17-40EF-9D57-DA1953C03135}"/>
+              </a:ext>
+            </a:extLst>
+          </p:cNvPr>
+          <p:cNvCxnSpPr>
+            <a:cxnSpLocks/>
+          </p:cNvCxnSpPr>
+          <p:nvPr/>
+        </p:nvCxnSpPr>
+        <p:spPr>
+          <a:xfrm>
+            <a:off x="1679326" y="4913851"/>
+            <a:ext cx="0" cy="413238"/>
+          </a:xfrm>
+          <a:prstGeom prst="straightConnector1">
+            <a:avLst/>
+          </a:prstGeom>
+          <a:ln w="12700">
+            <a:solidFill>
+              <a:schemeClr val="tx1"/>
+            </a:solidFill>
+            <a:prstDash val="sysDash"/>
+            <a:tailEnd type="triangle"/>
+          </a:ln>
+        </p:spPr>
+        <p:style>
+          <a:lnRef idx="1">
+            <a:schemeClr val="accent1"/>
+          </a:lnRef>
+          <a:fillRef idx="0">
+            <a:schemeClr val="accent1"/>
+          </a:fillRef>
+          <a:effectRef idx="0">
+            <a:schemeClr val="accent1"/>
+          </a:effectRef>
+          <a:fontRef idx="minor">
+            <a:schemeClr val="tx1"/>
+          </a:fontRef>
+        </p:style>
+      </p:cxnSp>
+      <p:cxnSp>
+        <p:nvCxnSpPr>
+          <p:cNvPr id="24" name="Straight Connector 23">
+            <a:extLst>
+              <a:ext uri="{FF2B5EF4-FFF2-40B4-BE49-F238E27FC236}">
+                <a16:creationId xmlns:a16="http://schemas.microsoft.com/office/drawing/2014/main" id="{A0771C18-5510-4EC8-8310-572EB67DE6BA}"/>
+              </a:ext>
+            </a:extLst>
+          </p:cNvPr>
+          <p:cNvCxnSpPr/>
+          <p:nvPr/>
+        </p:nvCxnSpPr>
+        <p:spPr>
+          <a:xfrm>
+            <a:off x="2787157" y="764931"/>
+            <a:ext cx="1292470" cy="0"/>
+          </a:xfrm>
+          <a:prstGeom prst="line">
+            <a:avLst/>
+          </a:prstGeom>
+          <a:ln>
+            <a:solidFill>
+              <a:schemeClr val="tx1"/>
+            </a:solidFill>
+          </a:ln>
+        </p:spPr>
+        <p:style>
+          <a:lnRef idx="1">
+            <a:schemeClr val="accent1"/>
+          </a:lnRef>
+          <a:fillRef idx="0">
+            <a:schemeClr val="accent1"/>
+          </a:fillRef>
+          <a:effectRef idx="0">
+            <a:schemeClr val="accent1"/>
+          </a:effectRef>
+          <a:fontRef idx="minor">
+            <a:schemeClr val="tx1"/>
+          </a:fontRef>
+        </p:style>
+      </p:cxnSp>
+      <p:cxnSp>
+        <p:nvCxnSpPr>
+          <p:cNvPr id="43" name="Straight Arrow Connector 42">
+            <a:extLst>
+              <a:ext uri="{FF2B5EF4-FFF2-40B4-BE49-F238E27FC236}">
+                <a16:creationId xmlns:a16="http://schemas.microsoft.com/office/drawing/2014/main" id="{0DDC72C7-9E80-4A02-A4C3-6EE6B00F53E4}"/>
+              </a:ext>
+            </a:extLst>
+          </p:cNvPr>
+          <p:cNvCxnSpPr/>
+          <p:nvPr/>
+        </p:nvCxnSpPr>
+        <p:spPr>
+          <a:xfrm>
+            <a:off x="4079627" y="764931"/>
+            <a:ext cx="0" cy="2857500"/>
+          </a:xfrm>
+          <a:prstGeom prst="straightConnector1">
+            <a:avLst/>
+          </a:prstGeom>
+          <a:ln>
+            <a:solidFill>
+              <a:schemeClr val="tx1"/>
+            </a:solidFill>
+            <a:tailEnd type="triangle"/>
+          </a:ln>
+        </p:spPr>
+        <p:style>
+          <a:lnRef idx="1">
+            <a:schemeClr val="accent1"/>
+          </a:lnRef>
+          <a:fillRef idx="0">
+            <a:schemeClr val="accent1"/>
+          </a:fillRef>
+          <a:effectRef idx="0">
+            <a:schemeClr val="accent1"/>
+          </a:effectRef>
+          <a:fontRef idx="minor">
+            <a:schemeClr val="tx1"/>
+          </a:fontRef>
+        </p:style>
+      </p:cxnSp>
+      <p:cxnSp>
+        <p:nvCxnSpPr>
+          <p:cNvPr id="47" name="Straight Connector 46">
+            <a:extLst>
+              <a:ext uri="{FF2B5EF4-FFF2-40B4-BE49-F238E27FC236}">
+                <a16:creationId xmlns:a16="http://schemas.microsoft.com/office/drawing/2014/main" id="{6F97DB03-66EA-403E-A19B-17DAAA522123}"/>
+              </a:ext>
+            </a:extLst>
+          </p:cNvPr>
+          <p:cNvCxnSpPr/>
+          <p:nvPr/>
+        </p:nvCxnSpPr>
+        <p:spPr>
+          <a:xfrm>
+            <a:off x="2664069" y="1415562"/>
+            <a:ext cx="923193" cy="0"/>
+          </a:xfrm>
+          <a:prstGeom prst="line">
+            <a:avLst/>
+          </a:prstGeom>
+          <a:ln>
+            <a:solidFill>
+              <a:schemeClr val="tx1"/>
+            </a:solidFill>
+          </a:ln>
+        </p:spPr>
+        <p:style>
+          <a:lnRef idx="1">
+            <a:schemeClr val="accent1"/>
+          </a:lnRef>
+          <a:fillRef idx="0">
+            <a:schemeClr val="accent1"/>
+          </a:fillRef>
+          <a:effectRef idx="0">
+            <a:schemeClr val="accent1"/>
+          </a:effectRef>
+          <a:fontRef idx="minor">
+            <a:schemeClr val="tx1"/>
+          </a:fontRef>
+        </p:style>
+      </p:cxnSp>
+      <p:cxnSp>
+        <p:nvCxnSpPr>
+          <p:cNvPr id="51" name="Straight Arrow Connector 50">
+            <a:extLst>
+              <a:ext uri="{FF2B5EF4-FFF2-40B4-BE49-F238E27FC236}">
+                <a16:creationId xmlns:a16="http://schemas.microsoft.com/office/drawing/2014/main" id="{87E1710E-E1DD-42C0-B6FE-5BF4E7F3839D}"/>
+              </a:ext>
+            </a:extLst>
+          </p:cNvPr>
+          <p:cNvCxnSpPr/>
+          <p:nvPr/>
+        </p:nvCxnSpPr>
+        <p:spPr>
+          <a:xfrm>
+            <a:off x="3587262" y="1415562"/>
+            <a:ext cx="0" cy="2206869"/>
+          </a:xfrm>
+          <a:prstGeom prst="straightConnector1">
+            <a:avLst/>
+          </a:prstGeom>
+          <a:ln>
+            <a:solidFill>
+              <a:schemeClr val="tx1"/>
+            </a:solidFill>
+            <a:tailEnd type="triangle"/>
+          </a:ln>
+        </p:spPr>
+        <p:style>
+          <a:lnRef idx="1">
+            <a:schemeClr val="accent1"/>
+          </a:lnRef>
+          <a:fillRef idx="0">
+            <a:schemeClr val="accent1"/>
+          </a:fillRef>
+          <a:effectRef idx="0">
+            <a:schemeClr val="accent1"/>
+          </a:effectRef>
+          <a:fontRef idx="minor">
+            <a:schemeClr val="tx1"/>
+          </a:fontRef>
+        </p:style>
+      </p:cxnSp>
+      <p:sp>
+        <p:nvSpPr>
+          <p:cNvPr id="52" name="Rectangle: Rounded Corners 51">
+            <a:extLst>
+              <a:ext uri="{FF2B5EF4-FFF2-40B4-BE49-F238E27FC236}">
+                <a16:creationId xmlns:a16="http://schemas.microsoft.com/office/drawing/2014/main" id="{CBC97D46-E540-40D7-8269-B5C26A9BB81D}"/>
+              </a:ext>
+            </a:extLst>
+          </p:cNvPr>
+          <p:cNvSpPr/>
+          <p:nvPr/>
+        </p:nvSpPr>
+        <p:spPr>
+          <a:xfrm>
+            <a:off x="4791807" y="1415562"/>
+            <a:ext cx="1304183" cy="378069"/>
+          </a:xfrm>
+          <a:prstGeom prst="roundRect">
+            <a:avLst/>
+          </a:prstGeom>
+        </p:spPr>
+        <p:style>
+          <a:lnRef idx="2">
+            <a:schemeClr val="dk1"/>
+          </a:lnRef>
+          <a:fillRef idx="1">
+            <a:schemeClr val="lt1"/>
+          </a:fillRef>
+          <a:effectRef idx="0">
+            <a:schemeClr val="dk1"/>
+          </a:effectRef>
+          <a:fontRef idx="minor">
+            <a:schemeClr val="dk1"/>
+          </a:fontRef>
+        </p:style>
+        <p:txBody>
+          <a:bodyPr rtlCol="0" anchor="ctr"/>
+          <a:lstStyle/>
+          <a:p>
+            <a:pPr algn="ctr"/>
+            <a:r>
+              <a:rPr lang="en-IN" dirty="0"/>
+              <a:t>Constant</a:t>
+            </a:r>
+          </a:p>
+        </p:txBody>
+      </p:sp>
+      <p:cxnSp>
+        <p:nvCxnSpPr>
+          <p:cNvPr id="55" name="Connector: Elbow 54">
+            <a:extLst>
+              <a:ext uri="{FF2B5EF4-FFF2-40B4-BE49-F238E27FC236}">
+                <a16:creationId xmlns:a16="http://schemas.microsoft.com/office/drawing/2014/main" id="{0A218E04-CBDC-4C18-A054-1222637A22C7}"/>
+              </a:ext>
+            </a:extLst>
+          </p:cNvPr>
+          <p:cNvCxnSpPr/>
+          <p:nvPr/>
+        </p:nvCxnSpPr>
+        <p:spPr>
+          <a:xfrm rot="5400000">
+            <a:off x="4076694" y="2255227"/>
+            <a:ext cx="1828800" cy="905608"/>
+          </a:xfrm>
+          <a:prstGeom prst="bentConnector3">
+            <a:avLst/>
+          </a:prstGeom>
+          <a:ln>
+            <a:solidFill>
+              <a:schemeClr val="tx1"/>
+            </a:solidFill>
+            <a:tailEnd type="triangle"/>
+          </a:ln>
+        </p:spPr>
+        <p:style>
+          <a:lnRef idx="1">
+            <a:schemeClr val="accent1"/>
+          </a:lnRef>
+          <a:fillRef idx="0">
+            <a:schemeClr val="accent1"/>
+          </a:fillRef>
+          <a:effectRef idx="0">
+            <a:schemeClr val="accent1"/>
+          </a:effectRef>
+          <a:fontRef idx="minor">
+            <a:schemeClr val="tx1"/>
+          </a:fontRef>
+        </p:style>
+      </p:cxnSp>
+      <p:sp>
+        <p:nvSpPr>
+          <p:cNvPr id="56" name="Rectangle: Rounded Corners 55">
+            <a:extLst>
+              <a:ext uri="{FF2B5EF4-FFF2-40B4-BE49-F238E27FC236}">
+                <a16:creationId xmlns:a16="http://schemas.microsoft.com/office/drawing/2014/main" id="{A7CAED5F-61E3-467D-8956-62BDF5343B27}"/>
+              </a:ext>
+            </a:extLst>
+          </p:cNvPr>
+          <p:cNvSpPr/>
+          <p:nvPr/>
+        </p:nvSpPr>
+        <p:spPr>
+          <a:xfrm>
+            <a:off x="3433392" y="3622431"/>
+            <a:ext cx="1358415" cy="324260"/>
+          </a:xfrm>
+          <a:prstGeom prst="roundRect">
+            <a:avLst/>
+          </a:prstGeom>
+        </p:spPr>
+        <p:style>
+          <a:lnRef idx="2">
+            <a:schemeClr val="dk1"/>
+          </a:lnRef>
+          <a:fillRef idx="1">
+            <a:schemeClr val="lt1"/>
+          </a:fillRef>
+          <a:effectRef idx="0">
+            <a:schemeClr val="dk1"/>
+          </a:effectRef>
+          <a:fontRef idx="minor">
+            <a:schemeClr val="dk1"/>
+          </a:fontRef>
+        </p:style>
+        <p:txBody>
+          <a:bodyPr rtlCol="0" anchor="ctr"/>
+          <a:lstStyle/>
+          <a:p>
+            <a:pPr algn="ctr"/>
+            <a:r>
+              <a:rPr lang="en-IN" dirty="0"/>
+              <a:t>Add UP</a:t>
+            </a:r>
+          </a:p>
+        </p:txBody>
+      </p:sp>
+      <p:cxnSp>
+        <p:nvCxnSpPr>
+          <p:cNvPr id="58" name="Straight Arrow Connector 57">
+            <a:extLst>
+              <a:ext uri="{FF2B5EF4-FFF2-40B4-BE49-F238E27FC236}">
+                <a16:creationId xmlns:a16="http://schemas.microsoft.com/office/drawing/2014/main" id="{52234AD0-D418-4891-8576-23648F3BD864}"/>
+              </a:ext>
+            </a:extLst>
+          </p:cNvPr>
+          <p:cNvCxnSpPr/>
+          <p:nvPr/>
+        </p:nvCxnSpPr>
+        <p:spPr>
+          <a:xfrm flipH="1">
+            <a:off x="2664069" y="3780692"/>
+            <a:ext cx="580293" cy="0"/>
+          </a:xfrm>
+          <a:prstGeom prst="straightConnector1">
+            <a:avLst/>
+          </a:prstGeom>
+          <a:ln>
+            <a:solidFill>
+              <a:schemeClr val="tx1"/>
+            </a:solidFill>
+            <a:tailEnd type="triangle"/>
+          </a:ln>
+        </p:spPr>
+        <p:style>
+          <a:lnRef idx="1">
+            <a:schemeClr val="accent1"/>
+          </a:lnRef>
+          <a:fillRef idx="0">
+            <a:schemeClr val="accent1"/>
+          </a:fillRef>
+          <a:effectRef idx="0">
+            <a:schemeClr val="accent1"/>
+          </a:effectRef>
+          <a:fontRef idx="minor">
+            <a:schemeClr val="tx1"/>
+          </a:fontRef>
+        </p:style>
+      </p:cxnSp>
+      <p:cxnSp>
+        <p:nvCxnSpPr>
+          <p:cNvPr id="59" name="Straight Arrow Connector 58">
+            <a:extLst>
+              <a:ext uri="{FF2B5EF4-FFF2-40B4-BE49-F238E27FC236}">
+                <a16:creationId xmlns:a16="http://schemas.microsoft.com/office/drawing/2014/main" id="{8BFBC149-ED7A-4C2A-AC25-26A7EFD436F7}"/>
+              </a:ext>
+            </a:extLst>
+          </p:cNvPr>
+          <p:cNvCxnSpPr>
+            <a:cxnSpLocks/>
+          </p:cNvCxnSpPr>
+          <p:nvPr/>
+        </p:nvCxnSpPr>
+        <p:spPr>
+          <a:xfrm>
+            <a:off x="4079627" y="4315974"/>
+            <a:ext cx="0" cy="413238"/>
+          </a:xfrm>
+          <a:prstGeom prst="straightConnector1">
+            <a:avLst/>
+          </a:prstGeom>
+          <a:ln w="12700">
+            <a:solidFill>
+              <a:schemeClr val="tx1"/>
+            </a:solidFill>
+            <a:prstDash val="sysDash"/>
+            <a:tailEnd type="triangle"/>
+          </a:ln>
+        </p:spPr>
+        <p:style>
+          <a:lnRef idx="1">
+            <a:schemeClr val="accent1"/>
+          </a:lnRef>
+          <a:fillRef idx="0">
+            <a:schemeClr val="accent1"/>
+          </a:fillRef>
+          <a:effectRef idx="0">
+            <a:schemeClr val="accent1"/>
+          </a:effectRef>
+          <a:fontRef idx="minor">
+            <a:schemeClr val="tx1"/>
+          </a:fontRef>
+        </p:style>
+      </p:cxnSp>
+      <p:sp>
+        <p:nvSpPr>
+          <p:cNvPr id="60" name="Rectangle: Rounded Corners 59">
+            <a:extLst>
+              <a:ext uri="{FF2B5EF4-FFF2-40B4-BE49-F238E27FC236}">
+                <a16:creationId xmlns:a16="http://schemas.microsoft.com/office/drawing/2014/main" id="{AB3FCBA2-4584-4A10-94AB-43C3D56FA1D2}"/>
+              </a:ext>
+            </a:extLst>
+          </p:cNvPr>
+          <p:cNvSpPr/>
+          <p:nvPr/>
+        </p:nvSpPr>
+        <p:spPr>
+          <a:xfrm>
+            <a:off x="3433392" y="5548830"/>
+            <a:ext cx="1358415" cy="324260"/>
+          </a:xfrm>
+          <a:prstGeom prst="roundRect">
+            <a:avLst/>
+          </a:prstGeom>
+        </p:spPr>
+        <p:style>
+          <a:lnRef idx="2">
+            <a:schemeClr val="dk1"/>
+          </a:lnRef>
+          <a:fillRef idx="1">
+            <a:schemeClr val="lt1"/>
+          </a:fillRef>
+          <a:effectRef idx="0">
+            <a:schemeClr val="dk1"/>
+          </a:effectRef>
+          <a:fontRef idx="minor">
+            <a:schemeClr val="dk1"/>
+          </a:fontRef>
+        </p:style>
+        <p:txBody>
+          <a:bodyPr rtlCol="0" anchor="ctr"/>
+          <a:lstStyle/>
+          <a:p>
+            <a:pPr algn="ctr"/>
+            <a:r>
+              <a:rPr lang="en-IN" dirty="0"/>
+              <a:t>Add UP</a:t>
+            </a:r>
+          </a:p>
+        </p:txBody>
+      </p:sp>
+      <p:cxnSp>
+        <p:nvCxnSpPr>
+          <p:cNvPr id="62" name="Straight Arrow Connector 61">
+            <a:extLst>
+              <a:ext uri="{FF2B5EF4-FFF2-40B4-BE49-F238E27FC236}">
+                <a16:creationId xmlns:a16="http://schemas.microsoft.com/office/drawing/2014/main" id="{9199D25A-FE67-407E-97B7-78E9D6F6A320}"/>
+              </a:ext>
+            </a:extLst>
+          </p:cNvPr>
+          <p:cNvCxnSpPr/>
+          <p:nvPr/>
+        </p:nvCxnSpPr>
+        <p:spPr>
+          <a:xfrm>
+            <a:off x="3587262" y="4991100"/>
+            <a:ext cx="0" cy="557730"/>
+          </a:xfrm>
+          <a:prstGeom prst="straightConnector1">
+            <a:avLst/>
+          </a:prstGeom>
+          <a:ln>
+            <a:solidFill>
+              <a:schemeClr val="tx1"/>
+            </a:solidFill>
+            <a:tailEnd type="triangle"/>
+          </a:ln>
+        </p:spPr>
+        <p:style>
+          <a:lnRef idx="1">
+            <a:schemeClr val="accent1"/>
+          </a:lnRef>
+          <a:fillRef idx="0">
+            <a:schemeClr val="accent1"/>
+          </a:fillRef>
+          <a:effectRef idx="0">
+            <a:schemeClr val="accent1"/>
+          </a:effectRef>
+          <a:fontRef idx="minor">
+            <a:schemeClr val="tx1"/>
+          </a:fontRef>
+        </p:style>
+      </p:cxnSp>
+      <p:cxnSp>
+        <p:nvCxnSpPr>
+          <p:cNvPr id="63" name="Straight Arrow Connector 62">
+            <a:extLst>
+              <a:ext uri="{FF2B5EF4-FFF2-40B4-BE49-F238E27FC236}">
+                <a16:creationId xmlns:a16="http://schemas.microsoft.com/office/drawing/2014/main" id="{4527377C-406F-4BFB-8D5C-58914F1D1D6C}"/>
+              </a:ext>
+            </a:extLst>
+          </p:cNvPr>
+          <p:cNvCxnSpPr/>
+          <p:nvPr/>
+        </p:nvCxnSpPr>
+        <p:spPr>
+          <a:xfrm>
+            <a:off x="4024529" y="4990930"/>
+            <a:ext cx="0" cy="557730"/>
+          </a:xfrm>
+          <a:prstGeom prst="straightConnector1">
+            <a:avLst/>
+          </a:prstGeom>
+          <a:ln>
+            <a:solidFill>
+              <a:schemeClr val="tx1"/>
+            </a:solidFill>
+            <a:tailEnd type="triangle"/>
+          </a:ln>
+        </p:spPr>
+        <p:style>
+          <a:lnRef idx="1">
+            <a:schemeClr val="accent1"/>
+          </a:lnRef>
+          <a:fillRef idx="0">
+            <a:schemeClr val="accent1"/>
+          </a:fillRef>
+          <a:effectRef idx="0">
+            <a:schemeClr val="accent1"/>
+          </a:effectRef>
+          <a:fontRef idx="minor">
+            <a:schemeClr val="tx1"/>
+          </a:fontRef>
+        </p:style>
+      </p:cxnSp>
+      <p:cxnSp>
+        <p:nvCxnSpPr>
+          <p:cNvPr id="64" name="Straight Arrow Connector 63">
+            <a:extLst>
+              <a:ext uri="{FF2B5EF4-FFF2-40B4-BE49-F238E27FC236}">
+                <a16:creationId xmlns:a16="http://schemas.microsoft.com/office/drawing/2014/main" id="{CF53AA0E-9D1E-4981-B0AF-FAA8466A9808}"/>
+              </a:ext>
+            </a:extLst>
+          </p:cNvPr>
+          <p:cNvCxnSpPr/>
+          <p:nvPr/>
+        </p:nvCxnSpPr>
+        <p:spPr>
+          <a:xfrm>
+            <a:off x="4521292" y="4990930"/>
+            <a:ext cx="0" cy="557730"/>
+          </a:xfrm>
+          <a:prstGeom prst="straightConnector1">
+            <a:avLst/>
+          </a:prstGeom>
+          <a:ln>
+            <a:solidFill>
+              <a:schemeClr val="tx1"/>
+            </a:solidFill>
+            <a:tailEnd type="triangle"/>
+          </a:ln>
+        </p:spPr>
+        <p:style>
+          <a:lnRef idx="1">
+            <a:schemeClr val="accent1"/>
+          </a:lnRef>
+          <a:fillRef idx="0">
+            <a:schemeClr val="accent1"/>
+          </a:fillRef>
+          <a:effectRef idx="0">
+            <a:schemeClr val="accent1"/>
+          </a:effectRef>
+          <a:fontRef idx="minor">
+            <a:schemeClr val="tx1"/>
+          </a:fontRef>
+        </p:style>
+      </p:cxnSp>
+      <p:cxnSp>
+        <p:nvCxnSpPr>
+          <p:cNvPr id="65" name="Straight Arrow Connector 64">
+            <a:extLst>
+              <a:ext uri="{FF2B5EF4-FFF2-40B4-BE49-F238E27FC236}">
+                <a16:creationId xmlns:a16="http://schemas.microsoft.com/office/drawing/2014/main" id="{A4797D10-AFB7-48A1-9259-F403408A52B9}"/>
+              </a:ext>
+            </a:extLst>
+          </p:cNvPr>
+          <p:cNvCxnSpPr/>
+          <p:nvPr/>
+        </p:nvCxnSpPr>
+        <p:spPr>
+          <a:xfrm flipH="1">
+            <a:off x="2676964" y="5674970"/>
+            <a:ext cx="580293" cy="0"/>
+          </a:xfrm>
+          <a:prstGeom prst="straightConnector1">
+            <a:avLst/>
+          </a:prstGeom>
+          <a:ln>
+            <a:solidFill>
+              <a:schemeClr val="tx1"/>
+            </a:solidFill>
+            <a:tailEnd type="triangle"/>
+          </a:ln>
+        </p:spPr>
+        <p:style>
+          <a:lnRef idx="1">
+            <a:schemeClr val="accent1"/>
+          </a:lnRef>
+          <a:fillRef idx="0">
+            <a:schemeClr val="accent1"/>
+          </a:fillRef>
+          <a:effectRef idx="0">
+            <a:schemeClr val="accent1"/>
+          </a:effectRef>
+          <a:fontRef idx="minor">
+            <a:schemeClr val="tx1"/>
+          </a:fontRef>
+        </p:style>
+      </p:cxnSp>
+      <p:sp>
+        <p:nvSpPr>
+          <p:cNvPr id="67" name="Arrow: Right 66">
+            <a:extLst>
+              <a:ext uri="{FF2B5EF4-FFF2-40B4-BE49-F238E27FC236}">
+                <a16:creationId xmlns:a16="http://schemas.microsoft.com/office/drawing/2014/main" id="{35591689-6CFF-4D92-9D0A-29159A0B58EC}"/>
+              </a:ext>
+            </a:extLst>
+          </p:cNvPr>
+          <p:cNvSpPr/>
+          <p:nvPr/>
+        </p:nvSpPr>
+        <p:spPr>
+          <a:xfrm>
+            <a:off x="6095990" y="3281680"/>
+            <a:ext cx="2021850" cy="802030"/>
+          </a:xfrm>
+          <a:prstGeom prst="rightArrow">
+            <a:avLst/>
+          </a:prstGeom>
+        </p:spPr>
+        <p:style>
+          <a:lnRef idx="1">
+            <a:schemeClr val="accent3"/>
+          </a:lnRef>
+          <a:fillRef idx="2">
+            <a:schemeClr val="accent3"/>
+          </a:fillRef>
+          <a:effectRef idx="1">
+            <a:schemeClr val="accent3"/>
+          </a:effectRef>
+          <a:fontRef idx="minor">
+            <a:schemeClr val="dk1"/>
+          </a:fontRef>
+        </p:style>
+        <p:txBody>
+          <a:bodyPr rtlCol="0" anchor="ctr"/>
+          <a:lstStyle/>
+          <a:p>
+            <a:pPr algn="ctr"/>
+            <a:endParaRPr lang="en-IN"/>
+          </a:p>
+        </p:txBody>
+      </p:sp>
+      <p:sp>
+        <p:nvSpPr>
+          <p:cNvPr id="70" name="Oval 69">
+            <a:extLst>
+              <a:ext uri="{FF2B5EF4-FFF2-40B4-BE49-F238E27FC236}">
+                <a16:creationId xmlns:a16="http://schemas.microsoft.com/office/drawing/2014/main" id="{FA53D4DC-EFD7-4AEB-97D9-16842D6A2D3E}"/>
+              </a:ext>
+            </a:extLst>
+          </p:cNvPr>
+          <p:cNvSpPr/>
+          <p:nvPr/>
+        </p:nvSpPr>
+        <p:spPr>
+          <a:xfrm>
+            <a:off x="8604740" y="109377"/>
+            <a:ext cx="660387" cy="689464"/>
+          </a:xfrm>
+          <a:prstGeom prst="ellipse">
+            <a:avLst/>
+          </a:prstGeom>
+        </p:spPr>
+        <p:style>
+          <a:lnRef idx="2">
+            <a:schemeClr val="dk1"/>
+          </a:lnRef>
+          <a:fillRef idx="1">
+            <a:schemeClr val="lt1"/>
+          </a:fillRef>
+          <a:effectRef idx="0">
+            <a:schemeClr val="dk1"/>
+          </a:effectRef>
+          <a:fontRef idx="minor">
+            <a:schemeClr val="dk1"/>
+          </a:fontRef>
+        </p:style>
+        <p:txBody>
+          <a:bodyPr rtlCol="0" anchor="ctr"/>
+          <a:lstStyle/>
+          <a:p>
+            <a:pPr algn="ctr"/>
+            <a:r>
+              <a:rPr lang="en-IN" dirty="0"/>
+              <a:t>A</a:t>
+            </a:r>
+          </a:p>
+        </p:txBody>
+      </p:sp>
+      <p:sp>
+        <p:nvSpPr>
+          <p:cNvPr id="71" name="Oval 70">
+            <a:extLst>
+              <a:ext uri="{FF2B5EF4-FFF2-40B4-BE49-F238E27FC236}">
+                <a16:creationId xmlns:a16="http://schemas.microsoft.com/office/drawing/2014/main" id="{D4D8034B-7D35-4DBD-8D14-0EC92AD8822B}"/>
+              </a:ext>
+            </a:extLst>
+          </p:cNvPr>
+          <p:cNvSpPr/>
+          <p:nvPr/>
+        </p:nvSpPr>
+        <p:spPr>
+          <a:xfrm>
+            <a:off x="8604739" y="1104167"/>
+            <a:ext cx="660387" cy="689464"/>
+          </a:xfrm>
+          <a:prstGeom prst="ellipse">
+            <a:avLst/>
+          </a:prstGeom>
+        </p:spPr>
+        <p:style>
+          <a:lnRef idx="2">
+            <a:schemeClr val="dk1"/>
+          </a:lnRef>
+          <a:fillRef idx="1">
+            <a:schemeClr val="lt1"/>
+          </a:fillRef>
+          <a:effectRef idx="0">
+            <a:schemeClr val="dk1"/>
+          </a:effectRef>
+          <a:fontRef idx="minor">
+            <a:schemeClr val="dk1"/>
+          </a:fontRef>
+        </p:style>
+        <p:txBody>
+          <a:bodyPr rtlCol="0" anchor="ctr"/>
+          <a:lstStyle/>
+          <a:p>
+            <a:pPr algn="ctr"/>
+            <a:r>
+              <a:rPr lang="en-IN" dirty="0"/>
+              <a:t>B</a:t>
+            </a:r>
+          </a:p>
+        </p:txBody>
+      </p:sp>
+      <p:sp>
+        <p:nvSpPr>
+          <p:cNvPr id="72" name="Oval 71">
+            <a:extLst>
+              <a:ext uri="{FF2B5EF4-FFF2-40B4-BE49-F238E27FC236}">
+                <a16:creationId xmlns:a16="http://schemas.microsoft.com/office/drawing/2014/main" id="{96C306F9-5FC8-415A-B4B8-17A4F657B8E4}"/>
+              </a:ext>
+            </a:extLst>
+          </p:cNvPr>
+          <p:cNvSpPr/>
+          <p:nvPr/>
+        </p:nvSpPr>
+        <p:spPr>
+          <a:xfrm>
+            <a:off x="8604740" y="2098957"/>
+            <a:ext cx="660387" cy="689464"/>
+          </a:xfrm>
+          <a:prstGeom prst="ellipse">
+            <a:avLst/>
+          </a:prstGeom>
+        </p:spPr>
+        <p:style>
+          <a:lnRef idx="2">
+            <a:schemeClr val="dk1"/>
+          </a:lnRef>
+          <a:fillRef idx="1">
+            <a:schemeClr val="lt1"/>
+          </a:fillRef>
+          <a:effectRef idx="0">
+            <a:schemeClr val="dk1"/>
+          </a:effectRef>
+          <a:fontRef idx="minor">
+            <a:schemeClr val="dk1"/>
+          </a:fontRef>
+        </p:style>
+        <p:txBody>
+          <a:bodyPr rtlCol="0" anchor="ctr"/>
+          <a:lstStyle/>
+          <a:p>
+            <a:pPr algn="ctr"/>
+            <a:r>
+              <a:rPr lang="en-IN" dirty="0"/>
+              <a:t>C</a:t>
+            </a:r>
+          </a:p>
+        </p:txBody>
+      </p:sp>
+      <p:sp>
+        <p:nvSpPr>
+          <p:cNvPr id="73" name="Oval 72">
+            <a:extLst>
+              <a:ext uri="{FF2B5EF4-FFF2-40B4-BE49-F238E27FC236}">
+                <a16:creationId xmlns:a16="http://schemas.microsoft.com/office/drawing/2014/main" id="{8AB8024D-EC1E-4299-8868-9760281A6C25}"/>
+              </a:ext>
+            </a:extLst>
+          </p:cNvPr>
+          <p:cNvSpPr/>
+          <p:nvPr/>
+        </p:nvSpPr>
+        <p:spPr>
+          <a:xfrm>
+            <a:off x="8604740" y="5058103"/>
+            <a:ext cx="660387" cy="689464"/>
+          </a:xfrm>
+          <a:prstGeom prst="ellipse">
+            <a:avLst/>
+          </a:prstGeom>
+        </p:spPr>
+        <p:style>
+          <a:lnRef idx="2">
+            <a:schemeClr val="dk1"/>
+          </a:lnRef>
+          <a:fillRef idx="1">
+            <a:schemeClr val="lt1"/>
+          </a:fillRef>
+          <a:effectRef idx="0">
+            <a:schemeClr val="dk1"/>
+          </a:effectRef>
+          <a:fontRef idx="minor">
+            <a:schemeClr val="dk1"/>
+          </a:fontRef>
+        </p:style>
+        <p:txBody>
+          <a:bodyPr rtlCol="0" anchor="ctr"/>
+          <a:lstStyle/>
+          <a:p>
+            <a:pPr algn="ctr"/>
+            <a:r>
+              <a:rPr lang="en-IN" dirty="0"/>
+              <a:t>H</a:t>
+            </a:r>
+          </a:p>
+        </p:txBody>
+      </p:sp>
+      <p:cxnSp>
+        <p:nvCxnSpPr>
+          <p:cNvPr id="79" name="Straight Arrow Connector 78">
+            <a:extLst>
+              <a:ext uri="{FF2B5EF4-FFF2-40B4-BE49-F238E27FC236}">
+                <a16:creationId xmlns:a16="http://schemas.microsoft.com/office/drawing/2014/main" id="{1083E083-E8CB-4BBE-984A-1877EF07A8F5}"/>
+              </a:ext>
+            </a:extLst>
+          </p:cNvPr>
+          <p:cNvCxnSpPr/>
+          <p:nvPr/>
+        </p:nvCxnSpPr>
+        <p:spPr>
+          <a:xfrm>
+            <a:off x="8934933" y="2901412"/>
+            <a:ext cx="0" cy="1988115"/>
+          </a:xfrm>
+          <a:prstGeom prst="straightConnector1">
+            <a:avLst/>
+          </a:prstGeom>
+          <a:ln>
+            <a:tailEnd type="triangle"/>
+          </a:ln>
+        </p:spPr>
+        <p:style>
+          <a:lnRef idx="2">
+            <a:schemeClr val="dk1"/>
+          </a:lnRef>
+          <a:fillRef idx="1">
+            <a:schemeClr val="lt1"/>
+          </a:fillRef>
+          <a:effectRef idx="0">
+            <a:schemeClr val="dk1"/>
+          </a:effectRef>
+          <a:fontRef idx="minor">
+            <a:schemeClr val="dk1"/>
+          </a:fontRef>
+        </p:style>
+      </p:cxnSp>
+      <p:sp>
+        <p:nvSpPr>
+          <p:cNvPr id="80" name="Oval 79">
+            <a:extLst>
+              <a:ext uri="{FF2B5EF4-FFF2-40B4-BE49-F238E27FC236}">
+                <a16:creationId xmlns:a16="http://schemas.microsoft.com/office/drawing/2014/main" id="{AEBC1DF8-39DC-4311-B45E-14E0FDF30054}"/>
+              </a:ext>
+            </a:extLst>
+          </p:cNvPr>
+          <p:cNvSpPr/>
+          <p:nvPr/>
+        </p:nvSpPr>
+        <p:spPr>
+          <a:xfrm>
+            <a:off x="10037190" y="109377"/>
+            <a:ext cx="660387" cy="689464"/>
+          </a:xfrm>
+          <a:prstGeom prst="ellipse">
+            <a:avLst/>
+          </a:prstGeom>
+        </p:spPr>
+        <p:style>
+          <a:lnRef idx="2">
+            <a:schemeClr val="dk1"/>
+          </a:lnRef>
+          <a:fillRef idx="1">
+            <a:schemeClr val="lt1"/>
+          </a:fillRef>
+          <a:effectRef idx="0">
+            <a:schemeClr val="dk1"/>
+          </a:effectRef>
+          <a:fontRef idx="minor">
+            <a:schemeClr val="dk1"/>
+          </a:fontRef>
+        </p:style>
+        <p:txBody>
+          <a:bodyPr rtlCol="0" anchor="ctr"/>
+          <a:lstStyle/>
+          <a:p>
+            <a:pPr algn="ctr"/>
+            <a:r>
+              <a:rPr lang="en-IN" dirty="0"/>
+              <a:t>x</a:t>
+            </a:r>
+          </a:p>
+        </p:txBody>
+      </p:sp>
+      <p:sp>
+        <p:nvSpPr>
+          <p:cNvPr id="81" name="Oval 80">
+            <a:extLst>
+              <a:ext uri="{FF2B5EF4-FFF2-40B4-BE49-F238E27FC236}">
+                <a16:creationId xmlns:a16="http://schemas.microsoft.com/office/drawing/2014/main" id="{FE352A4C-B099-42A0-BA89-44075D70BBF4}"/>
+              </a:ext>
+            </a:extLst>
+          </p:cNvPr>
+          <p:cNvSpPr/>
+          <p:nvPr/>
+        </p:nvSpPr>
+        <p:spPr>
+          <a:xfrm>
+            <a:off x="10114669" y="2136519"/>
+            <a:ext cx="660387" cy="689464"/>
+          </a:xfrm>
+          <a:prstGeom prst="ellipse">
+            <a:avLst/>
+          </a:prstGeom>
+        </p:spPr>
+        <p:style>
+          <a:lnRef idx="2">
+            <a:schemeClr val="dk1"/>
+          </a:lnRef>
+          <a:fillRef idx="1">
+            <a:schemeClr val="lt1"/>
+          </a:fillRef>
+          <a:effectRef idx="0">
+            <a:schemeClr val="dk1"/>
+          </a:effectRef>
+          <a:fontRef idx="minor">
+            <a:schemeClr val="dk1"/>
+          </a:fontRef>
+        </p:style>
+        <p:txBody>
+          <a:bodyPr rtlCol="0" anchor="ctr"/>
+          <a:lstStyle/>
+          <a:p>
+            <a:pPr algn="ctr"/>
+            <a:r>
+              <a:rPr lang="en-IN" dirty="0"/>
+              <a:t>B</a:t>
+            </a:r>
+          </a:p>
+        </p:txBody>
+      </p:sp>
+      <p:sp>
+        <p:nvSpPr>
+          <p:cNvPr id="82" name="Oval 81">
+            <a:extLst>
+              <a:ext uri="{FF2B5EF4-FFF2-40B4-BE49-F238E27FC236}">
+                <a16:creationId xmlns:a16="http://schemas.microsoft.com/office/drawing/2014/main" id="{D97FA31D-1763-4FF6-B578-6C726BB04055}"/>
+              </a:ext>
+            </a:extLst>
+          </p:cNvPr>
+          <p:cNvSpPr/>
+          <p:nvPr/>
+        </p:nvSpPr>
+        <p:spPr>
+          <a:xfrm>
+            <a:off x="10111632" y="5045588"/>
+            <a:ext cx="660387" cy="689464"/>
+          </a:xfrm>
+          <a:prstGeom prst="ellipse">
+            <a:avLst/>
+          </a:prstGeom>
+        </p:spPr>
+        <p:style>
+          <a:lnRef idx="2">
+            <a:schemeClr val="dk1"/>
+          </a:lnRef>
+          <a:fillRef idx="1">
+            <a:schemeClr val="lt1"/>
+          </a:fillRef>
+          <a:effectRef idx="0">
+            <a:schemeClr val="dk1"/>
+          </a:effectRef>
+          <a:fontRef idx="minor">
+            <a:schemeClr val="dk1"/>
+          </a:fontRef>
+        </p:style>
+        <p:txBody>
+          <a:bodyPr rtlCol="0" anchor="ctr"/>
+          <a:lstStyle/>
+          <a:p>
+            <a:pPr algn="ctr"/>
+            <a:r>
+              <a:rPr lang="en-IN" dirty="0"/>
+              <a:t>G</a:t>
+            </a:r>
+          </a:p>
+        </p:txBody>
+      </p:sp>
+      <p:sp>
+        <p:nvSpPr>
+          <p:cNvPr id="83" name="Oval 82">
+            <a:extLst>
+              <a:ext uri="{FF2B5EF4-FFF2-40B4-BE49-F238E27FC236}">
+                <a16:creationId xmlns:a16="http://schemas.microsoft.com/office/drawing/2014/main" id="{8E79C5FE-BA69-46E3-AB89-459A07CB5666}"/>
+              </a:ext>
+            </a:extLst>
+          </p:cNvPr>
+          <p:cNvSpPr/>
+          <p:nvPr/>
+        </p:nvSpPr>
+        <p:spPr>
+          <a:xfrm>
+            <a:off x="10037190" y="1122948"/>
+            <a:ext cx="660387" cy="689464"/>
+          </a:xfrm>
+          <a:prstGeom prst="ellipse">
+            <a:avLst/>
+          </a:prstGeom>
+        </p:spPr>
+        <p:style>
+          <a:lnRef idx="2">
+            <a:schemeClr val="dk1"/>
+          </a:lnRef>
+          <a:fillRef idx="1">
+            <a:schemeClr val="lt1"/>
+          </a:fillRef>
+          <a:effectRef idx="0">
+            <a:schemeClr val="dk1"/>
+          </a:effectRef>
+          <a:fontRef idx="minor">
+            <a:schemeClr val="dk1"/>
+          </a:fontRef>
+        </p:style>
+        <p:txBody>
+          <a:bodyPr rtlCol="0" anchor="ctr"/>
+          <a:lstStyle/>
+          <a:p>
+            <a:pPr algn="ctr"/>
+            <a:r>
+              <a:rPr lang="en-IN" dirty="0"/>
+              <a:t>A</a:t>
+            </a:r>
+          </a:p>
+        </p:txBody>
+      </p:sp>
+      <p:cxnSp>
+        <p:nvCxnSpPr>
+          <p:cNvPr id="90" name="Straight Arrow Connector 89">
+            <a:extLst>
+              <a:ext uri="{FF2B5EF4-FFF2-40B4-BE49-F238E27FC236}">
+                <a16:creationId xmlns:a16="http://schemas.microsoft.com/office/drawing/2014/main" id="{C9D98141-B12A-445D-915B-EA3239798397}"/>
+              </a:ext>
+            </a:extLst>
+          </p:cNvPr>
+          <p:cNvCxnSpPr/>
+          <p:nvPr/>
+        </p:nvCxnSpPr>
+        <p:spPr>
+          <a:xfrm>
+            <a:off x="9476538" y="1415562"/>
+            <a:ext cx="426720" cy="12456"/>
+          </a:xfrm>
+          <a:prstGeom prst="straightConnector1">
+            <a:avLst/>
+          </a:prstGeom>
+          <a:ln>
+            <a:tailEnd type="triangle"/>
+          </a:ln>
+        </p:spPr>
+        <p:style>
+          <a:lnRef idx="1">
+            <a:schemeClr val="accent1"/>
+          </a:lnRef>
+          <a:fillRef idx="0">
+            <a:schemeClr val="accent1"/>
+          </a:fillRef>
+          <a:effectRef idx="0">
+            <a:schemeClr val="accent1"/>
+          </a:effectRef>
+          <a:fontRef idx="minor">
+            <a:schemeClr val="tx1"/>
+          </a:fontRef>
+        </p:style>
+      </p:cxnSp>
+      <p:cxnSp>
+        <p:nvCxnSpPr>
+          <p:cNvPr id="91" name="Straight Arrow Connector 90">
+            <a:extLst>
+              <a:ext uri="{FF2B5EF4-FFF2-40B4-BE49-F238E27FC236}">
+                <a16:creationId xmlns:a16="http://schemas.microsoft.com/office/drawing/2014/main" id="{4C82B32C-F246-4DEB-8706-13F6558831D8}"/>
+              </a:ext>
+            </a:extLst>
+          </p:cNvPr>
+          <p:cNvCxnSpPr/>
+          <p:nvPr/>
+        </p:nvCxnSpPr>
+        <p:spPr>
+          <a:xfrm>
+            <a:off x="9476538" y="2391750"/>
+            <a:ext cx="426720" cy="12456"/>
+          </a:xfrm>
+          <a:prstGeom prst="straightConnector1">
+            <a:avLst/>
+          </a:prstGeom>
+          <a:ln>
+            <a:tailEnd type="triangle"/>
+          </a:ln>
+        </p:spPr>
+        <p:style>
+          <a:lnRef idx="1">
+            <a:schemeClr val="accent1"/>
+          </a:lnRef>
+          <a:fillRef idx="0">
+            <a:schemeClr val="accent1"/>
+          </a:fillRef>
+          <a:effectRef idx="0">
+            <a:schemeClr val="accent1"/>
+          </a:effectRef>
+          <a:fontRef idx="minor">
+            <a:schemeClr val="tx1"/>
+          </a:fontRef>
+        </p:style>
+      </p:cxnSp>
+      <p:cxnSp>
+        <p:nvCxnSpPr>
+          <p:cNvPr id="92" name="Straight Arrow Connector 91">
+            <a:extLst>
+              <a:ext uri="{FF2B5EF4-FFF2-40B4-BE49-F238E27FC236}">
+                <a16:creationId xmlns:a16="http://schemas.microsoft.com/office/drawing/2014/main" id="{C264412A-AC13-4E6F-B1D1-9D7BDFFBF70B}"/>
+              </a:ext>
+            </a:extLst>
+          </p:cNvPr>
+          <p:cNvCxnSpPr/>
+          <p:nvPr/>
+        </p:nvCxnSpPr>
+        <p:spPr>
+          <a:xfrm>
+            <a:off x="9476538" y="452351"/>
+            <a:ext cx="426720" cy="12456"/>
+          </a:xfrm>
+          <a:prstGeom prst="straightConnector1">
+            <a:avLst/>
+          </a:prstGeom>
+          <a:ln>
+            <a:tailEnd type="triangle"/>
+          </a:ln>
+        </p:spPr>
+        <p:style>
+          <a:lnRef idx="1">
+            <a:schemeClr val="accent1"/>
+          </a:lnRef>
+          <a:fillRef idx="0">
+            <a:schemeClr val="accent1"/>
+          </a:fillRef>
+          <a:effectRef idx="0">
+            <a:schemeClr val="accent1"/>
+          </a:effectRef>
+          <a:fontRef idx="minor">
+            <a:schemeClr val="tx1"/>
+          </a:fontRef>
+        </p:style>
+      </p:cxnSp>
+      <p:cxnSp>
+        <p:nvCxnSpPr>
+          <p:cNvPr id="93" name="Straight Arrow Connector 92">
+            <a:extLst>
+              <a:ext uri="{FF2B5EF4-FFF2-40B4-BE49-F238E27FC236}">
+                <a16:creationId xmlns:a16="http://schemas.microsoft.com/office/drawing/2014/main" id="{2E5E59A6-EE83-4A83-9770-A925D5D100AF}"/>
+              </a:ext>
+            </a:extLst>
+          </p:cNvPr>
+          <p:cNvCxnSpPr/>
+          <p:nvPr/>
+        </p:nvCxnSpPr>
+        <p:spPr>
+          <a:xfrm>
+            <a:off x="9476538" y="5390379"/>
+            <a:ext cx="426720" cy="12456"/>
+          </a:xfrm>
+          <a:prstGeom prst="straightConnector1">
+            <a:avLst/>
+          </a:prstGeom>
+          <a:ln>
+            <a:tailEnd type="triangle"/>
+          </a:ln>
+        </p:spPr>
+        <p:style>
+          <a:lnRef idx="1">
+            <a:schemeClr val="accent1"/>
+          </a:lnRef>
+          <a:fillRef idx="0">
+            <a:schemeClr val="accent1"/>
+          </a:fillRef>
+          <a:effectRef idx="0">
+            <a:schemeClr val="accent1"/>
+          </a:effectRef>
+          <a:fontRef idx="minor">
+            <a:schemeClr val="tx1"/>
+          </a:fontRef>
+        </p:style>
+      </p:cxnSp>
+      <p:cxnSp>
+        <p:nvCxnSpPr>
+          <p:cNvPr id="95" name="Straight Connector 94">
+            <a:extLst>
+              <a:ext uri="{FF2B5EF4-FFF2-40B4-BE49-F238E27FC236}">
+                <a16:creationId xmlns:a16="http://schemas.microsoft.com/office/drawing/2014/main" id="{A3D39E78-8495-4507-97DF-8D8DF87DFEAE}"/>
+              </a:ext>
+            </a:extLst>
+          </p:cNvPr>
+          <p:cNvCxnSpPr/>
+          <p:nvPr/>
+        </p:nvCxnSpPr>
+        <p:spPr>
+          <a:xfrm>
+            <a:off x="548640" y="3185160"/>
+            <a:ext cx="2128324" cy="0"/>
+          </a:xfrm>
+          <a:prstGeom prst="line">
+            <a:avLst/>
+          </a:prstGeom>
+        </p:spPr>
+        <p:style>
+          <a:lnRef idx="1">
+            <a:schemeClr val="accent1"/>
+          </a:lnRef>
+          <a:fillRef idx="0">
+            <a:schemeClr val="accent1"/>
+          </a:fillRef>
+          <a:effectRef idx="0">
+            <a:schemeClr val="accent1"/>
+          </a:effectRef>
+          <a:fontRef idx="minor">
+            <a:schemeClr val="tx1"/>
+          </a:fontRef>
+        </p:style>
+      </p:cxnSp>
+    </p:spTree>
+    <p:extLst>
+      <p:ext uri="{BB962C8B-B14F-4D97-AF65-F5344CB8AC3E}">
+        <p14:creationId xmlns:p14="http://schemas.microsoft.com/office/powerpoint/2010/main" val="872281572"/>
+      </p:ext>
+    </p:extLst>
+  </p:cSld>
+  <p:clrMapOvr>
+    <a:masterClrMapping/>
+  </p:clrMapOvr>
+</p:sld>
+</file>
+
+<file path=ppt/slides/slide3.xml><?xml version="1.0" encoding="utf-8"?>
+<p:sld xmlns:a="http://schemas.openxmlformats.org/drawingml/2006/main" xmlns:r="http://schemas.openxmlformats.org/officeDocument/2006/relationships" xmlns:p="http://schemas.openxmlformats.org/presentationml/2006/main">
+  <p:cSld>
+    <p:spTree>
+      <p:nvGrpSpPr>
+        <p:cNvPr id="1" name=""/>
+        <p:cNvGrpSpPr/>
+        <p:nvPr/>
+      </p:nvGrpSpPr>
+      <p:grpSpPr>
+        <a:xfrm>
+          <a:off x="0" y="0"/>
+          <a:ext cx="0" cy="0"/>
+          <a:chOff x="0" y="0"/>
+          <a:chExt cx="0" cy="0"/>
+        </a:xfrm>
+      </p:grpSpPr>
+      <p:graphicFrame>
+        <p:nvGraphicFramePr>
+          <p:cNvPr id="4" name="Diagram 3">
+            <a:extLst>
+              <a:ext uri="{FF2B5EF4-FFF2-40B4-BE49-F238E27FC236}">
+                <a16:creationId xmlns:a16="http://schemas.microsoft.com/office/drawing/2014/main" id="{C46C1B8A-9FBC-427B-B240-98B397FA0FBF}"/>
+              </a:ext>
+            </a:extLst>
+          </p:cNvPr>
+          <p:cNvGraphicFramePr/>
+          <p:nvPr>
+            <p:extLst>
+              <p:ext uri="{D42A27DB-BD31-4B8C-83A1-F6EECF244321}">
+                <p14:modId xmlns:p14="http://schemas.microsoft.com/office/powerpoint/2010/main" val="4104536908"/>
+              </p:ext>
+            </p:extLst>
+          </p:nvPr>
+        </p:nvGraphicFramePr>
+        <p:xfrm>
+          <a:off x="2755900" y="193886"/>
+          <a:ext cx="8128000" cy="5418667"/>
+        </p:xfrm>
+        <a:graphic>
+          <a:graphicData uri="http://schemas.openxmlformats.org/drawingml/2006/diagram">
+            <dgm:relIds xmlns:dgm="http://schemas.openxmlformats.org/drawingml/2006/diagram" xmlns:r="http://schemas.openxmlformats.org/officeDocument/2006/relationships" r:dm="rId2" r:lo="rId3" r:qs="rId4" r:cs="rId5"/>
+          </a:graphicData>
+        </a:graphic>
+      </p:graphicFrame>
+    </p:spTree>
+    <p:extLst>
+      <p:ext uri="{BB962C8B-B14F-4D97-AF65-F5344CB8AC3E}">
+        <p14:creationId xmlns:p14="http://schemas.microsoft.com/office/powerpoint/2010/main" val="2783493126"/>
+      </p:ext>
+    </p:extLst>
+  </p:cSld>
+  <p:clrMapOvr>
+    <a:masterClrMapping/>
+  </p:clrMapOvr>
+</p:sld>
+</file>
+
+<file path=ppt/slides/slide4.xml><?xml version="1.0" encoding="utf-8"?>
+<p:sld xmlns:a="http://schemas.openxmlformats.org/drawingml/2006/main" xmlns:r="http://schemas.openxmlformats.org/officeDocument/2006/relationships" xmlns:p="http://schemas.openxmlformats.org/presentationml/2006/main">
+  <p:cSld>
+    <p:spTree>
+      <p:nvGrpSpPr>
+        <p:cNvPr id="1" name=""/>
+        <p:cNvGrpSpPr/>
+        <p:nvPr/>
+      </p:nvGrpSpPr>
+      <p:grpSpPr>
+        <a:xfrm>
+          <a:off x="0" y="0"/>
+          <a:ext cx="0" cy="0"/>
+          <a:chOff x="0" y="0"/>
+          <a:chExt cx="0" cy="0"/>
+        </a:xfrm>
+      </p:grpSpPr>
+      <p:sp>
+        <p:nvSpPr>
+          <p:cNvPr id="4" name="Rectangle: Rounded Corners 3">
+            <a:extLst>
+              <a:ext uri="{FF2B5EF4-FFF2-40B4-BE49-F238E27FC236}">
+                <a16:creationId xmlns:a16="http://schemas.microsoft.com/office/drawing/2014/main" id="{1EBFE580-7EF8-494A-8F65-A3FFFF67F78A}"/>
+              </a:ext>
+            </a:extLst>
+          </p:cNvPr>
+          <p:cNvSpPr/>
+          <p:nvPr/>
+        </p:nvSpPr>
+        <p:spPr>
+          <a:xfrm>
+            <a:off x="6096000" y="1133442"/>
+            <a:ext cx="2724727" cy="3863110"/>
+          </a:xfrm>
+          <a:prstGeom prst="roundRect">
+            <a:avLst/>
+          </a:prstGeom>
+        </p:spPr>
+        <p:style>
+          <a:lnRef idx="2">
+            <a:schemeClr val="dk1"/>
+          </a:lnRef>
+          <a:fillRef idx="1">
+            <a:schemeClr val="lt1"/>
+          </a:fillRef>
+          <a:effectRef idx="0">
+            <a:schemeClr val="dk1"/>
+          </a:effectRef>
+          <a:fontRef idx="minor">
+            <a:schemeClr val="dk1"/>
+          </a:fontRef>
+        </p:style>
+        <p:txBody>
+          <a:bodyPr rtlCol="0" anchor="ctr"/>
+          <a:lstStyle/>
+          <a:p>
+            <a:pPr algn="ctr"/>
+            <a:endParaRPr lang="en-IN" dirty="0"/>
+          </a:p>
+          <a:p>
+            <a:pPr algn="ctr"/>
+            <a:endParaRPr lang="en-IN" dirty="0"/>
+          </a:p>
+        </p:txBody>
+      </p:sp>
+      <p:sp>
+        <p:nvSpPr>
+          <p:cNvPr id="5" name="Rectangle: Rounded Corners 4">
+            <a:extLst>
+              <a:ext uri="{FF2B5EF4-FFF2-40B4-BE49-F238E27FC236}">
+                <a16:creationId xmlns:a16="http://schemas.microsoft.com/office/drawing/2014/main" id="{42636CF4-F50F-4E77-85DF-8A29810AB05C}"/>
+              </a:ext>
+            </a:extLst>
+          </p:cNvPr>
+          <p:cNvSpPr/>
+          <p:nvPr/>
+        </p:nvSpPr>
+        <p:spPr>
+          <a:xfrm>
+            <a:off x="6421748" y="1590419"/>
+            <a:ext cx="932833" cy="616149"/>
+          </a:xfrm>
+          <a:prstGeom prst="roundRect">
+            <a:avLst/>
+          </a:prstGeom>
+        </p:spPr>
+        <p:style>
+          <a:lnRef idx="2">
+            <a:schemeClr val="accent3">
+              <a:shade val="50000"/>
+            </a:schemeClr>
+          </a:lnRef>
+          <a:fillRef idx="1">
+            <a:schemeClr val="accent3"/>
+          </a:fillRef>
+          <a:effectRef idx="0">
+            <a:schemeClr val="accent3"/>
+          </a:effectRef>
+          <a:fontRef idx="minor">
+            <a:schemeClr val="lt1"/>
+          </a:fontRef>
+        </p:style>
+        <p:txBody>
+          <a:bodyPr rtlCol="0" anchor="ctr"/>
+          <a:lstStyle/>
+          <a:p>
+            <a:pPr algn="ctr"/>
+            <a:r>
+              <a:rPr lang="en-IN" dirty="0">
+                <a:solidFill>
+                  <a:schemeClr val="tx1"/>
+                </a:solidFill>
+              </a:rPr>
+              <a:t>In</a:t>
+            </a:r>
+          </a:p>
+        </p:txBody>
+      </p:sp>
+      <p:sp>
+        <p:nvSpPr>
+          <p:cNvPr id="6" name="Rectangle: Rounded Corners 5">
+            <a:extLst>
+              <a:ext uri="{FF2B5EF4-FFF2-40B4-BE49-F238E27FC236}">
+                <a16:creationId xmlns:a16="http://schemas.microsoft.com/office/drawing/2014/main" id="{C010BE53-18F7-4FB9-A524-522F3735E1F4}"/>
+              </a:ext>
+            </a:extLst>
+          </p:cNvPr>
+          <p:cNvSpPr/>
+          <p:nvPr/>
+        </p:nvSpPr>
+        <p:spPr>
+          <a:xfrm>
+            <a:off x="6421748" y="2671074"/>
+            <a:ext cx="932833" cy="616149"/>
+          </a:xfrm>
+          <a:prstGeom prst="roundRect">
+            <a:avLst/>
+          </a:prstGeom>
+        </p:spPr>
+        <p:style>
+          <a:lnRef idx="2">
+            <a:schemeClr val="accent3">
+              <a:shade val="50000"/>
+            </a:schemeClr>
+          </a:lnRef>
+          <a:fillRef idx="1">
+            <a:schemeClr val="accent3"/>
+          </a:fillRef>
+          <a:effectRef idx="0">
+            <a:schemeClr val="accent3"/>
+          </a:effectRef>
+          <a:fontRef idx="minor">
+            <a:schemeClr val="lt1"/>
+          </a:fontRef>
+        </p:style>
+        <p:txBody>
+          <a:bodyPr rtlCol="0" anchor="ctr"/>
+          <a:lstStyle/>
+          <a:p>
+            <a:pPr algn="ctr"/>
+            <a:r>
+              <a:rPr lang="en-IN" dirty="0">
+                <a:solidFill>
+                  <a:schemeClr val="tx1"/>
+                </a:solidFill>
+              </a:rPr>
+              <a:t>In</a:t>
+            </a:r>
+          </a:p>
+        </p:txBody>
+      </p:sp>
+      <p:sp>
+        <p:nvSpPr>
+          <p:cNvPr id="7" name="Rectangle: Rounded Corners 6">
+            <a:extLst>
+              <a:ext uri="{FF2B5EF4-FFF2-40B4-BE49-F238E27FC236}">
+                <a16:creationId xmlns:a16="http://schemas.microsoft.com/office/drawing/2014/main" id="{78405D71-F2A1-49E5-8978-D752BDB898F2}"/>
+              </a:ext>
+            </a:extLst>
+          </p:cNvPr>
+          <p:cNvSpPr/>
+          <p:nvPr/>
+        </p:nvSpPr>
+        <p:spPr>
+          <a:xfrm>
+            <a:off x="6421748" y="3769444"/>
+            <a:ext cx="932833" cy="616149"/>
+          </a:xfrm>
+          <a:prstGeom prst="roundRect">
+            <a:avLst/>
+          </a:prstGeom>
+        </p:spPr>
+        <p:style>
+          <a:lnRef idx="2">
+            <a:schemeClr val="accent3">
+              <a:shade val="50000"/>
+            </a:schemeClr>
+          </a:lnRef>
+          <a:fillRef idx="1">
+            <a:schemeClr val="accent3"/>
+          </a:fillRef>
+          <a:effectRef idx="0">
+            <a:schemeClr val="accent3"/>
+          </a:effectRef>
+          <a:fontRef idx="minor">
+            <a:schemeClr val="lt1"/>
+          </a:fontRef>
+        </p:style>
+        <p:txBody>
+          <a:bodyPr rtlCol="0" anchor="ctr"/>
+          <a:lstStyle/>
+          <a:p>
+            <a:pPr algn="ctr"/>
+            <a:r>
+              <a:rPr lang="en-IN" dirty="0">
+                <a:solidFill>
+                  <a:schemeClr val="tx1"/>
+                </a:solidFill>
+              </a:rPr>
+              <a:t>In</a:t>
+            </a:r>
+          </a:p>
+        </p:txBody>
+      </p:sp>
+      <p:sp>
+        <p:nvSpPr>
+          <p:cNvPr id="8" name="Rectangle: Rounded Corners 7">
+            <a:extLst>
+              <a:ext uri="{FF2B5EF4-FFF2-40B4-BE49-F238E27FC236}">
+                <a16:creationId xmlns:a16="http://schemas.microsoft.com/office/drawing/2014/main" id="{587E855F-70C1-40F3-801D-DAB140D2FB22}"/>
+              </a:ext>
+            </a:extLst>
+          </p:cNvPr>
+          <p:cNvSpPr/>
+          <p:nvPr/>
+        </p:nvSpPr>
+        <p:spPr>
+          <a:xfrm>
+            <a:off x="7530836" y="2207723"/>
+            <a:ext cx="932833" cy="616149"/>
+          </a:xfrm>
+          <a:prstGeom prst="roundRect">
+            <a:avLst/>
+          </a:prstGeom>
+        </p:spPr>
+        <p:style>
+          <a:lnRef idx="2">
+            <a:schemeClr val="accent3">
+              <a:shade val="50000"/>
+            </a:schemeClr>
+          </a:lnRef>
+          <a:fillRef idx="1">
+            <a:schemeClr val="accent3"/>
+          </a:fillRef>
+          <a:effectRef idx="0">
+            <a:schemeClr val="accent3"/>
+          </a:effectRef>
+          <a:fontRef idx="minor">
+            <a:schemeClr val="lt1"/>
+          </a:fontRef>
+        </p:style>
+        <p:txBody>
+          <a:bodyPr rtlCol="0" anchor="ctr"/>
+          <a:lstStyle/>
+          <a:p>
+            <a:pPr algn="ctr"/>
+            <a:r>
+              <a:rPr lang="en-IN" dirty="0">
+                <a:solidFill>
+                  <a:schemeClr val="tx1"/>
+                </a:solidFill>
+              </a:rPr>
+              <a:t>Out</a:t>
+            </a:r>
+          </a:p>
+        </p:txBody>
+      </p:sp>
+      <p:sp>
+        <p:nvSpPr>
+          <p:cNvPr id="9" name="Rectangle: Rounded Corners 8">
+            <a:extLst>
+              <a:ext uri="{FF2B5EF4-FFF2-40B4-BE49-F238E27FC236}">
+                <a16:creationId xmlns:a16="http://schemas.microsoft.com/office/drawing/2014/main" id="{E35BEDE8-BFE3-4AFC-8E32-A5479464DF1D}"/>
+              </a:ext>
+            </a:extLst>
+          </p:cNvPr>
+          <p:cNvSpPr/>
+          <p:nvPr/>
+        </p:nvSpPr>
+        <p:spPr>
+          <a:xfrm>
+            <a:off x="7530835" y="3290298"/>
+            <a:ext cx="932833" cy="616149"/>
+          </a:xfrm>
+          <a:prstGeom prst="roundRect">
+            <a:avLst/>
+          </a:prstGeom>
+        </p:spPr>
+        <p:style>
+          <a:lnRef idx="2">
+            <a:schemeClr val="accent3">
+              <a:shade val="50000"/>
+            </a:schemeClr>
+          </a:lnRef>
+          <a:fillRef idx="1">
+            <a:schemeClr val="accent3"/>
+          </a:fillRef>
+          <a:effectRef idx="0">
+            <a:schemeClr val="accent3"/>
+          </a:effectRef>
+          <a:fontRef idx="minor">
+            <a:schemeClr val="lt1"/>
+          </a:fontRef>
+        </p:style>
+        <p:txBody>
+          <a:bodyPr rtlCol="0" anchor="ctr"/>
+          <a:lstStyle/>
+          <a:p>
+            <a:pPr algn="ctr"/>
+            <a:r>
+              <a:rPr lang="en-IN" dirty="0">
+                <a:solidFill>
+                  <a:schemeClr val="tx1"/>
+                </a:solidFill>
+              </a:rPr>
+              <a:t>Out</a:t>
+            </a:r>
+          </a:p>
+        </p:txBody>
+      </p:sp>
+      <p:sp>
+        <p:nvSpPr>
+          <p:cNvPr id="11" name="Rectangle: Rounded Corners 10">
+            <a:extLst>
+              <a:ext uri="{FF2B5EF4-FFF2-40B4-BE49-F238E27FC236}">
+                <a16:creationId xmlns:a16="http://schemas.microsoft.com/office/drawing/2014/main" id="{AE1263E0-9CB0-4AAC-8460-01BEA37F2FE5}"/>
+              </a:ext>
+            </a:extLst>
+          </p:cNvPr>
+          <p:cNvSpPr/>
+          <p:nvPr/>
+        </p:nvSpPr>
+        <p:spPr>
+          <a:xfrm>
+            <a:off x="2872167" y="703781"/>
+            <a:ext cx="900546" cy="1226506"/>
+          </a:xfrm>
+          <a:prstGeom prst="roundRect">
+            <a:avLst/>
+          </a:prstGeom>
+        </p:spPr>
+        <p:style>
+          <a:lnRef idx="2">
+            <a:schemeClr val="dk1"/>
+          </a:lnRef>
+          <a:fillRef idx="1">
+            <a:schemeClr val="lt1"/>
+          </a:fillRef>
+          <a:effectRef idx="0">
+            <a:schemeClr val="dk1"/>
+          </a:effectRef>
+          <a:fontRef idx="minor">
+            <a:schemeClr val="dk1"/>
+          </a:fontRef>
+        </p:style>
+        <p:txBody>
+          <a:bodyPr rtlCol="0" anchor="ctr"/>
+          <a:lstStyle/>
+          <a:p>
+            <a:pPr algn="ctr"/>
+            <a:endParaRPr lang="en-IN"/>
+          </a:p>
+        </p:txBody>
+      </p:sp>
+      <p:sp>
+        <p:nvSpPr>
+          <p:cNvPr id="12" name="Rectangle: Rounded Corners 11">
+            <a:extLst>
+              <a:ext uri="{FF2B5EF4-FFF2-40B4-BE49-F238E27FC236}">
+                <a16:creationId xmlns:a16="http://schemas.microsoft.com/office/drawing/2014/main" id="{B7102D52-B78F-4612-9CC6-0971E4716FE4}"/>
+              </a:ext>
+            </a:extLst>
+          </p:cNvPr>
+          <p:cNvSpPr/>
+          <p:nvPr/>
+        </p:nvSpPr>
+        <p:spPr>
+          <a:xfrm>
+            <a:off x="2960752" y="869279"/>
+            <a:ext cx="308309" cy="195622"/>
+          </a:xfrm>
+          <a:prstGeom prst="roundRect">
+            <a:avLst/>
+          </a:prstGeom>
+        </p:spPr>
+        <p:style>
+          <a:lnRef idx="2">
+            <a:schemeClr val="accent3">
+              <a:shade val="50000"/>
+            </a:schemeClr>
+          </a:lnRef>
+          <a:fillRef idx="1">
+            <a:schemeClr val="accent3"/>
+          </a:fillRef>
+          <a:effectRef idx="0">
+            <a:schemeClr val="accent3"/>
+          </a:effectRef>
+          <a:fontRef idx="minor">
+            <a:schemeClr val="lt1"/>
+          </a:fontRef>
+        </p:style>
+        <p:txBody>
+          <a:bodyPr rtlCol="0" anchor="ctr"/>
+          <a:lstStyle/>
+          <a:p>
+            <a:pPr algn="ctr"/>
+            <a:r>
+              <a:rPr lang="en-IN" sz="1000" dirty="0">
+                <a:solidFill>
+                  <a:schemeClr val="tx1"/>
+                </a:solidFill>
+              </a:rPr>
+              <a:t>In</a:t>
+            </a:r>
+          </a:p>
+        </p:txBody>
+      </p:sp>
+      <p:sp>
+        <p:nvSpPr>
+          <p:cNvPr id="15" name="Rectangle: Rounded Corners 14">
+            <a:extLst>
+              <a:ext uri="{FF2B5EF4-FFF2-40B4-BE49-F238E27FC236}">
+                <a16:creationId xmlns:a16="http://schemas.microsoft.com/office/drawing/2014/main" id="{8296A059-D000-49D0-9A19-39841F1C06CA}"/>
+              </a:ext>
+            </a:extLst>
+          </p:cNvPr>
+          <p:cNvSpPr/>
+          <p:nvPr/>
+        </p:nvSpPr>
+        <p:spPr>
+          <a:xfrm>
+            <a:off x="3365377" y="869279"/>
+            <a:ext cx="308309" cy="195622"/>
+          </a:xfrm>
+          <a:prstGeom prst="roundRect">
+            <a:avLst/>
+          </a:prstGeom>
+        </p:spPr>
+        <p:style>
+          <a:lnRef idx="2">
+            <a:schemeClr val="accent3">
+              <a:shade val="50000"/>
+            </a:schemeClr>
+          </a:lnRef>
+          <a:fillRef idx="1">
+            <a:schemeClr val="accent3"/>
+          </a:fillRef>
+          <a:effectRef idx="0">
+            <a:schemeClr val="accent3"/>
+          </a:effectRef>
+          <a:fontRef idx="minor">
+            <a:schemeClr val="lt1"/>
+          </a:fontRef>
+        </p:style>
+        <p:txBody>
+          <a:bodyPr rtlCol="0" anchor="ctr"/>
+          <a:lstStyle/>
+          <a:p>
+            <a:pPr algn="ctr"/>
+            <a:r>
+              <a:rPr lang="en-IN" sz="500" dirty="0">
+                <a:solidFill>
+                  <a:schemeClr val="tx1"/>
+                </a:solidFill>
+              </a:rPr>
+              <a:t>Out</a:t>
+            </a:r>
+          </a:p>
+        </p:txBody>
+      </p:sp>
+      <p:sp>
+        <p:nvSpPr>
+          <p:cNvPr id="17" name="Rectangle: Rounded Corners 16">
+            <a:extLst>
+              <a:ext uri="{FF2B5EF4-FFF2-40B4-BE49-F238E27FC236}">
+                <a16:creationId xmlns:a16="http://schemas.microsoft.com/office/drawing/2014/main" id="{C7C7E72E-FE1E-41FC-9CF3-A14017A0F1F9}"/>
+              </a:ext>
+            </a:extLst>
+          </p:cNvPr>
+          <p:cNvSpPr/>
+          <p:nvPr/>
+        </p:nvSpPr>
+        <p:spPr>
+          <a:xfrm>
+            <a:off x="2836341" y="2497134"/>
+            <a:ext cx="900546" cy="1226506"/>
+          </a:xfrm>
+          <a:prstGeom prst="roundRect">
+            <a:avLst/>
+          </a:prstGeom>
+        </p:spPr>
+        <p:style>
+          <a:lnRef idx="2">
+            <a:schemeClr val="dk1"/>
+          </a:lnRef>
+          <a:fillRef idx="1">
+            <a:schemeClr val="lt1"/>
+          </a:fillRef>
+          <a:effectRef idx="0">
+            <a:schemeClr val="dk1"/>
+          </a:effectRef>
+          <a:fontRef idx="minor">
+            <a:schemeClr val="dk1"/>
+          </a:fontRef>
+        </p:style>
+        <p:txBody>
+          <a:bodyPr rtlCol="0" anchor="ctr"/>
+          <a:lstStyle/>
+          <a:p>
+            <a:pPr algn="ctr"/>
+            <a:endParaRPr lang="en-IN"/>
+          </a:p>
+        </p:txBody>
+      </p:sp>
+      <p:sp>
+        <p:nvSpPr>
+          <p:cNvPr id="24" name="Rectangle: Rounded Corners 23">
+            <a:extLst>
+              <a:ext uri="{FF2B5EF4-FFF2-40B4-BE49-F238E27FC236}">
+                <a16:creationId xmlns:a16="http://schemas.microsoft.com/office/drawing/2014/main" id="{625B17EF-D4C5-4675-A833-989F89D8BACF}"/>
+              </a:ext>
+            </a:extLst>
+          </p:cNvPr>
+          <p:cNvSpPr/>
+          <p:nvPr/>
+        </p:nvSpPr>
+        <p:spPr>
+          <a:xfrm>
+            <a:off x="2836341" y="4532515"/>
+            <a:ext cx="900546" cy="1226506"/>
+          </a:xfrm>
+          <a:prstGeom prst="roundRect">
+            <a:avLst/>
+          </a:prstGeom>
+        </p:spPr>
+        <p:style>
+          <a:lnRef idx="2">
+            <a:schemeClr val="dk1"/>
+          </a:lnRef>
+          <a:fillRef idx="1">
+            <a:schemeClr val="lt1"/>
+          </a:fillRef>
+          <a:effectRef idx="0">
+            <a:schemeClr val="dk1"/>
+          </a:effectRef>
+          <a:fontRef idx="minor">
+            <a:schemeClr val="dk1"/>
+          </a:fontRef>
+        </p:style>
+        <p:txBody>
+          <a:bodyPr rtlCol="0" anchor="ctr"/>
+          <a:lstStyle/>
+          <a:p>
+            <a:pPr algn="ctr"/>
+            <a:endParaRPr lang="en-IN"/>
+          </a:p>
+        </p:txBody>
+      </p:sp>
+      <p:cxnSp>
+        <p:nvCxnSpPr>
+          <p:cNvPr id="36" name="Straight Arrow Connector 35">
+            <a:extLst>
+              <a:ext uri="{FF2B5EF4-FFF2-40B4-BE49-F238E27FC236}">
+                <a16:creationId xmlns:a16="http://schemas.microsoft.com/office/drawing/2014/main" id="{3977E2E8-B0DE-4ABE-AE15-E36604FDEC58}"/>
+              </a:ext>
+            </a:extLst>
+          </p:cNvPr>
+          <p:cNvCxnSpPr>
+            <a:cxnSpLocks/>
+          </p:cNvCxnSpPr>
+          <p:nvPr/>
+        </p:nvCxnSpPr>
+        <p:spPr>
+          <a:xfrm>
+            <a:off x="3540664" y="1708278"/>
+            <a:ext cx="2816646" cy="1234676"/>
+          </a:xfrm>
+          <a:prstGeom prst="straightConnector1">
+            <a:avLst/>
+          </a:prstGeom>
+          <a:ln>
+            <a:tailEnd type="triangle"/>
+          </a:ln>
+        </p:spPr>
+        <p:style>
+          <a:lnRef idx="2">
+            <a:schemeClr val="dk1"/>
+          </a:lnRef>
+          <a:fillRef idx="0">
+            <a:schemeClr val="dk1"/>
+          </a:fillRef>
+          <a:effectRef idx="1">
+            <a:schemeClr val="dk1"/>
+          </a:effectRef>
+          <a:fontRef idx="minor">
+            <a:schemeClr val="tx1"/>
+          </a:fontRef>
+        </p:style>
+      </p:cxnSp>
+      <p:cxnSp>
+        <p:nvCxnSpPr>
+          <p:cNvPr id="38" name="Straight Arrow Connector 37">
+            <a:extLst>
+              <a:ext uri="{FF2B5EF4-FFF2-40B4-BE49-F238E27FC236}">
+                <a16:creationId xmlns:a16="http://schemas.microsoft.com/office/drawing/2014/main" id="{AE40E7C3-8852-4E8F-8E54-ACEC2DAE6D79}"/>
+              </a:ext>
+            </a:extLst>
+          </p:cNvPr>
+          <p:cNvCxnSpPr>
+            <a:cxnSpLocks/>
+          </p:cNvCxnSpPr>
+          <p:nvPr/>
+        </p:nvCxnSpPr>
+        <p:spPr>
+          <a:xfrm flipV="1">
+            <a:off x="3483706" y="3974777"/>
+            <a:ext cx="2871135" cy="723236"/>
+          </a:xfrm>
+          <a:prstGeom prst="straightConnector1">
+            <a:avLst/>
+          </a:prstGeom>
+          <a:ln>
+            <a:tailEnd type="triangle"/>
+          </a:ln>
+        </p:spPr>
+        <p:style>
+          <a:lnRef idx="2">
+            <a:schemeClr val="dk1"/>
+          </a:lnRef>
+          <a:fillRef idx="0">
+            <a:schemeClr val="dk1"/>
+          </a:fillRef>
+          <a:effectRef idx="1">
+            <a:schemeClr val="dk1"/>
+          </a:effectRef>
+          <a:fontRef idx="minor">
+            <a:schemeClr val="tx1"/>
+          </a:fontRef>
+        </p:style>
+      </p:cxnSp>
+      <p:cxnSp>
+        <p:nvCxnSpPr>
+          <p:cNvPr id="40" name="Straight Arrow Connector 39">
+            <a:extLst>
+              <a:ext uri="{FF2B5EF4-FFF2-40B4-BE49-F238E27FC236}">
+                <a16:creationId xmlns:a16="http://schemas.microsoft.com/office/drawing/2014/main" id="{0BF0E57C-3102-4DC6-AE13-F53A95D028C4}"/>
+              </a:ext>
+            </a:extLst>
+          </p:cNvPr>
+          <p:cNvCxnSpPr/>
+          <p:nvPr/>
+        </p:nvCxnSpPr>
+        <p:spPr>
+          <a:xfrm>
+            <a:off x="3694818" y="967090"/>
+            <a:ext cx="2660023" cy="931403"/>
+          </a:xfrm>
+          <a:prstGeom prst="straightConnector1">
+            <a:avLst/>
+          </a:prstGeom>
+          <a:ln>
+            <a:tailEnd type="triangle"/>
+          </a:ln>
+        </p:spPr>
+        <p:style>
+          <a:lnRef idx="2">
+            <a:schemeClr val="dk1"/>
+          </a:lnRef>
+          <a:fillRef idx="0">
+            <a:schemeClr val="dk1"/>
+          </a:fillRef>
+          <a:effectRef idx="1">
+            <a:schemeClr val="dk1"/>
+          </a:effectRef>
+          <a:fontRef idx="minor">
+            <a:schemeClr val="tx1"/>
+          </a:fontRef>
+        </p:style>
+      </p:cxnSp>
+      <p:sp>
+        <p:nvSpPr>
+          <p:cNvPr id="41" name="Rectangle: Rounded Corners 40">
+            <a:extLst>
+              <a:ext uri="{FF2B5EF4-FFF2-40B4-BE49-F238E27FC236}">
+                <a16:creationId xmlns:a16="http://schemas.microsoft.com/office/drawing/2014/main" id="{D257925A-159C-409E-B8C4-099E8FADF703}"/>
+              </a:ext>
+            </a:extLst>
+          </p:cNvPr>
+          <p:cNvSpPr/>
+          <p:nvPr/>
+        </p:nvSpPr>
+        <p:spPr>
+          <a:xfrm>
+            <a:off x="2977829" y="1512656"/>
+            <a:ext cx="308309" cy="195622"/>
+          </a:xfrm>
+          <a:prstGeom prst="roundRect">
+            <a:avLst/>
+          </a:prstGeom>
+        </p:spPr>
+        <p:style>
+          <a:lnRef idx="2">
+            <a:schemeClr val="accent3">
+              <a:shade val="50000"/>
+            </a:schemeClr>
+          </a:lnRef>
+          <a:fillRef idx="1">
+            <a:schemeClr val="accent3"/>
+          </a:fillRef>
+          <a:effectRef idx="0">
+            <a:schemeClr val="accent3"/>
+          </a:effectRef>
+          <a:fontRef idx="minor">
+            <a:schemeClr val="lt1"/>
+          </a:fontRef>
+        </p:style>
+        <p:txBody>
+          <a:bodyPr rtlCol="0" anchor="ctr"/>
+          <a:lstStyle/>
+          <a:p>
+            <a:pPr algn="ctr"/>
+            <a:r>
+              <a:rPr lang="en-IN" sz="1000" dirty="0">
+                <a:solidFill>
+                  <a:schemeClr val="tx1"/>
+                </a:solidFill>
+              </a:rPr>
+              <a:t>In</a:t>
+            </a:r>
+          </a:p>
+        </p:txBody>
+      </p:sp>
+      <p:sp>
+        <p:nvSpPr>
+          <p:cNvPr id="43" name="Rectangle: Rounded Corners 42">
+            <a:extLst>
+              <a:ext uri="{FF2B5EF4-FFF2-40B4-BE49-F238E27FC236}">
+                <a16:creationId xmlns:a16="http://schemas.microsoft.com/office/drawing/2014/main" id="{5DAF9A03-CC24-40B7-ACDA-2B4D1075644F}"/>
+              </a:ext>
+            </a:extLst>
+          </p:cNvPr>
+          <p:cNvSpPr/>
+          <p:nvPr/>
+        </p:nvSpPr>
+        <p:spPr>
+          <a:xfrm>
+            <a:off x="2927653" y="2662632"/>
+            <a:ext cx="308309" cy="195622"/>
+          </a:xfrm>
+          <a:prstGeom prst="roundRect">
+            <a:avLst/>
+          </a:prstGeom>
+        </p:spPr>
+        <p:style>
+          <a:lnRef idx="2">
+            <a:schemeClr val="accent3">
+              <a:shade val="50000"/>
+            </a:schemeClr>
+          </a:lnRef>
+          <a:fillRef idx="1">
+            <a:schemeClr val="accent3"/>
+          </a:fillRef>
+          <a:effectRef idx="0">
+            <a:schemeClr val="accent3"/>
+          </a:effectRef>
+          <a:fontRef idx="minor">
+            <a:schemeClr val="lt1"/>
+          </a:fontRef>
+        </p:style>
+        <p:txBody>
+          <a:bodyPr rtlCol="0" anchor="ctr"/>
+          <a:lstStyle/>
+          <a:p>
+            <a:pPr algn="ctr"/>
+            <a:r>
+              <a:rPr lang="en-IN" sz="1000" dirty="0">
+                <a:solidFill>
+                  <a:schemeClr val="tx1"/>
+                </a:solidFill>
+              </a:rPr>
+              <a:t>In</a:t>
+            </a:r>
+          </a:p>
+        </p:txBody>
+      </p:sp>
+      <p:sp>
+        <p:nvSpPr>
+          <p:cNvPr id="44" name="Rectangle: Rounded Corners 43">
+            <a:extLst>
+              <a:ext uri="{FF2B5EF4-FFF2-40B4-BE49-F238E27FC236}">
+                <a16:creationId xmlns:a16="http://schemas.microsoft.com/office/drawing/2014/main" id="{8CFC449A-2087-4097-BA20-DD0837CE0991}"/>
+              </a:ext>
+            </a:extLst>
+          </p:cNvPr>
+          <p:cNvSpPr/>
+          <p:nvPr/>
+        </p:nvSpPr>
+        <p:spPr>
+          <a:xfrm>
+            <a:off x="2940165" y="2972601"/>
+            <a:ext cx="308309" cy="195622"/>
+          </a:xfrm>
+          <a:prstGeom prst="roundRect">
+            <a:avLst/>
+          </a:prstGeom>
+        </p:spPr>
+        <p:style>
+          <a:lnRef idx="2">
+            <a:schemeClr val="accent3">
+              <a:shade val="50000"/>
+            </a:schemeClr>
+          </a:lnRef>
+          <a:fillRef idx="1">
+            <a:schemeClr val="accent3"/>
+          </a:fillRef>
+          <a:effectRef idx="0">
+            <a:schemeClr val="accent3"/>
+          </a:effectRef>
+          <a:fontRef idx="minor">
+            <a:schemeClr val="lt1"/>
+          </a:fontRef>
+        </p:style>
+        <p:txBody>
+          <a:bodyPr rtlCol="0" anchor="ctr"/>
+          <a:lstStyle/>
+          <a:p>
+            <a:pPr algn="ctr"/>
+            <a:r>
+              <a:rPr lang="en-IN" sz="1000" dirty="0">
+                <a:solidFill>
+                  <a:schemeClr val="tx1"/>
+                </a:solidFill>
+              </a:rPr>
+              <a:t>In</a:t>
+            </a:r>
+          </a:p>
+        </p:txBody>
+      </p:sp>
+      <p:sp>
+        <p:nvSpPr>
+          <p:cNvPr id="45" name="Rectangle: Rounded Corners 44">
+            <a:extLst>
+              <a:ext uri="{FF2B5EF4-FFF2-40B4-BE49-F238E27FC236}">
+                <a16:creationId xmlns:a16="http://schemas.microsoft.com/office/drawing/2014/main" id="{DC1191CF-7E82-482A-BE56-BE545E5908D2}"/>
+              </a:ext>
+            </a:extLst>
+          </p:cNvPr>
+          <p:cNvSpPr/>
+          <p:nvPr/>
+        </p:nvSpPr>
+        <p:spPr>
+          <a:xfrm>
+            <a:off x="2960752" y="3300137"/>
+            <a:ext cx="308309" cy="195622"/>
+          </a:xfrm>
+          <a:prstGeom prst="roundRect">
+            <a:avLst/>
+          </a:prstGeom>
+        </p:spPr>
+        <p:style>
+          <a:lnRef idx="2">
+            <a:schemeClr val="accent3">
+              <a:shade val="50000"/>
+            </a:schemeClr>
+          </a:lnRef>
+          <a:fillRef idx="1">
+            <a:schemeClr val="accent3"/>
+          </a:fillRef>
+          <a:effectRef idx="0">
+            <a:schemeClr val="accent3"/>
+          </a:effectRef>
+          <a:fontRef idx="minor">
+            <a:schemeClr val="lt1"/>
+          </a:fontRef>
+        </p:style>
+        <p:txBody>
+          <a:bodyPr rtlCol="0" anchor="ctr"/>
+          <a:lstStyle/>
+          <a:p>
+            <a:pPr algn="ctr"/>
+            <a:r>
+              <a:rPr lang="en-IN" sz="1000" dirty="0">
+                <a:solidFill>
+                  <a:schemeClr val="tx1"/>
+                </a:solidFill>
+              </a:rPr>
+              <a:t>In</a:t>
+            </a:r>
+          </a:p>
+        </p:txBody>
+      </p:sp>
+      <p:sp>
+        <p:nvSpPr>
+          <p:cNvPr id="46" name="Rectangle: Rounded Corners 45">
+            <a:extLst>
+              <a:ext uri="{FF2B5EF4-FFF2-40B4-BE49-F238E27FC236}">
+                <a16:creationId xmlns:a16="http://schemas.microsoft.com/office/drawing/2014/main" id="{0A4C576C-9224-4196-BAA7-83BB9D13432B}"/>
+              </a:ext>
+            </a:extLst>
+          </p:cNvPr>
+          <p:cNvSpPr/>
+          <p:nvPr/>
+        </p:nvSpPr>
+        <p:spPr>
+          <a:xfrm>
+            <a:off x="2927652" y="4996552"/>
+            <a:ext cx="308309" cy="195622"/>
+          </a:xfrm>
+          <a:prstGeom prst="roundRect">
+            <a:avLst/>
+          </a:prstGeom>
+        </p:spPr>
+        <p:style>
+          <a:lnRef idx="2">
+            <a:schemeClr val="accent3">
+              <a:shade val="50000"/>
+            </a:schemeClr>
+          </a:lnRef>
+          <a:fillRef idx="1">
+            <a:schemeClr val="accent3"/>
+          </a:fillRef>
+          <a:effectRef idx="0">
+            <a:schemeClr val="accent3"/>
+          </a:effectRef>
+          <a:fontRef idx="minor">
+            <a:schemeClr val="lt1"/>
+          </a:fontRef>
+        </p:style>
+        <p:txBody>
+          <a:bodyPr rtlCol="0" anchor="ctr"/>
+          <a:lstStyle/>
+          <a:p>
+            <a:pPr algn="ctr"/>
+            <a:r>
+              <a:rPr lang="en-IN" sz="1000" dirty="0">
+                <a:solidFill>
+                  <a:schemeClr val="tx1"/>
+                </a:solidFill>
+              </a:rPr>
+              <a:t>In</a:t>
+            </a:r>
+          </a:p>
+        </p:txBody>
+      </p:sp>
+      <p:sp>
+        <p:nvSpPr>
+          <p:cNvPr id="47" name="Rectangle: Rounded Corners 46">
+            <a:extLst>
+              <a:ext uri="{FF2B5EF4-FFF2-40B4-BE49-F238E27FC236}">
+                <a16:creationId xmlns:a16="http://schemas.microsoft.com/office/drawing/2014/main" id="{9E4DC21C-E46D-4DCB-A9B2-4A65648ADCA8}"/>
+              </a:ext>
+            </a:extLst>
+          </p:cNvPr>
+          <p:cNvSpPr/>
+          <p:nvPr/>
+        </p:nvSpPr>
+        <p:spPr>
+          <a:xfrm>
+            <a:off x="3365377" y="1515610"/>
+            <a:ext cx="308309" cy="195622"/>
+          </a:xfrm>
+          <a:prstGeom prst="roundRect">
+            <a:avLst/>
+          </a:prstGeom>
+        </p:spPr>
+        <p:style>
+          <a:lnRef idx="2">
+            <a:schemeClr val="accent3">
+              <a:shade val="50000"/>
+            </a:schemeClr>
+          </a:lnRef>
+          <a:fillRef idx="1">
+            <a:schemeClr val="accent3"/>
+          </a:fillRef>
+          <a:effectRef idx="0">
+            <a:schemeClr val="accent3"/>
+          </a:effectRef>
+          <a:fontRef idx="minor">
+            <a:schemeClr val="lt1"/>
+          </a:fontRef>
+        </p:style>
+        <p:txBody>
+          <a:bodyPr rtlCol="0" anchor="ctr"/>
+          <a:lstStyle/>
+          <a:p>
+            <a:pPr algn="ctr"/>
+            <a:r>
+              <a:rPr lang="en-IN" sz="500" dirty="0">
+                <a:solidFill>
+                  <a:schemeClr val="tx1"/>
+                </a:solidFill>
+              </a:rPr>
+              <a:t>Out</a:t>
+            </a:r>
+          </a:p>
+        </p:txBody>
+      </p:sp>
+      <p:sp>
+        <p:nvSpPr>
+          <p:cNvPr id="48" name="Rectangle: Rounded Corners 47">
+            <a:extLst>
+              <a:ext uri="{FF2B5EF4-FFF2-40B4-BE49-F238E27FC236}">
+                <a16:creationId xmlns:a16="http://schemas.microsoft.com/office/drawing/2014/main" id="{941EDB25-2586-471C-89CD-5EFEC1B69826}"/>
+              </a:ext>
+            </a:extLst>
+          </p:cNvPr>
+          <p:cNvSpPr/>
+          <p:nvPr/>
+        </p:nvSpPr>
+        <p:spPr>
+          <a:xfrm>
+            <a:off x="3329550" y="2662632"/>
+            <a:ext cx="308309" cy="195622"/>
+          </a:xfrm>
+          <a:prstGeom prst="roundRect">
+            <a:avLst/>
+          </a:prstGeom>
+        </p:spPr>
+        <p:style>
+          <a:lnRef idx="2">
+            <a:schemeClr val="accent3">
+              <a:shade val="50000"/>
+            </a:schemeClr>
+          </a:lnRef>
+          <a:fillRef idx="1">
+            <a:schemeClr val="accent3"/>
+          </a:fillRef>
+          <a:effectRef idx="0">
+            <a:schemeClr val="accent3"/>
+          </a:effectRef>
+          <a:fontRef idx="minor">
+            <a:schemeClr val="lt1"/>
+          </a:fontRef>
+        </p:style>
+        <p:txBody>
+          <a:bodyPr rtlCol="0" anchor="ctr"/>
+          <a:lstStyle/>
+          <a:p>
+            <a:pPr algn="ctr"/>
+            <a:r>
+              <a:rPr lang="en-IN" sz="500" dirty="0">
+                <a:solidFill>
+                  <a:schemeClr val="tx1"/>
+                </a:solidFill>
+              </a:rPr>
+              <a:t>Out</a:t>
+            </a:r>
+          </a:p>
+        </p:txBody>
+      </p:sp>
+      <p:sp>
+        <p:nvSpPr>
+          <p:cNvPr id="49" name="Rectangle: Rounded Corners 48">
+            <a:extLst>
+              <a:ext uri="{FF2B5EF4-FFF2-40B4-BE49-F238E27FC236}">
+                <a16:creationId xmlns:a16="http://schemas.microsoft.com/office/drawing/2014/main" id="{840EE395-92A7-498C-A05A-77AE7345738D}"/>
+              </a:ext>
+            </a:extLst>
+          </p:cNvPr>
+          <p:cNvSpPr/>
+          <p:nvPr/>
+        </p:nvSpPr>
+        <p:spPr>
+          <a:xfrm>
+            <a:off x="3322440" y="2967186"/>
+            <a:ext cx="308309" cy="195622"/>
+          </a:xfrm>
+          <a:prstGeom prst="roundRect">
+            <a:avLst/>
+          </a:prstGeom>
+        </p:spPr>
+        <p:style>
+          <a:lnRef idx="2">
+            <a:schemeClr val="accent3">
+              <a:shade val="50000"/>
+            </a:schemeClr>
+          </a:lnRef>
+          <a:fillRef idx="1">
+            <a:schemeClr val="accent3"/>
+          </a:fillRef>
+          <a:effectRef idx="0">
+            <a:schemeClr val="accent3"/>
+          </a:effectRef>
+          <a:fontRef idx="minor">
+            <a:schemeClr val="lt1"/>
+          </a:fontRef>
+        </p:style>
+        <p:txBody>
+          <a:bodyPr rtlCol="0" anchor="ctr"/>
+          <a:lstStyle/>
+          <a:p>
+            <a:pPr algn="ctr"/>
+            <a:r>
+              <a:rPr lang="en-IN" sz="500" dirty="0">
+                <a:solidFill>
+                  <a:schemeClr val="tx1"/>
+                </a:solidFill>
+              </a:rPr>
+              <a:t>Out</a:t>
+            </a:r>
+          </a:p>
+        </p:txBody>
+      </p:sp>
+      <p:sp>
+        <p:nvSpPr>
+          <p:cNvPr id="50" name="Rectangle: Rounded Corners 49">
+            <a:extLst>
+              <a:ext uri="{FF2B5EF4-FFF2-40B4-BE49-F238E27FC236}">
+                <a16:creationId xmlns:a16="http://schemas.microsoft.com/office/drawing/2014/main" id="{54207DBE-1D04-41F8-A785-6486B2C96004}"/>
+              </a:ext>
+            </a:extLst>
+          </p:cNvPr>
+          <p:cNvSpPr/>
+          <p:nvPr/>
+        </p:nvSpPr>
+        <p:spPr>
+          <a:xfrm>
+            <a:off x="3322440" y="3296811"/>
+            <a:ext cx="308309" cy="195622"/>
+          </a:xfrm>
+          <a:prstGeom prst="roundRect">
+            <a:avLst/>
+          </a:prstGeom>
+        </p:spPr>
+        <p:style>
+          <a:lnRef idx="2">
+            <a:schemeClr val="accent3">
+              <a:shade val="50000"/>
+            </a:schemeClr>
+          </a:lnRef>
+          <a:fillRef idx="1">
+            <a:schemeClr val="accent3"/>
+          </a:fillRef>
+          <a:effectRef idx="0">
+            <a:schemeClr val="accent3"/>
+          </a:effectRef>
+          <a:fontRef idx="minor">
+            <a:schemeClr val="lt1"/>
+          </a:fontRef>
+        </p:style>
+        <p:txBody>
+          <a:bodyPr rtlCol="0" anchor="ctr"/>
+          <a:lstStyle/>
+          <a:p>
+            <a:pPr algn="ctr"/>
+            <a:r>
+              <a:rPr lang="en-IN" sz="500" dirty="0">
+                <a:solidFill>
+                  <a:schemeClr val="tx1"/>
+                </a:solidFill>
+              </a:rPr>
+              <a:t>Out</a:t>
+            </a:r>
+          </a:p>
+        </p:txBody>
+      </p:sp>
+      <p:sp>
+        <p:nvSpPr>
+          <p:cNvPr id="51" name="Rectangle: Rounded Corners 50">
+            <a:extLst>
+              <a:ext uri="{FF2B5EF4-FFF2-40B4-BE49-F238E27FC236}">
+                <a16:creationId xmlns:a16="http://schemas.microsoft.com/office/drawing/2014/main" id="{5317BCDF-E244-4D25-8AB7-59141EE1D024}"/>
+              </a:ext>
+            </a:extLst>
+          </p:cNvPr>
+          <p:cNvSpPr/>
+          <p:nvPr/>
+        </p:nvSpPr>
+        <p:spPr>
+          <a:xfrm>
+            <a:off x="3350076" y="4706580"/>
+            <a:ext cx="308309" cy="195622"/>
+          </a:xfrm>
+          <a:prstGeom prst="roundRect">
+            <a:avLst/>
+          </a:prstGeom>
+        </p:spPr>
+        <p:style>
+          <a:lnRef idx="2">
+            <a:schemeClr val="accent3">
+              <a:shade val="50000"/>
+            </a:schemeClr>
+          </a:lnRef>
+          <a:fillRef idx="1">
+            <a:schemeClr val="accent3"/>
+          </a:fillRef>
+          <a:effectRef idx="0">
+            <a:schemeClr val="accent3"/>
+          </a:effectRef>
+          <a:fontRef idx="minor">
+            <a:schemeClr val="lt1"/>
+          </a:fontRef>
+        </p:style>
+        <p:txBody>
+          <a:bodyPr rtlCol="0" anchor="ctr"/>
+          <a:lstStyle/>
+          <a:p>
+            <a:pPr algn="ctr"/>
+            <a:r>
+              <a:rPr lang="en-IN" sz="500" dirty="0">
+                <a:solidFill>
+                  <a:schemeClr val="tx1"/>
+                </a:solidFill>
+              </a:rPr>
+              <a:t>Out</a:t>
+            </a:r>
+          </a:p>
+        </p:txBody>
+      </p:sp>
+      <p:sp>
+        <p:nvSpPr>
+          <p:cNvPr id="52" name="Rectangle: Rounded Corners 51">
+            <a:extLst>
+              <a:ext uri="{FF2B5EF4-FFF2-40B4-BE49-F238E27FC236}">
+                <a16:creationId xmlns:a16="http://schemas.microsoft.com/office/drawing/2014/main" id="{49C79531-15D4-4866-9F96-4B79F1533161}"/>
+              </a:ext>
+            </a:extLst>
+          </p:cNvPr>
+          <p:cNvSpPr/>
+          <p:nvPr/>
+        </p:nvSpPr>
+        <p:spPr>
+          <a:xfrm>
+            <a:off x="3350075" y="4999600"/>
+            <a:ext cx="308309" cy="195622"/>
+          </a:xfrm>
+          <a:prstGeom prst="roundRect">
+            <a:avLst/>
+          </a:prstGeom>
+        </p:spPr>
+        <p:style>
+          <a:lnRef idx="2">
+            <a:schemeClr val="accent3">
+              <a:shade val="50000"/>
+            </a:schemeClr>
+          </a:lnRef>
+          <a:fillRef idx="1">
+            <a:schemeClr val="accent3"/>
+          </a:fillRef>
+          <a:effectRef idx="0">
+            <a:schemeClr val="accent3"/>
+          </a:effectRef>
+          <a:fontRef idx="minor">
+            <a:schemeClr val="lt1"/>
+          </a:fontRef>
+        </p:style>
+        <p:txBody>
+          <a:bodyPr rtlCol="0" anchor="ctr"/>
+          <a:lstStyle/>
+          <a:p>
+            <a:pPr algn="ctr"/>
+            <a:r>
+              <a:rPr lang="en-IN" sz="500" dirty="0">
+                <a:solidFill>
+                  <a:schemeClr val="tx1"/>
+                </a:solidFill>
+              </a:rPr>
+              <a:t>Out</a:t>
+            </a:r>
+          </a:p>
+        </p:txBody>
+      </p:sp>
+      <p:sp>
+        <p:nvSpPr>
+          <p:cNvPr id="54" name="Rectangle: Rounded Corners 53">
+            <a:extLst>
+              <a:ext uri="{FF2B5EF4-FFF2-40B4-BE49-F238E27FC236}">
+                <a16:creationId xmlns:a16="http://schemas.microsoft.com/office/drawing/2014/main" id="{085C401B-3388-48B5-B460-93B79D17AF01}"/>
+              </a:ext>
+            </a:extLst>
+          </p:cNvPr>
+          <p:cNvSpPr/>
+          <p:nvPr/>
+        </p:nvSpPr>
+        <p:spPr>
+          <a:xfrm>
+            <a:off x="3350075" y="5295499"/>
+            <a:ext cx="308309" cy="195622"/>
+          </a:xfrm>
+          <a:prstGeom prst="roundRect">
+            <a:avLst/>
+          </a:prstGeom>
+        </p:spPr>
+        <p:style>
+          <a:lnRef idx="2">
+            <a:schemeClr val="accent3">
+              <a:shade val="50000"/>
+            </a:schemeClr>
+          </a:lnRef>
+          <a:fillRef idx="1">
+            <a:schemeClr val="accent3"/>
+          </a:fillRef>
+          <a:effectRef idx="0">
+            <a:schemeClr val="accent3"/>
+          </a:effectRef>
+          <a:fontRef idx="minor">
+            <a:schemeClr val="lt1"/>
+          </a:fontRef>
+        </p:style>
+        <p:txBody>
+          <a:bodyPr rtlCol="0" anchor="ctr"/>
+          <a:lstStyle/>
+          <a:p>
+            <a:pPr algn="ctr"/>
+            <a:r>
+              <a:rPr lang="en-IN" sz="500" dirty="0">
+                <a:solidFill>
+                  <a:schemeClr val="tx1"/>
+                </a:solidFill>
+              </a:rPr>
+              <a:t>Out</a:t>
+            </a:r>
+          </a:p>
+        </p:txBody>
+      </p:sp>
+      <p:cxnSp>
+        <p:nvCxnSpPr>
+          <p:cNvPr id="56" name="Straight Arrow Connector 55">
+            <a:extLst>
+              <a:ext uri="{FF2B5EF4-FFF2-40B4-BE49-F238E27FC236}">
+                <a16:creationId xmlns:a16="http://schemas.microsoft.com/office/drawing/2014/main" id="{BFB07FF5-8928-463D-BD30-3C6F6A41F3DA}"/>
+              </a:ext>
+            </a:extLst>
+          </p:cNvPr>
+          <p:cNvCxnSpPr/>
+          <p:nvPr/>
+        </p:nvCxnSpPr>
+        <p:spPr>
+          <a:xfrm>
+            <a:off x="8463668" y="2497134"/>
+            <a:ext cx="1300480" cy="0"/>
+          </a:xfrm>
+          <a:prstGeom prst="straightConnector1">
+            <a:avLst/>
+          </a:prstGeom>
+          <a:ln>
+            <a:tailEnd type="triangle"/>
+          </a:ln>
+        </p:spPr>
+        <p:style>
+          <a:lnRef idx="2">
+            <a:schemeClr val="dk1"/>
+          </a:lnRef>
+          <a:fillRef idx="0">
+            <a:schemeClr val="dk1"/>
+          </a:fillRef>
+          <a:effectRef idx="1">
+            <a:schemeClr val="dk1"/>
+          </a:effectRef>
+          <a:fontRef idx="minor">
+            <a:schemeClr val="tx1"/>
+          </a:fontRef>
+        </p:style>
+      </p:cxnSp>
+      <p:cxnSp>
+        <p:nvCxnSpPr>
+          <p:cNvPr id="59" name="Straight Arrow Connector 58">
+            <a:extLst>
+              <a:ext uri="{FF2B5EF4-FFF2-40B4-BE49-F238E27FC236}">
+                <a16:creationId xmlns:a16="http://schemas.microsoft.com/office/drawing/2014/main" id="{E8B0369E-6657-4969-9D49-02DF8AE0500A}"/>
+              </a:ext>
+            </a:extLst>
+          </p:cNvPr>
+          <p:cNvCxnSpPr/>
+          <p:nvPr/>
+        </p:nvCxnSpPr>
+        <p:spPr>
+          <a:xfrm>
+            <a:off x="8463668" y="3598372"/>
+            <a:ext cx="1300480" cy="0"/>
+          </a:xfrm>
+          <a:prstGeom prst="straightConnector1">
+            <a:avLst/>
+          </a:prstGeom>
+          <a:ln>
+            <a:tailEnd type="triangle"/>
+          </a:ln>
+        </p:spPr>
+        <p:style>
+          <a:lnRef idx="2">
+            <a:schemeClr val="dk1"/>
+          </a:lnRef>
+          <a:fillRef idx="0">
+            <a:schemeClr val="dk1"/>
+          </a:fillRef>
+          <a:effectRef idx="1">
+            <a:schemeClr val="dk1"/>
+          </a:effectRef>
+          <a:fontRef idx="minor">
+            <a:schemeClr val="tx1"/>
+          </a:fontRef>
+        </p:style>
+      </p:cxnSp>
+    </p:spTree>
+    <p:extLst>
+      <p:ext uri="{BB962C8B-B14F-4D97-AF65-F5344CB8AC3E}">
+        <p14:creationId xmlns:p14="http://schemas.microsoft.com/office/powerpoint/2010/main" val="2422940818"/>
+      </p:ext>
+    </p:extLst>
+  </p:cSld>
+  <p:clrMapOvr>
+    <a:masterClrMapping/>
+  </p:clrMapOvr>
+</p:sld>
+</file>
+
 <file path=ppt/theme/theme1.xml><?xml version="1.0" encoding="utf-8"?>
 <a:theme xmlns:a="http://schemas.openxmlformats.org/drawingml/2006/main" name="Office Theme">
   <a:themeElements>

--- a/Bitcoin.pptx
+++ b/Bitcoin.pptx
@@ -2,13 +2,24 @@
 <file path=ppt/presentation.xml><?xml version="1.0" encoding="utf-8"?>
 <p:presentation xmlns:a="http://schemas.openxmlformats.org/drawingml/2006/main" xmlns:r="http://schemas.openxmlformats.org/officeDocument/2006/relationships" xmlns:p="http://schemas.openxmlformats.org/presentationml/2006/main" saveSubsetFonts="1">
   <p:sldMasterIdLst>
-    <p:sldMasterId id="2147483648" r:id="rId1"/>
+    <p:sldMasterId id="2147483744" r:id="rId1"/>
   </p:sldMasterIdLst>
   <p:sldIdLst>
     <p:sldId id="256" r:id="rId2"/>
-    <p:sldId id="257" r:id="rId3"/>
-    <p:sldId id="258" r:id="rId4"/>
-    <p:sldId id="259" r:id="rId5"/>
+    <p:sldId id="260" r:id="rId3"/>
+    <p:sldId id="262" r:id="rId4"/>
+    <p:sldId id="270" r:id="rId5"/>
+    <p:sldId id="269" r:id="rId6"/>
+    <p:sldId id="261" r:id="rId7"/>
+    <p:sldId id="268" r:id="rId8"/>
+    <p:sldId id="267" r:id="rId9"/>
+    <p:sldId id="266" r:id="rId10"/>
+    <p:sldId id="265" r:id="rId11"/>
+    <p:sldId id="264" r:id="rId12"/>
+    <p:sldId id="263" r:id="rId13"/>
+    <p:sldId id="257" r:id="rId14"/>
+    <p:sldId id="258" r:id="rId15"/>
+    <p:sldId id="259" r:id="rId16"/>
   </p:sldIdLst>
   <p:sldSz cx="12192000" cy="6858000"/>
   <p:notesSz cx="6858000" cy="9144000"/>
@@ -16,7 +27,7 @@
     <a:defPPr>
       <a:defRPr lang="en-US"/>
     </a:defPPr>
-    <a:lvl1pPr marL="0" algn="l" defTabSz="914400" rtl="0" eaLnBrk="1" latinLnBrk="0" hangingPunct="1">
+    <a:lvl1pPr marL="0" algn="l" defTabSz="457200" rtl="0" eaLnBrk="1" latinLnBrk="0" hangingPunct="1">
       <a:defRPr sz="1800" kern="1200">
         <a:solidFill>
           <a:schemeClr val="tx1"/>
@@ -26,7 +37,7 @@
         <a:cs typeface="+mn-cs"/>
       </a:defRPr>
     </a:lvl1pPr>
-    <a:lvl2pPr marL="457200" algn="l" defTabSz="914400" rtl="0" eaLnBrk="1" latinLnBrk="0" hangingPunct="1">
+    <a:lvl2pPr marL="457200" algn="l" defTabSz="457200" rtl="0" eaLnBrk="1" latinLnBrk="0" hangingPunct="1">
       <a:defRPr sz="1800" kern="1200">
         <a:solidFill>
           <a:schemeClr val="tx1"/>
@@ -36,7 +47,7 @@
         <a:cs typeface="+mn-cs"/>
       </a:defRPr>
     </a:lvl2pPr>
-    <a:lvl3pPr marL="914400" algn="l" defTabSz="914400" rtl="0" eaLnBrk="1" latinLnBrk="0" hangingPunct="1">
+    <a:lvl3pPr marL="914400" algn="l" defTabSz="457200" rtl="0" eaLnBrk="1" latinLnBrk="0" hangingPunct="1">
       <a:defRPr sz="1800" kern="1200">
         <a:solidFill>
           <a:schemeClr val="tx1"/>
@@ -46,7 +57,7 @@
         <a:cs typeface="+mn-cs"/>
       </a:defRPr>
     </a:lvl3pPr>
-    <a:lvl4pPr marL="1371600" algn="l" defTabSz="914400" rtl="0" eaLnBrk="1" latinLnBrk="0" hangingPunct="1">
+    <a:lvl4pPr marL="1371600" algn="l" defTabSz="457200" rtl="0" eaLnBrk="1" latinLnBrk="0" hangingPunct="1">
       <a:defRPr sz="1800" kern="1200">
         <a:solidFill>
           <a:schemeClr val="tx1"/>
@@ -56,7 +67,7 @@
         <a:cs typeface="+mn-cs"/>
       </a:defRPr>
     </a:lvl4pPr>
-    <a:lvl5pPr marL="1828800" algn="l" defTabSz="914400" rtl="0" eaLnBrk="1" latinLnBrk="0" hangingPunct="1">
+    <a:lvl5pPr marL="1828800" algn="l" defTabSz="457200" rtl="0" eaLnBrk="1" latinLnBrk="0" hangingPunct="1">
       <a:defRPr sz="1800" kern="1200">
         <a:solidFill>
           <a:schemeClr val="tx1"/>
@@ -66,7 +77,7 @@
         <a:cs typeface="+mn-cs"/>
       </a:defRPr>
     </a:lvl5pPr>
-    <a:lvl6pPr marL="2286000" algn="l" defTabSz="914400" rtl="0" eaLnBrk="1" latinLnBrk="0" hangingPunct="1">
+    <a:lvl6pPr marL="2286000" algn="l" defTabSz="457200" rtl="0" eaLnBrk="1" latinLnBrk="0" hangingPunct="1">
       <a:defRPr sz="1800" kern="1200">
         <a:solidFill>
           <a:schemeClr val="tx1"/>
@@ -76,7 +87,7 @@
         <a:cs typeface="+mn-cs"/>
       </a:defRPr>
     </a:lvl6pPr>
-    <a:lvl7pPr marL="2743200" algn="l" defTabSz="914400" rtl="0" eaLnBrk="1" latinLnBrk="0" hangingPunct="1">
+    <a:lvl7pPr marL="2743200" algn="l" defTabSz="457200" rtl="0" eaLnBrk="1" latinLnBrk="0" hangingPunct="1">
       <a:defRPr sz="1800" kern="1200">
         <a:solidFill>
           <a:schemeClr val="tx1"/>
@@ -86,7 +97,7 @@
         <a:cs typeface="+mn-cs"/>
       </a:defRPr>
     </a:lvl7pPr>
-    <a:lvl8pPr marL="3200400" algn="l" defTabSz="914400" rtl="0" eaLnBrk="1" latinLnBrk="0" hangingPunct="1">
+    <a:lvl8pPr marL="3200400" algn="l" defTabSz="457200" rtl="0" eaLnBrk="1" latinLnBrk="0" hangingPunct="1">
       <a:defRPr sz="1800" kern="1200">
         <a:solidFill>
           <a:schemeClr val="tx1"/>
@@ -96,7 +107,7 @@
         <a:cs typeface="+mn-cs"/>
       </a:defRPr>
     </a:lvl8pPr>
-    <a:lvl9pPr marL="3657600" algn="l" defTabSz="914400" rtl="0" eaLnBrk="1" latinLnBrk="0" hangingPunct="1">
+    <a:lvl9pPr marL="3657600" algn="l" defTabSz="457200" rtl="0" eaLnBrk="1" latinLnBrk="0" hangingPunct="1">
       <a:defRPr sz="1800" kern="1200">
         <a:solidFill>
           <a:schemeClr val="tx1"/>
@@ -2748,7 +2759,7 @@
             <a:alphaOff val="0"/>
           </a:schemeClr>
         </a:solidFill>
-        <a:ln w="12700" cap="flat" cmpd="sng" algn="ctr">
+        <a:ln w="34925" cap="flat" cmpd="sng" algn="in">
           <a:solidFill>
             <a:schemeClr val="accent3">
               <a:shade val="80000"/>
@@ -2759,7 +2770,6 @@
             </a:schemeClr>
           </a:solidFill>
           <a:prstDash val="solid"/>
-          <a:miter lim="800000"/>
         </a:ln>
         <a:effectLst/>
       </dsp:spPr>
@@ -2799,7 +2809,7 @@
             <a:alphaOff val="0"/>
           </a:schemeClr>
         </a:solidFill>
-        <a:ln w="12700" cap="flat" cmpd="sng" algn="ctr">
+        <a:ln w="34925" cap="flat" cmpd="sng" algn="in">
           <a:solidFill>
             <a:schemeClr val="accent3">
               <a:shade val="80000"/>
@@ -2810,7 +2820,6 @@
             </a:schemeClr>
           </a:solidFill>
           <a:prstDash val="solid"/>
-          <a:miter lim="800000"/>
         </a:ln>
         <a:effectLst/>
       </dsp:spPr>
@@ -2915,7 +2924,7 @@
             <a:alphaOff val="0"/>
           </a:schemeClr>
         </a:solidFill>
-        <a:ln w="12700" cap="flat" cmpd="sng" algn="ctr">
+        <a:ln w="34925" cap="flat" cmpd="sng" algn="in">
           <a:solidFill>
             <a:schemeClr val="accent3">
               <a:shade val="80000"/>
@@ -2926,7 +2935,6 @@
             </a:schemeClr>
           </a:solidFill>
           <a:prstDash val="solid"/>
-          <a:miter lim="800000"/>
         </a:ln>
         <a:effectLst/>
       </dsp:spPr>
@@ -2966,7 +2974,7 @@
             <a:alphaOff val="0"/>
           </a:schemeClr>
         </a:solidFill>
-        <a:ln w="12700" cap="flat" cmpd="sng" algn="ctr">
+        <a:ln w="34925" cap="flat" cmpd="sng" algn="in">
           <a:solidFill>
             <a:schemeClr val="accent3">
               <a:shade val="80000"/>
@@ -2977,7 +2985,6 @@
             </a:schemeClr>
           </a:solidFill>
           <a:prstDash val="solid"/>
-          <a:miter lim="800000"/>
         </a:ln>
         <a:effectLst/>
       </dsp:spPr>
@@ -3082,7 +3089,7 @@
             <a:alphaOff val="0"/>
           </a:schemeClr>
         </a:solidFill>
-        <a:ln w="12700" cap="flat" cmpd="sng" algn="ctr">
+        <a:ln w="34925" cap="flat" cmpd="sng" algn="in">
           <a:solidFill>
             <a:schemeClr val="accent3">
               <a:shade val="80000"/>
@@ -3093,7 +3100,6 @@
             </a:schemeClr>
           </a:solidFill>
           <a:prstDash val="solid"/>
-          <a:miter lim="800000"/>
         </a:ln>
         <a:effectLst/>
       </dsp:spPr>
@@ -3133,7 +3139,7 @@
             <a:alphaOff val="0"/>
           </a:schemeClr>
         </a:solidFill>
-        <a:ln w="12700" cap="flat" cmpd="sng" algn="ctr">
+        <a:ln w="34925" cap="flat" cmpd="sng" algn="in">
           <a:solidFill>
             <a:schemeClr val="accent3">
               <a:shade val="80000"/>
@@ -3144,7 +3150,6 @@
             </a:schemeClr>
           </a:solidFill>
           <a:prstDash val="solid"/>
-          <a:miter lim="800000"/>
         </a:ln>
         <a:effectLst/>
       </dsp:spPr>
@@ -3246,7 +3251,7 @@
             <a:alphaOff val="0"/>
           </a:schemeClr>
         </a:solidFill>
-        <a:ln w="12700" cap="flat" cmpd="sng" algn="ctr">
+        <a:ln w="34925" cap="flat" cmpd="sng" algn="in">
           <a:solidFill>
             <a:schemeClr val="accent3">
               <a:shade val="80000"/>
@@ -3257,7 +3262,6 @@
             </a:schemeClr>
           </a:solidFill>
           <a:prstDash val="solid"/>
-          <a:miter lim="800000"/>
         </a:ln>
         <a:effectLst/>
       </dsp:spPr>
@@ -3358,12 +3362,12 @@
         </a:fontRef>
       </dsp:style>
       <dsp:txBody>
-        <a:bodyPr spcFirstLastPara="0" vert="horz" wrap="square" lIns="37465" tIns="37465" rIns="37465" bIns="37465" numCol="1" spcCol="1270" anchor="ctr" anchorCtr="0">
+        <a:bodyPr spcFirstLastPara="0" vert="horz" wrap="square" lIns="36195" tIns="36195" rIns="36195" bIns="36195" numCol="1" spcCol="1270" anchor="ctr" anchorCtr="0">
           <a:noAutofit/>
         </a:bodyPr>
         <a:lstStyle/>
         <a:p>
-          <a:pPr marL="0" lvl="0" indent="0" algn="ctr" defTabSz="2622550">
+          <a:pPr marL="0" lvl="0" indent="0" algn="ctr" defTabSz="2533650">
             <a:lnSpc>
               <a:spcPct val="90000"/>
             </a:lnSpc>
@@ -3376,7 +3380,7 @@
             <a:buNone/>
           </a:pPr>
           <a:r>
-            <a:rPr lang="en-IN" sz="5900" kern="1200" dirty="0"/>
+            <a:rPr lang="en-IN" sz="5700" kern="1200" dirty="0"/>
             <a:t>H(abc)</a:t>
           </a:r>
         </a:p>
@@ -3507,12 +3511,12 @@
         </a:fontRef>
       </dsp:style>
       <dsp:txBody>
-        <a:bodyPr spcFirstLastPara="0" vert="horz" wrap="square" lIns="37465" tIns="37465" rIns="37465" bIns="37465" numCol="1" spcCol="1270" anchor="ctr" anchorCtr="0">
+        <a:bodyPr spcFirstLastPara="0" vert="horz" wrap="square" lIns="36195" tIns="36195" rIns="36195" bIns="36195" numCol="1" spcCol="1270" anchor="ctr" anchorCtr="0">
           <a:noAutofit/>
         </a:bodyPr>
         <a:lstStyle/>
         <a:p>
-          <a:pPr marL="0" lvl="0" indent="0" algn="ctr" defTabSz="2622550">
+          <a:pPr marL="0" lvl="0" indent="0" algn="ctr" defTabSz="2533650">
             <a:lnSpc>
               <a:spcPct val="90000"/>
             </a:lnSpc>
@@ -3525,7 +3529,7 @@
             <a:buNone/>
           </a:pPr>
           <a:r>
-            <a:rPr lang="en-IN" sz="5900" kern="1200" dirty="0"/>
+            <a:rPr lang="en-IN" sz="5700" kern="1200" dirty="0"/>
             <a:t>H(ab)</a:t>
           </a:r>
         </a:p>
@@ -3656,12 +3660,12 @@
         </a:fontRef>
       </dsp:style>
       <dsp:txBody>
-        <a:bodyPr spcFirstLastPara="0" vert="horz" wrap="square" lIns="37465" tIns="37465" rIns="37465" bIns="37465" numCol="1" spcCol="1270" anchor="ctr" anchorCtr="0">
+        <a:bodyPr spcFirstLastPara="0" vert="horz" wrap="square" lIns="36195" tIns="36195" rIns="36195" bIns="36195" numCol="1" spcCol="1270" anchor="ctr" anchorCtr="0">
           <a:noAutofit/>
         </a:bodyPr>
         <a:lstStyle/>
         <a:p>
-          <a:pPr marL="0" lvl="0" indent="0" algn="ctr" defTabSz="2622550">
+          <a:pPr marL="0" lvl="0" indent="0" algn="ctr" defTabSz="2533650">
             <a:lnSpc>
               <a:spcPct val="90000"/>
             </a:lnSpc>
@@ -3674,7 +3678,7 @@
             <a:buNone/>
           </a:pPr>
           <a:r>
-            <a:rPr lang="en-IN" sz="5900" kern="1200" dirty="0"/>
+            <a:rPr lang="en-IN" sz="5700" kern="1200" dirty="0"/>
             <a:t>H(a)</a:t>
           </a:r>
         </a:p>
@@ -3805,12 +3809,12 @@
         </a:fontRef>
       </dsp:style>
       <dsp:txBody>
-        <a:bodyPr spcFirstLastPara="0" vert="horz" wrap="square" lIns="37465" tIns="37465" rIns="37465" bIns="37465" numCol="1" spcCol="1270" anchor="ctr" anchorCtr="0">
+        <a:bodyPr spcFirstLastPara="0" vert="horz" wrap="square" lIns="36195" tIns="36195" rIns="36195" bIns="36195" numCol="1" spcCol="1270" anchor="ctr" anchorCtr="0">
           <a:noAutofit/>
         </a:bodyPr>
         <a:lstStyle/>
         <a:p>
-          <a:pPr marL="0" lvl="0" indent="0" algn="ctr" defTabSz="2622550">
+          <a:pPr marL="0" lvl="0" indent="0" algn="ctr" defTabSz="2533650">
             <a:lnSpc>
               <a:spcPct val="90000"/>
             </a:lnSpc>
@@ -3823,7 +3827,7 @@
             <a:buNone/>
           </a:pPr>
           <a:r>
-            <a:rPr lang="en-IN" sz="5900" kern="1200" dirty="0"/>
+            <a:rPr lang="en-IN" sz="5700" kern="1200" dirty="0"/>
             <a:t>H(b)</a:t>
           </a:r>
         </a:p>
@@ -3954,12 +3958,12 @@
         </a:fontRef>
       </dsp:style>
       <dsp:txBody>
-        <a:bodyPr spcFirstLastPara="0" vert="horz" wrap="square" lIns="37465" tIns="37465" rIns="37465" bIns="37465" numCol="1" spcCol="1270" anchor="ctr" anchorCtr="0">
+        <a:bodyPr spcFirstLastPara="0" vert="horz" wrap="square" lIns="36195" tIns="36195" rIns="36195" bIns="36195" numCol="1" spcCol="1270" anchor="ctr" anchorCtr="0">
           <a:noAutofit/>
         </a:bodyPr>
         <a:lstStyle/>
         <a:p>
-          <a:pPr marL="0" lvl="0" indent="0" algn="ctr" defTabSz="2622550">
+          <a:pPr marL="0" lvl="0" indent="0" algn="ctr" defTabSz="2533650">
             <a:lnSpc>
               <a:spcPct val="90000"/>
             </a:lnSpc>
@@ -3972,7 +3976,7 @@
             <a:buNone/>
           </a:pPr>
           <a:r>
-            <a:rPr lang="en-IN" sz="5900" kern="1200" dirty="0"/>
+            <a:rPr lang="en-IN" sz="5700" kern="1200" dirty="0"/>
             <a:t>H(c)</a:t>
           </a:r>
         </a:p>
@@ -4103,12 +4107,12 @@
         </a:fontRef>
       </dsp:style>
       <dsp:txBody>
-        <a:bodyPr spcFirstLastPara="0" vert="horz" wrap="square" lIns="37465" tIns="37465" rIns="37465" bIns="37465" numCol="1" spcCol="1270" anchor="ctr" anchorCtr="0">
+        <a:bodyPr spcFirstLastPara="0" vert="horz" wrap="square" lIns="36195" tIns="36195" rIns="36195" bIns="36195" numCol="1" spcCol="1270" anchor="ctr" anchorCtr="0">
           <a:noAutofit/>
         </a:bodyPr>
         <a:lstStyle/>
         <a:p>
-          <a:pPr marL="0" lvl="0" indent="0" algn="ctr" defTabSz="2622550">
+          <a:pPr marL="0" lvl="0" indent="0" algn="ctr" defTabSz="2533650">
             <a:lnSpc>
               <a:spcPct val="90000"/>
             </a:lnSpc>
@@ -4121,7 +4125,7 @@
             <a:buNone/>
           </a:pPr>
           <a:r>
-            <a:rPr lang="en-IN" sz="5900" kern="1200" dirty="0"/>
+            <a:rPr lang="en-IN" sz="5700" kern="1200" dirty="0"/>
             <a:t>H(c)</a:t>
           </a:r>
         </a:p>
@@ -6842,8 +6846,16 @@
 </file>
 
 <file path=ppt/slideLayouts/slideLayout1.xml><?xml version="1.0" encoding="utf-8"?>
-<p:sldLayout xmlns:a="http://schemas.openxmlformats.org/drawingml/2006/main" xmlns:r="http://schemas.openxmlformats.org/officeDocument/2006/relationships" xmlns:p="http://schemas.openxmlformats.org/presentationml/2006/main" type="title" preserve="1">
+<p:sldLayout xmlns:a="http://schemas.openxmlformats.org/drawingml/2006/main" xmlns:r="http://schemas.openxmlformats.org/officeDocument/2006/relationships" xmlns:p="http://schemas.openxmlformats.org/presentationml/2006/main" showMasterSp="0" type="title" preserve="1">
   <p:cSld name="Title Slide">
+    <p:bg>
+      <p:bgPr>
+        <a:solidFill>
+          <a:schemeClr val="bg2"/>
+        </a:solidFill>
+        <a:effectLst/>
+      </p:bgPr>
+    </p:bg>
     <p:spTree>
       <p:nvGrpSpPr>
         <p:cNvPr id="1" name=""/>
@@ -6860,13 +6872,7 @@
       </p:grpSpPr>
       <p:sp>
         <p:nvSpPr>
-          <p:cNvPr id="2" name="Title 1">
-            <a:extLst>
-              <a:ext uri="{FF2B5EF4-FFF2-40B4-BE49-F238E27FC236}">
-                <a16:creationId xmlns:a16="http://schemas.microsoft.com/office/drawing/2014/main" id="{685E7A26-111D-4035-9102-FF696C84CDAD}"/>
-              </a:ext>
-            </a:extLst>
-          </p:cNvPr>
+          <p:cNvPr id="2" name="Title 1"/>
           <p:cNvSpPr>
             <a:spLocks noGrp="1"/>
           </p:cNvSpPr>
@@ -6876,15 +6882,21 @@
         </p:nvSpPr>
         <p:spPr>
           <a:xfrm>
-            <a:off x="1524000" y="1122363"/>
-            <a:ext cx="9144000" cy="2387600"/>
+            <a:off x="1915128" y="1788454"/>
+            <a:ext cx="8361229" cy="2098226"/>
           </a:xfrm>
         </p:spPr>
         <p:txBody>
-          <a:bodyPr anchor="b"/>
+          <a:bodyPr anchor="b">
+            <a:noAutofit/>
+          </a:bodyPr>
           <a:lstStyle>
             <a:lvl1pPr algn="ctr">
-              <a:defRPr sz="6000"/>
+              <a:defRPr sz="7200" cap="all" baseline="0">
+                <a:solidFill>
+                  <a:schemeClr val="tx2"/>
+                </a:solidFill>
+              </a:defRPr>
             </a:lvl1pPr>
           </a:lstStyle>
           <a:p>
@@ -6892,19 +6904,13 @@
               <a:rPr lang="en-US"/>
               <a:t>Click to edit Master title style</a:t>
             </a:r>
-            <a:endParaRPr lang="en-IN"/>
+            <a:endParaRPr lang="en-US" dirty="0"/>
           </a:p>
         </p:txBody>
       </p:sp>
       <p:sp>
         <p:nvSpPr>
-          <p:cNvPr id="3" name="Subtitle 2">
-            <a:extLst>
-              <a:ext uri="{FF2B5EF4-FFF2-40B4-BE49-F238E27FC236}">
-                <a16:creationId xmlns:a16="http://schemas.microsoft.com/office/drawing/2014/main" id="{46064A02-7182-4822-BF37-4811AFF88284}"/>
-              </a:ext>
-            </a:extLst>
-          </p:cNvPr>
+          <p:cNvPr id="3" name="Subtitle 2"/>
           <p:cNvSpPr>
             <a:spLocks noGrp="1"/>
           </p:cNvSpPr>
@@ -6914,16 +6920,27 @@
         </p:nvSpPr>
         <p:spPr>
           <a:xfrm>
-            <a:off x="1524000" y="3602038"/>
-            <a:ext cx="9144000" cy="1655762"/>
+            <a:off x="2679906" y="3956279"/>
+            <a:ext cx="6831673" cy="1086237"/>
           </a:xfrm>
         </p:spPr>
         <p:txBody>
-          <a:bodyPr/>
+          <a:bodyPr>
+            <a:normAutofit/>
+          </a:bodyPr>
           <a:lstStyle>
             <a:lvl1pPr marL="0" indent="0" algn="ctr">
+              <a:lnSpc>
+                <a:spcPct val="112000"/>
+              </a:lnSpc>
+              <a:spcBef>
+                <a:spcPts val="0"/>
+              </a:spcBef>
+              <a:spcAft>
+                <a:spcPts val="0"/>
+              </a:spcAft>
               <a:buNone/>
-              <a:defRPr sz="2400"/>
+              <a:defRPr sz="2300"/>
             </a:lvl1pPr>
             <a:lvl2pPr marL="457200" indent="0" algn="ctr">
               <a:buNone/>
@@ -6963,19 +6980,13 @@
               <a:rPr lang="en-US"/>
               <a:t>Click to edit Master subtitle style</a:t>
             </a:r>
-            <a:endParaRPr lang="en-IN"/>
+            <a:endParaRPr lang="en-US" dirty="0"/>
           </a:p>
         </p:txBody>
       </p:sp>
       <p:sp>
         <p:nvSpPr>
-          <p:cNvPr id="4" name="Date Placeholder 3">
-            <a:extLst>
-              <a:ext uri="{FF2B5EF4-FFF2-40B4-BE49-F238E27FC236}">
-                <a16:creationId xmlns:a16="http://schemas.microsoft.com/office/drawing/2014/main" id="{90266A79-D5A4-410D-A502-4BCAD3E72497}"/>
-              </a:ext>
-            </a:extLst>
-          </p:cNvPr>
+          <p:cNvPr id="4" name="Date Placeholder 3"/>
           <p:cNvSpPr>
             <a:spLocks noGrp="1"/>
           </p:cNvSpPr>
@@ -6983,14 +6994,27 @@
             <p:ph type="dt" sz="half" idx="10"/>
           </p:nvPr>
         </p:nvSpPr>
-        <p:spPr/>
+        <p:spPr>
+          <a:xfrm>
+            <a:off x="752858" y="6453386"/>
+            <a:ext cx="1607944" cy="404614"/>
+          </a:xfrm>
+        </p:spPr>
         <p:txBody>
           <a:bodyPr/>
-          <a:lstStyle/>
+          <a:lstStyle>
+            <a:lvl1pPr>
+              <a:defRPr baseline="0">
+                <a:solidFill>
+                  <a:schemeClr val="tx2"/>
+                </a:solidFill>
+              </a:defRPr>
+            </a:lvl1pPr>
+          </a:lstStyle>
           <a:p>
             <a:fld id="{C97A8BB4-432F-4534-BB7D-1DAA3422BDA4}" type="datetimeFigureOut">
               <a:rPr lang="en-IN" smtClean="0"/>
-              <a:t>18-02-2018</a:t>
+              <a:t>19-02-2018</a:t>
             </a:fld>
             <a:endParaRPr lang="en-IN"/>
           </a:p>
@@ -6998,13 +7022,7 @@
       </p:sp>
       <p:sp>
         <p:nvSpPr>
-          <p:cNvPr id="5" name="Footer Placeholder 4">
-            <a:extLst>
-              <a:ext uri="{FF2B5EF4-FFF2-40B4-BE49-F238E27FC236}">
-                <a16:creationId xmlns:a16="http://schemas.microsoft.com/office/drawing/2014/main" id="{777F8504-0906-42F4-B786-9435BE5B484E}"/>
-              </a:ext>
-            </a:extLst>
-          </p:cNvPr>
+          <p:cNvPr id="5" name="Footer Placeholder 4"/>
           <p:cNvSpPr>
             <a:spLocks noGrp="1"/>
           </p:cNvSpPr>
@@ -7012,10 +7030,23 @@
             <p:ph type="ftr" sz="quarter" idx="11"/>
           </p:nvPr>
         </p:nvSpPr>
-        <p:spPr/>
+        <p:spPr>
+          <a:xfrm>
+            <a:off x="2584054" y="6453386"/>
+            <a:ext cx="7023377" cy="404614"/>
+          </a:xfrm>
+        </p:spPr>
         <p:txBody>
           <a:bodyPr/>
-          <a:lstStyle/>
+          <a:lstStyle>
+            <a:lvl1pPr algn="ctr">
+              <a:defRPr baseline="0">
+                <a:solidFill>
+                  <a:schemeClr val="tx2"/>
+                </a:solidFill>
+              </a:defRPr>
+            </a:lvl1pPr>
+          </a:lstStyle>
           <a:p>
             <a:endParaRPr lang="en-IN"/>
           </a:p>
@@ -7023,13 +7054,7 @@
       </p:sp>
       <p:sp>
         <p:nvSpPr>
-          <p:cNvPr id="6" name="Slide Number Placeholder 5">
-            <a:extLst>
-              <a:ext uri="{FF2B5EF4-FFF2-40B4-BE49-F238E27FC236}">
-                <a16:creationId xmlns:a16="http://schemas.microsoft.com/office/drawing/2014/main" id="{BE8DF9B0-396B-43EC-94EA-424A6BB025F0}"/>
-              </a:ext>
-            </a:extLst>
-          </p:cNvPr>
+          <p:cNvPr id="6" name="Slide Number Placeholder 5"/>
           <p:cNvSpPr>
             <a:spLocks noGrp="1"/>
           </p:cNvSpPr>
@@ -7037,10 +7062,23 @@
             <p:ph type="sldNum" sz="quarter" idx="12"/>
           </p:nvPr>
         </p:nvSpPr>
-        <p:spPr/>
+        <p:spPr>
+          <a:xfrm>
+            <a:off x="9830683" y="6453386"/>
+            <a:ext cx="1596292" cy="404614"/>
+          </a:xfrm>
+        </p:spPr>
         <p:txBody>
           <a:bodyPr/>
-          <a:lstStyle/>
+          <a:lstStyle>
+            <a:lvl1pPr>
+              <a:defRPr baseline="0">
+                <a:solidFill>
+                  <a:schemeClr val="tx2"/>
+                </a:solidFill>
+              </a:defRPr>
+            </a:lvl1pPr>
+          </a:lstStyle>
           <a:p>
             <a:fld id="{92182F86-E3A7-4898-ABA4-4484515B6AF1}" type="slidenum">
               <a:rPr lang="en-IN" smtClean="0"/>
@@ -7050,15 +7088,144 @@
           </a:p>
         </p:txBody>
       </p:sp>
+      <p:grpSp>
+        <p:nvGrpSpPr>
+          <p:cNvPr id="7" name="Group 6"/>
+          <p:cNvGrpSpPr/>
+          <p:nvPr/>
+        </p:nvGrpSpPr>
+        <p:grpSpPr>
+          <a:xfrm>
+            <a:off x="752858" y="744469"/>
+            <a:ext cx="10674117" cy="5349671"/>
+            <a:chOff x="752858" y="744469"/>
+            <a:chExt cx="10674117" cy="5349671"/>
+          </a:xfrm>
+        </p:grpSpPr>
+        <p:sp>
+          <p:nvSpPr>
+            <p:cNvPr id="11" name="Freeform 6"/>
+            <p:cNvSpPr/>
+            <p:nvPr/>
+          </p:nvSpPr>
+          <p:spPr bwMode="auto">
+            <a:xfrm>
+              <a:off x="8151962" y="1685652"/>
+              <a:ext cx="3275013" cy="4408488"/>
+            </a:xfrm>
+            <a:custGeom>
+              <a:avLst/>
+              <a:gdLst/>
+              <a:ahLst/>
+              <a:cxnLst/>
+              <a:rect l="l" t="t" r="r" b="b"/>
+              <a:pathLst>
+                <a:path w="10000" h="10000">
+                  <a:moveTo>
+                    <a:pt x="8761" y="0"/>
+                  </a:moveTo>
+                  <a:lnTo>
+                    <a:pt x="10000" y="0"/>
+                  </a:lnTo>
+                  <a:lnTo>
+                    <a:pt x="10000" y="10000"/>
+                  </a:lnTo>
+                  <a:lnTo>
+                    <a:pt x="0" y="10000"/>
+                  </a:lnTo>
+                  <a:lnTo>
+                    <a:pt x="0" y="9126"/>
+                  </a:lnTo>
+                  <a:lnTo>
+                    <a:pt x="8761" y="9127"/>
+                  </a:lnTo>
+                  <a:lnTo>
+                    <a:pt x="8761" y="0"/>
+                  </a:lnTo>
+                  <a:close/>
+                </a:path>
+              </a:pathLst>
+            </a:custGeom>
+            <a:solidFill>
+              <a:schemeClr val="tx2"/>
+            </a:solidFill>
+            <a:ln w="0">
+              <a:noFill/>
+              <a:prstDash val="solid"/>
+              <a:round/>
+              <a:headEnd/>
+              <a:tailEnd/>
+            </a:ln>
+          </p:spPr>
+        </p:sp>
+        <p:sp>
+          <p:nvSpPr>
+            <p:cNvPr id="14" name="Freeform 6"/>
+            <p:cNvSpPr/>
+            <p:nvPr/>
+          </p:nvSpPr>
+          <p:spPr bwMode="auto">
+            <a:xfrm flipH="1" flipV="1">
+              <a:off x="752858" y="744469"/>
+              <a:ext cx="3275668" cy="4408488"/>
+            </a:xfrm>
+            <a:custGeom>
+              <a:avLst/>
+              <a:gdLst/>
+              <a:ahLst/>
+              <a:cxnLst/>
+              <a:rect l="l" t="t" r="r" b="b"/>
+              <a:pathLst>
+                <a:path w="10002" h="10000">
+                  <a:moveTo>
+                    <a:pt x="8763" y="0"/>
+                  </a:moveTo>
+                  <a:lnTo>
+                    <a:pt x="10002" y="0"/>
+                  </a:lnTo>
+                  <a:lnTo>
+                    <a:pt x="10002" y="10000"/>
+                  </a:lnTo>
+                  <a:lnTo>
+                    <a:pt x="2" y="10000"/>
+                  </a:lnTo>
+                  <a:cubicBezTo>
+                    <a:pt x="-2" y="9698"/>
+                    <a:pt x="4" y="9427"/>
+                    <a:pt x="0" y="9125"/>
+                  </a:cubicBezTo>
+                  <a:lnTo>
+                    <a:pt x="8763" y="9128"/>
+                  </a:lnTo>
+                  <a:lnTo>
+                    <a:pt x="8763" y="0"/>
+                  </a:lnTo>
+                  <a:close/>
+                </a:path>
+              </a:pathLst>
+            </a:custGeom>
+            <a:solidFill>
+              <a:schemeClr val="tx2"/>
+            </a:solidFill>
+            <a:ln w="0">
+              <a:noFill/>
+              <a:prstDash val="solid"/>
+              <a:round/>
+              <a:headEnd/>
+              <a:tailEnd/>
+            </a:ln>
+          </p:spPr>
+        </p:sp>
+      </p:grpSp>
     </p:spTree>
     <p:extLst>
       <p:ext uri="{BB962C8B-B14F-4D97-AF65-F5344CB8AC3E}">
-        <p14:creationId xmlns:p14="http://schemas.microsoft.com/office/powerpoint/2010/main" val="549233"/>
+        <p14:creationId xmlns:p14="http://schemas.microsoft.com/office/powerpoint/2010/main" val="3644116833"/>
       </p:ext>
     </p:extLst>
   </p:cSld>
   <p:clrMapOvr>
-    <a:masterClrMapping/>
+    <a:overrideClrMapping bg1="lt1" tx1="dk1" bg2="lt2" tx2="dk2" accent1="accent1" accent2="accent2" accent3="accent3" accent4="accent4" accent5="accent5" accent6="accent6" hlink="hlink" folHlink="folHlink"/>
   </p:clrMapOvr>
 </p:sldLayout>
 </file>
@@ -7082,13 +7249,7 @@
       </p:grpSpPr>
       <p:sp>
         <p:nvSpPr>
-          <p:cNvPr id="2" name="Title 1">
-            <a:extLst>
-              <a:ext uri="{FF2B5EF4-FFF2-40B4-BE49-F238E27FC236}">
-                <a16:creationId xmlns:a16="http://schemas.microsoft.com/office/drawing/2014/main" id="{CEAA2E6C-D039-4127-9250-1D95A3EC63FD}"/>
-              </a:ext>
-            </a:extLst>
-          </p:cNvPr>
+          <p:cNvPr id="2" name="Title 1"/>
           <p:cNvSpPr>
             <a:spLocks noGrp="1"/>
           </p:cNvSpPr>
@@ -7105,19 +7266,13 @@
               <a:rPr lang="en-US"/>
               <a:t>Click to edit Master title style</a:t>
             </a:r>
-            <a:endParaRPr lang="en-IN"/>
+            <a:endParaRPr lang="en-US" dirty="0"/>
           </a:p>
         </p:txBody>
       </p:sp>
       <p:sp>
         <p:nvSpPr>
-          <p:cNvPr id="3" name="Vertical Text Placeholder 2">
-            <a:extLst>
-              <a:ext uri="{FF2B5EF4-FFF2-40B4-BE49-F238E27FC236}">
-                <a16:creationId xmlns:a16="http://schemas.microsoft.com/office/drawing/2014/main" id="{27E5C532-E013-4A26-ACC2-ECADC9579E78}"/>
-              </a:ext>
-            </a:extLst>
-          </p:cNvPr>
+          <p:cNvPr id="3" name="Vertical Text Placeholder 2"/>
           <p:cNvSpPr>
             <a:spLocks noGrp="1"/>
           </p:cNvSpPr>
@@ -7125,7 +7280,12 @@
             <p:ph type="body" orient="vert" idx="1"/>
           </p:nvPr>
         </p:nvSpPr>
-        <p:spPr/>
+        <p:spPr>
+          <a:xfrm>
+            <a:off x="1371600" y="2295525"/>
+            <a:ext cx="9601200" cy="3571875"/>
+          </a:xfrm>
+        </p:spPr>
         <p:txBody>
           <a:bodyPr vert="eaVert"/>
           <a:lstStyle/>
@@ -7163,19 +7323,13 @@
               <a:rPr lang="en-US"/>
               <a:t>Fifth level</a:t>
             </a:r>
-            <a:endParaRPr lang="en-IN"/>
+            <a:endParaRPr lang="en-US" dirty="0"/>
           </a:p>
         </p:txBody>
       </p:sp>
       <p:sp>
         <p:nvSpPr>
-          <p:cNvPr id="4" name="Date Placeholder 3">
-            <a:extLst>
-              <a:ext uri="{FF2B5EF4-FFF2-40B4-BE49-F238E27FC236}">
-                <a16:creationId xmlns:a16="http://schemas.microsoft.com/office/drawing/2014/main" id="{46AD06B3-F477-494F-8A12-8FBD3E0678F1}"/>
-              </a:ext>
-            </a:extLst>
-          </p:cNvPr>
+          <p:cNvPr id="4" name="Date Placeholder 3"/>
           <p:cNvSpPr>
             <a:spLocks noGrp="1"/>
           </p:cNvSpPr>
@@ -7190,7 +7344,7 @@
           <a:p>
             <a:fld id="{C97A8BB4-432F-4534-BB7D-1DAA3422BDA4}" type="datetimeFigureOut">
               <a:rPr lang="en-IN" smtClean="0"/>
-              <a:t>18-02-2018</a:t>
+              <a:t>19-02-2018</a:t>
             </a:fld>
             <a:endParaRPr lang="en-IN"/>
           </a:p>
@@ -7198,13 +7352,7 @@
       </p:sp>
       <p:sp>
         <p:nvSpPr>
-          <p:cNvPr id="5" name="Footer Placeholder 4">
-            <a:extLst>
-              <a:ext uri="{FF2B5EF4-FFF2-40B4-BE49-F238E27FC236}">
-                <a16:creationId xmlns:a16="http://schemas.microsoft.com/office/drawing/2014/main" id="{C5129A83-87BA-46B4-B241-301A628EC498}"/>
-              </a:ext>
-            </a:extLst>
-          </p:cNvPr>
+          <p:cNvPr id="5" name="Footer Placeholder 4"/>
           <p:cNvSpPr>
             <a:spLocks noGrp="1"/>
           </p:cNvSpPr>
@@ -7223,13 +7371,7 @@
       </p:sp>
       <p:sp>
         <p:nvSpPr>
-          <p:cNvPr id="6" name="Slide Number Placeholder 5">
-            <a:extLst>
-              <a:ext uri="{FF2B5EF4-FFF2-40B4-BE49-F238E27FC236}">
-                <a16:creationId xmlns:a16="http://schemas.microsoft.com/office/drawing/2014/main" id="{63830F7A-2D2E-4104-B958-520DBE3440EE}"/>
-              </a:ext>
-            </a:extLst>
-          </p:cNvPr>
+          <p:cNvPr id="6" name="Slide Number Placeholder 5"/>
           <p:cNvSpPr>
             <a:spLocks noGrp="1"/>
           </p:cNvSpPr>
@@ -7253,7 +7395,7 @@
     </p:spTree>
     <p:extLst>
       <p:ext uri="{BB962C8B-B14F-4D97-AF65-F5344CB8AC3E}">
-        <p14:creationId xmlns:p14="http://schemas.microsoft.com/office/powerpoint/2010/main" val="1356348505"/>
+        <p14:creationId xmlns:p14="http://schemas.microsoft.com/office/powerpoint/2010/main" val="2046400820"/>
       </p:ext>
     </p:extLst>
   </p:cSld>
@@ -7282,13 +7424,7 @@
       </p:grpSpPr>
       <p:sp>
         <p:nvSpPr>
-          <p:cNvPr id="2" name="Vertical Title 1">
-            <a:extLst>
-              <a:ext uri="{FF2B5EF4-FFF2-40B4-BE49-F238E27FC236}">
-                <a16:creationId xmlns:a16="http://schemas.microsoft.com/office/drawing/2014/main" id="{E239D1BE-02F5-4058-8B84-34CD2272BA5B}"/>
-              </a:ext>
-            </a:extLst>
-          </p:cNvPr>
+          <p:cNvPr id="2" name="Vertical Title 1"/>
           <p:cNvSpPr>
             <a:spLocks noGrp="1"/>
           </p:cNvSpPr>
@@ -7298,8 +7434,8 @@
         </p:nvSpPr>
         <p:spPr>
           <a:xfrm>
-            <a:off x="8724900" y="365125"/>
-            <a:ext cx="2628900" cy="5811838"/>
+            <a:off x="9596561" y="624156"/>
+            <a:ext cx="1565766" cy="5243244"/>
           </a:xfrm>
         </p:spPr>
         <p:txBody>
@@ -7310,19 +7446,13 @@
               <a:rPr lang="en-US"/>
               <a:t>Click to edit Master title style</a:t>
             </a:r>
-            <a:endParaRPr lang="en-IN"/>
+            <a:endParaRPr lang="en-US" dirty="0"/>
           </a:p>
         </p:txBody>
       </p:sp>
       <p:sp>
         <p:nvSpPr>
-          <p:cNvPr id="3" name="Vertical Text Placeholder 2">
-            <a:extLst>
-              <a:ext uri="{FF2B5EF4-FFF2-40B4-BE49-F238E27FC236}">
-                <a16:creationId xmlns:a16="http://schemas.microsoft.com/office/drawing/2014/main" id="{47E395D5-468B-4436-B2D4-3D177F3ACBFD}"/>
-              </a:ext>
-            </a:extLst>
-          </p:cNvPr>
+          <p:cNvPr id="3" name="Vertical Text Placeholder 2"/>
           <p:cNvSpPr>
             <a:spLocks noGrp="1"/>
           </p:cNvSpPr>
@@ -7332,8 +7462,8 @@
         </p:nvSpPr>
         <p:spPr>
           <a:xfrm>
-            <a:off x="838200" y="365125"/>
-            <a:ext cx="7734300" cy="5811838"/>
+            <a:off x="1371600" y="624156"/>
+            <a:ext cx="8179641" cy="5243244"/>
           </a:xfrm>
         </p:spPr>
         <p:txBody>
@@ -7373,19 +7503,13 @@
               <a:rPr lang="en-US"/>
               <a:t>Fifth level</a:t>
             </a:r>
-            <a:endParaRPr lang="en-IN"/>
+            <a:endParaRPr lang="en-US" dirty="0"/>
           </a:p>
         </p:txBody>
       </p:sp>
       <p:sp>
         <p:nvSpPr>
-          <p:cNvPr id="4" name="Date Placeholder 3">
-            <a:extLst>
-              <a:ext uri="{FF2B5EF4-FFF2-40B4-BE49-F238E27FC236}">
-                <a16:creationId xmlns:a16="http://schemas.microsoft.com/office/drawing/2014/main" id="{0CF48749-F938-4EBB-B704-6873B741123A}"/>
-              </a:ext>
-            </a:extLst>
-          </p:cNvPr>
+          <p:cNvPr id="4" name="Date Placeholder 3"/>
           <p:cNvSpPr>
             <a:spLocks noGrp="1"/>
           </p:cNvSpPr>
@@ -7400,7 +7524,7 @@
           <a:p>
             <a:fld id="{C97A8BB4-432F-4534-BB7D-1DAA3422BDA4}" type="datetimeFigureOut">
               <a:rPr lang="en-IN" smtClean="0"/>
-              <a:t>18-02-2018</a:t>
+              <a:t>19-02-2018</a:t>
             </a:fld>
             <a:endParaRPr lang="en-IN"/>
           </a:p>
@@ -7408,13 +7532,7 @@
       </p:sp>
       <p:sp>
         <p:nvSpPr>
-          <p:cNvPr id="5" name="Footer Placeholder 4">
-            <a:extLst>
-              <a:ext uri="{FF2B5EF4-FFF2-40B4-BE49-F238E27FC236}">
-                <a16:creationId xmlns:a16="http://schemas.microsoft.com/office/drawing/2014/main" id="{26556DC7-A6FC-4EF3-842A-37F1E9628934}"/>
-              </a:ext>
-            </a:extLst>
-          </p:cNvPr>
+          <p:cNvPr id="5" name="Footer Placeholder 4"/>
           <p:cNvSpPr>
             <a:spLocks noGrp="1"/>
           </p:cNvSpPr>
@@ -7433,13 +7551,7 @@
       </p:sp>
       <p:sp>
         <p:nvSpPr>
-          <p:cNvPr id="6" name="Slide Number Placeholder 5">
-            <a:extLst>
-              <a:ext uri="{FF2B5EF4-FFF2-40B4-BE49-F238E27FC236}">
-                <a16:creationId xmlns:a16="http://schemas.microsoft.com/office/drawing/2014/main" id="{9D5D1AD0-5D90-4D54-891A-6BB8BA24EE94}"/>
-              </a:ext>
-            </a:extLst>
-          </p:cNvPr>
+          <p:cNvPr id="6" name="Slide Number Placeholder 5"/>
           <p:cNvSpPr>
             <a:spLocks noGrp="1"/>
           </p:cNvSpPr>
@@ -7463,7 +7575,7 @@
     </p:spTree>
     <p:extLst>
       <p:ext uri="{BB962C8B-B14F-4D97-AF65-F5344CB8AC3E}">
-        <p14:creationId xmlns:p14="http://schemas.microsoft.com/office/powerpoint/2010/main" val="3641695958"/>
+        <p14:creationId xmlns:p14="http://schemas.microsoft.com/office/powerpoint/2010/main" val="4269483340"/>
       </p:ext>
     </p:extLst>
   </p:cSld>
@@ -7492,13 +7604,7 @@
       </p:grpSpPr>
       <p:sp>
         <p:nvSpPr>
-          <p:cNvPr id="2" name="Title 1">
-            <a:extLst>
-              <a:ext uri="{FF2B5EF4-FFF2-40B4-BE49-F238E27FC236}">
-                <a16:creationId xmlns:a16="http://schemas.microsoft.com/office/drawing/2014/main" id="{EB96B2DE-B753-4424-88CC-DB66A596BED3}"/>
-              </a:ext>
-            </a:extLst>
-          </p:cNvPr>
+          <p:cNvPr id="2" name="Title 1"/>
           <p:cNvSpPr>
             <a:spLocks noGrp="1"/>
           </p:cNvSpPr>
@@ -7515,19 +7621,13 @@
               <a:rPr lang="en-US"/>
               <a:t>Click to edit Master title style</a:t>
             </a:r>
-            <a:endParaRPr lang="en-IN"/>
+            <a:endParaRPr lang="en-US" dirty="0"/>
           </a:p>
         </p:txBody>
       </p:sp>
       <p:sp>
         <p:nvSpPr>
-          <p:cNvPr id="3" name="Content Placeholder 2">
-            <a:extLst>
-              <a:ext uri="{FF2B5EF4-FFF2-40B4-BE49-F238E27FC236}">
-                <a16:creationId xmlns:a16="http://schemas.microsoft.com/office/drawing/2014/main" id="{3A769B41-8435-41D1-8625-3CCA80FBCB90}"/>
-              </a:ext>
-            </a:extLst>
-          </p:cNvPr>
+          <p:cNvPr id="3" name="Content Placeholder 2"/>
           <p:cNvSpPr>
             <a:spLocks noGrp="1"/>
           </p:cNvSpPr>
@@ -7573,19 +7673,13 @@
               <a:rPr lang="en-US"/>
               <a:t>Fifth level</a:t>
             </a:r>
-            <a:endParaRPr lang="en-IN"/>
+            <a:endParaRPr lang="en-US" dirty="0"/>
           </a:p>
         </p:txBody>
       </p:sp>
       <p:sp>
         <p:nvSpPr>
-          <p:cNvPr id="4" name="Date Placeholder 3">
-            <a:extLst>
-              <a:ext uri="{FF2B5EF4-FFF2-40B4-BE49-F238E27FC236}">
-                <a16:creationId xmlns:a16="http://schemas.microsoft.com/office/drawing/2014/main" id="{A95C543D-08C6-4B01-B6F8-D6129C0D024F}"/>
-              </a:ext>
-            </a:extLst>
-          </p:cNvPr>
+          <p:cNvPr id="4" name="Date Placeholder 3"/>
           <p:cNvSpPr>
             <a:spLocks noGrp="1"/>
           </p:cNvSpPr>
@@ -7600,7 +7694,7 @@
           <a:p>
             <a:fld id="{C97A8BB4-432F-4534-BB7D-1DAA3422BDA4}" type="datetimeFigureOut">
               <a:rPr lang="en-IN" smtClean="0"/>
-              <a:t>18-02-2018</a:t>
+              <a:t>19-02-2018</a:t>
             </a:fld>
             <a:endParaRPr lang="en-IN"/>
           </a:p>
@@ -7608,13 +7702,7 @@
       </p:sp>
       <p:sp>
         <p:nvSpPr>
-          <p:cNvPr id="5" name="Footer Placeholder 4">
-            <a:extLst>
-              <a:ext uri="{FF2B5EF4-FFF2-40B4-BE49-F238E27FC236}">
-                <a16:creationId xmlns:a16="http://schemas.microsoft.com/office/drawing/2014/main" id="{BCDDFFF2-9B61-4441-8984-106E9DAB223B}"/>
-              </a:ext>
-            </a:extLst>
-          </p:cNvPr>
+          <p:cNvPr id="5" name="Footer Placeholder 4"/>
           <p:cNvSpPr>
             <a:spLocks noGrp="1"/>
           </p:cNvSpPr>
@@ -7633,13 +7721,7 @@
       </p:sp>
       <p:sp>
         <p:nvSpPr>
-          <p:cNvPr id="6" name="Slide Number Placeholder 5">
-            <a:extLst>
-              <a:ext uri="{FF2B5EF4-FFF2-40B4-BE49-F238E27FC236}">
-                <a16:creationId xmlns:a16="http://schemas.microsoft.com/office/drawing/2014/main" id="{28274927-0244-412B-8A52-11BCEF7ACECF}"/>
-              </a:ext>
-            </a:extLst>
-          </p:cNvPr>
+          <p:cNvPr id="6" name="Slide Number Placeholder 5"/>
           <p:cNvSpPr>
             <a:spLocks noGrp="1"/>
           </p:cNvSpPr>
@@ -7663,7 +7745,7 @@
     </p:spTree>
     <p:extLst>
       <p:ext uri="{BB962C8B-B14F-4D97-AF65-F5344CB8AC3E}">
-        <p14:creationId xmlns:p14="http://schemas.microsoft.com/office/powerpoint/2010/main" val="3439485341"/>
+        <p14:creationId xmlns:p14="http://schemas.microsoft.com/office/powerpoint/2010/main" val="2849551232"/>
       </p:ext>
     </p:extLst>
   </p:cSld>
@@ -7674,8 +7756,13 @@
 </file>
 
 <file path=ppt/slideLayouts/slideLayout3.xml><?xml version="1.0" encoding="utf-8"?>
-<p:sldLayout xmlns:a="http://schemas.openxmlformats.org/drawingml/2006/main" xmlns:r="http://schemas.openxmlformats.org/officeDocument/2006/relationships" xmlns:p="http://schemas.openxmlformats.org/presentationml/2006/main" type="secHead" preserve="1">
+<p:sldLayout xmlns:a="http://schemas.openxmlformats.org/drawingml/2006/main" xmlns:r="http://schemas.openxmlformats.org/officeDocument/2006/relationships" xmlns:p="http://schemas.openxmlformats.org/presentationml/2006/main" showMasterSp="0" type="secHead" preserve="1">
   <p:cSld name="Section Header">
+    <p:bg>
+      <p:bgRef idx="1001">
+        <a:schemeClr val="bg2"/>
+      </p:bgRef>
+    </p:bg>
     <p:spTree>
       <p:nvGrpSpPr>
         <p:cNvPr id="1" name=""/>
@@ -7692,13 +7779,7 @@
       </p:grpSpPr>
       <p:sp>
         <p:nvSpPr>
-          <p:cNvPr id="2" name="Title 1">
-            <a:extLst>
-              <a:ext uri="{FF2B5EF4-FFF2-40B4-BE49-F238E27FC236}">
-                <a16:creationId xmlns:a16="http://schemas.microsoft.com/office/drawing/2014/main" id="{E5E1406E-5EE7-460F-9483-780B9E3A13DB}"/>
-              </a:ext>
-            </a:extLst>
-          </p:cNvPr>
+          <p:cNvPr id="2" name="Title 1"/>
           <p:cNvSpPr>
             <a:spLocks noGrp="1"/>
           </p:cNvSpPr>
@@ -7708,15 +7789,21 @@
         </p:nvSpPr>
         <p:spPr>
           <a:xfrm>
-            <a:off x="831850" y="1709738"/>
-            <a:ext cx="10515600" cy="2852737"/>
+            <a:off x="765025" y="1301360"/>
+            <a:ext cx="9612971" cy="2852737"/>
           </a:xfrm>
         </p:spPr>
         <p:txBody>
-          <a:bodyPr anchor="b"/>
+          <a:bodyPr anchor="b">
+            <a:normAutofit/>
+          </a:bodyPr>
           <a:lstStyle>
-            <a:lvl1pPr>
-              <a:defRPr sz="6000"/>
+            <a:lvl1pPr algn="r">
+              <a:defRPr sz="7200" cap="all" baseline="0">
+                <a:solidFill>
+                  <a:schemeClr val="tx2"/>
+                </a:solidFill>
+              </a:defRPr>
             </a:lvl1pPr>
           </a:lstStyle>
           <a:p>
@@ -7724,19 +7811,13 @@
               <a:rPr lang="en-US"/>
               <a:t>Click to edit Master title style</a:t>
             </a:r>
-            <a:endParaRPr lang="en-IN"/>
+            <a:endParaRPr lang="en-US" dirty="0"/>
           </a:p>
         </p:txBody>
       </p:sp>
       <p:sp>
         <p:nvSpPr>
-          <p:cNvPr id="3" name="Text Placeholder 2">
-            <a:extLst>
-              <a:ext uri="{FF2B5EF4-FFF2-40B4-BE49-F238E27FC236}">
-                <a16:creationId xmlns:a16="http://schemas.microsoft.com/office/drawing/2014/main" id="{5B3D6F51-49CB-4E95-B826-BEAB8D7D9926}"/>
-              </a:ext>
-            </a:extLst>
-          </p:cNvPr>
+          <p:cNvPr id="3" name="Text Placeholder 2"/>
           <p:cNvSpPr>
             <a:spLocks noGrp="1"/>
           </p:cNvSpPr>
@@ -7746,20 +7827,27 @@
         </p:nvSpPr>
         <p:spPr>
           <a:xfrm>
-            <a:off x="831850" y="4589463"/>
-            <a:ext cx="10515600" cy="1500187"/>
+            <a:off x="765025" y="4216328"/>
+            <a:ext cx="9612971" cy="1143324"/>
           </a:xfrm>
         </p:spPr>
         <p:txBody>
           <a:bodyPr/>
           <a:lstStyle>
-            <a:lvl1pPr marL="0" indent="0">
+            <a:lvl1pPr marL="0" indent="0" algn="r">
+              <a:lnSpc>
+                <a:spcPct val="112000"/>
+              </a:lnSpc>
+              <a:spcBef>
+                <a:spcPts val="0"/>
+              </a:spcBef>
+              <a:spcAft>
+                <a:spcPts val="0"/>
+              </a:spcAft>
               <a:buNone/>
               <a:defRPr sz="2400">
                 <a:solidFill>
-                  <a:schemeClr val="tx1">
-                    <a:tint val="75000"/>
-                  </a:schemeClr>
+                  <a:schemeClr val="tx2"/>
                 </a:solidFill>
               </a:defRPr>
             </a:lvl1pPr>
@@ -7855,13 +7943,7 @@
       </p:sp>
       <p:sp>
         <p:nvSpPr>
-          <p:cNvPr id="4" name="Date Placeholder 3">
-            <a:extLst>
-              <a:ext uri="{FF2B5EF4-FFF2-40B4-BE49-F238E27FC236}">
-                <a16:creationId xmlns:a16="http://schemas.microsoft.com/office/drawing/2014/main" id="{D942880B-2807-4669-A753-28BC155DBA77}"/>
-              </a:ext>
-            </a:extLst>
-          </p:cNvPr>
+          <p:cNvPr id="4" name="Date Placeholder 3"/>
           <p:cNvSpPr>
             <a:spLocks noGrp="1"/>
           </p:cNvSpPr>
@@ -7869,14 +7951,27 @@
             <p:ph type="dt" sz="half" idx="10"/>
           </p:nvPr>
         </p:nvSpPr>
-        <p:spPr/>
+        <p:spPr>
+          <a:xfrm>
+            <a:off x="738908" y="6453386"/>
+            <a:ext cx="1622409" cy="404614"/>
+          </a:xfrm>
+        </p:spPr>
         <p:txBody>
           <a:bodyPr/>
-          <a:lstStyle/>
+          <a:lstStyle>
+            <a:lvl1pPr>
+              <a:defRPr>
+                <a:solidFill>
+                  <a:schemeClr val="tx2"/>
+                </a:solidFill>
+              </a:defRPr>
+            </a:lvl1pPr>
+          </a:lstStyle>
           <a:p>
             <a:fld id="{C97A8BB4-432F-4534-BB7D-1DAA3422BDA4}" type="datetimeFigureOut">
               <a:rPr lang="en-IN" smtClean="0"/>
-              <a:t>18-02-2018</a:t>
+              <a:t>19-02-2018</a:t>
             </a:fld>
             <a:endParaRPr lang="en-IN"/>
           </a:p>
@@ -7884,13 +7979,7 @@
       </p:sp>
       <p:sp>
         <p:nvSpPr>
-          <p:cNvPr id="5" name="Footer Placeholder 4">
-            <a:extLst>
-              <a:ext uri="{FF2B5EF4-FFF2-40B4-BE49-F238E27FC236}">
-                <a16:creationId xmlns:a16="http://schemas.microsoft.com/office/drawing/2014/main" id="{22DCE0E8-89CB-4BAE-B2A4-B81998E5333D}"/>
-              </a:ext>
-            </a:extLst>
-          </p:cNvPr>
+          <p:cNvPr id="5" name="Footer Placeholder 4"/>
           <p:cNvSpPr>
             <a:spLocks noGrp="1"/>
           </p:cNvSpPr>
@@ -7898,10 +7987,23 @@
             <p:ph type="ftr" sz="quarter" idx="11"/>
           </p:nvPr>
         </p:nvSpPr>
-        <p:spPr/>
+        <p:spPr>
+          <a:xfrm>
+            <a:off x="2584312" y="6453386"/>
+            <a:ext cx="7023377" cy="404614"/>
+          </a:xfrm>
+        </p:spPr>
         <p:txBody>
           <a:bodyPr/>
-          <a:lstStyle/>
+          <a:lstStyle>
+            <a:lvl1pPr algn="ctr">
+              <a:defRPr>
+                <a:solidFill>
+                  <a:schemeClr val="tx2"/>
+                </a:solidFill>
+              </a:defRPr>
+            </a:lvl1pPr>
+          </a:lstStyle>
           <a:p>
             <a:endParaRPr lang="en-IN"/>
           </a:p>
@@ -7909,13 +8011,7 @@
       </p:sp>
       <p:sp>
         <p:nvSpPr>
-          <p:cNvPr id="6" name="Slide Number Placeholder 5">
-            <a:extLst>
-              <a:ext uri="{FF2B5EF4-FFF2-40B4-BE49-F238E27FC236}">
-                <a16:creationId xmlns:a16="http://schemas.microsoft.com/office/drawing/2014/main" id="{5E39952A-155A-4889-8C34-F04819AE5EC2}"/>
-              </a:ext>
-            </a:extLst>
-          </p:cNvPr>
+          <p:cNvPr id="6" name="Slide Number Placeholder 5"/>
           <p:cNvSpPr>
             <a:spLocks noGrp="1"/>
           </p:cNvSpPr>
@@ -7923,10 +8019,23 @@
             <p:ph type="sldNum" sz="quarter" idx="12"/>
           </p:nvPr>
         </p:nvSpPr>
-        <p:spPr/>
+        <p:spPr>
+          <a:xfrm>
+            <a:off x="9830683" y="6453386"/>
+            <a:ext cx="1596292" cy="404614"/>
+          </a:xfrm>
+        </p:spPr>
         <p:txBody>
           <a:bodyPr/>
-          <a:lstStyle/>
+          <a:lstStyle>
+            <a:lvl1pPr>
+              <a:defRPr>
+                <a:solidFill>
+                  <a:schemeClr val="tx2"/>
+                </a:solidFill>
+              </a:defRPr>
+            </a:lvl1pPr>
+          </a:lstStyle>
           <a:p>
             <a:fld id="{92182F86-E3A7-4898-ABA4-4484515B6AF1}" type="slidenum">
               <a:rPr lang="en-IN" smtClean="0"/>
@@ -7936,15 +8045,71 @@
           </a:p>
         </p:txBody>
       </p:sp>
+      <p:sp>
+        <p:nvSpPr>
+          <p:cNvPr id="7" name="Freeform 6" title="Crop Mark"/>
+          <p:cNvSpPr/>
+          <p:nvPr/>
+        </p:nvSpPr>
+        <p:spPr bwMode="auto">
+          <a:xfrm>
+            <a:off x="8151962" y="1685652"/>
+            <a:ext cx="3275013" cy="4408488"/>
+          </a:xfrm>
+          <a:custGeom>
+            <a:avLst/>
+            <a:gdLst/>
+            <a:ahLst/>
+            <a:cxnLst/>
+            <a:rect l="0" t="0" r="r" b="b"/>
+            <a:pathLst>
+              <a:path w="4125" h="5554">
+                <a:moveTo>
+                  <a:pt x="3614" y="0"/>
+                </a:moveTo>
+                <a:lnTo>
+                  <a:pt x="4125" y="0"/>
+                </a:lnTo>
+                <a:lnTo>
+                  <a:pt x="4125" y="5554"/>
+                </a:lnTo>
+                <a:lnTo>
+                  <a:pt x="0" y="5554"/>
+                </a:lnTo>
+                <a:lnTo>
+                  <a:pt x="0" y="5074"/>
+                </a:lnTo>
+                <a:lnTo>
+                  <a:pt x="3614" y="5074"/>
+                </a:lnTo>
+                <a:lnTo>
+                  <a:pt x="3614" y="0"/>
+                </a:lnTo>
+                <a:close/>
+              </a:path>
+            </a:pathLst>
+          </a:custGeom>
+          <a:solidFill>
+            <a:schemeClr val="tx2"/>
+          </a:solidFill>
+          <a:ln w="0">
+            <a:noFill/>
+            <a:prstDash val="solid"/>
+            <a:round/>
+            <a:headEnd/>
+            <a:tailEnd/>
+          </a:ln>
+        </p:spPr>
+      </p:sp>
     </p:spTree>
     <p:extLst>
       <p:ext uri="{BB962C8B-B14F-4D97-AF65-F5344CB8AC3E}">
-        <p14:creationId xmlns:p14="http://schemas.microsoft.com/office/powerpoint/2010/main" val="1017420318"/>
+        <p14:creationId xmlns:p14="http://schemas.microsoft.com/office/powerpoint/2010/main" val="3049475187"/>
       </p:ext>
     </p:extLst>
   </p:cSld>
   <p:clrMapOvr>
-    <a:masterClrMapping/>
+    <a:overrideClrMapping bg1="dk1" tx1="lt1" bg2="dk2" tx2="lt2" accent1="accent1" accent2="accent2" accent3="accent3" accent4="accent4" accent5="accent5" accent6="accent6" hlink="hlink" folHlink="folHlink"/>
   </p:clrMapOvr>
 </p:sldLayout>
 </file>
@@ -7968,13 +8133,7 @@
       </p:grpSpPr>
       <p:sp>
         <p:nvSpPr>
-          <p:cNvPr id="2" name="Title 1">
-            <a:extLst>
-              <a:ext uri="{FF2B5EF4-FFF2-40B4-BE49-F238E27FC236}">
-                <a16:creationId xmlns:a16="http://schemas.microsoft.com/office/drawing/2014/main" id="{F63A1EFE-740A-4426-B2F3-4E08895B803E}"/>
-              </a:ext>
-            </a:extLst>
-          </p:cNvPr>
+          <p:cNvPr id="2" name="Title 1"/>
           <p:cNvSpPr>
             <a:spLocks noGrp="1"/>
           </p:cNvSpPr>
@@ -7985,25 +8144,27 @@
         <p:spPr/>
         <p:txBody>
           <a:bodyPr/>
-          <a:lstStyle/>
+          <a:lstStyle>
+            <a:lvl1pPr>
+              <a:defRPr>
+                <a:solidFill>
+                  <a:schemeClr val="tx2"/>
+                </a:solidFill>
+              </a:defRPr>
+            </a:lvl1pPr>
+          </a:lstStyle>
           <a:p>
             <a:r>
               <a:rPr lang="en-US"/>
               <a:t>Click to edit Master title style</a:t>
             </a:r>
-            <a:endParaRPr lang="en-IN"/>
+            <a:endParaRPr lang="en-US" dirty="0"/>
           </a:p>
         </p:txBody>
       </p:sp>
       <p:sp>
         <p:nvSpPr>
-          <p:cNvPr id="3" name="Content Placeholder 2">
-            <a:extLst>
-              <a:ext uri="{FF2B5EF4-FFF2-40B4-BE49-F238E27FC236}">
-                <a16:creationId xmlns:a16="http://schemas.microsoft.com/office/drawing/2014/main" id="{FCF625FA-12D7-4090-8313-F34D6D28F63C}"/>
-              </a:ext>
-            </a:extLst>
-          </p:cNvPr>
+          <p:cNvPr id="3" name="Content Placeholder 2"/>
           <p:cNvSpPr>
             <a:spLocks noGrp="1"/>
           </p:cNvSpPr>
@@ -8013,13 +8174,49 @@
         </p:nvSpPr>
         <p:spPr>
           <a:xfrm>
-            <a:off x="838200" y="1825625"/>
-            <a:ext cx="5181600" cy="4351338"/>
+            <a:off x="1371600" y="2285999"/>
+            <a:ext cx="4447786" cy="3581401"/>
           </a:xfrm>
         </p:spPr>
         <p:txBody>
           <a:bodyPr/>
-          <a:lstStyle/>
+          <a:lstStyle>
+            <a:lvl1pPr>
+              <a:defRPr baseline="0">
+                <a:solidFill>
+                  <a:schemeClr val="tx2"/>
+                </a:solidFill>
+              </a:defRPr>
+            </a:lvl1pPr>
+            <a:lvl2pPr>
+              <a:defRPr baseline="0">
+                <a:solidFill>
+                  <a:schemeClr val="tx2"/>
+                </a:solidFill>
+              </a:defRPr>
+            </a:lvl2pPr>
+            <a:lvl3pPr>
+              <a:defRPr baseline="0">
+                <a:solidFill>
+                  <a:schemeClr val="tx2"/>
+                </a:solidFill>
+              </a:defRPr>
+            </a:lvl3pPr>
+            <a:lvl4pPr>
+              <a:defRPr baseline="0">
+                <a:solidFill>
+                  <a:schemeClr val="tx2"/>
+                </a:solidFill>
+              </a:defRPr>
+            </a:lvl4pPr>
+            <a:lvl5pPr>
+              <a:defRPr baseline="0">
+                <a:solidFill>
+                  <a:schemeClr val="tx2"/>
+                </a:solidFill>
+              </a:defRPr>
+            </a:lvl5pPr>
+          </a:lstStyle>
           <a:p>
             <a:pPr lvl="0"/>
             <a:r>
@@ -8054,19 +8251,13 @@
               <a:rPr lang="en-US"/>
               <a:t>Fifth level</a:t>
             </a:r>
-            <a:endParaRPr lang="en-IN"/>
+            <a:endParaRPr lang="en-US" dirty="0"/>
           </a:p>
         </p:txBody>
       </p:sp>
       <p:sp>
         <p:nvSpPr>
-          <p:cNvPr id="4" name="Content Placeholder 3">
-            <a:extLst>
-              <a:ext uri="{FF2B5EF4-FFF2-40B4-BE49-F238E27FC236}">
-                <a16:creationId xmlns:a16="http://schemas.microsoft.com/office/drawing/2014/main" id="{2C3B4C8B-4633-48BC-9A33-F702DEBCB135}"/>
-              </a:ext>
-            </a:extLst>
-          </p:cNvPr>
+          <p:cNvPr id="4" name="Content Placeholder 3"/>
           <p:cNvSpPr>
             <a:spLocks noGrp="1"/>
           </p:cNvSpPr>
@@ -8076,13 +8267,49 @@
         </p:nvSpPr>
         <p:spPr>
           <a:xfrm>
-            <a:off x="6172200" y="1825625"/>
-            <a:ext cx="5181600" cy="4351338"/>
+            <a:off x="6525403" y="2285999"/>
+            <a:ext cx="4447786" cy="3581401"/>
           </a:xfrm>
         </p:spPr>
         <p:txBody>
           <a:bodyPr/>
-          <a:lstStyle/>
+          <a:lstStyle>
+            <a:lvl1pPr>
+              <a:defRPr>
+                <a:solidFill>
+                  <a:schemeClr val="tx2"/>
+                </a:solidFill>
+              </a:defRPr>
+            </a:lvl1pPr>
+            <a:lvl2pPr>
+              <a:defRPr>
+                <a:solidFill>
+                  <a:schemeClr val="tx2"/>
+                </a:solidFill>
+              </a:defRPr>
+            </a:lvl2pPr>
+            <a:lvl3pPr>
+              <a:defRPr>
+                <a:solidFill>
+                  <a:schemeClr val="tx2"/>
+                </a:solidFill>
+              </a:defRPr>
+            </a:lvl3pPr>
+            <a:lvl4pPr>
+              <a:defRPr>
+                <a:solidFill>
+                  <a:schemeClr val="tx2"/>
+                </a:solidFill>
+              </a:defRPr>
+            </a:lvl4pPr>
+            <a:lvl5pPr>
+              <a:defRPr>
+                <a:solidFill>
+                  <a:schemeClr val="tx2"/>
+                </a:solidFill>
+              </a:defRPr>
+            </a:lvl5pPr>
+          </a:lstStyle>
           <a:p>
             <a:pPr lvl="0"/>
             <a:r>
@@ -8117,19 +8344,13 @@
               <a:rPr lang="en-US"/>
               <a:t>Fifth level</a:t>
             </a:r>
-            <a:endParaRPr lang="en-IN"/>
+            <a:endParaRPr lang="en-US" dirty="0"/>
           </a:p>
         </p:txBody>
       </p:sp>
       <p:sp>
         <p:nvSpPr>
-          <p:cNvPr id="5" name="Date Placeholder 4">
-            <a:extLst>
-              <a:ext uri="{FF2B5EF4-FFF2-40B4-BE49-F238E27FC236}">
-                <a16:creationId xmlns:a16="http://schemas.microsoft.com/office/drawing/2014/main" id="{94AF6C63-2C4E-4BFA-938B-903A92684625}"/>
-              </a:ext>
-            </a:extLst>
-          </p:cNvPr>
+          <p:cNvPr id="5" name="Date Placeholder 4"/>
           <p:cNvSpPr>
             <a:spLocks noGrp="1"/>
           </p:cNvSpPr>
@@ -8144,7 +8365,7 @@
           <a:p>
             <a:fld id="{C97A8BB4-432F-4534-BB7D-1DAA3422BDA4}" type="datetimeFigureOut">
               <a:rPr lang="en-IN" smtClean="0"/>
-              <a:t>18-02-2018</a:t>
+              <a:t>19-02-2018</a:t>
             </a:fld>
             <a:endParaRPr lang="en-IN"/>
           </a:p>
@@ -8152,13 +8373,7 @@
       </p:sp>
       <p:sp>
         <p:nvSpPr>
-          <p:cNvPr id="6" name="Footer Placeholder 5">
-            <a:extLst>
-              <a:ext uri="{FF2B5EF4-FFF2-40B4-BE49-F238E27FC236}">
-                <a16:creationId xmlns:a16="http://schemas.microsoft.com/office/drawing/2014/main" id="{98DA672C-E15E-454F-AD08-02FB0DA1E175}"/>
-              </a:ext>
-            </a:extLst>
-          </p:cNvPr>
+          <p:cNvPr id="6" name="Footer Placeholder 5"/>
           <p:cNvSpPr>
             <a:spLocks noGrp="1"/>
           </p:cNvSpPr>
@@ -8177,13 +8392,7 @@
       </p:sp>
       <p:sp>
         <p:nvSpPr>
-          <p:cNvPr id="7" name="Slide Number Placeholder 6">
-            <a:extLst>
-              <a:ext uri="{FF2B5EF4-FFF2-40B4-BE49-F238E27FC236}">
-                <a16:creationId xmlns:a16="http://schemas.microsoft.com/office/drawing/2014/main" id="{F3CB7298-D2E2-4C65-AEFF-FA891733871B}"/>
-              </a:ext>
-            </a:extLst>
-          </p:cNvPr>
+          <p:cNvPr id="7" name="Slide Number Placeholder 6"/>
           <p:cNvSpPr>
             <a:spLocks noGrp="1"/>
           </p:cNvSpPr>
@@ -8207,7 +8416,7 @@
     </p:spTree>
     <p:extLst>
       <p:ext uri="{BB962C8B-B14F-4D97-AF65-F5344CB8AC3E}">
-        <p14:creationId xmlns:p14="http://schemas.microsoft.com/office/powerpoint/2010/main" val="1483539960"/>
+        <p14:creationId xmlns:p14="http://schemas.microsoft.com/office/powerpoint/2010/main" val="1393396829"/>
       </p:ext>
     </p:extLst>
   </p:cSld>
@@ -8236,13 +8445,7 @@
       </p:grpSpPr>
       <p:sp>
         <p:nvSpPr>
-          <p:cNvPr id="2" name="Title 1">
-            <a:extLst>
-              <a:ext uri="{FF2B5EF4-FFF2-40B4-BE49-F238E27FC236}">
-                <a16:creationId xmlns:a16="http://schemas.microsoft.com/office/drawing/2014/main" id="{931B3748-B9FB-4A3D-ABF6-03642179D425}"/>
-              </a:ext>
-            </a:extLst>
-          </p:cNvPr>
+          <p:cNvPr id="2" name="Title 1"/>
           <p:cNvSpPr>
             <a:spLocks noGrp="1"/>
           </p:cNvSpPr>
@@ -8252,31 +8455,33 @@
         </p:nvSpPr>
         <p:spPr>
           <a:xfrm>
-            <a:off x="839788" y="365125"/>
-            <a:ext cx="10515600" cy="1325563"/>
+            <a:off x="1371600" y="685800"/>
+            <a:ext cx="9601200" cy="1485900"/>
           </a:xfrm>
         </p:spPr>
         <p:txBody>
           <a:bodyPr/>
-          <a:lstStyle/>
+          <a:lstStyle>
+            <a:lvl1pPr>
+              <a:defRPr>
+                <a:solidFill>
+                  <a:schemeClr val="tx2"/>
+                </a:solidFill>
+              </a:defRPr>
+            </a:lvl1pPr>
+          </a:lstStyle>
           <a:p>
             <a:r>
               <a:rPr lang="en-US"/>
               <a:t>Click to edit Master title style</a:t>
             </a:r>
-            <a:endParaRPr lang="en-IN"/>
+            <a:endParaRPr lang="en-US" dirty="0"/>
           </a:p>
         </p:txBody>
       </p:sp>
       <p:sp>
         <p:nvSpPr>
-          <p:cNvPr id="3" name="Text Placeholder 2">
-            <a:extLst>
-              <a:ext uri="{FF2B5EF4-FFF2-40B4-BE49-F238E27FC236}">
-                <a16:creationId xmlns:a16="http://schemas.microsoft.com/office/drawing/2014/main" id="{2E54CBCF-04C3-4848-BDFF-2B41CEFC6DBF}"/>
-              </a:ext>
-            </a:extLst>
-          </p:cNvPr>
+          <p:cNvPr id="3" name="Text Placeholder 2"/>
           <p:cNvSpPr>
             <a:spLocks noGrp="1"/>
           </p:cNvSpPr>
@@ -8286,16 +8491,31 @@
         </p:nvSpPr>
         <p:spPr>
           <a:xfrm>
-            <a:off x="839788" y="1681163"/>
-            <a:ext cx="5157787" cy="823912"/>
+            <a:off x="1371600" y="2340864"/>
+            <a:ext cx="4443984" cy="823912"/>
           </a:xfrm>
         </p:spPr>
         <p:txBody>
-          <a:bodyPr anchor="b"/>
+          <a:bodyPr anchor="b">
+            <a:noAutofit/>
+          </a:bodyPr>
           <a:lstStyle>
             <a:lvl1pPr marL="0" indent="0">
+              <a:lnSpc>
+                <a:spcPct val="84000"/>
+              </a:lnSpc>
+              <a:spcBef>
+                <a:spcPts val="0"/>
+              </a:spcBef>
+              <a:spcAft>
+                <a:spcPts val="0"/>
+              </a:spcAft>
               <a:buNone/>
-              <a:defRPr sz="2400" b="1"/>
+              <a:defRPr sz="3000" b="0" baseline="0">
+                <a:solidFill>
+                  <a:schemeClr val="tx2"/>
+                </a:solidFill>
+              </a:defRPr>
             </a:lvl1pPr>
             <a:lvl2pPr marL="457200" indent="0">
               <a:buNone/>
@@ -8341,13 +8561,7 @@
       </p:sp>
       <p:sp>
         <p:nvSpPr>
-          <p:cNvPr id="4" name="Content Placeholder 3">
-            <a:extLst>
-              <a:ext uri="{FF2B5EF4-FFF2-40B4-BE49-F238E27FC236}">
-                <a16:creationId xmlns:a16="http://schemas.microsoft.com/office/drawing/2014/main" id="{8B2CFCB2-0226-4480-AE80-B834A5ADA0AE}"/>
-              </a:ext>
-            </a:extLst>
-          </p:cNvPr>
+          <p:cNvPr id="4" name="Content Placeholder 3"/>
           <p:cNvSpPr>
             <a:spLocks noGrp="1"/>
           </p:cNvSpPr>
@@ -8357,13 +8571,49 @@
         </p:nvSpPr>
         <p:spPr>
           <a:xfrm>
-            <a:off x="839788" y="2505075"/>
-            <a:ext cx="5157787" cy="3684588"/>
+            <a:off x="1371600" y="3305207"/>
+            <a:ext cx="4443984" cy="2562193"/>
           </a:xfrm>
         </p:spPr>
         <p:txBody>
           <a:bodyPr/>
-          <a:lstStyle/>
+          <a:lstStyle>
+            <a:lvl1pPr>
+              <a:defRPr baseline="0">
+                <a:solidFill>
+                  <a:schemeClr val="tx2"/>
+                </a:solidFill>
+              </a:defRPr>
+            </a:lvl1pPr>
+            <a:lvl2pPr>
+              <a:defRPr baseline="0">
+                <a:solidFill>
+                  <a:schemeClr val="tx2"/>
+                </a:solidFill>
+              </a:defRPr>
+            </a:lvl2pPr>
+            <a:lvl3pPr>
+              <a:defRPr baseline="0">
+                <a:solidFill>
+                  <a:schemeClr val="tx2"/>
+                </a:solidFill>
+              </a:defRPr>
+            </a:lvl3pPr>
+            <a:lvl4pPr>
+              <a:defRPr baseline="0">
+                <a:solidFill>
+                  <a:schemeClr val="tx2"/>
+                </a:solidFill>
+              </a:defRPr>
+            </a:lvl4pPr>
+            <a:lvl5pPr>
+              <a:defRPr baseline="0">
+                <a:solidFill>
+                  <a:schemeClr val="tx2"/>
+                </a:solidFill>
+              </a:defRPr>
+            </a:lvl5pPr>
+          </a:lstStyle>
           <a:p>
             <a:pPr lvl="0"/>
             <a:r>
@@ -8398,19 +8648,13 @@
               <a:rPr lang="en-US"/>
               <a:t>Fifth level</a:t>
             </a:r>
-            <a:endParaRPr lang="en-IN"/>
+            <a:endParaRPr lang="en-US" dirty="0"/>
           </a:p>
         </p:txBody>
       </p:sp>
       <p:sp>
         <p:nvSpPr>
-          <p:cNvPr id="5" name="Text Placeholder 4">
-            <a:extLst>
-              <a:ext uri="{FF2B5EF4-FFF2-40B4-BE49-F238E27FC236}">
-                <a16:creationId xmlns:a16="http://schemas.microsoft.com/office/drawing/2014/main" id="{8EF2C851-608D-4EF6-8503-8B965E504BDA}"/>
-              </a:ext>
-            </a:extLst>
-          </p:cNvPr>
+          <p:cNvPr id="5" name="Text Placeholder 4"/>
           <p:cNvSpPr>
             <a:spLocks noGrp="1"/>
           </p:cNvSpPr>
@@ -8420,16 +8664,31 @@
         </p:nvSpPr>
         <p:spPr>
           <a:xfrm>
-            <a:off x="6172200" y="1681163"/>
-            <a:ext cx="5183188" cy="823912"/>
+            <a:off x="6525014" y="2340864"/>
+            <a:ext cx="4443984" cy="823912"/>
           </a:xfrm>
         </p:spPr>
         <p:txBody>
-          <a:bodyPr anchor="b"/>
+          <a:bodyPr anchor="b">
+            <a:noAutofit/>
+          </a:bodyPr>
           <a:lstStyle>
             <a:lvl1pPr marL="0" indent="0">
+              <a:lnSpc>
+                <a:spcPct val="84000"/>
+              </a:lnSpc>
+              <a:spcBef>
+                <a:spcPts val="0"/>
+              </a:spcBef>
+              <a:spcAft>
+                <a:spcPts val="0"/>
+              </a:spcAft>
               <a:buNone/>
-              <a:defRPr sz="2400" b="1"/>
+              <a:defRPr sz="3000" b="0" baseline="0">
+                <a:solidFill>
+                  <a:schemeClr val="tx2"/>
+                </a:solidFill>
+              </a:defRPr>
             </a:lvl1pPr>
             <a:lvl2pPr marL="457200" indent="0">
               <a:buNone/>
@@ -8475,13 +8734,7 @@
       </p:sp>
       <p:sp>
         <p:nvSpPr>
-          <p:cNvPr id="6" name="Content Placeholder 5">
-            <a:extLst>
-              <a:ext uri="{FF2B5EF4-FFF2-40B4-BE49-F238E27FC236}">
-                <a16:creationId xmlns:a16="http://schemas.microsoft.com/office/drawing/2014/main" id="{89212996-07A7-4DA0-BBDA-95A66710CA6B}"/>
-              </a:ext>
-            </a:extLst>
-          </p:cNvPr>
+          <p:cNvPr id="6" name="Content Placeholder 5"/>
           <p:cNvSpPr>
             <a:spLocks noGrp="1"/>
           </p:cNvSpPr>
@@ -8491,13 +8744,49 @@
         </p:nvSpPr>
         <p:spPr>
           <a:xfrm>
-            <a:off x="6172200" y="2505075"/>
-            <a:ext cx="5183188" cy="3684588"/>
+            <a:off x="6525014" y="3305207"/>
+            <a:ext cx="4443984" cy="2562193"/>
           </a:xfrm>
         </p:spPr>
         <p:txBody>
           <a:bodyPr/>
-          <a:lstStyle/>
+          <a:lstStyle>
+            <a:lvl1pPr>
+              <a:defRPr baseline="0">
+                <a:solidFill>
+                  <a:schemeClr val="tx2"/>
+                </a:solidFill>
+              </a:defRPr>
+            </a:lvl1pPr>
+            <a:lvl2pPr>
+              <a:defRPr baseline="0">
+                <a:solidFill>
+                  <a:schemeClr val="tx2"/>
+                </a:solidFill>
+              </a:defRPr>
+            </a:lvl2pPr>
+            <a:lvl3pPr>
+              <a:defRPr baseline="0">
+                <a:solidFill>
+                  <a:schemeClr val="tx2"/>
+                </a:solidFill>
+              </a:defRPr>
+            </a:lvl3pPr>
+            <a:lvl4pPr>
+              <a:defRPr baseline="0">
+                <a:solidFill>
+                  <a:schemeClr val="tx2"/>
+                </a:solidFill>
+              </a:defRPr>
+            </a:lvl4pPr>
+            <a:lvl5pPr>
+              <a:defRPr baseline="0">
+                <a:solidFill>
+                  <a:schemeClr val="tx2"/>
+                </a:solidFill>
+              </a:defRPr>
+            </a:lvl5pPr>
+          </a:lstStyle>
           <a:p>
             <a:pPr lvl="0"/>
             <a:r>
@@ -8532,19 +8821,13 @@
               <a:rPr lang="en-US"/>
               <a:t>Fifth level</a:t>
             </a:r>
-            <a:endParaRPr lang="en-IN"/>
+            <a:endParaRPr lang="en-US" dirty="0"/>
           </a:p>
         </p:txBody>
       </p:sp>
       <p:sp>
         <p:nvSpPr>
-          <p:cNvPr id="7" name="Date Placeholder 6">
-            <a:extLst>
-              <a:ext uri="{FF2B5EF4-FFF2-40B4-BE49-F238E27FC236}">
-                <a16:creationId xmlns:a16="http://schemas.microsoft.com/office/drawing/2014/main" id="{1966D7BC-00D3-4322-8F85-E6B021444963}"/>
-              </a:ext>
-            </a:extLst>
-          </p:cNvPr>
+          <p:cNvPr id="7" name="Date Placeholder 6"/>
           <p:cNvSpPr>
             <a:spLocks noGrp="1"/>
           </p:cNvSpPr>
@@ -8559,7 +8842,7 @@
           <a:p>
             <a:fld id="{C97A8BB4-432F-4534-BB7D-1DAA3422BDA4}" type="datetimeFigureOut">
               <a:rPr lang="en-IN" smtClean="0"/>
-              <a:t>18-02-2018</a:t>
+              <a:t>19-02-2018</a:t>
             </a:fld>
             <a:endParaRPr lang="en-IN"/>
           </a:p>
@@ -8567,13 +8850,7 @@
       </p:sp>
       <p:sp>
         <p:nvSpPr>
-          <p:cNvPr id="8" name="Footer Placeholder 7">
-            <a:extLst>
-              <a:ext uri="{FF2B5EF4-FFF2-40B4-BE49-F238E27FC236}">
-                <a16:creationId xmlns:a16="http://schemas.microsoft.com/office/drawing/2014/main" id="{BE006F55-8EA9-4120-AE62-5E820B7788E9}"/>
-              </a:ext>
-            </a:extLst>
-          </p:cNvPr>
+          <p:cNvPr id="8" name="Footer Placeholder 7"/>
           <p:cNvSpPr>
             <a:spLocks noGrp="1"/>
           </p:cNvSpPr>
@@ -8592,13 +8869,7 @@
       </p:sp>
       <p:sp>
         <p:nvSpPr>
-          <p:cNvPr id="9" name="Slide Number Placeholder 8">
-            <a:extLst>
-              <a:ext uri="{FF2B5EF4-FFF2-40B4-BE49-F238E27FC236}">
-                <a16:creationId xmlns:a16="http://schemas.microsoft.com/office/drawing/2014/main" id="{A295DDEC-7273-415B-92EB-1B0A7A111C43}"/>
-              </a:ext>
-            </a:extLst>
-          </p:cNvPr>
+          <p:cNvPr id="9" name="Slide Number Placeholder 8"/>
           <p:cNvSpPr>
             <a:spLocks noGrp="1"/>
           </p:cNvSpPr>
@@ -8622,7 +8893,7 @@
     </p:spTree>
     <p:extLst>
       <p:ext uri="{BB962C8B-B14F-4D97-AF65-F5344CB8AC3E}">
-        <p14:creationId xmlns:p14="http://schemas.microsoft.com/office/powerpoint/2010/main" val="1941290275"/>
+        <p14:creationId xmlns:p14="http://schemas.microsoft.com/office/powerpoint/2010/main" val="2453926056"/>
       </p:ext>
     </p:extLst>
   </p:cSld>
@@ -8651,13 +8922,7 @@
       </p:grpSpPr>
       <p:sp>
         <p:nvSpPr>
-          <p:cNvPr id="2" name="Title 1">
-            <a:extLst>
-              <a:ext uri="{FF2B5EF4-FFF2-40B4-BE49-F238E27FC236}">
-                <a16:creationId xmlns:a16="http://schemas.microsoft.com/office/drawing/2014/main" id="{9C6E8559-0C80-47C4-9AB3-CA8183DAC925}"/>
-              </a:ext>
-            </a:extLst>
-          </p:cNvPr>
+          <p:cNvPr id="2" name="Title 1"/>
           <p:cNvSpPr>
             <a:spLocks noGrp="1"/>
           </p:cNvSpPr>
@@ -8674,19 +8939,13 @@
               <a:rPr lang="en-US"/>
               <a:t>Click to edit Master title style</a:t>
             </a:r>
-            <a:endParaRPr lang="en-IN"/>
+            <a:endParaRPr lang="en-US" dirty="0"/>
           </a:p>
         </p:txBody>
       </p:sp>
       <p:sp>
         <p:nvSpPr>
-          <p:cNvPr id="3" name="Date Placeholder 2">
-            <a:extLst>
-              <a:ext uri="{FF2B5EF4-FFF2-40B4-BE49-F238E27FC236}">
-                <a16:creationId xmlns:a16="http://schemas.microsoft.com/office/drawing/2014/main" id="{701A3363-295E-47C5-A35D-AE42750EB141}"/>
-              </a:ext>
-            </a:extLst>
-          </p:cNvPr>
+          <p:cNvPr id="3" name="Date Placeholder 2"/>
           <p:cNvSpPr>
             <a:spLocks noGrp="1"/>
           </p:cNvSpPr>
@@ -8701,7 +8960,7 @@
           <a:p>
             <a:fld id="{C97A8BB4-432F-4534-BB7D-1DAA3422BDA4}" type="datetimeFigureOut">
               <a:rPr lang="en-IN" smtClean="0"/>
-              <a:t>18-02-2018</a:t>
+              <a:t>19-02-2018</a:t>
             </a:fld>
             <a:endParaRPr lang="en-IN"/>
           </a:p>
@@ -8709,13 +8968,7 @@
       </p:sp>
       <p:sp>
         <p:nvSpPr>
-          <p:cNvPr id="4" name="Footer Placeholder 3">
-            <a:extLst>
-              <a:ext uri="{FF2B5EF4-FFF2-40B4-BE49-F238E27FC236}">
-                <a16:creationId xmlns:a16="http://schemas.microsoft.com/office/drawing/2014/main" id="{05A778D5-EFE4-43FE-ABBA-F359F5E52B8B}"/>
-              </a:ext>
-            </a:extLst>
-          </p:cNvPr>
+          <p:cNvPr id="4" name="Footer Placeholder 3"/>
           <p:cNvSpPr>
             <a:spLocks noGrp="1"/>
           </p:cNvSpPr>
@@ -8734,13 +8987,7 @@
       </p:sp>
       <p:sp>
         <p:nvSpPr>
-          <p:cNvPr id="5" name="Slide Number Placeholder 4">
-            <a:extLst>
-              <a:ext uri="{FF2B5EF4-FFF2-40B4-BE49-F238E27FC236}">
-                <a16:creationId xmlns:a16="http://schemas.microsoft.com/office/drawing/2014/main" id="{7E68D4BE-C457-494A-B08D-FC91F1DB6D9E}"/>
-              </a:ext>
-            </a:extLst>
-          </p:cNvPr>
+          <p:cNvPr id="5" name="Slide Number Placeholder 4"/>
           <p:cNvSpPr>
             <a:spLocks noGrp="1"/>
           </p:cNvSpPr>
@@ -8764,7 +9011,7 @@
     </p:spTree>
     <p:extLst>
       <p:ext uri="{BB962C8B-B14F-4D97-AF65-F5344CB8AC3E}">
-        <p14:creationId xmlns:p14="http://schemas.microsoft.com/office/powerpoint/2010/main" val="2765680975"/>
+        <p14:creationId xmlns:p14="http://schemas.microsoft.com/office/powerpoint/2010/main" val="3948661043"/>
       </p:ext>
     </p:extLst>
   </p:cSld>
@@ -8793,13 +9040,7 @@
       </p:grpSpPr>
       <p:sp>
         <p:nvSpPr>
-          <p:cNvPr id="2" name="Date Placeholder 1">
-            <a:extLst>
-              <a:ext uri="{FF2B5EF4-FFF2-40B4-BE49-F238E27FC236}">
-                <a16:creationId xmlns:a16="http://schemas.microsoft.com/office/drawing/2014/main" id="{70A332A0-9DA0-4921-8551-3CD5FC98F425}"/>
-              </a:ext>
-            </a:extLst>
-          </p:cNvPr>
+          <p:cNvPr id="2" name="Date Placeholder 1"/>
           <p:cNvSpPr>
             <a:spLocks noGrp="1"/>
           </p:cNvSpPr>
@@ -8814,7 +9055,7 @@
           <a:p>
             <a:fld id="{C97A8BB4-432F-4534-BB7D-1DAA3422BDA4}" type="datetimeFigureOut">
               <a:rPr lang="en-IN" smtClean="0"/>
-              <a:t>18-02-2018</a:t>
+              <a:t>19-02-2018</a:t>
             </a:fld>
             <a:endParaRPr lang="en-IN"/>
           </a:p>
@@ -8822,13 +9063,7 @@
       </p:sp>
       <p:sp>
         <p:nvSpPr>
-          <p:cNvPr id="3" name="Footer Placeholder 2">
-            <a:extLst>
-              <a:ext uri="{FF2B5EF4-FFF2-40B4-BE49-F238E27FC236}">
-                <a16:creationId xmlns:a16="http://schemas.microsoft.com/office/drawing/2014/main" id="{0D11E46E-3480-406B-A7F0-12D3A122DCD5}"/>
-              </a:ext>
-            </a:extLst>
-          </p:cNvPr>
+          <p:cNvPr id="3" name="Footer Placeholder 2"/>
           <p:cNvSpPr>
             <a:spLocks noGrp="1"/>
           </p:cNvSpPr>
@@ -8847,13 +9082,7 @@
       </p:sp>
       <p:sp>
         <p:nvSpPr>
-          <p:cNvPr id="4" name="Slide Number Placeholder 3">
-            <a:extLst>
-              <a:ext uri="{FF2B5EF4-FFF2-40B4-BE49-F238E27FC236}">
-                <a16:creationId xmlns:a16="http://schemas.microsoft.com/office/drawing/2014/main" id="{636B1D1A-6A9C-4B99-B8FF-F7B8AB319B19}"/>
-              </a:ext>
-            </a:extLst>
-          </p:cNvPr>
+          <p:cNvPr id="4" name="Slide Number Placeholder 3"/>
           <p:cNvSpPr>
             <a:spLocks noGrp="1"/>
           </p:cNvSpPr>
@@ -8877,7 +9106,7 @@
     </p:spTree>
     <p:extLst>
       <p:ext uri="{BB962C8B-B14F-4D97-AF65-F5344CB8AC3E}">
-        <p14:creationId xmlns:p14="http://schemas.microsoft.com/office/powerpoint/2010/main" val="841064083"/>
+        <p14:creationId xmlns:p14="http://schemas.microsoft.com/office/powerpoint/2010/main" val="1025258780"/>
       </p:ext>
     </p:extLst>
   </p:cSld>
@@ -8888,7 +9117,7 @@
 </file>
 
 <file path=ppt/slideLayouts/slideLayout8.xml><?xml version="1.0" encoding="utf-8"?>
-<p:sldLayout xmlns:a="http://schemas.openxmlformats.org/drawingml/2006/main" xmlns:r="http://schemas.openxmlformats.org/officeDocument/2006/relationships" xmlns:p="http://schemas.openxmlformats.org/presentationml/2006/main" type="objTx" preserve="1">
+<p:sldLayout xmlns:a="http://schemas.openxmlformats.org/drawingml/2006/main" xmlns:r="http://schemas.openxmlformats.org/officeDocument/2006/relationships" xmlns:p="http://schemas.openxmlformats.org/presentationml/2006/main" showMasterSp="0" type="objTx" preserve="1">
   <p:cSld name="Content with Caption">
     <p:spTree>
       <p:nvGrpSpPr>
@@ -8906,13 +9135,45 @@
       </p:grpSpPr>
       <p:sp>
         <p:nvSpPr>
-          <p:cNvPr id="2" name="Title 1">
-            <a:extLst>
-              <a:ext uri="{FF2B5EF4-FFF2-40B4-BE49-F238E27FC236}">
-                <a16:creationId xmlns:a16="http://schemas.microsoft.com/office/drawing/2014/main" id="{C5535844-B307-4281-90D2-3048D7704218}"/>
-              </a:ext>
-            </a:extLst>
-          </p:cNvPr>
+          <p:cNvPr id="8" name="Rectangle 7" title="Background Shape"/>
+          <p:cNvSpPr/>
+          <p:nvPr/>
+        </p:nvSpPr>
+        <p:spPr>
+          <a:xfrm>
+            <a:off x="0" y="376"/>
+            <a:ext cx="5303520" cy="6857624"/>
+          </a:xfrm>
+          <a:prstGeom prst="rect">
+            <a:avLst/>
+          </a:prstGeom>
+          <a:solidFill>
+            <a:schemeClr val="accent1"/>
+          </a:solidFill>
+          <a:ln>
+            <a:noFill/>
+          </a:ln>
+        </p:spPr>
+        <p:style>
+          <a:lnRef idx="2">
+            <a:schemeClr val="accent1">
+              <a:shade val="50000"/>
+            </a:schemeClr>
+          </a:lnRef>
+          <a:fillRef idx="1">
+            <a:schemeClr val="accent1"/>
+          </a:fillRef>
+          <a:effectRef idx="0">
+            <a:schemeClr val="accent1"/>
+          </a:effectRef>
+          <a:fontRef idx="minor">
+            <a:schemeClr val="lt1"/>
+          </a:fontRef>
+        </p:style>
+      </p:sp>
+      <p:sp>
+        <p:nvSpPr>
+          <p:cNvPr id="2" name="Title 1"/>
           <p:cNvSpPr>
             <a:spLocks noGrp="1"/>
           </p:cNvSpPr>
@@ -8922,15 +9183,24 @@
         </p:nvSpPr>
         <p:spPr>
           <a:xfrm>
-            <a:off x="839788" y="457200"/>
-            <a:ext cx="3932237" cy="1600200"/>
+            <a:off x="723900" y="685800"/>
+            <a:ext cx="3855720" cy="2157884"/>
           </a:xfrm>
         </p:spPr>
         <p:txBody>
-          <a:bodyPr anchor="b"/>
+          <a:bodyPr anchor="t">
+            <a:noAutofit/>
+          </a:bodyPr>
           <a:lstStyle>
             <a:lvl1pPr>
-              <a:defRPr sz="3200"/>
+              <a:lnSpc>
+                <a:spcPct val="84000"/>
+              </a:lnSpc>
+              <a:defRPr sz="4800" baseline="0">
+                <a:solidFill>
+                  <a:schemeClr val="tx2"/>
+                </a:solidFill>
+              </a:defRPr>
             </a:lvl1pPr>
           </a:lstStyle>
           <a:p>
@@ -8938,19 +9208,13 @@
               <a:rPr lang="en-US"/>
               <a:t>Click to edit Master title style</a:t>
             </a:r>
-            <a:endParaRPr lang="en-IN"/>
+            <a:endParaRPr lang="en-US" dirty="0"/>
           </a:p>
         </p:txBody>
       </p:sp>
       <p:sp>
         <p:nvSpPr>
-          <p:cNvPr id="3" name="Content Placeholder 2">
-            <a:extLst>
-              <a:ext uri="{FF2B5EF4-FFF2-40B4-BE49-F238E27FC236}">
-                <a16:creationId xmlns:a16="http://schemas.microsoft.com/office/drawing/2014/main" id="{5037772F-91F3-4A25-B945-3B4CAA397482}"/>
-              </a:ext>
-            </a:extLst>
-          </p:cNvPr>
+          <p:cNvPr id="3" name="Content Placeholder 2"/>
           <p:cNvSpPr>
             <a:spLocks noGrp="1"/>
           </p:cNvSpPr>
@@ -8960,39 +9224,39 @@
         </p:nvSpPr>
         <p:spPr>
           <a:xfrm>
-            <a:off x="5183188" y="987425"/>
-            <a:ext cx="6172200" cy="4873625"/>
+            <a:off x="6256020" y="685801"/>
+            <a:ext cx="5212080" cy="5175250"/>
           </a:xfrm>
         </p:spPr>
         <p:txBody>
           <a:bodyPr/>
           <a:lstStyle>
             <a:lvl1pPr>
-              <a:defRPr sz="3200"/>
+              <a:defRPr sz="2000"/>
             </a:lvl1pPr>
             <a:lvl2pPr>
-              <a:defRPr sz="2800"/>
+              <a:defRPr sz="2000"/>
             </a:lvl2pPr>
             <a:lvl3pPr>
-              <a:defRPr sz="2400"/>
+              <a:defRPr sz="1800"/>
             </a:lvl3pPr>
             <a:lvl4pPr>
-              <a:defRPr sz="2000"/>
+              <a:defRPr sz="1800"/>
             </a:lvl4pPr>
             <a:lvl5pPr>
-              <a:defRPr sz="2000"/>
+              <a:defRPr sz="1600"/>
             </a:lvl5pPr>
             <a:lvl6pPr>
-              <a:defRPr sz="2000"/>
+              <a:defRPr sz="1600"/>
             </a:lvl6pPr>
             <a:lvl7pPr>
-              <a:defRPr sz="2000"/>
+              <a:defRPr sz="1600"/>
             </a:lvl7pPr>
             <a:lvl8pPr>
-              <a:defRPr sz="2000"/>
+              <a:defRPr sz="1600"/>
             </a:lvl8pPr>
             <a:lvl9pPr>
-              <a:defRPr sz="2000"/>
+              <a:defRPr sz="1600"/>
             </a:lvl9pPr>
           </a:lstStyle>
           <a:p>
@@ -9029,19 +9293,13 @@
               <a:rPr lang="en-US"/>
               <a:t>Fifth level</a:t>
             </a:r>
-            <a:endParaRPr lang="en-IN"/>
+            <a:endParaRPr lang="en-US" dirty="0"/>
           </a:p>
         </p:txBody>
       </p:sp>
       <p:sp>
         <p:nvSpPr>
-          <p:cNvPr id="4" name="Text Placeholder 3">
-            <a:extLst>
-              <a:ext uri="{FF2B5EF4-FFF2-40B4-BE49-F238E27FC236}">
-                <a16:creationId xmlns:a16="http://schemas.microsoft.com/office/drawing/2014/main" id="{9D631A3A-920A-40D7-BC25-359509D7B406}"/>
-              </a:ext>
-            </a:extLst>
-          </p:cNvPr>
+          <p:cNvPr id="4" name="Text Placeholder 3"/>
           <p:cNvSpPr>
             <a:spLocks noGrp="1"/>
           </p:cNvSpPr>
@@ -9051,14 +9309,23 @@
         </p:nvSpPr>
         <p:spPr>
           <a:xfrm>
-            <a:off x="839788" y="2057400"/>
-            <a:ext cx="3932237" cy="3811588"/>
+            <a:off x="723900" y="2856344"/>
+            <a:ext cx="3855720" cy="3011056"/>
           </a:xfrm>
         </p:spPr>
         <p:txBody>
           <a:bodyPr/>
           <a:lstStyle>
             <a:lvl1pPr marL="0" indent="0">
+              <a:lnSpc>
+                <a:spcPct val="113000"/>
+              </a:lnSpc>
+              <a:spcBef>
+                <a:spcPts val="0"/>
+              </a:spcBef>
+              <a:spcAft>
+                <a:spcPts val="1500"/>
+              </a:spcAft>
               <a:buNone/>
               <a:defRPr sz="1600"/>
             </a:lvl1pPr>
@@ -9106,13 +9373,7 @@
       </p:sp>
       <p:sp>
         <p:nvSpPr>
-          <p:cNvPr id="5" name="Date Placeholder 4">
-            <a:extLst>
-              <a:ext uri="{FF2B5EF4-FFF2-40B4-BE49-F238E27FC236}">
-                <a16:creationId xmlns:a16="http://schemas.microsoft.com/office/drawing/2014/main" id="{B09B550A-8631-4395-BAB2-B9559B929850}"/>
-              </a:ext>
-            </a:extLst>
-          </p:cNvPr>
+          <p:cNvPr id="5" name="Date Placeholder 4"/>
           <p:cNvSpPr>
             <a:spLocks noGrp="1"/>
           </p:cNvSpPr>
@@ -9120,14 +9381,27 @@
             <p:ph type="dt" sz="half" idx="10"/>
           </p:nvPr>
         </p:nvSpPr>
-        <p:spPr/>
+        <p:spPr>
+          <a:xfrm>
+            <a:off x="723900" y="6453386"/>
+            <a:ext cx="1204572" cy="404614"/>
+          </a:xfrm>
+        </p:spPr>
         <p:txBody>
           <a:bodyPr/>
-          <a:lstStyle/>
+          <a:lstStyle>
+            <a:lvl1pPr>
+              <a:defRPr>
+                <a:solidFill>
+                  <a:schemeClr val="tx2"/>
+                </a:solidFill>
+              </a:defRPr>
+            </a:lvl1pPr>
+          </a:lstStyle>
           <a:p>
             <a:fld id="{C97A8BB4-432F-4534-BB7D-1DAA3422BDA4}" type="datetimeFigureOut">
               <a:rPr lang="en-IN" smtClean="0"/>
-              <a:t>18-02-2018</a:t>
+              <a:t>19-02-2018</a:t>
             </a:fld>
             <a:endParaRPr lang="en-IN"/>
           </a:p>
@@ -9135,13 +9409,7 @@
       </p:sp>
       <p:sp>
         <p:nvSpPr>
-          <p:cNvPr id="6" name="Footer Placeholder 5">
-            <a:extLst>
-              <a:ext uri="{FF2B5EF4-FFF2-40B4-BE49-F238E27FC236}">
-                <a16:creationId xmlns:a16="http://schemas.microsoft.com/office/drawing/2014/main" id="{5424A870-0FBD-4B33-BC8E-8A5481ABB027}"/>
-              </a:ext>
-            </a:extLst>
-          </p:cNvPr>
+          <p:cNvPr id="6" name="Footer Placeholder 5"/>
           <p:cNvSpPr>
             <a:spLocks noGrp="1"/>
           </p:cNvSpPr>
@@ -9149,10 +9417,23 @@
             <p:ph type="ftr" sz="quarter" idx="11"/>
           </p:nvPr>
         </p:nvSpPr>
-        <p:spPr/>
+        <p:spPr>
+          <a:xfrm>
+            <a:off x="2205945" y="6453386"/>
+            <a:ext cx="2373675" cy="404614"/>
+          </a:xfrm>
+        </p:spPr>
         <p:txBody>
           <a:bodyPr/>
-          <a:lstStyle/>
+          <a:lstStyle>
+            <a:lvl1pPr>
+              <a:defRPr>
+                <a:solidFill>
+                  <a:schemeClr val="tx2"/>
+                </a:solidFill>
+              </a:defRPr>
+            </a:lvl1pPr>
+          </a:lstStyle>
           <a:p>
             <a:endParaRPr lang="en-IN"/>
           </a:p>
@@ -9160,13 +9441,7 @@
       </p:sp>
       <p:sp>
         <p:nvSpPr>
-          <p:cNvPr id="7" name="Slide Number Placeholder 6">
-            <a:extLst>
-              <a:ext uri="{FF2B5EF4-FFF2-40B4-BE49-F238E27FC236}">
-                <a16:creationId xmlns:a16="http://schemas.microsoft.com/office/drawing/2014/main" id="{E589BF73-571F-4975-8932-E67764E4B703}"/>
-              </a:ext>
-            </a:extLst>
-          </p:cNvPr>
+          <p:cNvPr id="7" name="Slide Number Placeholder 6"/>
           <p:cNvSpPr>
             <a:spLocks noGrp="1"/>
           </p:cNvSpPr>
@@ -9174,10 +9449,23 @@
             <p:ph type="sldNum" sz="quarter" idx="12"/>
           </p:nvPr>
         </p:nvSpPr>
-        <p:spPr/>
+        <p:spPr>
+          <a:xfrm>
+            <a:off x="9883140" y="6453386"/>
+            <a:ext cx="1596292" cy="404614"/>
+          </a:xfrm>
+        </p:spPr>
         <p:txBody>
           <a:bodyPr/>
-          <a:lstStyle/>
+          <a:lstStyle>
+            <a:lvl1pPr>
+              <a:defRPr>
+                <a:solidFill>
+                  <a:schemeClr val="tx2"/>
+                </a:solidFill>
+              </a:defRPr>
+            </a:lvl1pPr>
+          </a:lstStyle>
           <a:p>
             <a:fld id="{92182F86-E3A7-4898-ABA4-4484515B6AF1}" type="slidenum">
               <a:rPr lang="en-IN" smtClean="0"/>
@@ -9187,10 +9475,48 @@
           </a:p>
         </p:txBody>
       </p:sp>
+      <p:sp>
+        <p:nvSpPr>
+          <p:cNvPr id="9" name="Rectangle 8" title="Divider Bar"/>
+          <p:cNvSpPr/>
+          <p:nvPr/>
+        </p:nvSpPr>
+        <p:spPr>
+          <a:xfrm>
+            <a:off x="5303520" y="376"/>
+            <a:ext cx="228600" cy="6858000"/>
+          </a:xfrm>
+          <a:prstGeom prst="rect">
+            <a:avLst/>
+          </a:prstGeom>
+          <a:solidFill>
+            <a:schemeClr val="tx2"/>
+          </a:solidFill>
+          <a:ln>
+            <a:noFill/>
+          </a:ln>
+        </p:spPr>
+        <p:style>
+          <a:lnRef idx="2">
+            <a:schemeClr val="accent1">
+              <a:shade val="50000"/>
+            </a:schemeClr>
+          </a:lnRef>
+          <a:fillRef idx="1">
+            <a:schemeClr val="accent1"/>
+          </a:fillRef>
+          <a:effectRef idx="0">
+            <a:schemeClr val="accent1"/>
+          </a:effectRef>
+          <a:fontRef idx="minor">
+            <a:schemeClr val="lt1"/>
+          </a:fontRef>
+        </p:style>
+      </p:sp>
     </p:spTree>
     <p:extLst>
       <p:ext uri="{BB962C8B-B14F-4D97-AF65-F5344CB8AC3E}">
-        <p14:creationId xmlns:p14="http://schemas.microsoft.com/office/powerpoint/2010/main" val="3225370334"/>
+        <p14:creationId xmlns:p14="http://schemas.microsoft.com/office/powerpoint/2010/main" val="3836332251"/>
       </p:ext>
     </p:extLst>
   </p:cSld>
@@ -9201,7 +9527,7 @@
 </file>
 
 <file path=ppt/slideLayouts/slideLayout9.xml><?xml version="1.0" encoding="utf-8"?>
-<p:sldLayout xmlns:a="http://schemas.openxmlformats.org/drawingml/2006/main" xmlns:r="http://schemas.openxmlformats.org/officeDocument/2006/relationships" xmlns:p="http://schemas.openxmlformats.org/presentationml/2006/main" type="picTx" preserve="1">
+<p:sldLayout xmlns:a="http://schemas.openxmlformats.org/drawingml/2006/main" xmlns:r="http://schemas.openxmlformats.org/officeDocument/2006/relationships" xmlns:p="http://schemas.openxmlformats.org/presentationml/2006/main" showMasterSp="0" type="picTx" preserve="1">
   <p:cSld name="Picture with Caption">
     <p:spTree>
       <p:nvGrpSpPr>
@@ -9219,13 +9545,45 @@
       </p:grpSpPr>
       <p:sp>
         <p:nvSpPr>
-          <p:cNvPr id="2" name="Title 1">
-            <a:extLst>
-              <a:ext uri="{FF2B5EF4-FFF2-40B4-BE49-F238E27FC236}">
-                <a16:creationId xmlns:a16="http://schemas.microsoft.com/office/drawing/2014/main" id="{AEA6DAD1-922E-4EBE-AFF0-FCB4F9A7B580}"/>
-              </a:ext>
-            </a:extLst>
-          </p:cNvPr>
+          <p:cNvPr id="8" name="Rectangle 7" title="Background Shape"/>
+          <p:cNvSpPr/>
+          <p:nvPr/>
+        </p:nvSpPr>
+        <p:spPr>
+          <a:xfrm>
+            <a:off x="0" y="376"/>
+            <a:ext cx="5303520" cy="6857624"/>
+          </a:xfrm>
+          <a:prstGeom prst="rect">
+            <a:avLst/>
+          </a:prstGeom>
+          <a:solidFill>
+            <a:schemeClr val="accent1"/>
+          </a:solidFill>
+          <a:ln>
+            <a:noFill/>
+          </a:ln>
+        </p:spPr>
+        <p:style>
+          <a:lnRef idx="2">
+            <a:schemeClr val="accent1">
+              <a:shade val="50000"/>
+            </a:schemeClr>
+          </a:lnRef>
+          <a:fillRef idx="1">
+            <a:schemeClr val="accent1"/>
+          </a:fillRef>
+          <a:effectRef idx="0">
+            <a:schemeClr val="accent1"/>
+          </a:effectRef>
+          <a:fontRef idx="minor">
+            <a:schemeClr val="lt1"/>
+          </a:fontRef>
+        </p:style>
+      </p:sp>
+      <p:sp>
+        <p:nvSpPr>
+          <p:cNvPr id="2" name="Title 1"/>
           <p:cNvSpPr>
             <a:spLocks noGrp="1"/>
           </p:cNvSpPr>
@@ -9235,15 +9593,20 @@
         </p:nvSpPr>
         <p:spPr>
           <a:xfrm>
-            <a:off x="839788" y="457200"/>
-            <a:ext cx="3932237" cy="1600200"/>
+            <a:off x="723900" y="685800"/>
+            <a:ext cx="3855720" cy="2157884"/>
           </a:xfrm>
         </p:spPr>
         <p:txBody>
-          <a:bodyPr anchor="b"/>
+          <a:bodyPr anchor="t">
+            <a:normAutofit/>
+          </a:bodyPr>
           <a:lstStyle>
             <a:lvl1pPr>
-              <a:defRPr sz="3200"/>
+              <a:lnSpc>
+                <a:spcPct val="84000"/>
+              </a:lnSpc>
+              <a:defRPr sz="4800" baseline="0"/>
             </a:lvl1pPr>
           </a:lstStyle>
           <a:p>
@@ -9251,21 +9614,15 @@
               <a:rPr lang="en-US"/>
               <a:t>Click to edit Master title style</a:t>
             </a:r>
-            <a:endParaRPr lang="en-IN"/>
+            <a:endParaRPr lang="en-US" dirty="0"/>
           </a:p>
         </p:txBody>
       </p:sp>
       <p:sp>
         <p:nvSpPr>
-          <p:cNvPr id="3" name="Picture Placeholder 2">
-            <a:extLst>
-              <a:ext uri="{FF2B5EF4-FFF2-40B4-BE49-F238E27FC236}">
-                <a16:creationId xmlns:a16="http://schemas.microsoft.com/office/drawing/2014/main" id="{FCE21D53-0227-4331-A04D-5D9B1BD97D13}"/>
-              </a:ext>
-            </a:extLst>
-          </p:cNvPr>
+          <p:cNvPr id="3" name="Picture Placeholder 2"/>
           <p:cNvSpPr>
-            <a:spLocks noGrp="1"/>
+            <a:spLocks noGrp="1" noChangeAspect="1"/>
           </p:cNvSpPr>
           <p:nvPr>
             <p:ph type="pic" idx="1"/>
@@ -9273,24 +9630,26 @@
         </p:nvSpPr>
         <p:spPr>
           <a:xfrm>
-            <a:off x="5183188" y="987425"/>
-            <a:ext cx="6172200" cy="4873625"/>
+            <a:off x="5532120" y="0"/>
+            <a:ext cx="6659880" cy="6857999"/>
           </a:xfrm>
         </p:spPr>
         <p:txBody>
-          <a:bodyPr/>
+          <a:bodyPr anchor="t">
+            <a:normAutofit/>
+          </a:bodyPr>
           <a:lstStyle>
             <a:lvl1pPr marL="0" indent="0">
               <a:buNone/>
-              <a:defRPr sz="3200"/>
+              <a:defRPr sz="2000"/>
             </a:lvl1pPr>
             <a:lvl2pPr marL="457200" indent="0">
               <a:buNone/>
-              <a:defRPr sz="2800"/>
+              <a:defRPr sz="2000"/>
             </a:lvl2pPr>
             <a:lvl3pPr marL="914400" indent="0">
               <a:buNone/>
-              <a:defRPr sz="2400"/>
+              <a:defRPr sz="2000"/>
             </a:lvl3pPr>
             <a:lvl4pPr marL="1371600" indent="0">
               <a:buNone/>
@@ -9318,19 +9677,17 @@
             </a:lvl9pPr>
           </a:lstStyle>
           <a:p>
-            <a:endParaRPr lang="en-IN"/>
+            <a:r>
+              <a:rPr lang="en-US"/>
+              <a:t>Click icon to add picture</a:t>
+            </a:r>
+            <a:endParaRPr lang="en-US" dirty="0"/>
           </a:p>
         </p:txBody>
       </p:sp>
       <p:sp>
         <p:nvSpPr>
-          <p:cNvPr id="4" name="Text Placeholder 3">
-            <a:extLst>
-              <a:ext uri="{FF2B5EF4-FFF2-40B4-BE49-F238E27FC236}">
-                <a16:creationId xmlns:a16="http://schemas.microsoft.com/office/drawing/2014/main" id="{CB53E452-745A-4705-9EBD-9195F20B2C6F}"/>
-              </a:ext>
-            </a:extLst>
-          </p:cNvPr>
+          <p:cNvPr id="4" name="Text Placeholder 3"/>
           <p:cNvSpPr>
             <a:spLocks noGrp="1"/>
           </p:cNvSpPr>
@@ -9340,14 +9697,23 @@
         </p:nvSpPr>
         <p:spPr>
           <a:xfrm>
-            <a:off x="839788" y="2057400"/>
-            <a:ext cx="3932237" cy="3811588"/>
+            <a:off x="723900" y="2855968"/>
+            <a:ext cx="3855720" cy="3011432"/>
           </a:xfrm>
         </p:spPr>
         <p:txBody>
           <a:bodyPr/>
           <a:lstStyle>
             <a:lvl1pPr marL="0" indent="0">
+              <a:lnSpc>
+                <a:spcPct val="113000"/>
+              </a:lnSpc>
+              <a:spcBef>
+                <a:spcPts val="0"/>
+              </a:spcBef>
+              <a:spcAft>
+                <a:spcPts val="1500"/>
+              </a:spcAft>
               <a:buNone/>
               <a:defRPr sz="1600"/>
             </a:lvl1pPr>
@@ -9395,13 +9761,7 @@
       </p:sp>
       <p:sp>
         <p:nvSpPr>
-          <p:cNvPr id="5" name="Date Placeholder 4">
-            <a:extLst>
-              <a:ext uri="{FF2B5EF4-FFF2-40B4-BE49-F238E27FC236}">
-                <a16:creationId xmlns:a16="http://schemas.microsoft.com/office/drawing/2014/main" id="{44478D92-1A3E-4173-82EF-8776808DB316}"/>
-              </a:ext>
-            </a:extLst>
-          </p:cNvPr>
+          <p:cNvPr id="5" name="Date Placeholder 4"/>
           <p:cNvSpPr>
             <a:spLocks noGrp="1"/>
           </p:cNvSpPr>
@@ -9409,14 +9769,27 @@
             <p:ph type="dt" sz="half" idx="10"/>
           </p:nvPr>
         </p:nvSpPr>
-        <p:spPr/>
+        <p:spPr>
+          <a:xfrm>
+            <a:off x="723900" y="6453386"/>
+            <a:ext cx="1204572" cy="404614"/>
+          </a:xfrm>
+        </p:spPr>
         <p:txBody>
           <a:bodyPr/>
-          <a:lstStyle/>
+          <a:lstStyle>
+            <a:lvl1pPr>
+              <a:defRPr>
+                <a:solidFill>
+                  <a:schemeClr val="tx2"/>
+                </a:solidFill>
+              </a:defRPr>
+            </a:lvl1pPr>
+          </a:lstStyle>
           <a:p>
             <a:fld id="{C97A8BB4-432F-4534-BB7D-1DAA3422BDA4}" type="datetimeFigureOut">
               <a:rPr lang="en-IN" smtClean="0"/>
-              <a:t>18-02-2018</a:t>
+              <a:t>19-02-2018</a:t>
             </a:fld>
             <a:endParaRPr lang="en-IN"/>
           </a:p>
@@ -9424,13 +9797,7 @@
       </p:sp>
       <p:sp>
         <p:nvSpPr>
-          <p:cNvPr id="6" name="Footer Placeholder 5">
-            <a:extLst>
-              <a:ext uri="{FF2B5EF4-FFF2-40B4-BE49-F238E27FC236}">
-                <a16:creationId xmlns:a16="http://schemas.microsoft.com/office/drawing/2014/main" id="{54DA2145-6BC4-440B-9164-2919CA1F91CD}"/>
-              </a:ext>
-            </a:extLst>
-          </p:cNvPr>
+          <p:cNvPr id="6" name="Footer Placeholder 5"/>
           <p:cNvSpPr>
             <a:spLocks noGrp="1"/>
           </p:cNvSpPr>
@@ -9438,10 +9805,23 @@
             <p:ph type="ftr" sz="quarter" idx="11"/>
           </p:nvPr>
         </p:nvSpPr>
-        <p:spPr/>
+        <p:spPr>
+          <a:xfrm>
+            <a:off x="2205945" y="6453386"/>
+            <a:ext cx="2373675" cy="404614"/>
+          </a:xfrm>
+        </p:spPr>
         <p:txBody>
           <a:bodyPr/>
-          <a:lstStyle/>
+          <a:lstStyle>
+            <a:lvl1pPr>
+              <a:defRPr>
+                <a:solidFill>
+                  <a:schemeClr val="tx2"/>
+                </a:solidFill>
+              </a:defRPr>
+            </a:lvl1pPr>
+          </a:lstStyle>
           <a:p>
             <a:endParaRPr lang="en-IN"/>
           </a:p>
@@ -9449,13 +9829,7 @@
       </p:sp>
       <p:sp>
         <p:nvSpPr>
-          <p:cNvPr id="7" name="Slide Number Placeholder 6">
-            <a:extLst>
-              <a:ext uri="{FF2B5EF4-FFF2-40B4-BE49-F238E27FC236}">
-                <a16:creationId xmlns:a16="http://schemas.microsoft.com/office/drawing/2014/main" id="{95F97683-8D71-460C-AFEE-6D4742D4BDE4}"/>
-              </a:ext>
-            </a:extLst>
-          </p:cNvPr>
+          <p:cNvPr id="7" name="Slide Number Placeholder 6"/>
           <p:cNvSpPr>
             <a:spLocks noGrp="1"/>
           </p:cNvSpPr>
@@ -9463,10 +9837,23 @@
             <p:ph type="sldNum" sz="quarter" idx="12"/>
           </p:nvPr>
         </p:nvSpPr>
-        <p:spPr/>
+        <p:spPr>
+          <a:xfrm>
+            <a:off x="9883140" y="6453386"/>
+            <a:ext cx="1596292" cy="404614"/>
+          </a:xfrm>
+        </p:spPr>
         <p:txBody>
           <a:bodyPr/>
-          <a:lstStyle/>
+          <a:lstStyle>
+            <a:lvl1pPr>
+              <a:defRPr>
+                <a:solidFill>
+                  <a:schemeClr val="tx2"/>
+                </a:solidFill>
+              </a:defRPr>
+            </a:lvl1pPr>
+          </a:lstStyle>
           <a:p>
             <a:fld id="{92182F86-E3A7-4898-ABA4-4484515B6AF1}" type="slidenum">
               <a:rPr lang="en-IN" smtClean="0"/>
@@ -9476,10 +9863,48 @@
           </a:p>
         </p:txBody>
       </p:sp>
+      <p:sp>
+        <p:nvSpPr>
+          <p:cNvPr id="9" name="Rectangle 8" title="Divider Bar"/>
+          <p:cNvSpPr/>
+          <p:nvPr/>
+        </p:nvSpPr>
+        <p:spPr>
+          <a:xfrm>
+            <a:off x="5303520" y="376"/>
+            <a:ext cx="228600" cy="6858000"/>
+          </a:xfrm>
+          <a:prstGeom prst="rect">
+            <a:avLst/>
+          </a:prstGeom>
+          <a:solidFill>
+            <a:schemeClr val="tx2"/>
+          </a:solidFill>
+          <a:ln>
+            <a:noFill/>
+          </a:ln>
+        </p:spPr>
+        <p:style>
+          <a:lnRef idx="2">
+            <a:schemeClr val="accent1">
+              <a:shade val="50000"/>
+            </a:schemeClr>
+          </a:lnRef>
+          <a:fillRef idx="1">
+            <a:schemeClr val="accent1"/>
+          </a:fillRef>
+          <a:effectRef idx="0">
+            <a:schemeClr val="accent1"/>
+          </a:effectRef>
+          <a:fontRef idx="minor">
+            <a:schemeClr val="lt1"/>
+          </a:fontRef>
+        </p:style>
+      </p:sp>
     </p:spTree>
     <p:extLst>
       <p:ext uri="{BB962C8B-B14F-4D97-AF65-F5344CB8AC3E}">
-        <p14:creationId xmlns:p14="http://schemas.microsoft.com/office/powerpoint/2010/main" val="3290920065"/>
+        <p14:creationId xmlns:p14="http://schemas.microsoft.com/office/powerpoint/2010/main" val="1221315921"/>
       </p:ext>
     </p:extLst>
   </p:cSld>
@@ -9493,9 +9918,12 @@
 <p:sldMaster xmlns:a="http://schemas.openxmlformats.org/drawingml/2006/main" xmlns:r="http://schemas.openxmlformats.org/officeDocument/2006/relationships" xmlns:p="http://schemas.openxmlformats.org/presentationml/2006/main">
   <p:cSld>
     <p:bg>
-      <p:bgRef idx="1001">
-        <a:schemeClr val="bg1"/>
-      </p:bgRef>
+      <p:bgPr>
+        <a:solidFill>
+          <a:schemeClr val="bg2"/>
+        </a:solidFill>
+        <a:effectLst/>
+      </p:bgPr>
     </p:bg>
     <p:spTree>
       <p:nvGrpSpPr>
@@ -9513,13 +9941,7 @@
       </p:grpSpPr>
       <p:sp>
         <p:nvSpPr>
-          <p:cNvPr id="2" name="Title Placeholder 1">
-            <a:extLst>
-              <a:ext uri="{FF2B5EF4-FFF2-40B4-BE49-F238E27FC236}">
-                <a16:creationId xmlns:a16="http://schemas.microsoft.com/office/drawing/2014/main" id="{5146C108-3B5F-47E7-B4D9-27E9554B348C}"/>
-              </a:ext>
-            </a:extLst>
-          </p:cNvPr>
+          <p:cNvPr id="2" name="Title Placeholder 1"/>
           <p:cNvSpPr>
             <a:spLocks noGrp="1"/>
           </p:cNvSpPr>
@@ -9529,15 +9951,15 @@
         </p:nvSpPr>
         <p:spPr>
           <a:xfrm>
-            <a:off x="838200" y="365125"/>
-            <a:ext cx="10515600" cy="1325563"/>
+            <a:off x="1371600" y="685800"/>
+            <a:ext cx="9601200" cy="1485900"/>
           </a:xfrm>
           <a:prstGeom prst="rect">
             <a:avLst/>
           </a:prstGeom>
         </p:spPr>
         <p:txBody>
-          <a:bodyPr vert="horz" lIns="91440" tIns="45720" rIns="91440" bIns="45720" rtlCol="0" anchor="ctr">
+          <a:bodyPr vert="horz" lIns="91440" tIns="45720" rIns="91440" bIns="45720" rtlCol="0" anchor="t">
             <a:normAutofit/>
           </a:bodyPr>
           <a:lstStyle/>
@@ -9546,19 +9968,13 @@
               <a:rPr lang="en-US"/>
               <a:t>Click to edit Master title style</a:t>
             </a:r>
-            <a:endParaRPr lang="en-IN"/>
+            <a:endParaRPr lang="en-US" dirty="0"/>
           </a:p>
         </p:txBody>
       </p:sp>
       <p:sp>
         <p:nvSpPr>
-          <p:cNvPr id="3" name="Text Placeholder 2">
-            <a:extLst>
-              <a:ext uri="{FF2B5EF4-FFF2-40B4-BE49-F238E27FC236}">
-                <a16:creationId xmlns:a16="http://schemas.microsoft.com/office/drawing/2014/main" id="{421C38A5-F899-4253-BED2-F89DF6AA802A}"/>
-              </a:ext>
-            </a:extLst>
-          </p:cNvPr>
+          <p:cNvPr id="3" name="Text Placeholder 2"/>
           <p:cNvSpPr>
             <a:spLocks noGrp="1"/>
           </p:cNvSpPr>
@@ -9568,8 +9984,8 @@
         </p:nvSpPr>
         <p:spPr>
           <a:xfrm>
-            <a:off x="838200" y="1825625"/>
-            <a:ext cx="10515600" cy="4351338"/>
+            <a:off x="1371600" y="2286000"/>
+            <a:ext cx="9601200" cy="3581400"/>
           </a:xfrm>
           <a:prstGeom prst="rect">
             <a:avLst/>
@@ -9614,19 +10030,13 @@
               <a:rPr lang="en-US"/>
               <a:t>Fifth level</a:t>
             </a:r>
-            <a:endParaRPr lang="en-IN"/>
+            <a:endParaRPr lang="en-US" dirty="0"/>
           </a:p>
         </p:txBody>
       </p:sp>
       <p:sp>
         <p:nvSpPr>
-          <p:cNvPr id="4" name="Date Placeholder 3">
-            <a:extLst>
-              <a:ext uri="{FF2B5EF4-FFF2-40B4-BE49-F238E27FC236}">
-                <a16:creationId xmlns:a16="http://schemas.microsoft.com/office/drawing/2014/main" id="{15DC6288-2A04-49C8-8880-D509EF3EB73F}"/>
-              </a:ext>
-            </a:extLst>
-          </p:cNvPr>
+          <p:cNvPr id="4" name="Date Placeholder 3"/>
           <p:cNvSpPr>
             <a:spLocks noGrp="1"/>
           </p:cNvSpPr>
@@ -9636,8 +10046,8 @@
         </p:nvSpPr>
         <p:spPr>
           <a:xfrm>
-            <a:off x="838200" y="6356350"/>
-            <a:ext cx="2743200" cy="365125"/>
+            <a:off x="1390650" y="6453386"/>
+            <a:ext cx="1204572" cy="404614"/>
           </a:xfrm>
           <a:prstGeom prst="rect">
             <a:avLst/>
@@ -9647,11 +10057,9 @@
           <a:bodyPr vert="horz" lIns="91440" tIns="45720" rIns="91440" bIns="45720" rtlCol="0" anchor="ctr"/>
           <a:lstStyle>
             <a:lvl1pPr algn="l">
-              <a:defRPr sz="1200">
+              <a:defRPr sz="1200" baseline="0">
                 <a:solidFill>
-                  <a:schemeClr val="tx1">
-                    <a:tint val="75000"/>
-                  </a:schemeClr>
+                  <a:schemeClr val="tx2"/>
                 </a:solidFill>
               </a:defRPr>
             </a:lvl1pPr>
@@ -9659,7 +10067,7 @@
           <a:p>
             <a:fld id="{C97A8BB4-432F-4534-BB7D-1DAA3422BDA4}" type="datetimeFigureOut">
               <a:rPr lang="en-IN" smtClean="0"/>
-              <a:t>18-02-2018</a:t>
+              <a:t>19-02-2018</a:t>
             </a:fld>
             <a:endParaRPr lang="en-IN"/>
           </a:p>
@@ -9667,13 +10075,7 @@
       </p:sp>
       <p:sp>
         <p:nvSpPr>
-          <p:cNvPr id="5" name="Footer Placeholder 4">
-            <a:extLst>
-              <a:ext uri="{FF2B5EF4-FFF2-40B4-BE49-F238E27FC236}">
-                <a16:creationId xmlns:a16="http://schemas.microsoft.com/office/drawing/2014/main" id="{3BE215E5-1B01-4527-BAD4-63A708BD4DD7}"/>
-              </a:ext>
-            </a:extLst>
-          </p:cNvPr>
+          <p:cNvPr id="5" name="Footer Placeholder 4"/>
           <p:cNvSpPr>
             <a:spLocks noGrp="1"/>
           </p:cNvSpPr>
@@ -9683,8 +10085,8 @@
         </p:nvSpPr>
         <p:spPr>
           <a:xfrm>
-            <a:off x="4038600" y="6356350"/>
-            <a:ext cx="4114800" cy="365125"/>
+            <a:off x="2893564" y="6453386"/>
+            <a:ext cx="6280830" cy="404614"/>
           </a:xfrm>
           <a:prstGeom prst="rect">
             <a:avLst/>
@@ -9693,12 +10095,10 @@
         <p:txBody>
           <a:bodyPr vert="horz" lIns="91440" tIns="45720" rIns="91440" bIns="45720" rtlCol="0" anchor="ctr"/>
           <a:lstStyle>
-            <a:lvl1pPr algn="ctr">
-              <a:defRPr sz="1200">
+            <a:lvl1pPr algn="l">
+              <a:defRPr sz="1200" baseline="0">
                 <a:solidFill>
-                  <a:schemeClr val="tx1">
-                    <a:tint val="75000"/>
-                  </a:schemeClr>
+                  <a:schemeClr val="tx2"/>
                 </a:solidFill>
               </a:defRPr>
             </a:lvl1pPr>
@@ -9710,13 +10110,7 @@
       </p:sp>
       <p:sp>
         <p:nvSpPr>
-          <p:cNvPr id="6" name="Slide Number Placeholder 5">
-            <a:extLst>
-              <a:ext uri="{FF2B5EF4-FFF2-40B4-BE49-F238E27FC236}">
-                <a16:creationId xmlns:a16="http://schemas.microsoft.com/office/drawing/2014/main" id="{D8F0CC8A-E17A-40D6-9497-7E98A43D6CEA}"/>
-              </a:ext>
-            </a:extLst>
-          </p:cNvPr>
+          <p:cNvPr id="6" name="Slide Number Placeholder 5"/>
           <p:cNvSpPr>
             <a:spLocks noGrp="1"/>
           </p:cNvSpPr>
@@ -9726,8 +10120,8 @@
         </p:nvSpPr>
         <p:spPr>
           <a:xfrm>
-            <a:off x="8610600" y="6356350"/>
-            <a:ext cx="2743200" cy="365125"/>
+            <a:off x="9472736" y="6453386"/>
+            <a:ext cx="1596292" cy="404614"/>
           </a:xfrm>
           <a:prstGeom prst="rect">
             <a:avLst/>
@@ -9737,11 +10131,9 @@
           <a:bodyPr vert="horz" lIns="91440" tIns="45720" rIns="91440" bIns="45720" rtlCol="0" anchor="ctr"/>
           <a:lstStyle>
             <a:lvl1pPr algn="r">
-              <a:defRPr sz="1200">
+              <a:defRPr sz="1200" baseline="0">
                 <a:solidFill>
-                  <a:schemeClr val="tx1">
-                    <a:tint val="75000"/>
-                  </a:schemeClr>
+                  <a:schemeClr val="tx2"/>
                 </a:solidFill>
               </a:defRPr>
             </a:lvl1pPr>
@@ -9755,40 +10147,78 @@
           </a:p>
         </p:txBody>
       </p:sp>
+      <p:sp>
+        <p:nvSpPr>
+          <p:cNvPr id="9" name="Rectangle 8" title="Side bar"/>
+          <p:cNvSpPr/>
+          <p:nvPr/>
+        </p:nvSpPr>
+        <p:spPr>
+          <a:xfrm>
+            <a:off x="478095" y="376"/>
+            <a:ext cx="228600" cy="6858000"/>
+          </a:xfrm>
+          <a:prstGeom prst="rect">
+            <a:avLst/>
+          </a:prstGeom>
+          <a:solidFill>
+            <a:schemeClr val="tx2"/>
+          </a:solidFill>
+          <a:ln>
+            <a:noFill/>
+          </a:ln>
+        </p:spPr>
+        <p:style>
+          <a:lnRef idx="2">
+            <a:schemeClr val="accent1">
+              <a:shade val="50000"/>
+            </a:schemeClr>
+          </a:lnRef>
+          <a:fillRef idx="1">
+            <a:schemeClr val="accent1"/>
+          </a:fillRef>
+          <a:effectRef idx="0">
+            <a:schemeClr val="accent1"/>
+          </a:effectRef>
+          <a:fontRef idx="minor">
+            <a:schemeClr val="lt1"/>
+          </a:fontRef>
+        </p:style>
+      </p:sp>
     </p:spTree>
     <p:extLst>
       <p:ext uri="{BB962C8B-B14F-4D97-AF65-F5344CB8AC3E}">
-        <p14:creationId xmlns:p14="http://schemas.microsoft.com/office/powerpoint/2010/main" val="1405223108"/>
+        <p14:creationId xmlns:p14="http://schemas.microsoft.com/office/powerpoint/2010/main" val="746588655"/>
       </p:ext>
     </p:extLst>
   </p:cSld>
   <p:clrMap bg1="lt1" tx1="dk1" bg2="lt2" tx2="dk2" accent1="accent1" accent2="accent2" accent3="accent3" accent4="accent4" accent5="accent5" accent6="accent6" hlink="hlink" folHlink="folHlink"/>
   <p:sldLayoutIdLst>
-    <p:sldLayoutId id="2147483649" r:id="rId1"/>
-    <p:sldLayoutId id="2147483650" r:id="rId2"/>
-    <p:sldLayoutId id="2147483651" r:id="rId3"/>
-    <p:sldLayoutId id="2147483652" r:id="rId4"/>
-    <p:sldLayoutId id="2147483653" r:id="rId5"/>
-    <p:sldLayoutId id="2147483654" r:id="rId6"/>
-    <p:sldLayoutId id="2147483655" r:id="rId7"/>
-    <p:sldLayoutId id="2147483656" r:id="rId8"/>
-    <p:sldLayoutId id="2147483657" r:id="rId9"/>
-    <p:sldLayoutId id="2147483658" r:id="rId10"/>
-    <p:sldLayoutId id="2147483659" r:id="rId11"/>
+    <p:sldLayoutId id="2147483745" r:id="rId1"/>
+    <p:sldLayoutId id="2147483746" r:id="rId2"/>
+    <p:sldLayoutId id="2147483747" r:id="rId3"/>
+    <p:sldLayoutId id="2147483748" r:id="rId4"/>
+    <p:sldLayoutId id="2147483749" r:id="rId5"/>
+    <p:sldLayoutId id="2147483750" r:id="rId6"/>
+    <p:sldLayoutId id="2147483751" r:id="rId7"/>
+    <p:sldLayoutId id="2147483752" r:id="rId8"/>
+    <p:sldLayoutId id="2147483753" r:id="rId9"/>
+    <p:sldLayoutId id="2147483754" r:id="rId10"/>
+    <p:sldLayoutId id="2147483755" r:id="rId11"/>
   </p:sldLayoutIdLst>
   <p:txStyles>
     <p:titleStyle>
       <a:lvl1pPr algn="l" defTabSz="914400" rtl="0" eaLnBrk="1" latinLnBrk="0" hangingPunct="1">
         <a:lnSpc>
-          <a:spcPct val="90000"/>
+          <a:spcPct val="89000"/>
         </a:lnSpc>
         <a:spcBef>
           <a:spcPct val="0"/>
         </a:spcBef>
         <a:buNone/>
-        <a:defRPr sz="4400" kern="1200">
+        <a:defRPr sz="4400" kern="1200" baseline="0">
           <a:solidFill>
-            <a:schemeClr val="tx1"/>
+            <a:schemeClr val="tx2"/>
           </a:solidFill>
           <a:latin typeface="+mj-lt"/>
           <a:ea typeface="+mj-ea"/>
@@ -9797,162 +10227,189 @@
       </a:lvl1pPr>
     </p:titleStyle>
     <p:bodyStyle>
-      <a:lvl1pPr marL="228600" indent="-228600" algn="l" defTabSz="914400" rtl="0" eaLnBrk="1" latinLnBrk="0" hangingPunct="1">
+      <a:lvl1pPr marL="384048" indent="-384048" algn="l" defTabSz="914400" rtl="0" eaLnBrk="1" latinLnBrk="0" hangingPunct="1">
         <a:lnSpc>
-          <a:spcPct val="90000"/>
+          <a:spcPct val="94000"/>
         </a:lnSpc>
         <a:spcBef>
           <a:spcPts val="1000"/>
         </a:spcBef>
-        <a:buFont typeface="Arial" panose="020B0604020202020204" pitchFamily="34" charset="0"/>
-        <a:buChar char="•"/>
-        <a:defRPr sz="2800" kern="1200">
+        <a:spcAft>
+          <a:spcPts val="200"/>
+        </a:spcAft>
+        <a:buFont typeface="Franklin Gothic Book" panose="020B0503020102020204" pitchFamily="34" charset="0"/>
+        <a:buChar char="■"/>
+        <a:defRPr sz="2000" kern="1200" baseline="0">
           <a:solidFill>
-            <a:schemeClr val="tx1"/>
+            <a:schemeClr val="tx2"/>
           </a:solidFill>
           <a:latin typeface="+mn-lt"/>
           <a:ea typeface="+mn-ea"/>
           <a:cs typeface="+mn-cs"/>
         </a:defRPr>
       </a:lvl1pPr>
-      <a:lvl2pPr marL="685800" indent="-228600" algn="l" defTabSz="914400" rtl="0" eaLnBrk="1" latinLnBrk="0" hangingPunct="1">
+      <a:lvl2pPr marL="914400" indent="-384048" algn="l" defTabSz="914400" rtl="0" eaLnBrk="1" latinLnBrk="0" hangingPunct="1">
         <a:lnSpc>
-          <a:spcPct val="90000"/>
+          <a:spcPct val="94000"/>
         </a:lnSpc>
         <a:spcBef>
           <a:spcPts val="500"/>
         </a:spcBef>
-        <a:buFont typeface="Arial" panose="020B0604020202020204" pitchFamily="34" charset="0"/>
-        <a:buChar char="•"/>
-        <a:defRPr sz="2400" kern="1200">
+        <a:spcAft>
+          <a:spcPts val="200"/>
+        </a:spcAft>
+        <a:buFont typeface="Franklin Gothic Book" panose="020B0503020102020204" pitchFamily="34" charset="0"/>
+        <a:buChar char="–"/>
+        <a:defRPr sz="2000" i="1" kern="1200" baseline="0">
           <a:solidFill>
-            <a:schemeClr val="tx1"/>
+            <a:schemeClr val="tx2"/>
           </a:solidFill>
           <a:latin typeface="+mn-lt"/>
           <a:ea typeface="+mn-ea"/>
           <a:cs typeface="+mn-cs"/>
         </a:defRPr>
       </a:lvl2pPr>
-      <a:lvl3pPr marL="1143000" indent="-228600" algn="l" defTabSz="914400" rtl="0" eaLnBrk="1" latinLnBrk="0" hangingPunct="1">
+      <a:lvl3pPr marL="1371600" indent="-384048" algn="l" defTabSz="914400" rtl="0" eaLnBrk="1" latinLnBrk="0" hangingPunct="1">
         <a:lnSpc>
-          <a:spcPct val="90000"/>
+          <a:spcPct val="94000"/>
         </a:lnSpc>
         <a:spcBef>
           <a:spcPts val="500"/>
         </a:spcBef>
-        <a:buFont typeface="Arial" panose="020B0604020202020204" pitchFamily="34" charset="0"/>
-        <a:buChar char="•"/>
-        <a:defRPr sz="2000" kern="1200">
+        <a:spcAft>
+          <a:spcPts val="200"/>
+        </a:spcAft>
+        <a:buFont typeface="Franklin Gothic Book" panose="020B0503020102020204" pitchFamily="34" charset="0"/>
+        <a:buChar char="■"/>
+        <a:defRPr sz="1800" kern="1200" baseline="0">
           <a:solidFill>
-            <a:schemeClr val="tx1"/>
+            <a:schemeClr val="tx2"/>
           </a:solidFill>
           <a:latin typeface="+mn-lt"/>
           <a:ea typeface="+mn-ea"/>
           <a:cs typeface="+mn-cs"/>
         </a:defRPr>
       </a:lvl3pPr>
-      <a:lvl4pPr marL="1600200" indent="-228600" algn="l" defTabSz="914400" rtl="0" eaLnBrk="1" latinLnBrk="0" hangingPunct="1">
+      <a:lvl4pPr marL="1828800" indent="-384048" algn="l" defTabSz="914400" rtl="0" eaLnBrk="1" latinLnBrk="0" hangingPunct="1">
         <a:lnSpc>
-          <a:spcPct val="90000"/>
+          <a:spcPct val="94000"/>
         </a:lnSpc>
         <a:spcBef>
           <a:spcPts val="500"/>
         </a:spcBef>
-        <a:buFont typeface="Arial" panose="020B0604020202020204" pitchFamily="34" charset="0"/>
-        <a:buChar char="•"/>
-        <a:defRPr sz="1800" kern="1200">
+        <a:spcAft>
+          <a:spcPts val="200"/>
+        </a:spcAft>
+        <a:buFont typeface="Franklin Gothic Book" panose="020B0503020102020204" pitchFamily="34" charset="0"/>
+        <a:buChar char="–"/>
+        <a:defRPr sz="1800" i="1" kern="1200" baseline="0">
           <a:solidFill>
-            <a:schemeClr val="tx1"/>
+            <a:schemeClr val="tx2"/>
           </a:solidFill>
           <a:latin typeface="+mn-lt"/>
           <a:ea typeface="+mn-ea"/>
           <a:cs typeface="+mn-cs"/>
         </a:defRPr>
       </a:lvl4pPr>
-      <a:lvl5pPr marL="2057400" indent="-228600" algn="l" defTabSz="914400" rtl="0" eaLnBrk="1" latinLnBrk="0" hangingPunct="1">
+      <a:lvl5pPr marL="2286000" indent="-384048" algn="l" defTabSz="914400" rtl="0" eaLnBrk="1" latinLnBrk="0" hangingPunct="1">
         <a:lnSpc>
-          <a:spcPct val="90000"/>
+          <a:spcPct val="94000"/>
         </a:lnSpc>
         <a:spcBef>
           <a:spcPts val="500"/>
         </a:spcBef>
-        <a:buFont typeface="Arial" panose="020B0604020202020204" pitchFamily="34" charset="0"/>
-        <a:buChar char="•"/>
-        <a:defRPr sz="1800" kern="1200">
+        <a:spcAft>
+          <a:spcPts val="200"/>
+        </a:spcAft>
+        <a:buFont typeface="Franklin Gothic Book" panose="020B0503020102020204" pitchFamily="34" charset="0"/>
+        <a:buChar char="■"/>
+        <a:defRPr sz="1600" kern="1200" baseline="0">
           <a:solidFill>
-            <a:schemeClr val="tx1"/>
+            <a:schemeClr val="tx2"/>
           </a:solidFill>
           <a:latin typeface="+mn-lt"/>
           <a:ea typeface="+mn-ea"/>
           <a:cs typeface="+mn-cs"/>
         </a:defRPr>
       </a:lvl5pPr>
-      <a:lvl6pPr marL="2514600" indent="-228600" algn="l" defTabSz="914400" rtl="0" eaLnBrk="1" latinLnBrk="0" hangingPunct="1">
+      <a:lvl6pPr marL="2743200" indent="-384048" algn="l" defTabSz="914400" rtl="0" eaLnBrk="1" latinLnBrk="0" hangingPunct="1">
         <a:lnSpc>
-          <a:spcPct val="90000"/>
+          <a:spcPct val="94000"/>
         </a:lnSpc>
         <a:spcBef>
           <a:spcPts val="500"/>
         </a:spcBef>
-        <a:buFont typeface="Arial" panose="020B0604020202020204" pitchFamily="34" charset="0"/>
-        <a:buChar char="•"/>
-        <a:defRPr sz="1800" kern="1200">
+        <a:spcAft>
+          <a:spcPts val="200"/>
+        </a:spcAft>
+        <a:buFont typeface="Franklin Gothic Book" panose="020B0503020102020204" pitchFamily="34" charset="0"/>
+        <a:buChar char="–"/>
+        <a:defRPr sz="1600" i="1" kern="1200" baseline="0">
           <a:solidFill>
-            <a:schemeClr val="tx1"/>
+            <a:schemeClr val="tx2"/>
           </a:solidFill>
           <a:latin typeface="+mn-lt"/>
           <a:ea typeface="+mn-ea"/>
           <a:cs typeface="+mn-cs"/>
         </a:defRPr>
       </a:lvl6pPr>
-      <a:lvl7pPr marL="2971800" indent="-228600" algn="l" defTabSz="914400" rtl="0" eaLnBrk="1" latinLnBrk="0" hangingPunct="1">
+      <a:lvl7pPr marL="3200400" indent="-384048" algn="l" defTabSz="914400" rtl="0" eaLnBrk="1" latinLnBrk="0" hangingPunct="1">
         <a:lnSpc>
-          <a:spcPct val="90000"/>
+          <a:spcPct val="94000"/>
         </a:lnSpc>
         <a:spcBef>
           <a:spcPts val="500"/>
         </a:spcBef>
-        <a:buFont typeface="Arial" panose="020B0604020202020204" pitchFamily="34" charset="0"/>
-        <a:buChar char="•"/>
-        <a:defRPr sz="1800" kern="1200">
+        <a:spcAft>
+          <a:spcPts val="200"/>
+        </a:spcAft>
+        <a:buFont typeface="Franklin Gothic Book" panose="020B0503020102020204" pitchFamily="34" charset="0"/>
+        <a:buChar char="■"/>
+        <a:defRPr sz="1400" kern="1200" baseline="0">
           <a:solidFill>
-            <a:schemeClr val="tx1"/>
+            <a:schemeClr val="tx2"/>
           </a:solidFill>
           <a:latin typeface="+mn-lt"/>
           <a:ea typeface="+mn-ea"/>
           <a:cs typeface="+mn-cs"/>
         </a:defRPr>
       </a:lvl7pPr>
-      <a:lvl8pPr marL="3429000" indent="-228600" algn="l" defTabSz="914400" rtl="0" eaLnBrk="1" latinLnBrk="0" hangingPunct="1">
+      <a:lvl8pPr marL="3657600" indent="-384048" algn="l" defTabSz="914400" rtl="0" eaLnBrk="1" latinLnBrk="0" hangingPunct="1">
         <a:lnSpc>
-          <a:spcPct val="90000"/>
+          <a:spcPct val="94000"/>
         </a:lnSpc>
         <a:spcBef>
           <a:spcPts val="500"/>
         </a:spcBef>
-        <a:buFont typeface="Arial" panose="020B0604020202020204" pitchFamily="34" charset="0"/>
-        <a:buChar char="•"/>
-        <a:defRPr sz="1800" kern="1200">
+        <a:spcAft>
+          <a:spcPts val="200"/>
+        </a:spcAft>
+        <a:buFont typeface="Franklin Gothic Book" panose="020B0503020102020204" pitchFamily="34" charset="0"/>
+        <a:buChar char="–"/>
+        <a:defRPr sz="1400" i="1" kern="1200" baseline="0">
           <a:solidFill>
-            <a:schemeClr val="tx1"/>
+            <a:schemeClr val="tx2"/>
           </a:solidFill>
           <a:latin typeface="+mn-lt"/>
           <a:ea typeface="+mn-ea"/>
           <a:cs typeface="+mn-cs"/>
         </a:defRPr>
       </a:lvl8pPr>
-      <a:lvl9pPr marL="3886200" indent="-228600" algn="l" defTabSz="914400" rtl="0" eaLnBrk="1" latinLnBrk="0" hangingPunct="1">
+      <a:lvl9pPr marL="4114800" indent="-384048" algn="l" defTabSz="914400" rtl="0" eaLnBrk="1" latinLnBrk="0" hangingPunct="1">
         <a:lnSpc>
-          <a:spcPct val="90000"/>
+          <a:spcPct val="94000"/>
         </a:lnSpc>
         <a:spcBef>
           <a:spcPts val="500"/>
         </a:spcBef>
-        <a:buFont typeface="Arial" panose="020B0604020202020204" pitchFamily="34" charset="0"/>
-        <a:buChar char="•"/>
-        <a:defRPr sz="1800" kern="1200">
+        <a:spcAft>
+          <a:spcPts val="200"/>
+        </a:spcAft>
+        <a:buFont typeface="Franklin Gothic Book" panose="020B0503020102020204" pitchFamily="34" charset="0"/>
+        <a:buChar char="■"/>
+        <a:defRPr sz="1400" kern="1200" baseline="0">
           <a:solidFill>
-            <a:schemeClr val="tx1"/>
+            <a:schemeClr val="tx2"/>
           </a:solidFill>
           <a:latin typeface="+mn-lt"/>
           <a:ea typeface="+mn-ea"/>
@@ -10056,6 +10513,52 @@
       </a:lvl9pPr>
     </p:otherStyle>
   </p:txStyles>
+  <p:extLst mod="1">
+    <p:ext uri="{27BBF7A9-308A-43DC-89C8-2F10F3537804}">
+      <p15:sldGuideLst xmlns:p15="http://schemas.microsoft.com/office/powerpoint/2012/main">
+        <p15:guide id="3" orient="horz" pos="1368">
+          <p15:clr>
+            <a:srgbClr val="F26B43"/>
+          </p15:clr>
+        </p15:guide>
+        <p15:guide id="4" orient="horz" pos="1440">
+          <p15:clr>
+            <a:srgbClr val="F26B43"/>
+          </p15:clr>
+        </p15:guide>
+        <p15:guide id="6" orient="horz" pos="3696">
+          <p15:clr>
+            <a:srgbClr val="F26B43"/>
+          </p15:clr>
+        </p15:guide>
+        <p15:guide id="7" orient="horz" pos="432">
+          <p15:clr>
+            <a:srgbClr val="F26B43"/>
+          </p15:clr>
+        </p15:guide>
+        <p15:guide id="8" orient="horz" pos="1512">
+          <p15:clr>
+            <a:srgbClr val="F26B43"/>
+          </p15:clr>
+        </p15:guide>
+        <p15:guide id="9" pos="6912">
+          <p15:clr>
+            <a:srgbClr val="F26B43"/>
+          </p15:clr>
+        </p15:guide>
+        <p15:guide id="10" pos="936">
+          <p15:clr>
+            <a:srgbClr val="F26B43"/>
+          </p15:clr>
+        </p15:guide>
+        <p15:guide id="11" pos="864">
+          <p15:clr>
+            <a:srgbClr val="F26B43"/>
+          </p15:clr>
+        </p15:guide>
+      </p15:sldGuideLst>
+    </p:ext>
+  </p:extLst>
 </p:sldMaster>
 </file>
 
@@ -10117,7 +10620,308 @@
 </p:sld>
 </file>
 
-<file path=ppt/slides/slide2.xml><?xml version="1.0" encoding="utf-8"?>
+<file path=ppt/slides/slide10.xml><?xml version="1.0" encoding="utf-8"?>
+<p:sld xmlns:a="http://schemas.openxmlformats.org/drawingml/2006/main" xmlns:r="http://schemas.openxmlformats.org/officeDocument/2006/relationships" xmlns:p="http://schemas.openxmlformats.org/presentationml/2006/main">
+  <p:cSld>
+    <p:spTree>
+      <p:nvGrpSpPr>
+        <p:cNvPr id="1" name=""/>
+        <p:cNvGrpSpPr/>
+        <p:nvPr/>
+      </p:nvGrpSpPr>
+      <p:grpSpPr>
+        <a:xfrm>
+          <a:off x="0" y="0"/>
+          <a:ext cx="0" cy="0"/>
+          <a:chOff x="0" y="0"/>
+          <a:chExt cx="0" cy="0"/>
+        </a:xfrm>
+      </p:grpSpPr>
+      <p:sp>
+        <p:nvSpPr>
+          <p:cNvPr id="2" name="Shape 93">
+            <a:extLst>
+              <a:ext uri="{FF2B5EF4-FFF2-40B4-BE49-F238E27FC236}">
+                <a16:creationId xmlns:a16="http://schemas.microsoft.com/office/drawing/2014/main" id="{00A78309-519A-4FCA-AD44-C0F439FA2AB4}"/>
+              </a:ext>
+            </a:extLst>
+          </p:cNvPr>
+          <p:cNvSpPr txBox="1">
+            <a:spLocks noGrp="1"/>
+          </p:cNvSpPr>
+          <p:nvPr>
+            <p:ph type="title"/>
+          </p:nvPr>
+        </p:nvSpPr>
+        <p:spPr>
+          <a:xfrm>
+            <a:off x="2352300" y="1383600"/>
+            <a:ext cx="8411295" cy="4090800"/>
+          </a:xfrm>
+          <a:prstGeom prst="rect">
+            <a:avLst/>
+          </a:prstGeom>
+        </p:spPr>
+        <p:txBody>
+          <a:bodyPr spcFirstLastPara="1" wrap="square" lIns="91425" tIns="91425" rIns="91425" bIns="91425" anchor="ctr" anchorCtr="0">
+            <a:noAutofit/>
+          </a:bodyPr>
+          <a:lstStyle/>
+          <a:p>
+            <a:pPr marL="0" lvl="0" indent="0">
+              <a:spcBef>
+                <a:spcPts val="0"/>
+              </a:spcBef>
+              <a:spcAft>
+                <a:spcPts val="0"/>
+              </a:spcAft>
+              <a:buNone/>
+            </a:pPr>
+            <a:r>
+              <a:rPr lang="en-IN" dirty="0">
+                <a:latin typeface="+mn-lt"/>
+              </a:rPr>
+              <a:t>Let Everyone in the Network Verify</a:t>
+            </a:r>
+            <a:endParaRPr dirty="0">
+              <a:latin typeface="+mn-lt"/>
+            </a:endParaRPr>
+          </a:p>
+        </p:txBody>
+      </p:sp>
+    </p:spTree>
+    <p:extLst>
+      <p:ext uri="{BB962C8B-B14F-4D97-AF65-F5344CB8AC3E}">
+        <p14:creationId xmlns:p14="http://schemas.microsoft.com/office/powerpoint/2010/main" val="2935377892"/>
+      </p:ext>
+    </p:extLst>
+  </p:cSld>
+  <p:clrMapOvr>
+    <a:masterClrMapping/>
+  </p:clrMapOvr>
+</p:sld>
+</file>
+
+<file path=ppt/slides/slide11.xml><?xml version="1.0" encoding="utf-8"?>
+<p:sld xmlns:a="http://schemas.openxmlformats.org/drawingml/2006/main" xmlns:r="http://schemas.openxmlformats.org/officeDocument/2006/relationships" xmlns:p="http://schemas.openxmlformats.org/presentationml/2006/main">
+  <p:cSld>
+    <p:spTree>
+      <p:nvGrpSpPr>
+        <p:cNvPr id="1" name=""/>
+        <p:cNvGrpSpPr/>
+        <p:nvPr/>
+      </p:nvGrpSpPr>
+      <p:grpSpPr>
+        <a:xfrm>
+          <a:off x="0" y="0"/>
+          <a:ext cx="0" cy="0"/>
+          <a:chOff x="0" y="0"/>
+          <a:chExt cx="0" cy="0"/>
+        </a:xfrm>
+      </p:grpSpPr>
+      <p:sp>
+        <p:nvSpPr>
+          <p:cNvPr id="2" name="TextBox 1">
+            <a:extLst>
+              <a:ext uri="{FF2B5EF4-FFF2-40B4-BE49-F238E27FC236}">
+                <a16:creationId xmlns:a16="http://schemas.microsoft.com/office/drawing/2014/main" id="{76B1FAFA-6D38-44A9-8AA6-13F2B340EE07}"/>
+              </a:ext>
+            </a:extLst>
+          </p:cNvPr>
+          <p:cNvSpPr txBox="1"/>
+          <p:nvPr/>
+        </p:nvSpPr>
+        <p:spPr>
+          <a:xfrm>
+            <a:off x="3866110" y="1847741"/>
+            <a:ext cx="3664527" cy="338554"/>
+          </a:xfrm>
+          <a:prstGeom prst="rect">
+            <a:avLst/>
+          </a:prstGeom>
+          <a:noFill/>
+        </p:spPr>
+        <p:txBody>
+          <a:bodyPr wrap="square" rtlCol="0">
+            <a:spAutoFit/>
+          </a:bodyPr>
+          <a:lstStyle/>
+          <a:p>
+            <a:pPr marL="114300" lvl="0">
+              <a:buSzPts val="1800"/>
+            </a:pPr>
+            <a:r>
+              <a:rPr lang="en-US" sz="1600" dirty="0"/>
+              <a:t>Everyone Cannot be Fooled</a:t>
+            </a:r>
+          </a:p>
+        </p:txBody>
+      </p:sp>
+      <p:sp>
+        <p:nvSpPr>
+          <p:cNvPr id="3" name="TextBox 2">
+            <a:extLst>
+              <a:ext uri="{FF2B5EF4-FFF2-40B4-BE49-F238E27FC236}">
+                <a16:creationId xmlns:a16="http://schemas.microsoft.com/office/drawing/2014/main" id="{A15059C9-3ED4-4B91-848E-1115D2BABCF3}"/>
+              </a:ext>
+            </a:extLst>
+          </p:cNvPr>
+          <p:cNvSpPr txBox="1"/>
+          <p:nvPr/>
+        </p:nvSpPr>
+        <p:spPr>
+          <a:xfrm>
+            <a:off x="3983874" y="2905780"/>
+            <a:ext cx="2985654" cy="523220"/>
+          </a:xfrm>
+          <a:prstGeom prst="rect">
+            <a:avLst/>
+          </a:prstGeom>
+          <a:noFill/>
+        </p:spPr>
+        <p:txBody>
+          <a:bodyPr wrap="square" rtlCol="0">
+            <a:spAutoFit/>
+          </a:bodyPr>
+          <a:lstStyle/>
+          <a:p>
+            <a:r>
+              <a:rPr lang="en-IN" sz="2800" dirty="0"/>
+              <a:t>Seems Robust?</a:t>
+            </a:r>
+          </a:p>
+        </p:txBody>
+      </p:sp>
+    </p:spTree>
+    <p:extLst>
+      <p:ext uri="{BB962C8B-B14F-4D97-AF65-F5344CB8AC3E}">
+        <p14:creationId xmlns:p14="http://schemas.microsoft.com/office/powerpoint/2010/main" val="2035300014"/>
+      </p:ext>
+    </p:extLst>
+  </p:cSld>
+  <p:clrMapOvr>
+    <a:masterClrMapping/>
+  </p:clrMapOvr>
+  <p:timing>
+    <p:tnLst>
+      <p:par>
+        <p:cTn id="1" dur="indefinite" restart="never" nodeType="tmRoot">
+          <p:childTnLst>
+            <p:seq concurrent="1" nextAc="seek">
+              <p:cTn id="2" dur="indefinite" nodeType="mainSeq">
+                <p:childTnLst>
+                  <p:par>
+                    <p:cTn id="3" fill="hold">
+                      <p:stCondLst>
+                        <p:cond delay="indefinite"/>
+                      </p:stCondLst>
+                      <p:childTnLst>
+                        <p:par>
+                          <p:cTn id="4" fill="hold">
+                            <p:stCondLst>
+                              <p:cond delay="0"/>
+                            </p:stCondLst>
+                            <p:childTnLst>
+                              <p:par>
+                                <p:cTn id="5" presetID="10" presetClass="entr" presetSubtype="0" fill="hold" grpId="0" nodeType="clickEffect">
+                                  <p:stCondLst>
+                                    <p:cond delay="0"/>
+                                  </p:stCondLst>
+                                  <p:childTnLst>
+                                    <p:set>
+                                      <p:cBhvr>
+                                        <p:cTn id="6" dur="1" fill="hold">
+                                          <p:stCondLst>
+                                            <p:cond delay="0"/>
+                                          </p:stCondLst>
+                                        </p:cTn>
+                                        <p:tgtEl>
+                                          <p:spTgt spid="2"/>
+                                        </p:tgtEl>
+                                        <p:attrNameLst>
+                                          <p:attrName>style.visibility</p:attrName>
+                                        </p:attrNameLst>
+                                      </p:cBhvr>
+                                      <p:to>
+                                        <p:strVal val="visible"/>
+                                      </p:to>
+                                    </p:set>
+                                    <p:animEffect transition="in" filter="fade">
+                                      <p:cBhvr>
+                                        <p:cTn id="7" dur="250"/>
+                                        <p:tgtEl>
+                                          <p:spTgt spid="2"/>
+                                        </p:tgtEl>
+                                      </p:cBhvr>
+                                    </p:animEffect>
+                                  </p:childTnLst>
+                                </p:cTn>
+                              </p:par>
+                            </p:childTnLst>
+                          </p:cTn>
+                        </p:par>
+                      </p:childTnLst>
+                    </p:cTn>
+                  </p:par>
+                </p:childTnLst>
+              </p:cTn>
+              <p:prevCondLst>
+                <p:cond evt="onPrev" delay="0">
+                  <p:tgtEl>
+                    <p:sldTgt/>
+                  </p:tgtEl>
+                </p:cond>
+              </p:prevCondLst>
+              <p:nextCondLst>
+                <p:cond evt="onNext" delay="0">
+                  <p:tgtEl>
+                    <p:sldTgt/>
+                  </p:tgtEl>
+                </p:cond>
+              </p:nextCondLst>
+            </p:seq>
+          </p:childTnLst>
+        </p:cTn>
+      </p:par>
+    </p:tnLst>
+    <p:bldLst>
+      <p:bldP spid="2" grpId="0"/>
+    </p:bldLst>
+  </p:timing>
+</p:sld>
+</file>
+
+<file path=ppt/slides/slide12.xml><?xml version="1.0" encoding="utf-8"?>
+<p:sld xmlns:a="http://schemas.openxmlformats.org/drawingml/2006/main" xmlns:r="http://schemas.openxmlformats.org/officeDocument/2006/relationships" xmlns:p="http://schemas.openxmlformats.org/presentationml/2006/main">
+  <p:cSld>
+    <p:spTree>
+      <p:nvGrpSpPr>
+        <p:cNvPr id="1" name=""/>
+        <p:cNvGrpSpPr/>
+        <p:nvPr/>
+      </p:nvGrpSpPr>
+      <p:grpSpPr>
+        <a:xfrm>
+          <a:off x="0" y="0"/>
+          <a:ext cx="0" cy="0"/>
+          <a:chOff x="0" y="0"/>
+          <a:chExt cx="0" cy="0"/>
+        </a:xfrm>
+      </p:grpSpPr>
+    </p:spTree>
+    <p:extLst>
+      <p:ext uri="{BB962C8B-B14F-4D97-AF65-F5344CB8AC3E}">
+        <p14:creationId xmlns:p14="http://schemas.microsoft.com/office/powerpoint/2010/main" val="2225089826"/>
+      </p:ext>
+    </p:extLst>
+  </p:cSld>
+  <p:clrMapOvr>
+    <a:masterClrMapping/>
+  </p:clrMapOvr>
+</p:sld>
+</file>
+
+<file path=ppt/slides/slide13.xml><?xml version="1.0" encoding="utf-8"?>
 <p:sld xmlns:a="http://schemas.openxmlformats.org/drawingml/2006/main" xmlns:r="http://schemas.openxmlformats.org/officeDocument/2006/relationships" xmlns:p="http://schemas.openxmlformats.org/presentationml/2006/main">
   <p:cSld>
     <p:spTree>
@@ -11819,7 +12623,7 @@
 </p:sld>
 </file>
 
-<file path=ppt/slides/slide3.xml><?xml version="1.0" encoding="utf-8"?>
+<file path=ppt/slides/slide14.xml><?xml version="1.0" encoding="utf-8"?>
 <p:sld xmlns:a="http://schemas.openxmlformats.org/drawingml/2006/main" xmlns:r="http://schemas.openxmlformats.org/officeDocument/2006/relationships" xmlns:p="http://schemas.openxmlformats.org/presentationml/2006/main">
   <p:cSld>
     <p:spTree>
@@ -11877,7 +12681,7 @@
 </p:sld>
 </file>
 
-<file path=ppt/slides/slide4.xml><?xml version="1.0" encoding="utf-8"?>
+<file path=ppt/slides/slide15.xml><?xml version="1.0" encoding="utf-8"?>
 <p:sld xmlns:a="http://schemas.openxmlformats.org/drawingml/2006/main" xmlns:r="http://schemas.openxmlformats.org/officeDocument/2006/relationships" xmlns:p="http://schemas.openxmlformats.org/presentationml/2006/main">
   <p:cSld>
     <p:spTree>
@@ -13293,10 +14097,3711 @@
 </p:sld>
 </file>
 
+<file path=ppt/slides/slide2.xml><?xml version="1.0" encoding="utf-8"?>
+<p:sld xmlns:a="http://schemas.openxmlformats.org/drawingml/2006/main" xmlns:r="http://schemas.openxmlformats.org/officeDocument/2006/relationships" xmlns:p="http://schemas.openxmlformats.org/presentationml/2006/main">
+  <p:cSld>
+    <p:spTree>
+      <p:nvGrpSpPr>
+        <p:cNvPr id="1" name=""/>
+        <p:cNvGrpSpPr/>
+        <p:nvPr/>
+      </p:nvGrpSpPr>
+      <p:grpSpPr>
+        <a:xfrm>
+          <a:off x="0" y="0"/>
+          <a:ext cx="0" cy="0"/>
+          <a:chOff x="0" y="0"/>
+          <a:chExt cx="0" cy="0"/>
+        </a:xfrm>
+      </p:grpSpPr>
+      <p:sp>
+        <p:nvSpPr>
+          <p:cNvPr id="4" name="Shape 56">
+            <a:extLst>
+              <a:ext uri="{FF2B5EF4-FFF2-40B4-BE49-F238E27FC236}">
+                <a16:creationId xmlns:a16="http://schemas.microsoft.com/office/drawing/2014/main" id="{77072218-8B41-4E72-B358-B6DBFD210EE9}"/>
+              </a:ext>
+            </a:extLst>
+          </p:cNvPr>
+          <p:cNvSpPr txBox="1">
+            <a:spLocks/>
+          </p:cNvSpPr>
+          <p:nvPr/>
+        </p:nvSpPr>
+        <p:spPr>
+          <a:xfrm>
+            <a:off x="1670237" y="1471200"/>
+            <a:ext cx="8520600" cy="1957800"/>
+          </a:xfrm>
+          <a:prstGeom prst="rect">
+            <a:avLst/>
+          </a:prstGeom>
+        </p:spPr>
+        <p:txBody>
+          <a:bodyPr spcFirstLastPara="1" vert="horz" wrap="square" lIns="91425" tIns="91425" rIns="91425" bIns="91425" rtlCol="0" anchor="b" anchorCtr="0">
+            <a:noAutofit/>
+          </a:bodyPr>
+          <a:lstStyle>
+            <a:lvl1pPr algn="l" defTabSz="914400" rtl="0" eaLnBrk="1" latinLnBrk="0" hangingPunct="1">
+              <a:lnSpc>
+                <a:spcPct val="89000"/>
+              </a:lnSpc>
+              <a:spcBef>
+                <a:spcPct val="0"/>
+              </a:spcBef>
+              <a:buNone/>
+              <a:defRPr sz="4400" kern="1200" baseline="0">
+                <a:solidFill>
+                  <a:schemeClr val="tx2"/>
+                </a:solidFill>
+                <a:latin typeface="+mj-lt"/>
+                <a:ea typeface="+mj-ea"/>
+                <a:cs typeface="+mj-cs"/>
+              </a:defRPr>
+            </a:lvl1pPr>
+          </a:lstStyle>
+          <a:p>
+            <a:pPr>
+              <a:spcBef>
+                <a:spcPts val="0"/>
+              </a:spcBef>
+            </a:pPr>
+            <a:r>
+              <a:rPr lang="en-US">
+                <a:latin typeface="OCR A Extended" panose="02010509020102010303" pitchFamily="50" charset="0"/>
+              </a:rPr>
+              <a:t>The Bitcoin Network and Protocol</a:t>
+            </a:r>
+            <a:endParaRPr lang="en-US" dirty="0">
+              <a:latin typeface="OCR A Extended" panose="02010509020102010303" pitchFamily="50" charset="0"/>
+            </a:endParaRPr>
+          </a:p>
+        </p:txBody>
+      </p:sp>
+      <p:sp>
+        <p:nvSpPr>
+          <p:cNvPr id="5" name="Shape 57">
+            <a:extLst>
+              <a:ext uri="{FF2B5EF4-FFF2-40B4-BE49-F238E27FC236}">
+                <a16:creationId xmlns:a16="http://schemas.microsoft.com/office/drawing/2014/main" id="{0701574F-A6A6-4002-ACF2-3CD590AE15C0}"/>
+              </a:ext>
+            </a:extLst>
+          </p:cNvPr>
+          <p:cNvSpPr txBox="1">
+            <a:spLocks/>
+          </p:cNvSpPr>
+          <p:nvPr/>
+        </p:nvSpPr>
+        <p:spPr>
+          <a:xfrm>
+            <a:off x="1670237" y="4041048"/>
+            <a:ext cx="8520600" cy="733500"/>
+          </a:xfrm>
+          <a:prstGeom prst="rect">
+            <a:avLst/>
+          </a:prstGeom>
+        </p:spPr>
+        <p:txBody>
+          <a:bodyPr spcFirstLastPara="1" vert="horz" wrap="square" lIns="91425" tIns="91425" rIns="91425" bIns="91425" rtlCol="0" anchor="t" anchorCtr="0">
+            <a:noAutofit/>
+          </a:bodyPr>
+          <a:lstStyle>
+            <a:lvl1pPr marL="384048" indent="-384048" algn="l" defTabSz="914400" rtl="0" eaLnBrk="1" latinLnBrk="0" hangingPunct="1">
+              <a:lnSpc>
+                <a:spcPct val="94000"/>
+              </a:lnSpc>
+              <a:spcBef>
+                <a:spcPts val="1000"/>
+              </a:spcBef>
+              <a:spcAft>
+                <a:spcPts val="200"/>
+              </a:spcAft>
+              <a:buFont typeface="Franklin Gothic Book" panose="020B0503020102020204" pitchFamily="34" charset="0"/>
+              <a:buChar char="■"/>
+              <a:defRPr sz="2000" kern="1200" baseline="0">
+                <a:solidFill>
+                  <a:schemeClr val="tx2"/>
+                </a:solidFill>
+                <a:latin typeface="+mn-lt"/>
+                <a:ea typeface="+mn-ea"/>
+                <a:cs typeface="+mn-cs"/>
+              </a:defRPr>
+            </a:lvl1pPr>
+            <a:lvl2pPr marL="914400" indent="-384048" algn="l" defTabSz="914400" rtl="0" eaLnBrk="1" latinLnBrk="0" hangingPunct="1">
+              <a:lnSpc>
+                <a:spcPct val="94000"/>
+              </a:lnSpc>
+              <a:spcBef>
+                <a:spcPts val="500"/>
+              </a:spcBef>
+              <a:spcAft>
+                <a:spcPts val="200"/>
+              </a:spcAft>
+              <a:buFont typeface="Franklin Gothic Book" panose="020B0503020102020204" pitchFamily="34" charset="0"/>
+              <a:buChar char="–"/>
+              <a:defRPr sz="2000" i="1" kern="1200" baseline="0">
+                <a:solidFill>
+                  <a:schemeClr val="tx2"/>
+                </a:solidFill>
+                <a:latin typeface="+mn-lt"/>
+                <a:ea typeface="+mn-ea"/>
+                <a:cs typeface="+mn-cs"/>
+              </a:defRPr>
+            </a:lvl2pPr>
+            <a:lvl3pPr marL="1371600" indent="-384048" algn="l" defTabSz="914400" rtl="0" eaLnBrk="1" latinLnBrk="0" hangingPunct="1">
+              <a:lnSpc>
+                <a:spcPct val="94000"/>
+              </a:lnSpc>
+              <a:spcBef>
+                <a:spcPts val="500"/>
+              </a:spcBef>
+              <a:spcAft>
+                <a:spcPts val="200"/>
+              </a:spcAft>
+              <a:buFont typeface="Franklin Gothic Book" panose="020B0503020102020204" pitchFamily="34" charset="0"/>
+              <a:buChar char="■"/>
+              <a:defRPr sz="1800" kern="1200" baseline="0">
+                <a:solidFill>
+                  <a:schemeClr val="tx2"/>
+                </a:solidFill>
+                <a:latin typeface="+mn-lt"/>
+                <a:ea typeface="+mn-ea"/>
+                <a:cs typeface="+mn-cs"/>
+              </a:defRPr>
+            </a:lvl3pPr>
+            <a:lvl4pPr marL="1828800" indent="-384048" algn="l" defTabSz="914400" rtl="0" eaLnBrk="1" latinLnBrk="0" hangingPunct="1">
+              <a:lnSpc>
+                <a:spcPct val="94000"/>
+              </a:lnSpc>
+              <a:spcBef>
+                <a:spcPts val="500"/>
+              </a:spcBef>
+              <a:spcAft>
+                <a:spcPts val="200"/>
+              </a:spcAft>
+              <a:buFont typeface="Franklin Gothic Book" panose="020B0503020102020204" pitchFamily="34" charset="0"/>
+              <a:buChar char="–"/>
+              <a:defRPr sz="1800" i="1" kern="1200" baseline="0">
+                <a:solidFill>
+                  <a:schemeClr val="tx2"/>
+                </a:solidFill>
+                <a:latin typeface="+mn-lt"/>
+                <a:ea typeface="+mn-ea"/>
+                <a:cs typeface="+mn-cs"/>
+              </a:defRPr>
+            </a:lvl4pPr>
+            <a:lvl5pPr marL="2286000" indent="-384048" algn="l" defTabSz="914400" rtl="0" eaLnBrk="1" latinLnBrk="0" hangingPunct="1">
+              <a:lnSpc>
+                <a:spcPct val="94000"/>
+              </a:lnSpc>
+              <a:spcBef>
+                <a:spcPts val="500"/>
+              </a:spcBef>
+              <a:spcAft>
+                <a:spcPts val="200"/>
+              </a:spcAft>
+              <a:buFont typeface="Franklin Gothic Book" panose="020B0503020102020204" pitchFamily="34" charset="0"/>
+              <a:buChar char="■"/>
+              <a:defRPr sz="1600" kern="1200" baseline="0">
+                <a:solidFill>
+                  <a:schemeClr val="tx2"/>
+                </a:solidFill>
+                <a:latin typeface="+mn-lt"/>
+                <a:ea typeface="+mn-ea"/>
+                <a:cs typeface="+mn-cs"/>
+              </a:defRPr>
+            </a:lvl5pPr>
+            <a:lvl6pPr marL="2743200" indent="-384048" algn="l" defTabSz="914400" rtl="0" eaLnBrk="1" latinLnBrk="0" hangingPunct="1">
+              <a:lnSpc>
+                <a:spcPct val="94000"/>
+              </a:lnSpc>
+              <a:spcBef>
+                <a:spcPts val="500"/>
+              </a:spcBef>
+              <a:spcAft>
+                <a:spcPts val="200"/>
+              </a:spcAft>
+              <a:buFont typeface="Franklin Gothic Book" panose="020B0503020102020204" pitchFamily="34" charset="0"/>
+              <a:buChar char="–"/>
+              <a:defRPr sz="1600" i="1" kern="1200" baseline="0">
+                <a:solidFill>
+                  <a:schemeClr val="tx2"/>
+                </a:solidFill>
+                <a:latin typeface="+mn-lt"/>
+                <a:ea typeface="+mn-ea"/>
+                <a:cs typeface="+mn-cs"/>
+              </a:defRPr>
+            </a:lvl6pPr>
+            <a:lvl7pPr marL="3200400" indent="-384048" algn="l" defTabSz="914400" rtl="0" eaLnBrk="1" latinLnBrk="0" hangingPunct="1">
+              <a:lnSpc>
+                <a:spcPct val="94000"/>
+              </a:lnSpc>
+              <a:spcBef>
+                <a:spcPts val="500"/>
+              </a:spcBef>
+              <a:spcAft>
+                <a:spcPts val="200"/>
+              </a:spcAft>
+              <a:buFont typeface="Franklin Gothic Book" panose="020B0503020102020204" pitchFamily="34" charset="0"/>
+              <a:buChar char="■"/>
+              <a:defRPr sz="1400" kern="1200" baseline="0">
+                <a:solidFill>
+                  <a:schemeClr val="tx2"/>
+                </a:solidFill>
+                <a:latin typeface="+mn-lt"/>
+                <a:ea typeface="+mn-ea"/>
+                <a:cs typeface="+mn-cs"/>
+              </a:defRPr>
+            </a:lvl7pPr>
+            <a:lvl8pPr marL="3657600" indent="-384048" algn="l" defTabSz="914400" rtl="0" eaLnBrk="1" latinLnBrk="0" hangingPunct="1">
+              <a:lnSpc>
+                <a:spcPct val="94000"/>
+              </a:lnSpc>
+              <a:spcBef>
+                <a:spcPts val="500"/>
+              </a:spcBef>
+              <a:spcAft>
+                <a:spcPts val="200"/>
+              </a:spcAft>
+              <a:buFont typeface="Franklin Gothic Book" panose="020B0503020102020204" pitchFamily="34" charset="0"/>
+              <a:buChar char="–"/>
+              <a:defRPr sz="1400" i="1" kern="1200" baseline="0">
+                <a:solidFill>
+                  <a:schemeClr val="tx2"/>
+                </a:solidFill>
+                <a:latin typeface="+mn-lt"/>
+                <a:ea typeface="+mn-ea"/>
+                <a:cs typeface="+mn-cs"/>
+              </a:defRPr>
+            </a:lvl8pPr>
+            <a:lvl9pPr marL="4114800" indent="-384048" algn="l" defTabSz="914400" rtl="0" eaLnBrk="1" latinLnBrk="0" hangingPunct="1">
+              <a:lnSpc>
+                <a:spcPct val="94000"/>
+              </a:lnSpc>
+              <a:spcBef>
+                <a:spcPts val="500"/>
+              </a:spcBef>
+              <a:spcAft>
+                <a:spcPts val="200"/>
+              </a:spcAft>
+              <a:buFont typeface="Franklin Gothic Book" panose="020B0503020102020204" pitchFamily="34" charset="0"/>
+              <a:buChar char="■"/>
+              <a:defRPr sz="1400" kern="1200" baseline="0">
+                <a:solidFill>
+                  <a:schemeClr val="tx2"/>
+                </a:solidFill>
+                <a:latin typeface="+mn-lt"/>
+                <a:ea typeface="+mn-ea"/>
+                <a:cs typeface="+mn-cs"/>
+              </a:defRPr>
+            </a:lvl9pPr>
+          </a:lstStyle>
+          <a:p>
+            <a:pPr marL="0" indent="0">
+              <a:spcBef>
+                <a:spcPts val="0"/>
+              </a:spcBef>
+              <a:spcAft>
+                <a:spcPts val="0"/>
+              </a:spcAft>
+              <a:buFont typeface="Franklin Gothic Book" panose="020B0503020102020204" pitchFamily="34" charset="0"/>
+              <a:buNone/>
+            </a:pPr>
+            <a:r>
+              <a:rPr lang="en-IN"/>
+              <a:t>By Sawan Singh Mahara</a:t>
+            </a:r>
+            <a:endParaRPr lang="en-IN" dirty="0"/>
+          </a:p>
+        </p:txBody>
+      </p:sp>
+    </p:spTree>
+    <p:extLst>
+      <p:ext uri="{BB962C8B-B14F-4D97-AF65-F5344CB8AC3E}">
+        <p14:creationId xmlns:p14="http://schemas.microsoft.com/office/powerpoint/2010/main" val="378538916"/>
+      </p:ext>
+    </p:extLst>
+  </p:cSld>
+  <p:clrMapOvr>
+    <a:masterClrMapping/>
+  </p:clrMapOvr>
+</p:sld>
+</file>
+
+<file path=ppt/slides/slide3.xml><?xml version="1.0" encoding="utf-8"?>
+<p:sld xmlns:a="http://schemas.openxmlformats.org/drawingml/2006/main" xmlns:r="http://schemas.openxmlformats.org/officeDocument/2006/relationships" xmlns:p="http://schemas.openxmlformats.org/presentationml/2006/main">
+  <p:cSld>
+    <p:spTree>
+      <p:nvGrpSpPr>
+        <p:cNvPr id="1" name=""/>
+        <p:cNvGrpSpPr/>
+        <p:nvPr/>
+      </p:nvGrpSpPr>
+      <p:grpSpPr>
+        <a:xfrm>
+          <a:off x="0" y="0"/>
+          <a:ext cx="0" cy="0"/>
+          <a:chOff x="0" y="0"/>
+          <a:chExt cx="0" cy="0"/>
+        </a:xfrm>
+      </p:grpSpPr>
+      <p:sp>
+        <p:nvSpPr>
+          <p:cNvPr id="4" name="Shape 62">
+            <a:extLst>
+              <a:ext uri="{FF2B5EF4-FFF2-40B4-BE49-F238E27FC236}">
+                <a16:creationId xmlns:a16="http://schemas.microsoft.com/office/drawing/2014/main" id="{411F9CE7-4C86-4363-A69C-FDCFA54DEB1B}"/>
+              </a:ext>
+            </a:extLst>
+          </p:cNvPr>
+          <p:cNvSpPr txBox="1">
+            <a:spLocks noGrp="1"/>
+          </p:cNvSpPr>
+          <p:nvPr>
+            <p:ph type="title"/>
+          </p:nvPr>
+        </p:nvSpPr>
+        <p:spPr>
+          <a:xfrm>
+            <a:off x="1359104" y="4109845"/>
+            <a:ext cx="8114400" cy="2445900"/>
+          </a:xfrm>
+          <a:prstGeom prst="rect">
+            <a:avLst/>
+          </a:prstGeom>
+        </p:spPr>
+        <p:txBody>
+          <a:bodyPr spcFirstLastPara="1" wrap="square" lIns="91425" tIns="91425" rIns="91425" bIns="91425" anchor="ctr" anchorCtr="0">
+            <a:noAutofit/>
+          </a:bodyPr>
+          <a:lstStyle/>
+          <a:p>
+            <a:pPr marL="0" lvl="0" indent="0">
+              <a:spcBef>
+                <a:spcPts val="0"/>
+              </a:spcBef>
+              <a:spcAft>
+                <a:spcPts val="0"/>
+              </a:spcAft>
+              <a:buNone/>
+            </a:pPr>
+            <a:r>
+              <a:rPr lang="en-IN" dirty="0">
+                <a:latin typeface="OCR A Extended" panose="02010509020102010303" pitchFamily="50" charset="0"/>
+              </a:rPr>
+              <a:t>Brief Overview</a:t>
+            </a:r>
+            <a:endParaRPr dirty="0">
+              <a:latin typeface="OCR A Extended" panose="02010509020102010303" pitchFamily="50" charset="0"/>
+            </a:endParaRPr>
+          </a:p>
+        </p:txBody>
+      </p:sp>
+    </p:spTree>
+    <p:extLst>
+      <p:ext uri="{BB962C8B-B14F-4D97-AF65-F5344CB8AC3E}">
+        <p14:creationId xmlns:p14="http://schemas.microsoft.com/office/powerpoint/2010/main" val="4086581853"/>
+      </p:ext>
+    </p:extLst>
+  </p:cSld>
+  <p:clrMapOvr>
+    <a:masterClrMapping/>
+  </p:clrMapOvr>
+</p:sld>
+</file>
+
+<file path=ppt/slides/slide4.xml><?xml version="1.0" encoding="utf-8"?>
+<p:sld xmlns:a="http://schemas.openxmlformats.org/drawingml/2006/main" xmlns:r="http://schemas.openxmlformats.org/officeDocument/2006/relationships" xmlns:p="http://schemas.openxmlformats.org/presentationml/2006/main">
+  <p:cSld>
+    <p:spTree>
+      <p:nvGrpSpPr>
+        <p:cNvPr id="1" name=""/>
+        <p:cNvGrpSpPr/>
+        <p:nvPr/>
+      </p:nvGrpSpPr>
+      <p:grpSpPr>
+        <a:xfrm>
+          <a:off x="0" y="0"/>
+          <a:ext cx="0" cy="0"/>
+          <a:chOff x="0" y="0"/>
+          <a:chExt cx="0" cy="0"/>
+        </a:xfrm>
+      </p:grpSpPr>
+      <p:sp>
+        <p:nvSpPr>
+          <p:cNvPr id="2" name="Shape 72">
+            <a:extLst>
+              <a:ext uri="{FF2B5EF4-FFF2-40B4-BE49-F238E27FC236}">
+                <a16:creationId xmlns:a16="http://schemas.microsoft.com/office/drawing/2014/main" id="{20AD8EBF-4B70-49FA-BAE8-A662276C6193}"/>
+              </a:ext>
+            </a:extLst>
+          </p:cNvPr>
+          <p:cNvSpPr txBox="1">
+            <a:spLocks noGrp="1"/>
+          </p:cNvSpPr>
+          <p:nvPr>
+            <p:ph type="title"/>
+          </p:nvPr>
+        </p:nvSpPr>
+        <p:spPr>
+          <a:xfrm>
+            <a:off x="2742693" y="3320777"/>
+            <a:ext cx="4045200" cy="1551900"/>
+          </a:xfrm>
+          <a:prstGeom prst="rect">
+            <a:avLst/>
+          </a:prstGeom>
+        </p:spPr>
+        <p:txBody>
+          <a:bodyPr spcFirstLastPara="1" wrap="square" lIns="91425" tIns="91425" rIns="91425" bIns="91425" anchor="b" anchorCtr="0">
+            <a:noAutofit/>
+          </a:bodyPr>
+          <a:lstStyle/>
+          <a:p>
+            <a:pPr marL="0" lvl="0" indent="0">
+              <a:spcBef>
+                <a:spcPts val="0"/>
+              </a:spcBef>
+              <a:spcAft>
+                <a:spcPts val="0"/>
+              </a:spcAft>
+              <a:buNone/>
+            </a:pPr>
+            <a:r>
+              <a:rPr lang="en-IN" dirty="0">
+                <a:latin typeface="OCR A Extended" panose="02010509020102010303" pitchFamily="50" charset="0"/>
+              </a:rPr>
+              <a:t>What is the Network?</a:t>
+            </a:r>
+            <a:endParaRPr dirty="0">
+              <a:latin typeface="OCR A Extended" panose="02010509020102010303" pitchFamily="50" charset="0"/>
+            </a:endParaRPr>
+          </a:p>
+        </p:txBody>
+      </p:sp>
+      <p:sp>
+        <p:nvSpPr>
+          <p:cNvPr id="3" name="Shape 74">
+            <a:extLst>
+              <a:ext uri="{FF2B5EF4-FFF2-40B4-BE49-F238E27FC236}">
+                <a16:creationId xmlns:a16="http://schemas.microsoft.com/office/drawing/2014/main" id="{1829AB58-535B-4F43-9588-6E6269058069}"/>
+              </a:ext>
+            </a:extLst>
+          </p:cNvPr>
+          <p:cNvSpPr txBox="1">
+            <a:spLocks/>
+          </p:cNvSpPr>
+          <p:nvPr/>
+        </p:nvSpPr>
+        <p:spPr>
+          <a:xfrm>
+            <a:off x="7416693" y="2669378"/>
+            <a:ext cx="3837000" cy="3695100"/>
+          </a:xfrm>
+          <a:prstGeom prst="rect">
+            <a:avLst/>
+          </a:prstGeom>
+        </p:spPr>
+        <p:txBody>
+          <a:bodyPr spcFirstLastPara="1" wrap="square" lIns="91425" tIns="91425" rIns="91425" bIns="91425" anchor="ctr" anchorCtr="0">
+            <a:noAutofit/>
+          </a:bodyPr>
+          <a:lstStyle>
+            <a:lvl1pPr marL="384048" indent="-384048" algn="l" defTabSz="914400" rtl="0" eaLnBrk="1" latinLnBrk="0" hangingPunct="1">
+              <a:lnSpc>
+                <a:spcPct val="94000"/>
+              </a:lnSpc>
+              <a:spcBef>
+                <a:spcPts val="1000"/>
+              </a:spcBef>
+              <a:spcAft>
+                <a:spcPts val="200"/>
+              </a:spcAft>
+              <a:buFont typeface="Franklin Gothic Book" panose="020B0503020102020204" pitchFamily="34" charset="0"/>
+              <a:buChar char="■"/>
+              <a:defRPr sz="2000" kern="1200" baseline="0">
+                <a:solidFill>
+                  <a:schemeClr val="tx2"/>
+                </a:solidFill>
+                <a:latin typeface="+mn-lt"/>
+                <a:ea typeface="+mn-ea"/>
+                <a:cs typeface="+mn-cs"/>
+              </a:defRPr>
+            </a:lvl1pPr>
+            <a:lvl2pPr marL="914400" indent="-384048" algn="l" defTabSz="914400" rtl="0" eaLnBrk="1" latinLnBrk="0" hangingPunct="1">
+              <a:lnSpc>
+                <a:spcPct val="94000"/>
+              </a:lnSpc>
+              <a:spcBef>
+                <a:spcPts val="500"/>
+              </a:spcBef>
+              <a:spcAft>
+                <a:spcPts val="200"/>
+              </a:spcAft>
+              <a:buFont typeface="Franklin Gothic Book" panose="020B0503020102020204" pitchFamily="34" charset="0"/>
+              <a:buChar char="–"/>
+              <a:defRPr sz="2000" i="1" kern="1200" baseline="0">
+                <a:solidFill>
+                  <a:schemeClr val="tx2"/>
+                </a:solidFill>
+                <a:latin typeface="+mn-lt"/>
+                <a:ea typeface="+mn-ea"/>
+                <a:cs typeface="+mn-cs"/>
+              </a:defRPr>
+            </a:lvl2pPr>
+            <a:lvl3pPr marL="1371600" indent="-384048" algn="l" defTabSz="914400" rtl="0" eaLnBrk="1" latinLnBrk="0" hangingPunct="1">
+              <a:lnSpc>
+                <a:spcPct val="94000"/>
+              </a:lnSpc>
+              <a:spcBef>
+                <a:spcPts val="500"/>
+              </a:spcBef>
+              <a:spcAft>
+                <a:spcPts val="200"/>
+              </a:spcAft>
+              <a:buFont typeface="Franklin Gothic Book" panose="020B0503020102020204" pitchFamily="34" charset="0"/>
+              <a:buChar char="■"/>
+              <a:defRPr sz="1800" kern="1200" baseline="0">
+                <a:solidFill>
+                  <a:schemeClr val="tx2"/>
+                </a:solidFill>
+                <a:latin typeface="+mn-lt"/>
+                <a:ea typeface="+mn-ea"/>
+                <a:cs typeface="+mn-cs"/>
+              </a:defRPr>
+            </a:lvl3pPr>
+            <a:lvl4pPr marL="1828800" indent="-384048" algn="l" defTabSz="914400" rtl="0" eaLnBrk="1" latinLnBrk="0" hangingPunct="1">
+              <a:lnSpc>
+                <a:spcPct val="94000"/>
+              </a:lnSpc>
+              <a:spcBef>
+                <a:spcPts val="500"/>
+              </a:spcBef>
+              <a:spcAft>
+                <a:spcPts val="200"/>
+              </a:spcAft>
+              <a:buFont typeface="Franklin Gothic Book" panose="020B0503020102020204" pitchFamily="34" charset="0"/>
+              <a:buChar char="–"/>
+              <a:defRPr sz="1800" i="1" kern="1200" baseline="0">
+                <a:solidFill>
+                  <a:schemeClr val="tx2"/>
+                </a:solidFill>
+                <a:latin typeface="+mn-lt"/>
+                <a:ea typeface="+mn-ea"/>
+                <a:cs typeface="+mn-cs"/>
+              </a:defRPr>
+            </a:lvl4pPr>
+            <a:lvl5pPr marL="2286000" indent="-384048" algn="l" defTabSz="914400" rtl="0" eaLnBrk="1" latinLnBrk="0" hangingPunct="1">
+              <a:lnSpc>
+                <a:spcPct val="94000"/>
+              </a:lnSpc>
+              <a:spcBef>
+                <a:spcPts val="500"/>
+              </a:spcBef>
+              <a:spcAft>
+                <a:spcPts val="200"/>
+              </a:spcAft>
+              <a:buFont typeface="Franklin Gothic Book" panose="020B0503020102020204" pitchFamily="34" charset="0"/>
+              <a:buChar char="■"/>
+              <a:defRPr sz="1600" kern="1200" baseline="0">
+                <a:solidFill>
+                  <a:schemeClr val="tx2"/>
+                </a:solidFill>
+                <a:latin typeface="+mn-lt"/>
+                <a:ea typeface="+mn-ea"/>
+                <a:cs typeface="+mn-cs"/>
+              </a:defRPr>
+            </a:lvl5pPr>
+            <a:lvl6pPr marL="2743200" indent="-384048" algn="l" defTabSz="914400" rtl="0" eaLnBrk="1" latinLnBrk="0" hangingPunct="1">
+              <a:lnSpc>
+                <a:spcPct val="94000"/>
+              </a:lnSpc>
+              <a:spcBef>
+                <a:spcPts val="500"/>
+              </a:spcBef>
+              <a:spcAft>
+                <a:spcPts val="200"/>
+              </a:spcAft>
+              <a:buFont typeface="Franklin Gothic Book" panose="020B0503020102020204" pitchFamily="34" charset="0"/>
+              <a:buChar char="–"/>
+              <a:defRPr sz="1600" i="1" kern="1200" baseline="0">
+                <a:solidFill>
+                  <a:schemeClr val="tx2"/>
+                </a:solidFill>
+                <a:latin typeface="+mn-lt"/>
+                <a:ea typeface="+mn-ea"/>
+                <a:cs typeface="+mn-cs"/>
+              </a:defRPr>
+            </a:lvl6pPr>
+            <a:lvl7pPr marL="3200400" indent="-384048" algn="l" defTabSz="914400" rtl="0" eaLnBrk="1" latinLnBrk="0" hangingPunct="1">
+              <a:lnSpc>
+                <a:spcPct val="94000"/>
+              </a:lnSpc>
+              <a:spcBef>
+                <a:spcPts val="500"/>
+              </a:spcBef>
+              <a:spcAft>
+                <a:spcPts val="200"/>
+              </a:spcAft>
+              <a:buFont typeface="Franklin Gothic Book" panose="020B0503020102020204" pitchFamily="34" charset="0"/>
+              <a:buChar char="■"/>
+              <a:defRPr sz="1400" kern="1200" baseline="0">
+                <a:solidFill>
+                  <a:schemeClr val="tx2"/>
+                </a:solidFill>
+                <a:latin typeface="+mn-lt"/>
+                <a:ea typeface="+mn-ea"/>
+                <a:cs typeface="+mn-cs"/>
+              </a:defRPr>
+            </a:lvl7pPr>
+            <a:lvl8pPr marL="3657600" indent="-384048" algn="l" defTabSz="914400" rtl="0" eaLnBrk="1" latinLnBrk="0" hangingPunct="1">
+              <a:lnSpc>
+                <a:spcPct val="94000"/>
+              </a:lnSpc>
+              <a:spcBef>
+                <a:spcPts val="500"/>
+              </a:spcBef>
+              <a:spcAft>
+                <a:spcPts val="200"/>
+              </a:spcAft>
+              <a:buFont typeface="Franklin Gothic Book" panose="020B0503020102020204" pitchFamily="34" charset="0"/>
+              <a:buChar char="–"/>
+              <a:defRPr sz="1400" i="1" kern="1200" baseline="0">
+                <a:solidFill>
+                  <a:schemeClr val="tx2"/>
+                </a:solidFill>
+                <a:latin typeface="+mn-lt"/>
+                <a:ea typeface="+mn-ea"/>
+                <a:cs typeface="+mn-cs"/>
+              </a:defRPr>
+            </a:lvl8pPr>
+            <a:lvl9pPr marL="4114800" indent="-384048" algn="l" defTabSz="914400" rtl="0" eaLnBrk="1" latinLnBrk="0" hangingPunct="1">
+              <a:lnSpc>
+                <a:spcPct val="94000"/>
+              </a:lnSpc>
+              <a:spcBef>
+                <a:spcPts val="500"/>
+              </a:spcBef>
+              <a:spcAft>
+                <a:spcPts val="200"/>
+              </a:spcAft>
+              <a:buFont typeface="Franklin Gothic Book" panose="020B0503020102020204" pitchFamily="34" charset="0"/>
+              <a:buChar char="■"/>
+              <a:defRPr sz="1400" kern="1200" baseline="0">
+                <a:solidFill>
+                  <a:schemeClr val="tx2"/>
+                </a:solidFill>
+                <a:latin typeface="+mn-lt"/>
+                <a:ea typeface="+mn-ea"/>
+                <a:cs typeface="+mn-cs"/>
+              </a:defRPr>
+            </a:lvl9pPr>
+          </a:lstStyle>
+          <a:p>
+            <a:pPr marL="457200" indent="-342900">
+              <a:spcBef>
+                <a:spcPts val="0"/>
+              </a:spcBef>
+              <a:spcAft>
+                <a:spcPts val="0"/>
+              </a:spcAft>
+              <a:buSzPts val="1800"/>
+              <a:buFont typeface="Franklin Gothic Book" panose="020B0503020102020204" pitchFamily="34" charset="0"/>
+              <a:buChar char="●"/>
+            </a:pPr>
+            <a:r>
+              <a:rPr lang="en-US" sz="2400"/>
+              <a:t>Distributed</a:t>
+            </a:r>
+          </a:p>
+          <a:p>
+            <a:pPr marL="457200" indent="-342900">
+              <a:spcBef>
+                <a:spcPts val="1600"/>
+              </a:spcBef>
+              <a:spcAft>
+                <a:spcPts val="0"/>
+              </a:spcAft>
+              <a:buSzPts val="1800"/>
+              <a:buFont typeface="Franklin Gothic Book" panose="020B0503020102020204" pitchFamily="34" charset="0"/>
+              <a:buChar char="●"/>
+            </a:pPr>
+            <a:r>
+              <a:rPr lang="en-US" sz="2400"/>
+              <a:t>Decentralised</a:t>
+            </a:r>
+          </a:p>
+          <a:p>
+            <a:pPr marL="457200" indent="-342900">
+              <a:spcBef>
+                <a:spcPts val="1600"/>
+              </a:spcBef>
+              <a:spcAft>
+                <a:spcPts val="0"/>
+              </a:spcAft>
+              <a:buSzPts val="1800"/>
+              <a:buFont typeface="Franklin Gothic Book" panose="020B0503020102020204" pitchFamily="34" charset="0"/>
+              <a:buChar char="●"/>
+            </a:pPr>
+            <a:r>
+              <a:rPr lang="en-US" sz="2800"/>
+              <a:t>Trust-less</a:t>
+            </a:r>
+          </a:p>
+          <a:p>
+            <a:pPr marL="457200" indent="-342900">
+              <a:spcBef>
+                <a:spcPts val="1600"/>
+              </a:spcBef>
+              <a:spcAft>
+                <a:spcPts val="1600"/>
+              </a:spcAft>
+              <a:buSzPts val="1800"/>
+              <a:buFont typeface="Franklin Gothic Book" panose="020B0503020102020204" pitchFamily="34" charset="0"/>
+              <a:buChar char="●"/>
+            </a:pPr>
+            <a:r>
+              <a:rPr lang="en-US" sz="2400"/>
+              <a:t>Best-Effort Basis</a:t>
+            </a:r>
+            <a:endParaRPr lang="en-US" sz="2400" dirty="0"/>
+          </a:p>
+        </p:txBody>
+      </p:sp>
+    </p:spTree>
+    <p:extLst>
+      <p:ext uri="{BB962C8B-B14F-4D97-AF65-F5344CB8AC3E}">
+        <p14:creationId xmlns:p14="http://schemas.microsoft.com/office/powerpoint/2010/main" val="1567829616"/>
+      </p:ext>
+    </p:extLst>
+  </p:cSld>
+  <p:clrMapOvr>
+    <a:masterClrMapping/>
+  </p:clrMapOvr>
+</p:sld>
+</file>
+
+<file path=ppt/slides/slide5.xml><?xml version="1.0" encoding="utf-8"?>
+<p:sld xmlns:a="http://schemas.openxmlformats.org/drawingml/2006/main" xmlns:r="http://schemas.openxmlformats.org/officeDocument/2006/relationships" xmlns:p="http://schemas.openxmlformats.org/presentationml/2006/main">
+  <p:cSld>
+    <p:spTree>
+      <p:nvGrpSpPr>
+        <p:cNvPr id="1" name=""/>
+        <p:cNvGrpSpPr/>
+        <p:nvPr/>
+      </p:nvGrpSpPr>
+      <p:grpSpPr>
+        <a:xfrm>
+          <a:off x="0" y="0"/>
+          <a:ext cx="0" cy="0"/>
+          <a:chOff x="0" y="0"/>
+          <a:chExt cx="0" cy="0"/>
+        </a:xfrm>
+      </p:grpSpPr>
+      <p:sp>
+        <p:nvSpPr>
+          <p:cNvPr id="2" name="Shape 62">
+            <a:extLst>
+              <a:ext uri="{FF2B5EF4-FFF2-40B4-BE49-F238E27FC236}">
+                <a16:creationId xmlns:a16="http://schemas.microsoft.com/office/drawing/2014/main" id="{22475EA0-1300-4E5D-8316-26EFFD9F2AC0}"/>
+              </a:ext>
+            </a:extLst>
+          </p:cNvPr>
+          <p:cNvSpPr txBox="1">
+            <a:spLocks noGrp="1"/>
+          </p:cNvSpPr>
+          <p:nvPr>
+            <p:ph type="title"/>
+          </p:nvPr>
+        </p:nvSpPr>
+        <p:spPr>
+          <a:xfrm>
+            <a:off x="2038800" y="4059968"/>
+            <a:ext cx="8114400" cy="2445900"/>
+          </a:xfrm>
+          <a:prstGeom prst="rect">
+            <a:avLst/>
+          </a:prstGeom>
+        </p:spPr>
+        <p:txBody>
+          <a:bodyPr spcFirstLastPara="1" wrap="square" lIns="91425" tIns="91425" rIns="91425" bIns="91425" anchor="ctr" anchorCtr="0">
+            <a:noAutofit/>
+          </a:bodyPr>
+          <a:lstStyle/>
+          <a:p>
+            <a:pPr marL="0" lvl="0" indent="0">
+              <a:spcBef>
+                <a:spcPts val="0"/>
+              </a:spcBef>
+              <a:spcAft>
+                <a:spcPts val="0"/>
+              </a:spcAft>
+              <a:buNone/>
+            </a:pPr>
+            <a:r>
+              <a:rPr lang="en-IN" dirty="0">
+                <a:latin typeface="OCR A Extended" panose="02010509020102010303" pitchFamily="50" charset="0"/>
+              </a:rPr>
+              <a:t>Prerequisite</a:t>
+            </a:r>
+            <a:endParaRPr dirty="0">
+              <a:latin typeface="OCR A Extended" panose="02010509020102010303" pitchFamily="50" charset="0"/>
+            </a:endParaRPr>
+          </a:p>
+        </p:txBody>
+      </p:sp>
+    </p:spTree>
+    <p:extLst>
+      <p:ext uri="{BB962C8B-B14F-4D97-AF65-F5344CB8AC3E}">
+        <p14:creationId xmlns:p14="http://schemas.microsoft.com/office/powerpoint/2010/main" val="3257589171"/>
+      </p:ext>
+    </p:extLst>
+  </p:cSld>
+  <p:clrMapOvr>
+    <a:masterClrMapping/>
+  </p:clrMapOvr>
+</p:sld>
+</file>
+
+<file path=ppt/slides/slide6.xml><?xml version="1.0" encoding="utf-8"?>
+<p:sld xmlns:a="http://schemas.openxmlformats.org/drawingml/2006/main" xmlns:r="http://schemas.openxmlformats.org/officeDocument/2006/relationships" xmlns:p="http://schemas.openxmlformats.org/presentationml/2006/main">
+  <p:cSld>
+    <p:spTree>
+      <p:nvGrpSpPr>
+        <p:cNvPr id="1" name=""/>
+        <p:cNvGrpSpPr/>
+        <p:nvPr/>
+      </p:nvGrpSpPr>
+      <p:grpSpPr>
+        <a:xfrm>
+          <a:off x="0" y="0"/>
+          <a:ext cx="0" cy="0"/>
+          <a:chOff x="0" y="0"/>
+          <a:chExt cx="0" cy="0"/>
+        </a:xfrm>
+      </p:grpSpPr>
+      <p:sp>
+        <p:nvSpPr>
+          <p:cNvPr id="4" name="Title 1">
+            <a:extLst>
+              <a:ext uri="{FF2B5EF4-FFF2-40B4-BE49-F238E27FC236}">
+                <a16:creationId xmlns:a16="http://schemas.microsoft.com/office/drawing/2014/main" id="{72D98072-671F-4F60-9F34-BDB38D38117C}"/>
+              </a:ext>
+            </a:extLst>
+          </p:cNvPr>
+          <p:cNvSpPr>
+            <a:spLocks noGrp="1"/>
+          </p:cNvSpPr>
+          <p:nvPr>
+            <p:ph type="title"/>
+          </p:nvPr>
+        </p:nvSpPr>
+        <p:spPr>
+          <a:xfrm>
+            <a:off x="1309228" y="953486"/>
+            <a:ext cx="8520600" cy="572700"/>
+          </a:xfrm>
+        </p:spPr>
+        <p:txBody>
+          <a:bodyPr>
+            <a:normAutofit fontScale="90000"/>
+          </a:bodyPr>
+          <a:lstStyle/>
+          <a:p>
+            <a:pPr algn="ctr"/>
+            <a:r>
+              <a:rPr lang="en-IN" sz="4000" dirty="0">
+                <a:latin typeface="OCR A Extended" panose="02010509020102010303" pitchFamily="50" charset="0"/>
+              </a:rPr>
+              <a:t>The Ledger</a:t>
+            </a:r>
+          </a:p>
+        </p:txBody>
+      </p:sp>
+      <p:sp>
+        <p:nvSpPr>
+          <p:cNvPr id="5" name="Rectangle: Rounded Corners 4">
+            <a:extLst>
+              <a:ext uri="{FF2B5EF4-FFF2-40B4-BE49-F238E27FC236}">
+                <a16:creationId xmlns:a16="http://schemas.microsoft.com/office/drawing/2014/main" id="{7279FE2F-1CDA-4701-A6D2-41DE61F8F42B}"/>
+              </a:ext>
+            </a:extLst>
+          </p:cNvPr>
+          <p:cNvSpPr/>
+          <p:nvPr/>
+        </p:nvSpPr>
+        <p:spPr>
+          <a:xfrm>
+            <a:off x="1915391" y="2295698"/>
+            <a:ext cx="1551709" cy="2299855"/>
+          </a:xfrm>
+          <a:prstGeom prst="roundRect">
+            <a:avLst/>
+          </a:prstGeom>
+          <a:solidFill>
+            <a:schemeClr val="accent3">
+              <a:alpha val="50000"/>
+            </a:schemeClr>
+          </a:solidFill>
+          <a:ln>
+            <a:noFill/>
+          </a:ln>
+        </p:spPr>
+        <p:style>
+          <a:lnRef idx="0">
+            <a:scrgbClr r="0" g="0" b="0"/>
+          </a:lnRef>
+          <a:fillRef idx="0">
+            <a:scrgbClr r="0" g="0" b="0"/>
+          </a:fillRef>
+          <a:effectRef idx="0">
+            <a:scrgbClr r="0" g="0" b="0"/>
+          </a:effectRef>
+          <a:fontRef idx="minor">
+            <a:schemeClr val="lt1"/>
+          </a:fontRef>
+        </p:style>
+        <p:txBody>
+          <a:bodyPr rot="0" spcFirstLastPara="0" vertOverflow="overflow" horzOverflow="overflow" vert="horz" wrap="square" lIns="91440" tIns="45720" rIns="91440" bIns="45720" numCol="1" spcCol="0" rtlCol="0" fromWordArt="0" anchor="ctr" anchorCtr="0" forceAA="0" compatLnSpc="1">
+            <a:prstTxWarp prst="textNoShape">
+              <a:avLst/>
+            </a:prstTxWarp>
+            <a:noAutofit/>
+          </a:bodyPr>
+          <a:lstStyle/>
+          <a:p>
+            <a:r>
+              <a:rPr lang="en-IN" dirty="0">
+                <a:ln w="0"/>
+                <a:solidFill>
+                  <a:schemeClr val="tx2">
+                    <a:lumMod val="10000"/>
+                  </a:schemeClr>
+                </a:solidFill>
+                <a:effectLst>
+                  <a:outerShdw blurRad="38100" dist="19050" dir="2700000" algn="tl" rotWithShape="0">
+                    <a:schemeClr val="dk1">
+                      <a:alpha val="40000"/>
+                    </a:schemeClr>
+                  </a:outerShdw>
+                </a:effectLst>
+              </a:rPr>
+              <a:t>A + 1000</a:t>
+            </a:r>
+          </a:p>
+          <a:p>
+            <a:r>
+              <a:rPr lang="en-IN" dirty="0">
+                <a:ln w="0"/>
+                <a:solidFill>
+                  <a:schemeClr val="tx2">
+                    <a:lumMod val="10000"/>
+                  </a:schemeClr>
+                </a:solidFill>
+                <a:effectLst>
+                  <a:outerShdw blurRad="38100" dist="19050" dir="2700000" algn="tl" rotWithShape="0">
+                    <a:schemeClr val="dk1">
+                      <a:alpha val="40000"/>
+                    </a:schemeClr>
+                  </a:outerShdw>
+                </a:effectLst>
+              </a:rPr>
+              <a:t>B + 1000</a:t>
+            </a:r>
+          </a:p>
+          <a:p>
+            <a:r>
+              <a:rPr lang="en-IN" dirty="0">
+                <a:ln w="0"/>
+                <a:solidFill>
+                  <a:schemeClr val="tx2">
+                    <a:lumMod val="10000"/>
+                  </a:schemeClr>
+                </a:solidFill>
+                <a:effectLst>
+                  <a:outerShdw blurRad="38100" dist="19050" dir="2700000" algn="tl" rotWithShape="0">
+                    <a:schemeClr val="dk1">
+                      <a:alpha val="40000"/>
+                    </a:schemeClr>
+                  </a:outerShdw>
+                </a:effectLst>
+              </a:rPr>
+              <a:t>C + 1000</a:t>
+            </a:r>
+          </a:p>
+          <a:p>
+            <a:r>
+              <a:rPr lang="en-IN" dirty="0">
+                <a:ln w="0"/>
+                <a:solidFill>
+                  <a:schemeClr val="tx2">
+                    <a:lumMod val="10000"/>
+                  </a:schemeClr>
+                </a:solidFill>
+                <a:effectLst>
+                  <a:outerShdw blurRad="38100" dist="19050" dir="2700000" algn="tl" rotWithShape="0">
+                    <a:schemeClr val="dk1">
+                      <a:alpha val="40000"/>
+                    </a:schemeClr>
+                  </a:outerShdw>
+                </a:effectLst>
+              </a:rPr>
+              <a:t>A - 300</a:t>
+            </a:r>
+          </a:p>
+          <a:p>
+            <a:r>
+              <a:rPr lang="en-IN" dirty="0">
+                <a:ln w="0"/>
+                <a:solidFill>
+                  <a:schemeClr val="tx2">
+                    <a:lumMod val="10000"/>
+                  </a:schemeClr>
+                </a:solidFill>
+                <a:effectLst>
+                  <a:outerShdw blurRad="38100" dist="19050" dir="2700000" algn="tl" rotWithShape="0">
+                    <a:schemeClr val="dk1">
+                      <a:alpha val="40000"/>
+                    </a:schemeClr>
+                  </a:outerShdw>
+                </a:effectLst>
+              </a:rPr>
+              <a:t>B - 400 </a:t>
+            </a:r>
+          </a:p>
+          <a:p>
+            <a:r>
+              <a:rPr lang="en-IN" dirty="0">
+                <a:ln w="0"/>
+                <a:solidFill>
+                  <a:schemeClr val="tx2">
+                    <a:lumMod val="10000"/>
+                  </a:schemeClr>
+                </a:solidFill>
+                <a:effectLst>
+                  <a:outerShdw blurRad="38100" dist="19050" dir="2700000" algn="tl" rotWithShape="0">
+                    <a:schemeClr val="dk1">
+                      <a:alpha val="40000"/>
+                    </a:schemeClr>
+                  </a:outerShdw>
+                </a:effectLst>
+              </a:rPr>
+              <a:t>A - 900</a:t>
+            </a:r>
+          </a:p>
+          <a:p>
+            <a:endParaRPr lang="en-IN" dirty="0">
+              <a:ln w="0"/>
+              <a:solidFill>
+                <a:schemeClr val="tx2">
+                  <a:lumMod val="10000"/>
+                </a:schemeClr>
+              </a:solidFill>
+              <a:effectLst>
+                <a:outerShdw blurRad="38100" dist="19050" dir="2700000" algn="tl" rotWithShape="0">
+                  <a:schemeClr val="dk1">
+                    <a:alpha val="40000"/>
+                  </a:schemeClr>
+                </a:outerShdw>
+              </a:effectLst>
+            </a:endParaRPr>
+          </a:p>
+          <a:p>
+            <a:r>
+              <a:rPr lang="en-IN" dirty="0">
+                <a:ln w="0"/>
+                <a:solidFill>
+                  <a:schemeClr val="tx2">
+                    <a:lumMod val="10000"/>
+                  </a:schemeClr>
+                </a:solidFill>
+                <a:effectLst>
+                  <a:outerShdw blurRad="38100" dist="19050" dir="2700000" algn="tl" rotWithShape="0">
+                    <a:schemeClr val="dk1">
+                      <a:alpha val="40000"/>
+                    </a:schemeClr>
+                  </a:outerShdw>
+                </a:effectLst>
+              </a:rPr>
+              <a:t>A=&gt; -200</a:t>
+            </a:r>
+          </a:p>
+          <a:p>
+            <a:r>
+              <a:rPr lang="en-IN" dirty="0">
+                <a:ln w="0"/>
+                <a:solidFill>
+                  <a:schemeClr val="tx2">
+                    <a:lumMod val="10000"/>
+                  </a:schemeClr>
+                </a:solidFill>
+                <a:effectLst>
+                  <a:outerShdw blurRad="38100" dist="19050" dir="2700000" algn="tl" rotWithShape="0">
+                    <a:schemeClr val="dk1">
+                      <a:alpha val="40000"/>
+                    </a:schemeClr>
+                  </a:outerShdw>
+                </a:effectLst>
+              </a:rPr>
+              <a:t>B=&gt; 600</a:t>
+            </a:r>
+          </a:p>
+          <a:p>
+            <a:r>
+              <a:rPr lang="en-IN" dirty="0">
+                <a:ln w="0"/>
+                <a:solidFill>
+                  <a:schemeClr val="tx2">
+                    <a:lumMod val="10000"/>
+                  </a:schemeClr>
+                </a:solidFill>
+                <a:effectLst>
+                  <a:outerShdw blurRad="38100" dist="19050" dir="2700000" algn="tl" rotWithShape="0">
+                    <a:schemeClr val="dk1">
+                      <a:alpha val="40000"/>
+                    </a:schemeClr>
+                  </a:outerShdw>
+                </a:effectLst>
+              </a:rPr>
+              <a:t>C=&gt; 1000</a:t>
+            </a:r>
+          </a:p>
+        </p:txBody>
+      </p:sp>
+      <p:cxnSp>
+        <p:nvCxnSpPr>
+          <p:cNvPr id="6" name="Straight Connector 5">
+            <a:extLst>
+              <a:ext uri="{FF2B5EF4-FFF2-40B4-BE49-F238E27FC236}">
+                <a16:creationId xmlns:a16="http://schemas.microsoft.com/office/drawing/2014/main" id="{D857438A-F14A-479F-8B3A-33E67E492B60}"/>
+              </a:ext>
+            </a:extLst>
+          </p:cNvPr>
+          <p:cNvCxnSpPr/>
+          <p:nvPr/>
+        </p:nvCxnSpPr>
+        <p:spPr>
+          <a:xfrm>
+            <a:off x="1981199" y="3750425"/>
+            <a:ext cx="1420091" cy="0"/>
+          </a:xfrm>
+          <a:prstGeom prst="line">
+            <a:avLst/>
+          </a:prstGeom>
+          <a:ln w="28575"/>
+        </p:spPr>
+        <p:style>
+          <a:lnRef idx="1">
+            <a:schemeClr val="accent1"/>
+          </a:lnRef>
+          <a:fillRef idx="0">
+            <a:schemeClr val="accent1"/>
+          </a:fillRef>
+          <a:effectRef idx="0">
+            <a:schemeClr val="accent1"/>
+          </a:effectRef>
+          <a:fontRef idx="minor">
+            <a:schemeClr val="tx1"/>
+          </a:fontRef>
+        </p:style>
+      </p:cxnSp>
+      <p:sp>
+        <p:nvSpPr>
+          <p:cNvPr id="7" name="Rectangle: Rounded Corners 6">
+            <a:extLst>
+              <a:ext uri="{FF2B5EF4-FFF2-40B4-BE49-F238E27FC236}">
+                <a16:creationId xmlns:a16="http://schemas.microsoft.com/office/drawing/2014/main" id="{5F2011AF-BB65-4B75-963C-3F6BD68EAF21}"/>
+              </a:ext>
+            </a:extLst>
+          </p:cNvPr>
+          <p:cNvSpPr/>
+          <p:nvPr/>
+        </p:nvSpPr>
+        <p:spPr>
+          <a:xfrm>
+            <a:off x="7671956" y="2295697"/>
+            <a:ext cx="1551709" cy="2299855"/>
+          </a:xfrm>
+          <a:prstGeom prst="roundRect">
+            <a:avLst/>
+          </a:prstGeom>
+          <a:solidFill>
+            <a:schemeClr val="accent3">
+              <a:alpha val="50000"/>
+            </a:schemeClr>
+          </a:solidFill>
+          <a:ln>
+            <a:noFill/>
+          </a:ln>
+        </p:spPr>
+        <p:style>
+          <a:lnRef idx="0">
+            <a:scrgbClr r="0" g="0" b="0"/>
+          </a:lnRef>
+          <a:fillRef idx="0">
+            <a:scrgbClr r="0" g="0" b="0"/>
+          </a:fillRef>
+          <a:effectRef idx="0">
+            <a:scrgbClr r="0" g="0" b="0"/>
+          </a:effectRef>
+          <a:fontRef idx="minor">
+            <a:schemeClr val="lt1"/>
+          </a:fontRef>
+        </p:style>
+        <p:txBody>
+          <a:bodyPr rot="0" spcFirstLastPara="0" vertOverflow="overflow" horzOverflow="overflow" vert="horz" wrap="square" lIns="91440" tIns="45720" rIns="91440" bIns="45720" numCol="1" spcCol="0" rtlCol="0" fromWordArt="0" anchor="ctr" anchorCtr="0" forceAA="0" compatLnSpc="1">
+            <a:prstTxWarp prst="textNoShape">
+              <a:avLst/>
+            </a:prstTxWarp>
+            <a:noAutofit/>
+          </a:bodyPr>
+          <a:lstStyle/>
+          <a:p>
+            <a:r>
+              <a:rPr lang="en-IN" dirty="0">
+                <a:ln w="0"/>
+                <a:solidFill>
+                  <a:schemeClr val="tx2">
+                    <a:lumMod val="10000"/>
+                  </a:schemeClr>
+                </a:solidFill>
+                <a:effectLst>
+                  <a:outerShdw blurRad="38100" dist="19050" dir="2700000" algn="tl" rotWithShape="0">
+                    <a:schemeClr val="dk1">
+                      <a:alpha val="40000"/>
+                    </a:schemeClr>
+                  </a:outerShdw>
+                </a:effectLst>
+              </a:rPr>
+              <a:t>Set of Transactions</a:t>
+            </a:r>
+          </a:p>
+        </p:txBody>
+      </p:sp>
+      <p:sp>
+        <p:nvSpPr>
+          <p:cNvPr id="8" name="Arrow: Right 7">
+            <a:extLst>
+              <a:ext uri="{FF2B5EF4-FFF2-40B4-BE49-F238E27FC236}">
+                <a16:creationId xmlns:a16="http://schemas.microsoft.com/office/drawing/2014/main" id="{5550AEB2-28B2-44F3-84CD-EC98A3C58625}"/>
+              </a:ext>
+            </a:extLst>
+          </p:cNvPr>
+          <p:cNvSpPr/>
+          <p:nvPr/>
+        </p:nvSpPr>
+        <p:spPr>
+          <a:xfrm>
+            <a:off x="4523510" y="3336521"/>
+            <a:ext cx="2015836" cy="413904"/>
+          </a:xfrm>
+          <a:prstGeom prst="rightArrow">
+            <a:avLst/>
+          </a:prstGeom>
+        </p:spPr>
+        <p:style>
+          <a:lnRef idx="2">
+            <a:schemeClr val="accent1">
+              <a:shade val="50000"/>
+            </a:schemeClr>
+          </a:lnRef>
+          <a:fillRef idx="1">
+            <a:schemeClr val="accent1"/>
+          </a:fillRef>
+          <a:effectRef idx="0">
+            <a:schemeClr val="accent1"/>
+          </a:effectRef>
+          <a:fontRef idx="minor">
+            <a:schemeClr val="lt1"/>
+          </a:fontRef>
+        </p:style>
+        <p:txBody>
+          <a:bodyPr rtlCol="0" anchor="ctr"/>
+          <a:lstStyle/>
+          <a:p>
+            <a:pPr algn="ctr"/>
+            <a:endParaRPr lang="en-IN"/>
+          </a:p>
+        </p:txBody>
+      </p:sp>
+    </p:spTree>
+    <p:extLst>
+      <p:ext uri="{BB962C8B-B14F-4D97-AF65-F5344CB8AC3E}">
+        <p14:creationId xmlns:p14="http://schemas.microsoft.com/office/powerpoint/2010/main" val="1686243771"/>
+      </p:ext>
+    </p:extLst>
+  </p:cSld>
+  <p:clrMapOvr>
+    <a:masterClrMapping/>
+  </p:clrMapOvr>
+  <p:timing>
+    <p:tnLst>
+      <p:par>
+        <p:cTn id="1" dur="indefinite" restart="never" nodeType="tmRoot">
+          <p:childTnLst>
+            <p:seq concurrent="1" nextAc="seek">
+              <p:cTn id="2" dur="indefinite" nodeType="mainSeq">
+                <p:childTnLst>
+                  <p:par>
+                    <p:cTn id="3" fill="hold">
+                      <p:stCondLst>
+                        <p:cond delay="indefinite"/>
+                      </p:stCondLst>
+                      <p:childTnLst>
+                        <p:par>
+                          <p:cTn id="4" fill="hold">
+                            <p:stCondLst>
+                              <p:cond delay="0"/>
+                            </p:stCondLst>
+                            <p:childTnLst>
+                              <p:par>
+                                <p:cTn id="5" presetID="10" presetClass="entr" presetSubtype="0" fill="hold" grpId="0" nodeType="clickEffect">
+                                  <p:stCondLst>
+                                    <p:cond delay="0"/>
+                                  </p:stCondLst>
+                                  <p:childTnLst>
+                                    <p:set>
+                                      <p:cBhvr>
+                                        <p:cTn id="6" dur="1" fill="hold">
+                                          <p:stCondLst>
+                                            <p:cond delay="0"/>
+                                          </p:stCondLst>
+                                        </p:cTn>
+                                        <p:tgtEl>
+                                          <p:spTgt spid="4"/>
+                                        </p:tgtEl>
+                                        <p:attrNameLst>
+                                          <p:attrName>style.visibility</p:attrName>
+                                        </p:attrNameLst>
+                                      </p:cBhvr>
+                                      <p:to>
+                                        <p:strVal val="visible"/>
+                                      </p:to>
+                                    </p:set>
+                                    <p:animEffect transition="in" filter="fade">
+                                      <p:cBhvr>
+                                        <p:cTn id="7" dur="250"/>
+                                        <p:tgtEl>
+                                          <p:spTgt spid="4"/>
+                                        </p:tgtEl>
+                                      </p:cBhvr>
+                                    </p:animEffect>
+                                  </p:childTnLst>
+                                </p:cTn>
+                              </p:par>
+                            </p:childTnLst>
+                          </p:cTn>
+                        </p:par>
+                      </p:childTnLst>
+                    </p:cTn>
+                  </p:par>
+                  <p:par>
+                    <p:cTn id="8" fill="hold">
+                      <p:stCondLst>
+                        <p:cond delay="indefinite"/>
+                      </p:stCondLst>
+                      <p:childTnLst>
+                        <p:par>
+                          <p:cTn id="9" fill="hold">
+                            <p:stCondLst>
+                              <p:cond delay="0"/>
+                            </p:stCondLst>
+                            <p:childTnLst>
+                              <p:par>
+                                <p:cTn id="10" presetID="10" presetClass="entr" presetSubtype="0" fill="hold" grpId="0" nodeType="clickEffect">
+                                  <p:stCondLst>
+                                    <p:cond delay="0"/>
+                                  </p:stCondLst>
+                                  <p:childTnLst>
+                                    <p:set>
+                                      <p:cBhvr>
+                                        <p:cTn id="11" dur="1" fill="hold">
+                                          <p:stCondLst>
+                                            <p:cond delay="0"/>
+                                          </p:stCondLst>
+                                        </p:cTn>
+                                        <p:tgtEl>
+                                          <p:spTgt spid="5"/>
+                                        </p:tgtEl>
+                                        <p:attrNameLst>
+                                          <p:attrName>style.visibility</p:attrName>
+                                        </p:attrNameLst>
+                                      </p:cBhvr>
+                                      <p:to>
+                                        <p:strVal val="visible"/>
+                                      </p:to>
+                                    </p:set>
+                                    <p:animEffect transition="in" filter="fade">
+                                      <p:cBhvr>
+                                        <p:cTn id="12" dur="250"/>
+                                        <p:tgtEl>
+                                          <p:spTgt spid="5"/>
+                                        </p:tgtEl>
+                                      </p:cBhvr>
+                                    </p:animEffect>
+                                  </p:childTnLst>
+                                </p:cTn>
+                              </p:par>
+                            </p:childTnLst>
+                          </p:cTn>
+                        </p:par>
+                      </p:childTnLst>
+                    </p:cTn>
+                  </p:par>
+                  <p:par>
+                    <p:cTn id="13" fill="hold">
+                      <p:stCondLst>
+                        <p:cond delay="indefinite"/>
+                      </p:stCondLst>
+                      <p:childTnLst>
+                        <p:par>
+                          <p:cTn id="14" fill="hold">
+                            <p:stCondLst>
+                              <p:cond delay="0"/>
+                            </p:stCondLst>
+                            <p:childTnLst>
+                              <p:par>
+                                <p:cTn id="15" presetID="10" presetClass="entr" presetSubtype="0" fill="hold" nodeType="clickEffect">
+                                  <p:stCondLst>
+                                    <p:cond delay="0"/>
+                                  </p:stCondLst>
+                                  <p:childTnLst>
+                                    <p:set>
+                                      <p:cBhvr>
+                                        <p:cTn id="16" dur="1" fill="hold">
+                                          <p:stCondLst>
+                                            <p:cond delay="0"/>
+                                          </p:stCondLst>
+                                        </p:cTn>
+                                        <p:tgtEl>
+                                          <p:spTgt spid="6"/>
+                                        </p:tgtEl>
+                                        <p:attrNameLst>
+                                          <p:attrName>style.visibility</p:attrName>
+                                        </p:attrNameLst>
+                                      </p:cBhvr>
+                                      <p:to>
+                                        <p:strVal val="visible"/>
+                                      </p:to>
+                                    </p:set>
+                                    <p:animEffect transition="in" filter="fade">
+                                      <p:cBhvr>
+                                        <p:cTn id="17" dur="250"/>
+                                        <p:tgtEl>
+                                          <p:spTgt spid="6"/>
+                                        </p:tgtEl>
+                                      </p:cBhvr>
+                                    </p:animEffect>
+                                  </p:childTnLst>
+                                </p:cTn>
+                              </p:par>
+                            </p:childTnLst>
+                          </p:cTn>
+                        </p:par>
+                      </p:childTnLst>
+                    </p:cTn>
+                  </p:par>
+                  <p:par>
+                    <p:cTn id="18" fill="hold">
+                      <p:stCondLst>
+                        <p:cond delay="indefinite"/>
+                      </p:stCondLst>
+                      <p:childTnLst>
+                        <p:par>
+                          <p:cTn id="19" fill="hold">
+                            <p:stCondLst>
+                              <p:cond delay="0"/>
+                            </p:stCondLst>
+                            <p:childTnLst>
+                              <p:par>
+                                <p:cTn id="20" presetID="10" presetClass="entr" presetSubtype="0" fill="hold" nodeType="clickEffect">
+                                  <p:stCondLst>
+                                    <p:cond delay="0"/>
+                                  </p:stCondLst>
+                                  <p:childTnLst>
+                                    <p:set>
+                                      <p:cBhvr>
+                                        <p:cTn id="21" dur="1" fill="hold">
+                                          <p:stCondLst>
+                                            <p:cond delay="0"/>
+                                          </p:stCondLst>
+                                        </p:cTn>
+                                        <p:tgtEl>
+                                          <p:spTgt spid="5">
+                                            <p:txEl>
+                                              <p:pRg st="0" end="0"/>
+                                            </p:txEl>
+                                          </p:spTgt>
+                                        </p:tgtEl>
+                                        <p:attrNameLst>
+                                          <p:attrName>style.visibility</p:attrName>
+                                        </p:attrNameLst>
+                                      </p:cBhvr>
+                                      <p:to>
+                                        <p:strVal val="visible"/>
+                                      </p:to>
+                                    </p:set>
+                                    <p:animEffect transition="in" filter="fade">
+                                      <p:cBhvr>
+                                        <p:cTn id="22" dur="250"/>
+                                        <p:tgtEl>
+                                          <p:spTgt spid="5">
+                                            <p:txEl>
+                                              <p:pRg st="0" end="0"/>
+                                            </p:txEl>
+                                          </p:spTgt>
+                                        </p:tgtEl>
+                                      </p:cBhvr>
+                                    </p:animEffect>
+                                  </p:childTnLst>
+                                </p:cTn>
+                              </p:par>
+                              <p:par>
+                                <p:cTn id="23" presetID="10" presetClass="entr" presetSubtype="0" fill="hold" nodeType="withEffect">
+                                  <p:stCondLst>
+                                    <p:cond delay="0"/>
+                                  </p:stCondLst>
+                                  <p:childTnLst>
+                                    <p:set>
+                                      <p:cBhvr>
+                                        <p:cTn id="24" dur="1" fill="hold">
+                                          <p:stCondLst>
+                                            <p:cond delay="0"/>
+                                          </p:stCondLst>
+                                        </p:cTn>
+                                        <p:tgtEl>
+                                          <p:spTgt spid="5">
+                                            <p:txEl>
+                                              <p:pRg st="1" end="1"/>
+                                            </p:txEl>
+                                          </p:spTgt>
+                                        </p:tgtEl>
+                                        <p:attrNameLst>
+                                          <p:attrName>style.visibility</p:attrName>
+                                        </p:attrNameLst>
+                                      </p:cBhvr>
+                                      <p:to>
+                                        <p:strVal val="visible"/>
+                                      </p:to>
+                                    </p:set>
+                                    <p:animEffect transition="in" filter="fade">
+                                      <p:cBhvr>
+                                        <p:cTn id="25" dur="250"/>
+                                        <p:tgtEl>
+                                          <p:spTgt spid="5">
+                                            <p:txEl>
+                                              <p:pRg st="1" end="1"/>
+                                            </p:txEl>
+                                          </p:spTgt>
+                                        </p:tgtEl>
+                                      </p:cBhvr>
+                                    </p:animEffect>
+                                  </p:childTnLst>
+                                </p:cTn>
+                              </p:par>
+                              <p:par>
+                                <p:cTn id="26" presetID="10" presetClass="entr" presetSubtype="0" fill="hold" nodeType="withEffect">
+                                  <p:stCondLst>
+                                    <p:cond delay="0"/>
+                                  </p:stCondLst>
+                                  <p:childTnLst>
+                                    <p:set>
+                                      <p:cBhvr>
+                                        <p:cTn id="27" dur="1" fill="hold">
+                                          <p:stCondLst>
+                                            <p:cond delay="0"/>
+                                          </p:stCondLst>
+                                        </p:cTn>
+                                        <p:tgtEl>
+                                          <p:spTgt spid="5">
+                                            <p:txEl>
+                                              <p:pRg st="2" end="2"/>
+                                            </p:txEl>
+                                          </p:spTgt>
+                                        </p:tgtEl>
+                                        <p:attrNameLst>
+                                          <p:attrName>style.visibility</p:attrName>
+                                        </p:attrNameLst>
+                                      </p:cBhvr>
+                                      <p:to>
+                                        <p:strVal val="visible"/>
+                                      </p:to>
+                                    </p:set>
+                                    <p:animEffect transition="in" filter="fade">
+                                      <p:cBhvr>
+                                        <p:cTn id="28" dur="250"/>
+                                        <p:tgtEl>
+                                          <p:spTgt spid="5">
+                                            <p:txEl>
+                                              <p:pRg st="2" end="2"/>
+                                            </p:txEl>
+                                          </p:spTgt>
+                                        </p:tgtEl>
+                                      </p:cBhvr>
+                                    </p:animEffect>
+                                  </p:childTnLst>
+                                </p:cTn>
+                              </p:par>
+                            </p:childTnLst>
+                          </p:cTn>
+                        </p:par>
+                      </p:childTnLst>
+                    </p:cTn>
+                  </p:par>
+                  <p:par>
+                    <p:cTn id="29" fill="hold">
+                      <p:stCondLst>
+                        <p:cond delay="indefinite"/>
+                      </p:stCondLst>
+                      <p:childTnLst>
+                        <p:par>
+                          <p:cTn id="30" fill="hold">
+                            <p:stCondLst>
+                              <p:cond delay="0"/>
+                            </p:stCondLst>
+                            <p:childTnLst>
+                              <p:par>
+                                <p:cTn id="31" presetID="10" presetClass="entr" presetSubtype="0" fill="hold" nodeType="clickEffect">
+                                  <p:stCondLst>
+                                    <p:cond delay="0"/>
+                                  </p:stCondLst>
+                                  <p:childTnLst>
+                                    <p:set>
+                                      <p:cBhvr>
+                                        <p:cTn id="32" dur="1" fill="hold">
+                                          <p:stCondLst>
+                                            <p:cond delay="0"/>
+                                          </p:stCondLst>
+                                        </p:cTn>
+                                        <p:tgtEl>
+                                          <p:spTgt spid="5">
+                                            <p:txEl>
+                                              <p:pRg st="3" end="3"/>
+                                            </p:txEl>
+                                          </p:spTgt>
+                                        </p:tgtEl>
+                                        <p:attrNameLst>
+                                          <p:attrName>style.visibility</p:attrName>
+                                        </p:attrNameLst>
+                                      </p:cBhvr>
+                                      <p:to>
+                                        <p:strVal val="visible"/>
+                                      </p:to>
+                                    </p:set>
+                                    <p:animEffect transition="in" filter="fade">
+                                      <p:cBhvr>
+                                        <p:cTn id="33" dur="250"/>
+                                        <p:tgtEl>
+                                          <p:spTgt spid="5">
+                                            <p:txEl>
+                                              <p:pRg st="3" end="3"/>
+                                            </p:txEl>
+                                          </p:spTgt>
+                                        </p:tgtEl>
+                                      </p:cBhvr>
+                                    </p:animEffect>
+                                  </p:childTnLst>
+                                </p:cTn>
+                              </p:par>
+                              <p:par>
+                                <p:cTn id="34" presetID="10" presetClass="entr" presetSubtype="0" fill="hold" nodeType="withEffect">
+                                  <p:stCondLst>
+                                    <p:cond delay="0"/>
+                                  </p:stCondLst>
+                                  <p:childTnLst>
+                                    <p:set>
+                                      <p:cBhvr>
+                                        <p:cTn id="35" dur="1" fill="hold">
+                                          <p:stCondLst>
+                                            <p:cond delay="0"/>
+                                          </p:stCondLst>
+                                        </p:cTn>
+                                        <p:tgtEl>
+                                          <p:spTgt spid="5">
+                                            <p:txEl>
+                                              <p:pRg st="4" end="4"/>
+                                            </p:txEl>
+                                          </p:spTgt>
+                                        </p:tgtEl>
+                                        <p:attrNameLst>
+                                          <p:attrName>style.visibility</p:attrName>
+                                        </p:attrNameLst>
+                                      </p:cBhvr>
+                                      <p:to>
+                                        <p:strVal val="visible"/>
+                                      </p:to>
+                                    </p:set>
+                                    <p:animEffect transition="in" filter="fade">
+                                      <p:cBhvr>
+                                        <p:cTn id="36" dur="250"/>
+                                        <p:tgtEl>
+                                          <p:spTgt spid="5">
+                                            <p:txEl>
+                                              <p:pRg st="4" end="4"/>
+                                            </p:txEl>
+                                          </p:spTgt>
+                                        </p:tgtEl>
+                                      </p:cBhvr>
+                                    </p:animEffect>
+                                  </p:childTnLst>
+                                </p:cTn>
+                              </p:par>
+                            </p:childTnLst>
+                          </p:cTn>
+                        </p:par>
+                      </p:childTnLst>
+                    </p:cTn>
+                  </p:par>
+                  <p:par>
+                    <p:cTn id="37" fill="hold">
+                      <p:stCondLst>
+                        <p:cond delay="indefinite"/>
+                      </p:stCondLst>
+                      <p:childTnLst>
+                        <p:par>
+                          <p:cTn id="38" fill="hold">
+                            <p:stCondLst>
+                              <p:cond delay="0"/>
+                            </p:stCondLst>
+                            <p:childTnLst>
+                              <p:par>
+                                <p:cTn id="39" presetID="10" presetClass="entr" presetSubtype="0" fill="hold" nodeType="clickEffect">
+                                  <p:stCondLst>
+                                    <p:cond delay="0"/>
+                                  </p:stCondLst>
+                                  <p:childTnLst>
+                                    <p:set>
+                                      <p:cBhvr>
+                                        <p:cTn id="40" dur="1" fill="hold">
+                                          <p:stCondLst>
+                                            <p:cond delay="0"/>
+                                          </p:stCondLst>
+                                        </p:cTn>
+                                        <p:tgtEl>
+                                          <p:spTgt spid="5">
+                                            <p:txEl>
+                                              <p:pRg st="5" end="5"/>
+                                            </p:txEl>
+                                          </p:spTgt>
+                                        </p:tgtEl>
+                                        <p:attrNameLst>
+                                          <p:attrName>style.visibility</p:attrName>
+                                        </p:attrNameLst>
+                                      </p:cBhvr>
+                                      <p:to>
+                                        <p:strVal val="visible"/>
+                                      </p:to>
+                                    </p:set>
+                                    <p:animEffect transition="in" filter="fade">
+                                      <p:cBhvr>
+                                        <p:cTn id="41" dur="250"/>
+                                        <p:tgtEl>
+                                          <p:spTgt spid="5">
+                                            <p:txEl>
+                                              <p:pRg st="5" end="5"/>
+                                            </p:txEl>
+                                          </p:spTgt>
+                                        </p:tgtEl>
+                                      </p:cBhvr>
+                                    </p:animEffect>
+                                  </p:childTnLst>
+                                </p:cTn>
+                              </p:par>
+                            </p:childTnLst>
+                          </p:cTn>
+                        </p:par>
+                      </p:childTnLst>
+                    </p:cTn>
+                  </p:par>
+                  <p:par>
+                    <p:cTn id="42" fill="hold">
+                      <p:stCondLst>
+                        <p:cond delay="indefinite"/>
+                      </p:stCondLst>
+                      <p:childTnLst>
+                        <p:par>
+                          <p:cTn id="43" fill="hold">
+                            <p:stCondLst>
+                              <p:cond delay="0"/>
+                            </p:stCondLst>
+                            <p:childTnLst>
+                              <p:par>
+                                <p:cTn id="44" presetID="10" presetClass="entr" presetSubtype="0" fill="hold" nodeType="clickEffect">
+                                  <p:stCondLst>
+                                    <p:cond delay="0"/>
+                                  </p:stCondLst>
+                                  <p:childTnLst>
+                                    <p:set>
+                                      <p:cBhvr>
+                                        <p:cTn id="45" dur="1" fill="hold">
+                                          <p:stCondLst>
+                                            <p:cond delay="0"/>
+                                          </p:stCondLst>
+                                        </p:cTn>
+                                        <p:tgtEl>
+                                          <p:spTgt spid="5">
+                                            <p:txEl>
+                                              <p:pRg st="7" end="7"/>
+                                            </p:txEl>
+                                          </p:spTgt>
+                                        </p:tgtEl>
+                                        <p:attrNameLst>
+                                          <p:attrName>style.visibility</p:attrName>
+                                        </p:attrNameLst>
+                                      </p:cBhvr>
+                                      <p:to>
+                                        <p:strVal val="visible"/>
+                                      </p:to>
+                                    </p:set>
+                                    <p:animEffect transition="in" filter="fade">
+                                      <p:cBhvr>
+                                        <p:cTn id="46" dur="250"/>
+                                        <p:tgtEl>
+                                          <p:spTgt spid="5">
+                                            <p:txEl>
+                                              <p:pRg st="7" end="7"/>
+                                            </p:txEl>
+                                          </p:spTgt>
+                                        </p:tgtEl>
+                                      </p:cBhvr>
+                                    </p:animEffect>
+                                  </p:childTnLst>
+                                </p:cTn>
+                              </p:par>
+                            </p:childTnLst>
+                          </p:cTn>
+                        </p:par>
+                      </p:childTnLst>
+                    </p:cTn>
+                  </p:par>
+                  <p:par>
+                    <p:cTn id="47" fill="hold">
+                      <p:stCondLst>
+                        <p:cond delay="indefinite"/>
+                      </p:stCondLst>
+                      <p:childTnLst>
+                        <p:par>
+                          <p:cTn id="48" fill="hold">
+                            <p:stCondLst>
+                              <p:cond delay="0"/>
+                            </p:stCondLst>
+                            <p:childTnLst>
+                              <p:par>
+                                <p:cTn id="49" presetID="10" presetClass="entr" presetSubtype="0" fill="hold" nodeType="clickEffect">
+                                  <p:stCondLst>
+                                    <p:cond delay="0"/>
+                                  </p:stCondLst>
+                                  <p:childTnLst>
+                                    <p:set>
+                                      <p:cBhvr>
+                                        <p:cTn id="50" dur="1" fill="hold">
+                                          <p:stCondLst>
+                                            <p:cond delay="0"/>
+                                          </p:stCondLst>
+                                        </p:cTn>
+                                        <p:tgtEl>
+                                          <p:spTgt spid="5">
+                                            <p:txEl>
+                                              <p:pRg st="8" end="8"/>
+                                            </p:txEl>
+                                          </p:spTgt>
+                                        </p:tgtEl>
+                                        <p:attrNameLst>
+                                          <p:attrName>style.visibility</p:attrName>
+                                        </p:attrNameLst>
+                                      </p:cBhvr>
+                                      <p:to>
+                                        <p:strVal val="visible"/>
+                                      </p:to>
+                                    </p:set>
+                                    <p:animEffect transition="in" filter="fade">
+                                      <p:cBhvr>
+                                        <p:cTn id="51" dur="250"/>
+                                        <p:tgtEl>
+                                          <p:spTgt spid="5">
+                                            <p:txEl>
+                                              <p:pRg st="8" end="8"/>
+                                            </p:txEl>
+                                          </p:spTgt>
+                                        </p:tgtEl>
+                                      </p:cBhvr>
+                                    </p:animEffect>
+                                  </p:childTnLst>
+                                </p:cTn>
+                              </p:par>
+                            </p:childTnLst>
+                          </p:cTn>
+                        </p:par>
+                      </p:childTnLst>
+                    </p:cTn>
+                  </p:par>
+                  <p:par>
+                    <p:cTn id="52" fill="hold">
+                      <p:stCondLst>
+                        <p:cond delay="indefinite"/>
+                      </p:stCondLst>
+                      <p:childTnLst>
+                        <p:par>
+                          <p:cTn id="53" fill="hold">
+                            <p:stCondLst>
+                              <p:cond delay="0"/>
+                            </p:stCondLst>
+                            <p:childTnLst>
+                              <p:par>
+                                <p:cTn id="54" presetID="10" presetClass="entr" presetSubtype="0" fill="hold" nodeType="clickEffect">
+                                  <p:stCondLst>
+                                    <p:cond delay="0"/>
+                                  </p:stCondLst>
+                                  <p:childTnLst>
+                                    <p:set>
+                                      <p:cBhvr>
+                                        <p:cTn id="55" dur="1" fill="hold">
+                                          <p:stCondLst>
+                                            <p:cond delay="0"/>
+                                          </p:stCondLst>
+                                        </p:cTn>
+                                        <p:tgtEl>
+                                          <p:spTgt spid="5">
+                                            <p:txEl>
+                                              <p:pRg st="9" end="9"/>
+                                            </p:txEl>
+                                          </p:spTgt>
+                                        </p:tgtEl>
+                                        <p:attrNameLst>
+                                          <p:attrName>style.visibility</p:attrName>
+                                        </p:attrNameLst>
+                                      </p:cBhvr>
+                                      <p:to>
+                                        <p:strVal val="visible"/>
+                                      </p:to>
+                                    </p:set>
+                                    <p:animEffect transition="in" filter="fade">
+                                      <p:cBhvr>
+                                        <p:cTn id="56" dur="250"/>
+                                        <p:tgtEl>
+                                          <p:spTgt spid="5">
+                                            <p:txEl>
+                                              <p:pRg st="9" end="9"/>
+                                            </p:txEl>
+                                          </p:spTgt>
+                                        </p:tgtEl>
+                                      </p:cBhvr>
+                                    </p:animEffect>
+                                  </p:childTnLst>
+                                </p:cTn>
+                              </p:par>
+                            </p:childTnLst>
+                          </p:cTn>
+                        </p:par>
+                      </p:childTnLst>
+                    </p:cTn>
+                  </p:par>
+                  <p:par>
+                    <p:cTn id="57" fill="hold">
+                      <p:stCondLst>
+                        <p:cond delay="indefinite"/>
+                      </p:stCondLst>
+                      <p:childTnLst>
+                        <p:par>
+                          <p:cTn id="58" fill="hold">
+                            <p:stCondLst>
+                              <p:cond delay="0"/>
+                            </p:stCondLst>
+                            <p:childTnLst>
+                              <p:par>
+                                <p:cTn id="59" presetID="10" presetClass="entr" presetSubtype="0" fill="hold" grpId="0" nodeType="clickEffect">
+                                  <p:stCondLst>
+                                    <p:cond delay="0"/>
+                                  </p:stCondLst>
+                                  <p:childTnLst>
+                                    <p:set>
+                                      <p:cBhvr>
+                                        <p:cTn id="60" dur="1" fill="hold">
+                                          <p:stCondLst>
+                                            <p:cond delay="0"/>
+                                          </p:stCondLst>
+                                        </p:cTn>
+                                        <p:tgtEl>
+                                          <p:spTgt spid="8"/>
+                                        </p:tgtEl>
+                                        <p:attrNameLst>
+                                          <p:attrName>style.visibility</p:attrName>
+                                        </p:attrNameLst>
+                                      </p:cBhvr>
+                                      <p:to>
+                                        <p:strVal val="visible"/>
+                                      </p:to>
+                                    </p:set>
+                                    <p:animEffect transition="in" filter="fade">
+                                      <p:cBhvr>
+                                        <p:cTn id="61" dur="250"/>
+                                        <p:tgtEl>
+                                          <p:spTgt spid="8"/>
+                                        </p:tgtEl>
+                                      </p:cBhvr>
+                                    </p:animEffect>
+                                  </p:childTnLst>
+                                </p:cTn>
+                              </p:par>
+                            </p:childTnLst>
+                          </p:cTn>
+                        </p:par>
+                      </p:childTnLst>
+                    </p:cTn>
+                  </p:par>
+                  <p:par>
+                    <p:cTn id="62" fill="hold">
+                      <p:stCondLst>
+                        <p:cond delay="indefinite"/>
+                      </p:stCondLst>
+                      <p:childTnLst>
+                        <p:par>
+                          <p:cTn id="63" fill="hold">
+                            <p:stCondLst>
+                              <p:cond delay="0"/>
+                            </p:stCondLst>
+                            <p:childTnLst>
+                              <p:par>
+                                <p:cTn id="64" presetID="10" presetClass="entr" presetSubtype="0" fill="hold" grpId="0" nodeType="clickEffect">
+                                  <p:stCondLst>
+                                    <p:cond delay="0"/>
+                                  </p:stCondLst>
+                                  <p:childTnLst>
+                                    <p:set>
+                                      <p:cBhvr>
+                                        <p:cTn id="65" dur="1" fill="hold">
+                                          <p:stCondLst>
+                                            <p:cond delay="0"/>
+                                          </p:stCondLst>
+                                        </p:cTn>
+                                        <p:tgtEl>
+                                          <p:spTgt spid="7"/>
+                                        </p:tgtEl>
+                                        <p:attrNameLst>
+                                          <p:attrName>style.visibility</p:attrName>
+                                        </p:attrNameLst>
+                                      </p:cBhvr>
+                                      <p:to>
+                                        <p:strVal val="visible"/>
+                                      </p:to>
+                                    </p:set>
+                                    <p:animEffect transition="in" filter="fade">
+                                      <p:cBhvr>
+                                        <p:cTn id="66" dur="250"/>
+                                        <p:tgtEl>
+                                          <p:spTgt spid="7"/>
+                                        </p:tgtEl>
+                                      </p:cBhvr>
+                                    </p:animEffect>
+                                  </p:childTnLst>
+                                </p:cTn>
+                              </p:par>
+                            </p:childTnLst>
+                          </p:cTn>
+                        </p:par>
+                      </p:childTnLst>
+                    </p:cTn>
+                  </p:par>
+                </p:childTnLst>
+              </p:cTn>
+              <p:prevCondLst>
+                <p:cond evt="onPrev" delay="0">
+                  <p:tgtEl>
+                    <p:sldTgt/>
+                  </p:tgtEl>
+                </p:cond>
+              </p:prevCondLst>
+              <p:nextCondLst>
+                <p:cond evt="onNext" delay="0">
+                  <p:tgtEl>
+                    <p:sldTgt/>
+                  </p:tgtEl>
+                </p:cond>
+              </p:nextCondLst>
+            </p:seq>
+          </p:childTnLst>
+        </p:cTn>
+      </p:par>
+    </p:tnLst>
+    <p:bldLst>
+      <p:bldP spid="4" grpId="0"/>
+      <p:bldP spid="5" grpId="0" animBg="1"/>
+      <p:bldP spid="7" grpId="0" animBg="1"/>
+      <p:bldP spid="8" grpId="0" animBg="1"/>
+    </p:bldLst>
+  </p:timing>
+</p:sld>
+</file>
+
+<file path=ppt/slides/slide7.xml><?xml version="1.0" encoding="utf-8"?>
+<p:sld xmlns:a="http://schemas.openxmlformats.org/drawingml/2006/main" xmlns:r="http://schemas.openxmlformats.org/officeDocument/2006/relationships" xmlns:p="http://schemas.openxmlformats.org/presentationml/2006/main">
+  <p:cSld>
+    <p:spTree>
+      <p:nvGrpSpPr>
+        <p:cNvPr id="1" name=""/>
+        <p:cNvGrpSpPr/>
+        <p:nvPr/>
+      </p:nvGrpSpPr>
+      <p:grpSpPr>
+        <a:xfrm>
+          <a:off x="0" y="0"/>
+          <a:ext cx="0" cy="0"/>
+          <a:chOff x="0" y="0"/>
+          <a:chExt cx="0" cy="0"/>
+        </a:xfrm>
+      </p:grpSpPr>
+      <p:sp>
+        <p:nvSpPr>
+          <p:cNvPr id="2" name="Title 1">
+            <a:extLst>
+              <a:ext uri="{FF2B5EF4-FFF2-40B4-BE49-F238E27FC236}">
+                <a16:creationId xmlns:a16="http://schemas.microsoft.com/office/drawing/2014/main" id="{97803D95-8F96-4822-A285-EA9850E5563C}"/>
+              </a:ext>
+            </a:extLst>
+          </p:cNvPr>
+          <p:cNvSpPr>
+            <a:spLocks noGrp="1"/>
+          </p:cNvSpPr>
+          <p:nvPr>
+            <p:ph type="title"/>
+          </p:nvPr>
+        </p:nvSpPr>
+        <p:spPr>
+          <a:xfrm>
+            <a:off x="1608486" y="1103115"/>
+            <a:ext cx="8520600" cy="572700"/>
+          </a:xfrm>
+        </p:spPr>
+        <p:txBody>
+          <a:bodyPr>
+            <a:normAutofit fontScale="90000"/>
+          </a:bodyPr>
+          <a:lstStyle/>
+          <a:p>
+            <a:pPr algn="ctr"/>
+            <a:r>
+              <a:rPr lang="en-IN" sz="4000" dirty="0">
+                <a:latin typeface="OCR A Extended" panose="02010509020102010303" pitchFamily="50" charset="0"/>
+              </a:rPr>
+              <a:t>PESCoin</a:t>
+            </a:r>
+          </a:p>
+        </p:txBody>
+      </p:sp>
+      <p:sp>
+        <p:nvSpPr>
+          <p:cNvPr id="3" name="TextBox 2">
+            <a:extLst>
+              <a:ext uri="{FF2B5EF4-FFF2-40B4-BE49-F238E27FC236}">
+                <a16:creationId xmlns:a16="http://schemas.microsoft.com/office/drawing/2014/main" id="{97D80F9B-460A-4B05-B3CE-E7CE435A8EEB}"/>
+              </a:ext>
+            </a:extLst>
+          </p:cNvPr>
+          <p:cNvSpPr txBox="1"/>
+          <p:nvPr/>
+        </p:nvSpPr>
+        <p:spPr>
+          <a:xfrm>
+            <a:off x="1947950" y="2320636"/>
+            <a:ext cx="3664527" cy="584775"/>
+          </a:xfrm>
+          <a:prstGeom prst="rect">
+            <a:avLst/>
+          </a:prstGeom>
+          <a:noFill/>
+        </p:spPr>
+        <p:txBody>
+          <a:bodyPr wrap="square" rtlCol="0">
+            <a:spAutoFit/>
+          </a:bodyPr>
+          <a:lstStyle/>
+          <a:p>
+            <a:pPr marL="114300" lvl="0">
+              <a:buSzPts val="1800"/>
+            </a:pPr>
+            <a:r>
+              <a:rPr lang="en-US" sz="1600" dirty="0"/>
+              <a:t>Issue 1:</a:t>
+            </a:r>
+          </a:p>
+          <a:p>
+            <a:pPr marL="114300" lvl="0">
+              <a:buSzPts val="1800"/>
+            </a:pPr>
+            <a:r>
+              <a:rPr lang="en-US" sz="1600" dirty="0"/>
+              <a:t>String of binary digits on a hard drive</a:t>
+            </a:r>
+          </a:p>
+        </p:txBody>
+      </p:sp>
+      <p:sp>
+        <p:nvSpPr>
+          <p:cNvPr id="4" name="TextBox 3">
+            <a:extLst>
+              <a:ext uri="{FF2B5EF4-FFF2-40B4-BE49-F238E27FC236}">
+                <a16:creationId xmlns:a16="http://schemas.microsoft.com/office/drawing/2014/main" id="{834BBDA7-1287-4BEC-B0AC-C0879B10E883}"/>
+              </a:ext>
+            </a:extLst>
+          </p:cNvPr>
+          <p:cNvSpPr txBox="1"/>
+          <p:nvPr/>
+        </p:nvSpPr>
+        <p:spPr>
+          <a:xfrm>
+            <a:off x="7081059" y="2562002"/>
+            <a:ext cx="1828800" cy="338554"/>
+          </a:xfrm>
+          <a:prstGeom prst="rect">
+            <a:avLst/>
+          </a:prstGeom>
+          <a:noFill/>
+        </p:spPr>
+        <p:txBody>
+          <a:bodyPr wrap="square" rtlCol="0">
+            <a:spAutoFit/>
+          </a:bodyPr>
+          <a:lstStyle/>
+          <a:p>
+            <a:pPr marL="114300" lvl="0">
+              <a:buSzPts val="1800"/>
+            </a:pPr>
+            <a:r>
+              <a:rPr lang="en-US" sz="1600" dirty="0"/>
+              <a:t>Ledger System</a:t>
+            </a:r>
+          </a:p>
+        </p:txBody>
+      </p:sp>
+      <p:sp>
+        <p:nvSpPr>
+          <p:cNvPr id="5" name="TextBox 4">
+            <a:extLst>
+              <a:ext uri="{FF2B5EF4-FFF2-40B4-BE49-F238E27FC236}">
+                <a16:creationId xmlns:a16="http://schemas.microsoft.com/office/drawing/2014/main" id="{723EAB7B-E877-4C47-80A3-0DADC0A82889}"/>
+              </a:ext>
+            </a:extLst>
+          </p:cNvPr>
+          <p:cNvSpPr txBox="1"/>
+          <p:nvPr/>
+        </p:nvSpPr>
+        <p:spPr>
+          <a:xfrm>
+            <a:off x="1947950" y="3193762"/>
+            <a:ext cx="3664527" cy="584775"/>
+          </a:xfrm>
+          <a:prstGeom prst="rect">
+            <a:avLst/>
+          </a:prstGeom>
+          <a:noFill/>
+        </p:spPr>
+        <p:txBody>
+          <a:bodyPr wrap="square" rtlCol="0">
+            <a:spAutoFit/>
+          </a:bodyPr>
+          <a:lstStyle/>
+          <a:p>
+            <a:pPr marL="114300" lvl="0">
+              <a:buSzPts val="1800"/>
+            </a:pPr>
+            <a:r>
+              <a:rPr lang="en-US" sz="1600" dirty="0"/>
+              <a:t>Issue 2:</a:t>
+            </a:r>
+          </a:p>
+          <a:p>
+            <a:pPr marL="114300" lvl="0">
+              <a:buSzPts val="1800"/>
+            </a:pPr>
+            <a:r>
+              <a:rPr lang="en-US" sz="1600" dirty="0" err="1"/>
+              <a:t>Unauthorised</a:t>
+            </a:r>
+            <a:r>
+              <a:rPr lang="en-US" sz="1600" dirty="0"/>
+              <a:t> Removal of Funds</a:t>
+            </a:r>
+          </a:p>
+        </p:txBody>
+      </p:sp>
+      <p:sp>
+        <p:nvSpPr>
+          <p:cNvPr id="6" name="TextBox 5">
+            <a:extLst>
+              <a:ext uri="{FF2B5EF4-FFF2-40B4-BE49-F238E27FC236}">
+                <a16:creationId xmlns:a16="http://schemas.microsoft.com/office/drawing/2014/main" id="{C0CCD627-F428-470A-8A97-59FB75F033FC}"/>
+              </a:ext>
+            </a:extLst>
+          </p:cNvPr>
+          <p:cNvSpPr txBox="1"/>
+          <p:nvPr/>
+        </p:nvSpPr>
+        <p:spPr>
+          <a:xfrm>
+            <a:off x="7081059" y="3419445"/>
+            <a:ext cx="1953491" cy="338554"/>
+          </a:xfrm>
+          <a:prstGeom prst="rect">
+            <a:avLst/>
+          </a:prstGeom>
+          <a:noFill/>
+        </p:spPr>
+        <p:txBody>
+          <a:bodyPr wrap="square" rtlCol="0">
+            <a:spAutoFit/>
+          </a:bodyPr>
+          <a:lstStyle/>
+          <a:p>
+            <a:pPr marL="114300" lvl="0">
+              <a:buSzPts val="1800"/>
+            </a:pPr>
+            <a:r>
+              <a:rPr lang="en-US" sz="1600" dirty="0"/>
+              <a:t>Digital Signatures</a:t>
+            </a:r>
+          </a:p>
+        </p:txBody>
+      </p:sp>
+      <p:sp>
+        <p:nvSpPr>
+          <p:cNvPr id="7" name="TextBox 6">
+            <a:extLst>
+              <a:ext uri="{FF2B5EF4-FFF2-40B4-BE49-F238E27FC236}">
+                <a16:creationId xmlns:a16="http://schemas.microsoft.com/office/drawing/2014/main" id="{FC80FC7D-5465-4D31-93D8-73D69AE38232}"/>
+              </a:ext>
+            </a:extLst>
+          </p:cNvPr>
+          <p:cNvSpPr txBox="1"/>
+          <p:nvPr/>
+        </p:nvSpPr>
+        <p:spPr>
+          <a:xfrm>
+            <a:off x="1947950" y="4066888"/>
+            <a:ext cx="3664527" cy="584775"/>
+          </a:xfrm>
+          <a:prstGeom prst="rect">
+            <a:avLst/>
+          </a:prstGeom>
+          <a:noFill/>
+        </p:spPr>
+        <p:txBody>
+          <a:bodyPr wrap="square" rtlCol="0">
+            <a:spAutoFit/>
+          </a:bodyPr>
+          <a:lstStyle/>
+          <a:p>
+            <a:pPr marL="114300" lvl="0">
+              <a:buSzPts val="1800"/>
+            </a:pPr>
+            <a:r>
+              <a:rPr lang="en-US" sz="1600" dirty="0"/>
+              <a:t>Issue 3:</a:t>
+            </a:r>
+          </a:p>
+          <a:p>
+            <a:pPr marL="114300" lvl="0">
+              <a:buSzPts val="1800"/>
+            </a:pPr>
+            <a:r>
+              <a:rPr lang="en-US" sz="1600" dirty="0"/>
+              <a:t>Repeat Transactions</a:t>
+            </a:r>
+          </a:p>
+        </p:txBody>
+      </p:sp>
+      <p:sp>
+        <p:nvSpPr>
+          <p:cNvPr id="8" name="TextBox 7">
+            <a:extLst>
+              <a:ext uri="{FF2B5EF4-FFF2-40B4-BE49-F238E27FC236}">
+                <a16:creationId xmlns:a16="http://schemas.microsoft.com/office/drawing/2014/main" id="{8F7AB7A8-F5E5-4598-9546-7DAD25658C1D}"/>
+              </a:ext>
+            </a:extLst>
+          </p:cNvPr>
+          <p:cNvSpPr txBox="1"/>
+          <p:nvPr/>
+        </p:nvSpPr>
+        <p:spPr>
+          <a:xfrm>
+            <a:off x="7081059" y="4313109"/>
+            <a:ext cx="1953491" cy="338554"/>
+          </a:xfrm>
+          <a:prstGeom prst="rect">
+            <a:avLst/>
+          </a:prstGeom>
+          <a:noFill/>
+        </p:spPr>
+        <p:txBody>
+          <a:bodyPr wrap="square" rtlCol="0">
+            <a:spAutoFit/>
+          </a:bodyPr>
+          <a:lstStyle/>
+          <a:p>
+            <a:pPr marL="114300" lvl="0">
+              <a:buSzPts val="1800"/>
+            </a:pPr>
+            <a:r>
+              <a:rPr lang="en-US" sz="1600" dirty="0"/>
+              <a:t>Serial Numbers</a:t>
+            </a:r>
+          </a:p>
+        </p:txBody>
+      </p:sp>
+      <p:sp>
+        <p:nvSpPr>
+          <p:cNvPr id="9" name="TextBox 8">
+            <a:extLst>
+              <a:ext uri="{FF2B5EF4-FFF2-40B4-BE49-F238E27FC236}">
+                <a16:creationId xmlns:a16="http://schemas.microsoft.com/office/drawing/2014/main" id="{4FB00581-CDA1-4EDD-82C1-B572C46F7469}"/>
+              </a:ext>
+            </a:extLst>
+          </p:cNvPr>
+          <p:cNvSpPr txBox="1"/>
+          <p:nvPr/>
+        </p:nvSpPr>
+        <p:spPr>
+          <a:xfrm>
+            <a:off x="3724795" y="5211867"/>
+            <a:ext cx="4578927" cy="307777"/>
+          </a:xfrm>
+          <a:prstGeom prst="rect">
+            <a:avLst/>
+          </a:prstGeom>
+          <a:noFill/>
+        </p:spPr>
+        <p:txBody>
+          <a:bodyPr wrap="square" rtlCol="0">
+            <a:spAutoFit/>
+          </a:bodyPr>
+          <a:lstStyle/>
+          <a:p>
+            <a:r>
+              <a:rPr lang="en-IN" dirty="0"/>
+              <a:t>But Serial Numbers need to be Issued by a ‘third party’</a:t>
+            </a:r>
+          </a:p>
+        </p:txBody>
+      </p:sp>
+      <p:sp>
+        <p:nvSpPr>
+          <p:cNvPr id="10" name="Arrow: Right 9">
+            <a:extLst>
+              <a:ext uri="{FF2B5EF4-FFF2-40B4-BE49-F238E27FC236}">
+                <a16:creationId xmlns:a16="http://schemas.microsoft.com/office/drawing/2014/main" id="{4A2E1F7B-7B2B-4E6C-A963-6CD6920F0059}"/>
+              </a:ext>
+            </a:extLst>
+          </p:cNvPr>
+          <p:cNvSpPr/>
+          <p:nvPr/>
+        </p:nvSpPr>
+        <p:spPr>
+          <a:xfrm>
+            <a:off x="5868786" y="2680855"/>
+            <a:ext cx="872836" cy="152400"/>
+          </a:xfrm>
+          <a:prstGeom prst="rightArrow">
+            <a:avLst/>
+          </a:prstGeom>
+        </p:spPr>
+        <p:style>
+          <a:lnRef idx="2">
+            <a:schemeClr val="accent1">
+              <a:shade val="50000"/>
+            </a:schemeClr>
+          </a:lnRef>
+          <a:fillRef idx="1">
+            <a:schemeClr val="accent1"/>
+          </a:fillRef>
+          <a:effectRef idx="0">
+            <a:schemeClr val="accent1"/>
+          </a:effectRef>
+          <a:fontRef idx="minor">
+            <a:schemeClr val="lt1"/>
+          </a:fontRef>
+        </p:style>
+        <p:txBody>
+          <a:bodyPr rtlCol="0" anchor="ctr"/>
+          <a:lstStyle/>
+          <a:p>
+            <a:pPr algn="ctr"/>
+            <a:endParaRPr lang="en-IN"/>
+          </a:p>
+        </p:txBody>
+      </p:sp>
+      <p:sp>
+        <p:nvSpPr>
+          <p:cNvPr id="11" name="Arrow: Right 10">
+            <a:extLst>
+              <a:ext uri="{FF2B5EF4-FFF2-40B4-BE49-F238E27FC236}">
+                <a16:creationId xmlns:a16="http://schemas.microsoft.com/office/drawing/2014/main" id="{C7040850-1069-458F-8BF1-1366FC0DC96A}"/>
+              </a:ext>
+            </a:extLst>
+          </p:cNvPr>
+          <p:cNvSpPr/>
+          <p:nvPr/>
+        </p:nvSpPr>
+        <p:spPr>
+          <a:xfrm>
+            <a:off x="5868786" y="3581620"/>
+            <a:ext cx="872836" cy="152400"/>
+          </a:xfrm>
+          <a:prstGeom prst="rightArrow">
+            <a:avLst/>
+          </a:prstGeom>
+        </p:spPr>
+        <p:style>
+          <a:lnRef idx="2">
+            <a:schemeClr val="accent1">
+              <a:shade val="50000"/>
+            </a:schemeClr>
+          </a:lnRef>
+          <a:fillRef idx="1">
+            <a:schemeClr val="accent1"/>
+          </a:fillRef>
+          <a:effectRef idx="0">
+            <a:schemeClr val="accent1"/>
+          </a:effectRef>
+          <a:fontRef idx="minor">
+            <a:schemeClr val="lt1"/>
+          </a:fontRef>
+        </p:style>
+        <p:txBody>
+          <a:bodyPr rtlCol="0" anchor="ctr"/>
+          <a:lstStyle/>
+          <a:p>
+            <a:pPr algn="ctr"/>
+            <a:endParaRPr lang="en-IN"/>
+          </a:p>
+        </p:txBody>
+      </p:sp>
+      <p:sp>
+        <p:nvSpPr>
+          <p:cNvPr id="12" name="Arrow: Right 11">
+            <a:extLst>
+              <a:ext uri="{FF2B5EF4-FFF2-40B4-BE49-F238E27FC236}">
+                <a16:creationId xmlns:a16="http://schemas.microsoft.com/office/drawing/2014/main" id="{04D2B80B-44E5-4F36-B389-935C2E75A0BD}"/>
+              </a:ext>
+            </a:extLst>
+          </p:cNvPr>
+          <p:cNvSpPr/>
+          <p:nvPr/>
+        </p:nvSpPr>
+        <p:spPr>
+          <a:xfrm>
+            <a:off x="5868786" y="4412515"/>
+            <a:ext cx="872836" cy="152400"/>
+          </a:xfrm>
+          <a:prstGeom prst="rightArrow">
+            <a:avLst/>
+          </a:prstGeom>
+        </p:spPr>
+        <p:style>
+          <a:lnRef idx="2">
+            <a:schemeClr val="accent1">
+              <a:shade val="50000"/>
+            </a:schemeClr>
+          </a:lnRef>
+          <a:fillRef idx="1">
+            <a:schemeClr val="accent1"/>
+          </a:fillRef>
+          <a:effectRef idx="0">
+            <a:schemeClr val="accent1"/>
+          </a:effectRef>
+          <a:fontRef idx="minor">
+            <a:schemeClr val="lt1"/>
+          </a:fontRef>
+        </p:style>
+        <p:txBody>
+          <a:bodyPr rtlCol="0" anchor="ctr"/>
+          <a:lstStyle/>
+          <a:p>
+            <a:pPr algn="ctr"/>
+            <a:endParaRPr lang="en-IN" dirty="0"/>
+          </a:p>
+        </p:txBody>
+      </p:sp>
+    </p:spTree>
+    <p:extLst>
+      <p:ext uri="{BB962C8B-B14F-4D97-AF65-F5344CB8AC3E}">
+        <p14:creationId xmlns:p14="http://schemas.microsoft.com/office/powerpoint/2010/main" val="2210846499"/>
+      </p:ext>
+    </p:extLst>
+  </p:cSld>
+  <p:clrMapOvr>
+    <a:masterClrMapping/>
+  </p:clrMapOvr>
+  <p:timing>
+    <p:tnLst>
+      <p:par>
+        <p:cTn id="1" dur="indefinite" restart="never" nodeType="tmRoot">
+          <p:childTnLst>
+            <p:seq concurrent="1" nextAc="seek">
+              <p:cTn id="2" dur="indefinite" nodeType="mainSeq">
+                <p:childTnLst>
+                  <p:par>
+                    <p:cTn id="3" fill="hold">
+                      <p:stCondLst>
+                        <p:cond delay="indefinite"/>
+                      </p:stCondLst>
+                      <p:childTnLst>
+                        <p:par>
+                          <p:cTn id="4" fill="hold">
+                            <p:stCondLst>
+                              <p:cond delay="0"/>
+                            </p:stCondLst>
+                            <p:childTnLst>
+                              <p:par>
+                                <p:cTn id="5" presetID="10" presetClass="entr" presetSubtype="0" fill="hold" grpId="0" nodeType="clickEffect">
+                                  <p:stCondLst>
+                                    <p:cond delay="0"/>
+                                  </p:stCondLst>
+                                  <p:childTnLst>
+                                    <p:set>
+                                      <p:cBhvr>
+                                        <p:cTn id="6" dur="1" fill="hold">
+                                          <p:stCondLst>
+                                            <p:cond delay="0"/>
+                                          </p:stCondLst>
+                                        </p:cTn>
+                                        <p:tgtEl>
+                                          <p:spTgt spid="2"/>
+                                        </p:tgtEl>
+                                        <p:attrNameLst>
+                                          <p:attrName>style.visibility</p:attrName>
+                                        </p:attrNameLst>
+                                      </p:cBhvr>
+                                      <p:to>
+                                        <p:strVal val="visible"/>
+                                      </p:to>
+                                    </p:set>
+                                    <p:animEffect transition="in" filter="fade">
+                                      <p:cBhvr>
+                                        <p:cTn id="7" dur="250"/>
+                                        <p:tgtEl>
+                                          <p:spTgt spid="2"/>
+                                        </p:tgtEl>
+                                      </p:cBhvr>
+                                    </p:animEffect>
+                                  </p:childTnLst>
+                                </p:cTn>
+                              </p:par>
+                            </p:childTnLst>
+                          </p:cTn>
+                        </p:par>
+                      </p:childTnLst>
+                    </p:cTn>
+                  </p:par>
+                  <p:par>
+                    <p:cTn id="8" fill="hold">
+                      <p:stCondLst>
+                        <p:cond delay="indefinite"/>
+                      </p:stCondLst>
+                      <p:childTnLst>
+                        <p:par>
+                          <p:cTn id="9" fill="hold">
+                            <p:stCondLst>
+                              <p:cond delay="0"/>
+                            </p:stCondLst>
+                            <p:childTnLst>
+                              <p:par>
+                                <p:cTn id="10" presetID="10" presetClass="entr" presetSubtype="0" fill="hold" grpId="0" nodeType="clickEffect">
+                                  <p:stCondLst>
+                                    <p:cond delay="0"/>
+                                  </p:stCondLst>
+                                  <p:childTnLst>
+                                    <p:set>
+                                      <p:cBhvr>
+                                        <p:cTn id="11" dur="1" fill="hold">
+                                          <p:stCondLst>
+                                            <p:cond delay="0"/>
+                                          </p:stCondLst>
+                                        </p:cTn>
+                                        <p:tgtEl>
+                                          <p:spTgt spid="3"/>
+                                        </p:tgtEl>
+                                        <p:attrNameLst>
+                                          <p:attrName>style.visibility</p:attrName>
+                                        </p:attrNameLst>
+                                      </p:cBhvr>
+                                      <p:to>
+                                        <p:strVal val="visible"/>
+                                      </p:to>
+                                    </p:set>
+                                    <p:animEffect transition="in" filter="fade">
+                                      <p:cBhvr>
+                                        <p:cTn id="12" dur="250"/>
+                                        <p:tgtEl>
+                                          <p:spTgt spid="3"/>
+                                        </p:tgtEl>
+                                      </p:cBhvr>
+                                    </p:animEffect>
+                                  </p:childTnLst>
+                                </p:cTn>
+                              </p:par>
+                            </p:childTnLst>
+                          </p:cTn>
+                        </p:par>
+                      </p:childTnLst>
+                    </p:cTn>
+                  </p:par>
+                  <p:par>
+                    <p:cTn id="13" fill="hold">
+                      <p:stCondLst>
+                        <p:cond delay="indefinite"/>
+                      </p:stCondLst>
+                      <p:childTnLst>
+                        <p:par>
+                          <p:cTn id="14" fill="hold">
+                            <p:stCondLst>
+                              <p:cond delay="0"/>
+                            </p:stCondLst>
+                            <p:childTnLst>
+                              <p:par>
+                                <p:cTn id="15" presetID="10" presetClass="entr" presetSubtype="0" fill="hold" grpId="0" nodeType="clickEffect">
+                                  <p:stCondLst>
+                                    <p:cond delay="0"/>
+                                  </p:stCondLst>
+                                  <p:childTnLst>
+                                    <p:set>
+                                      <p:cBhvr>
+                                        <p:cTn id="16" dur="1" fill="hold">
+                                          <p:stCondLst>
+                                            <p:cond delay="0"/>
+                                          </p:stCondLst>
+                                        </p:cTn>
+                                        <p:tgtEl>
+                                          <p:spTgt spid="10"/>
+                                        </p:tgtEl>
+                                        <p:attrNameLst>
+                                          <p:attrName>style.visibility</p:attrName>
+                                        </p:attrNameLst>
+                                      </p:cBhvr>
+                                      <p:to>
+                                        <p:strVal val="visible"/>
+                                      </p:to>
+                                    </p:set>
+                                    <p:animEffect transition="in" filter="fade">
+                                      <p:cBhvr>
+                                        <p:cTn id="17" dur="500"/>
+                                        <p:tgtEl>
+                                          <p:spTgt spid="10"/>
+                                        </p:tgtEl>
+                                      </p:cBhvr>
+                                    </p:animEffect>
+                                  </p:childTnLst>
+                                </p:cTn>
+                              </p:par>
+                            </p:childTnLst>
+                          </p:cTn>
+                        </p:par>
+                      </p:childTnLst>
+                    </p:cTn>
+                  </p:par>
+                  <p:par>
+                    <p:cTn id="18" fill="hold">
+                      <p:stCondLst>
+                        <p:cond delay="indefinite"/>
+                      </p:stCondLst>
+                      <p:childTnLst>
+                        <p:par>
+                          <p:cTn id="19" fill="hold">
+                            <p:stCondLst>
+                              <p:cond delay="0"/>
+                            </p:stCondLst>
+                            <p:childTnLst>
+                              <p:par>
+                                <p:cTn id="20" presetID="10" presetClass="entr" presetSubtype="0" fill="hold" grpId="0" nodeType="clickEffect">
+                                  <p:stCondLst>
+                                    <p:cond delay="0"/>
+                                  </p:stCondLst>
+                                  <p:iterate type="lt">
+                                    <p:tmPct val="0"/>
+                                  </p:iterate>
+                                  <p:childTnLst>
+                                    <p:set>
+                                      <p:cBhvr>
+                                        <p:cTn id="21" dur="1" fill="hold">
+                                          <p:stCondLst>
+                                            <p:cond delay="0"/>
+                                          </p:stCondLst>
+                                        </p:cTn>
+                                        <p:tgtEl>
+                                          <p:spTgt spid="4"/>
+                                        </p:tgtEl>
+                                        <p:attrNameLst>
+                                          <p:attrName>style.visibility</p:attrName>
+                                        </p:attrNameLst>
+                                      </p:cBhvr>
+                                      <p:to>
+                                        <p:strVal val="visible"/>
+                                      </p:to>
+                                    </p:set>
+                                    <p:animEffect transition="in" filter="fade">
+                                      <p:cBhvr>
+                                        <p:cTn id="22" dur="250"/>
+                                        <p:tgtEl>
+                                          <p:spTgt spid="4"/>
+                                        </p:tgtEl>
+                                      </p:cBhvr>
+                                    </p:animEffect>
+                                  </p:childTnLst>
+                                </p:cTn>
+                              </p:par>
+                            </p:childTnLst>
+                          </p:cTn>
+                        </p:par>
+                      </p:childTnLst>
+                    </p:cTn>
+                  </p:par>
+                  <p:par>
+                    <p:cTn id="23" fill="hold">
+                      <p:stCondLst>
+                        <p:cond delay="indefinite"/>
+                      </p:stCondLst>
+                      <p:childTnLst>
+                        <p:par>
+                          <p:cTn id="24" fill="hold">
+                            <p:stCondLst>
+                              <p:cond delay="0"/>
+                            </p:stCondLst>
+                            <p:childTnLst>
+                              <p:par>
+                                <p:cTn id="25" presetID="10" presetClass="entr" presetSubtype="0" fill="hold" grpId="0" nodeType="clickEffect">
+                                  <p:stCondLst>
+                                    <p:cond delay="0"/>
+                                  </p:stCondLst>
+                                  <p:childTnLst>
+                                    <p:set>
+                                      <p:cBhvr>
+                                        <p:cTn id="26" dur="1" fill="hold">
+                                          <p:stCondLst>
+                                            <p:cond delay="0"/>
+                                          </p:stCondLst>
+                                        </p:cTn>
+                                        <p:tgtEl>
+                                          <p:spTgt spid="5"/>
+                                        </p:tgtEl>
+                                        <p:attrNameLst>
+                                          <p:attrName>style.visibility</p:attrName>
+                                        </p:attrNameLst>
+                                      </p:cBhvr>
+                                      <p:to>
+                                        <p:strVal val="visible"/>
+                                      </p:to>
+                                    </p:set>
+                                    <p:animEffect transition="in" filter="fade">
+                                      <p:cBhvr>
+                                        <p:cTn id="27" dur="250"/>
+                                        <p:tgtEl>
+                                          <p:spTgt spid="5"/>
+                                        </p:tgtEl>
+                                      </p:cBhvr>
+                                    </p:animEffect>
+                                  </p:childTnLst>
+                                </p:cTn>
+                              </p:par>
+                            </p:childTnLst>
+                          </p:cTn>
+                        </p:par>
+                      </p:childTnLst>
+                    </p:cTn>
+                  </p:par>
+                  <p:par>
+                    <p:cTn id="28" fill="hold">
+                      <p:stCondLst>
+                        <p:cond delay="indefinite"/>
+                      </p:stCondLst>
+                      <p:childTnLst>
+                        <p:par>
+                          <p:cTn id="29" fill="hold">
+                            <p:stCondLst>
+                              <p:cond delay="0"/>
+                            </p:stCondLst>
+                            <p:childTnLst>
+                              <p:par>
+                                <p:cTn id="30" presetID="10" presetClass="entr" presetSubtype="0" fill="hold" grpId="0" nodeType="clickEffect">
+                                  <p:stCondLst>
+                                    <p:cond delay="0"/>
+                                  </p:stCondLst>
+                                  <p:childTnLst>
+                                    <p:set>
+                                      <p:cBhvr>
+                                        <p:cTn id="31" dur="1" fill="hold">
+                                          <p:stCondLst>
+                                            <p:cond delay="0"/>
+                                          </p:stCondLst>
+                                        </p:cTn>
+                                        <p:tgtEl>
+                                          <p:spTgt spid="11"/>
+                                        </p:tgtEl>
+                                        <p:attrNameLst>
+                                          <p:attrName>style.visibility</p:attrName>
+                                        </p:attrNameLst>
+                                      </p:cBhvr>
+                                      <p:to>
+                                        <p:strVal val="visible"/>
+                                      </p:to>
+                                    </p:set>
+                                    <p:animEffect transition="in" filter="fade">
+                                      <p:cBhvr>
+                                        <p:cTn id="32" dur="500"/>
+                                        <p:tgtEl>
+                                          <p:spTgt spid="11"/>
+                                        </p:tgtEl>
+                                      </p:cBhvr>
+                                    </p:animEffect>
+                                  </p:childTnLst>
+                                </p:cTn>
+                              </p:par>
+                            </p:childTnLst>
+                          </p:cTn>
+                        </p:par>
+                      </p:childTnLst>
+                    </p:cTn>
+                  </p:par>
+                  <p:par>
+                    <p:cTn id="33" fill="hold">
+                      <p:stCondLst>
+                        <p:cond delay="indefinite"/>
+                      </p:stCondLst>
+                      <p:childTnLst>
+                        <p:par>
+                          <p:cTn id="34" fill="hold">
+                            <p:stCondLst>
+                              <p:cond delay="0"/>
+                            </p:stCondLst>
+                            <p:childTnLst>
+                              <p:par>
+                                <p:cTn id="35" presetID="10" presetClass="entr" presetSubtype="0" fill="hold" grpId="0" nodeType="clickEffect">
+                                  <p:stCondLst>
+                                    <p:cond delay="0"/>
+                                  </p:stCondLst>
+                                  <p:childTnLst>
+                                    <p:set>
+                                      <p:cBhvr>
+                                        <p:cTn id="36" dur="1" fill="hold">
+                                          <p:stCondLst>
+                                            <p:cond delay="0"/>
+                                          </p:stCondLst>
+                                        </p:cTn>
+                                        <p:tgtEl>
+                                          <p:spTgt spid="6"/>
+                                        </p:tgtEl>
+                                        <p:attrNameLst>
+                                          <p:attrName>style.visibility</p:attrName>
+                                        </p:attrNameLst>
+                                      </p:cBhvr>
+                                      <p:to>
+                                        <p:strVal val="visible"/>
+                                      </p:to>
+                                    </p:set>
+                                    <p:animEffect transition="in" filter="fade">
+                                      <p:cBhvr>
+                                        <p:cTn id="37" dur="250"/>
+                                        <p:tgtEl>
+                                          <p:spTgt spid="6"/>
+                                        </p:tgtEl>
+                                      </p:cBhvr>
+                                    </p:animEffect>
+                                  </p:childTnLst>
+                                </p:cTn>
+                              </p:par>
+                            </p:childTnLst>
+                          </p:cTn>
+                        </p:par>
+                      </p:childTnLst>
+                    </p:cTn>
+                  </p:par>
+                  <p:par>
+                    <p:cTn id="38" fill="hold">
+                      <p:stCondLst>
+                        <p:cond delay="indefinite"/>
+                      </p:stCondLst>
+                      <p:childTnLst>
+                        <p:par>
+                          <p:cTn id="39" fill="hold">
+                            <p:stCondLst>
+                              <p:cond delay="0"/>
+                            </p:stCondLst>
+                            <p:childTnLst>
+                              <p:par>
+                                <p:cTn id="40" presetID="10" presetClass="entr" presetSubtype="0" fill="hold" grpId="0" nodeType="clickEffect">
+                                  <p:stCondLst>
+                                    <p:cond delay="0"/>
+                                  </p:stCondLst>
+                                  <p:childTnLst>
+                                    <p:set>
+                                      <p:cBhvr>
+                                        <p:cTn id="41" dur="1" fill="hold">
+                                          <p:stCondLst>
+                                            <p:cond delay="0"/>
+                                          </p:stCondLst>
+                                        </p:cTn>
+                                        <p:tgtEl>
+                                          <p:spTgt spid="7"/>
+                                        </p:tgtEl>
+                                        <p:attrNameLst>
+                                          <p:attrName>style.visibility</p:attrName>
+                                        </p:attrNameLst>
+                                      </p:cBhvr>
+                                      <p:to>
+                                        <p:strVal val="visible"/>
+                                      </p:to>
+                                    </p:set>
+                                    <p:animEffect transition="in" filter="fade">
+                                      <p:cBhvr>
+                                        <p:cTn id="42" dur="250"/>
+                                        <p:tgtEl>
+                                          <p:spTgt spid="7"/>
+                                        </p:tgtEl>
+                                      </p:cBhvr>
+                                    </p:animEffect>
+                                  </p:childTnLst>
+                                </p:cTn>
+                              </p:par>
+                            </p:childTnLst>
+                          </p:cTn>
+                        </p:par>
+                      </p:childTnLst>
+                    </p:cTn>
+                  </p:par>
+                  <p:par>
+                    <p:cTn id="43" fill="hold">
+                      <p:stCondLst>
+                        <p:cond delay="indefinite"/>
+                      </p:stCondLst>
+                      <p:childTnLst>
+                        <p:par>
+                          <p:cTn id="44" fill="hold">
+                            <p:stCondLst>
+                              <p:cond delay="0"/>
+                            </p:stCondLst>
+                            <p:childTnLst>
+                              <p:par>
+                                <p:cTn id="45" presetID="10" presetClass="entr" presetSubtype="0" fill="hold" grpId="0" nodeType="clickEffect">
+                                  <p:stCondLst>
+                                    <p:cond delay="0"/>
+                                  </p:stCondLst>
+                                  <p:childTnLst>
+                                    <p:set>
+                                      <p:cBhvr>
+                                        <p:cTn id="46" dur="1" fill="hold">
+                                          <p:stCondLst>
+                                            <p:cond delay="0"/>
+                                          </p:stCondLst>
+                                        </p:cTn>
+                                        <p:tgtEl>
+                                          <p:spTgt spid="12"/>
+                                        </p:tgtEl>
+                                        <p:attrNameLst>
+                                          <p:attrName>style.visibility</p:attrName>
+                                        </p:attrNameLst>
+                                      </p:cBhvr>
+                                      <p:to>
+                                        <p:strVal val="visible"/>
+                                      </p:to>
+                                    </p:set>
+                                    <p:animEffect transition="in" filter="fade">
+                                      <p:cBhvr>
+                                        <p:cTn id="47" dur="500"/>
+                                        <p:tgtEl>
+                                          <p:spTgt spid="12"/>
+                                        </p:tgtEl>
+                                      </p:cBhvr>
+                                    </p:animEffect>
+                                  </p:childTnLst>
+                                </p:cTn>
+                              </p:par>
+                            </p:childTnLst>
+                          </p:cTn>
+                        </p:par>
+                      </p:childTnLst>
+                    </p:cTn>
+                  </p:par>
+                  <p:par>
+                    <p:cTn id="48" fill="hold">
+                      <p:stCondLst>
+                        <p:cond delay="indefinite"/>
+                      </p:stCondLst>
+                      <p:childTnLst>
+                        <p:par>
+                          <p:cTn id="49" fill="hold">
+                            <p:stCondLst>
+                              <p:cond delay="0"/>
+                            </p:stCondLst>
+                            <p:childTnLst>
+                              <p:par>
+                                <p:cTn id="50" presetID="10" presetClass="entr" presetSubtype="0" fill="hold" grpId="0" nodeType="clickEffect">
+                                  <p:stCondLst>
+                                    <p:cond delay="0"/>
+                                  </p:stCondLst>
+                                  <p:childTnLst>
+                                    <p:set>
+                                      <p:cBhvr>
+                                        <p:cTn id="51" dur="1" fill="hold">
+                                          <p:stCondLst>
+                                            <p:cond delay="0"/>
+                                          </p:stCondLst>
+                                        </p:cTn>
+                                        <p:tgtEl>
+                                          <p:spTgt spid="8"/>
+                                        </p:tgtEl>
+                                        <p:attrNameLst>
+                                          <p:attrName>style.visibility</p:attrName>
+                                        </p:attrNameLst>
+                                      </p:cBhvr>
+                                      <p:to>
+                                        <p:strVal val="visible"/>
+                                      </p:to>
+                                    </p:set>
+                                    <p:animEffect transition="in" filter="fade">
+                                      <p:cBhvr>
+                                        <p:cTn id="52" dur="250"/>
+                                        <p:tgtEl>
+                                          <p:spTgt spid="8"/>
+                                        </p:tgtEl>
+                                      </p:cBhvr>
+                                    </p:animEffect>
+                                  </p:childTnLst>
+                                </p:cTn>
+                              </p:par>
+                            </p:childTnLst>
+                          </p:cTn>
+                        </p:par>
+                      </p:childTnLst>
+                    </p:cTn>
+                  </p:par>
+                  <p:par>
+                    <p:cTn id="53" fill="hold">
+                      <p:stCondLst>
+                        <p:cond delay="indefinite"/>
+                      </p:stCondLst>
+                      <p:childTnLst>
+                        <p:par>
+                          <p:cTn id="54" fill="hold">
+                            <p:stCondLst>
+                              <p:cond delay="0"/>
+                            </p:stCondLst>
+                            <p:childTnLst>
+                              <p:par>
+                                <p:cTn id="55" presetID="10" presetClass="entr" presetSubtype="0" fill="hold" grpId="0" nodeType="clickEffect">
+                                  <p:stCondLst>
+                                    <p:cond delay="0"/>
+                                  </p:stCondLst>
+                                  <p:childTnLst>
+                                    <p:set>
+                                      <p:cBhvr>
+                                        <p:cTn id="56" dur="1" fill="hold">
+                                          <p:stCondLst>
+                                            <p:cond delay="0"/>
+                                          </p:stCondLst>
+                                        </p:cTn>
+                                        <p:tgtEl>
+                                          <p:spTgt spid="9"/>
+                                        </p:tgtEl>
+                                        <p:attrNameLst>
+                                          <p:attrName>style.visibility</p:attrName>
+                                        </p:attrNameLst>
+                                      </p:cBhvr>
+                                      <p:to>
+                                        <p:strVal val="visible"/>
+                                      </p:to>
+                                    </p:set>
+                                    <p:animEffect transition="in" filter="fade">
+                                      <p:cBhvr>
+                                        <p:cTn id="57" dur="250"/>
+                                        <p:tgtEl>
+                                          <p:spTgt spid="9"/>
+                                        </p:tgtEl>
+                                      </p:cBhvr>
+                                    </p:animEffect>
+                                  </p:childTnLst>
+                                </p:cTn>
+                              </p:par>
+                            </p:childTnLst>
+                          </p:cTn>
+                        </p:par>
+                      </p:childTnLst>
+                    </p:cTn>
+                  </p:par>
+                </p:childTnLst>
+              </p:cTn>
+              <p:prevCondLst>
+                <p:cond evt="onPrev" delay="0">
+                  <p:tgtEl>
+                    <p:sldTgt/>
+                  </p:tgtEl>
+                </p:cond>
+              </p:prevCondLst>
+              <p:nextCondLst>
+                <p:cond evt="onNext" delay="0">
+                  <p:tgtEl>
+                    <p:sldTgt/>
+                  </p:tgtEl>
+                </p:cond>
+              </p:nextCondLst>
+            </p:seq>
+          </p:childTnLst>
+        </p:cTn>
+      </p:par>
+    </p:tnLst>
+    <p:bldLst>
+      <p:bldP spid="2" grpId="0"/>
+      <p:bldP spid="3" grpId="0"/>
+      <p:bldP spid="4" grpId="0"/>
+      <p:bldP spid="5" grpId="0"/>
+      <p:bldP spid="6" grpId="0"/>
+      <p:bldP spid="7" grpId="0"/>
+      <p:bldP spid="8" grpId="0"/>
+      <p:bldP spid="9" grpId="0"/>
+      <p:bldP spid="10" grpId="0" animBg="1"/>
+      <p:bldP spid="11" grpId="0" animBg="1"/>
+      <p:bldP spid="12" grpId="0" animBg="1"/>
+    </p:bldLst>
+  </p:timing>
+</p:sld>
+</file>
+
+<file path=ppt/slides/slide8.xml><?xml version="1.0" encoding="utf-8"?>
+<p:sld xmlns:a="http://schemas.openxmlformats.org/drawingml/2006/main" xmlns:r="http://schemas.openxmlformats.org/officeDocument/2006/relationships" xmlns:p="http://schemas.openxmlformats.org/presentationml/2006/main">
+  <p:cSld>
+    <p:spTree>
+      <p:nvGrpSpPr>
+        <p:cNvPr id="1" name=""/>
+        <p:cNvGrpSpPr/>
+        <p:nvPr/>
+      </p:nvGrpSpPr>
+      <p:grpSpPr>
+        <a:xfrm>
+          <a:off x="0" y="0"/>
+          <a:ext cx="0" cy="0"/>
+          <a:chOff x="0" y="0"/>
+          <a:chExt cx="0" cy="0"/>
+        </a:xfrm>
+      </p:grpSpPr>
+      <p:sp>
+        <p:nvSpPr>
+          <p:cNvPr id="2" name="Rectangle 1">
+            <a:extLst>
+              <a:ext uri="{FF2B5EF4-FFF2-40B4-BE49-F238E27FC236}">
+                <a16:creationId xmlns:a16="http://schemas.microsoft.com/office/drawing/2014/main" id="{2BD3ACAD-0D67-465C-A82E-F44C7803EC6C}"/>
+              </a:ext>
+            </a:extLst>
+          </p:cNvPr>
+          <p:cNvSpPr/>
+          <p:nvPr/>
+        </p:nvSpPr>
+        <p:spPr>
+          <a:xfrm>
+            <a:off x="3968366" y="3244334"/>
+            <a:ext cx="4255267" cy="369332"/>
+          </a:xfrm>
+          <a:prstGeom prst="rect">
+            <a:avLst/>
+          </a:prstGeom>
+        </p:spPr>
+        <p:txBody>
+          <a:bodyPr wrap="none">
+            <a:spAutoFit/>
+          </a:bodyPr>
+          <a:lstStyle/>
+          <a:p>
+            <a:r>
+              <a:rPr lang="en-IN" dirty="0"/>
+              <a:t>Only the Receiver is Verifying Transactions</a:t>
+            </a:r>
+          </a:p>
+        </p:txBody>
+      </p:sp>
+    </p:spTree>
+    <p:extLst>
+      <p:ext uri="{BB962C8B-B14F-4D97-AF65-F5344CB8AC3E}">
+        <p14:creationId xmlns:p14="http://schemas.microsoft.com/office/powerpoint/2010/main" val="3308235615"/>
+      </p:ext>
+    </p:extLst>
+  </p:cSld>
+  <p:clrMapOvr>
+    <a:masterClrMapping/>
+  </p:clrMapOvr>
+</p:sld>
+</file>
+
+<file path=ppt/slides/slide9.xml><?xml version="1.0" encoding="utf-8"?>
+<p:sld xmlns:a="http://schemas.openxmlformats.org/drawingml/2006/main" xmlns:r="http://schemas.openxmlformats.org/officeDocument/2006/relationships" xmlns:p="http://schemas.openxmlformats.org/presentationml/2006/main">
+  <p:cSld>
+    <p:spTree>
+      <p:nvGrpSpPr>
+        <p:cNvPr id="1" name=""/>
+        <p:cNvGrpSpPr/>
+        <p:nvPr/>
+      </p:nvGrpSpPr>
+      <p:grpSpPr>
+        <a:xfrm>
+          <a:off x="0" y="0"/>
+          <a:ext cx="0" cy="0"/>
+          <a:chOff x="0" y="0"/>
+          <a:chExt cx="0" cy="0"/>
+        </a:xfrm>
+      </p:grpSpPr>
+      <p:sp>
+        <p:nvSpPr>
+          <p:cNvPr id="2" name="Shape 72">
+            <a:extLst>
+              <a:ext uri="{FF2B5EF4-FFF2-40B4-BE49-F238E27FC236}">
+                <a16:creationId xmlns:a16="http://schemas.microsoft.com/office/drawing/2014/main" id="{BF958A6F-20C7-4D24-9836-87005A52ED3C}"/>
+              </a:ext>
+            </a:extLst>
+          </p:cNvPr>
+          <p:cNvSpPr txBox="1">
+            <a:spLocks noGrp="1"/>
+          </p:cNvSpPr>
+          <p:nvPr>
+            <p:ph type="title"/>
+          </p:nvPr>
+        </p:nvSpPr>
+        <p:spPr>
+          <a:xfrm>
+            <a:off x="1728540" y="2232849"/>
+            <a:ext cx="4045200" cy="1551900"/>
+          </a:xfrm>
+          <a:prstGeom prst="rect">
+            <a:avLst/>
+          </a:prstGeom>
+        </p:spPr>
+        <p:txBody>
+          <a:bodyPr spcFirstLastPara="1" wrap="square" lIns="91425" tIns="91425" rIns="91425" bIns="91425" anchor="b" anchorCtr="0">
+            <a:noAutofit/>
+          </a:bodyPr>
+          <a:lstStyle/>
+          <a:p>
+            <a:pPr marL="0" lvl="0" indent="0" algn="l">
+              <a:spcBef>
+                <a:spcPts val="0"/>
+              </a:spcBef>
+              <a:spcAft>
+                <a:spcPts val="0"/>
+              </a:spcAft>
+              <a:buNone/>
+            </a:pPr>
+            <a:r>
+              <a:rPr lang="en-IN" dirty="0">
+                <a:latin typeface="OCR A Extended" panose="02010509020102010303" pitchFamily="50" charset="0"/>
+              </a:rPr>
+              <a:t>Double Spending</a:t>
+            </a:r>
+            <a:endParaRPr dirty="0">
+              <a:latin typeface="OCR A Extended" panose="02010509020102010303" pitchFamily="50" charset="0"/>
+            </a:endParaRPr>
+          </a:p>
+        </p:txBody>
+      </p:sp>
+      <p:sp>
+        <p:nvSpPr>
+          <p:cNvPr id="3" name="Shape 74">
+            <a:extLst>
+              <a:ext uri="{FF2B5EF4-FFF2-40B4-BE49-F238E27FC236}">
+                <a16:creationId xmlns:a16="http://schemas.microsoft.com/office/drawing/2014/main" id="{9E63270C-94E7-447A-8E98-2D96871BB2C9}"/>
+              </a:ext>
+            </a:extLst>
+          </p:cNvPr>
+          <p:cNvSpPr txBox="1">
+            <a:spLocks/>
+          </p:cNvSpPr>
+          <p:nvPr/>
+        </p:nvSpPr>
+        <p:spPr>
+          <a:xfrm>
+            <a:off x="6402540" y="1581450"/>
+            <a:ext cx="3837000" cy="3695100"/>
+          </a:xfrm>
+          <a:prstGeom prst="rect">
+            <a:avLst/>
+          </a:prstGeom>
+        </p:spPr>
+        <p:txBody>
+          <a:bodyPr spcFirstLastPara="1" wrap="square" lIns="91425" tIns="91425" rIns="91425" bIns="91425" anchor="ctr" anchorCtr="0">
+            <a:noAutofit/>
+          </a:bodyPr>
+          <a:lstStyle>
+            <a:lvl1pPr marL="384048" indent="-384048" algn="l" defTabSz="914400" rtl="0" eaLnBrk="1" latinLnBrk="0" hangingPunct="1">
+              <a:lnSpc>
+                <a:spcPct val="94000"/>
+              </a:lnSpc>
+              <a:spcBef>
+                <a:spcPts val="1000"/>
+              </a:spcBef>
+              <a:spcAft>
+                <a:spcPts val="200"/>
+              </a:spcAft>
+              <a:buFont typeface="Franklin Gothic Book" panose="020B0503020102020204" pitchFamily="34" charset="0"/>
+              <a:buChar char="■"/>
+              <a:defRPr sz="2000" kern="1200" baseline="0">
+                <a:solidFill>
+                  <a:schemeClr val="tx2"/>
+                </a:solidFill>
+                <a:latin typeface="+mn-lt"/>
+                <a:ea typeface="+mn-ea"/>
+                <a:cs typeface="+mn-cs"/>
+              </a:defRPr>
+            </a:lvl1pPr>
+            <a:lvl2pPr marL="914400" indent="-384048" algn="l" defTabSz="914400" rtl="0" eaLnBrk="1" latinLnBrk="0" hangingPunct="1">
+              <a:lnSpc>
+                <a:spcPct val="94000"/>
+              </a:lnSpc>
+              <a:spcBef>
+                <a:spcPts val="500"/>
+              </a:spcBef>
+              <a:spcAft>
+                <a:spcPts val="200"/>
+              </a:spcAft>
+              <a:buFont typeface="Franklin Gothic Book" panose="020B0503020102020204" pitchFamily="34" charset="0"/>
+              <a:buChar char="–"/>
+              <a:defRPr sz="2000" i="1" kern="1200" baseline="0">
+                <a:solidFill>
+                  <a:schemeClr val="tx2"/>
+                </a:solidFill>
+                <a:latin typeface="+mn-lt"/>
+                <a:ea typeface="+mn-ea"/>
+                <a:cs typeface="+mn-cs"/>
+              </a:defRPr>
+            </a:lvl2pPr>
+            <a:lvl3pPr marL="1371600" indent="-384048" algn="l" defTabSz="914400" rtl="0" eaLnBrk="1" latinLnBrk="0" hangingPunct="1">
+              <a:lnSpc>
+                <a:spcPct val="94000"/>
+              </a:lnSpc>
+              <a:spcBef>
+                <a:spcPts val="500"/>
+              </a:spcBef>
+              <a:spcAft>
+                <a:spcPts val="200"/>
+              </a:spcAft>
+              <a:buFont typeface="Franklin Gothic Book" panose="020B0503020102020204" pitchFamily="34" charset="0"/>
+              <a:buChar char="■"/>
+              <a:defRPr sz="1800" kern="1200" baseline="0">
+                <a:solidFill>
+                  <a:schemeClr val="tx2"/>
+                </a:solidFill>
+                <a:latin typeface="+mn-lt"/>
+                <a:ea typeface="+mn-ea"/>
+                <a:cs typeface="+mn-cs"/>
+              </a:defRPr>
+            </a:lvl3pPr>
+            <a:lvl4pPr marL="1828800" indent="-384048" algn="l" defTabSz="914400" rtl="0" eaLnBrk="1" latinLnBrk="0" hangingPunct="1">
+              <a:lnSpc>
+                <a:spcPct val="94000"/>
+              </a:lnSpc>
+              <a:spcBef>
+                <a:spcPts val="500"/>
+              </a:spcBef>
+              <a:spcAft>
+                <a:spcPts val="200"/>
+              </a:spcAft>
+              <a:buFont typeface="Franklin Gothic Book" panose="020B0503020102020204" pitchFamily="34" charset="0"/>
+              <a:buChar char="–"/>
+              <a:defRPr sz="1800" i="1" kern="1200" baseline="0">
+                <a:solidFill>
+                  <a:schemeClr val="tx2"/>
+                </a:solidFill>
+                <a:latin typeface="+mn-lt"/>
+                <a:ea typeface="+mn-ea"/>
+                <a:cs typeface="+mn-cs"/>
+              </a:defRPr>
+            </a:lvl4pPr>
+            <a:lvl5pPr marL="2286000" indent="-384048" algn="l" defTabSz="914400" rtl="0" eaLnBrk="1" latinLnBrk="0" hangingPunct="1">
+              <a:lnSpc>
+                <a:spcPct val="94000"/>
+              </a:lnSpc>
+              <a:spcBef>
+                <a:spcPts val="500"/>
+              </a:spcBef>
+              <a:spcAft>
+                <a:spcPts val="200"/>
+              </a:spcAft>
+              <a:buFont typeface="Franklin Gothic Book" panose="020B0503020102020204" pitchFamily="34" charset="0"/>
+              <a:buChar char="■"/>
+              <a:defRPr sz="1600" kern="1200" baseline="0">
+                <a:solidFill>
+                  <a:schemeClr val="tx2"/>
+                </a:solidFill>
+                <a:latin typeface="+mn-lt"/>
+                <a:ea typeface="+mn-ea"/>
+                <a:cs typeface="+mn-cs"/>
+              </a:defRPr>
+            </a:lvl5pPr>
+            <a:lvl6pPr marL="2743200" indent="-384048" algn="l" defTabSz="914400" rtl="0" eaLnBrk="1" latinLnBrk="0" hangingPunct="1">
+              <a:lnSpc>
+                <a:spcPct val="94000"/>
+              </a:lnSpc>
+              <a:spcBef>
+                <a:spcPts val="500"/>
+              </a:spcBef>
+              <a:spcAft>
+                <a:spcPts val="200"/>
+              </a:spcAft>
+              <a:buFont typeface="Franklin Gothic Book" panose="020B0503020102020204" pitchFamily="34" charset="0"/>
+              <a:buChar char="–"/>
+              <a:defRPr sz="1600" i="1" kern="1200" baseline="0">
+                <a:solidFill>
+                  <a:schemeClr val="tx2"/>
+                </a:solidFill>
+                <a:latin typeface="+mn-lt"/>
+                <a:ea typeface="+mn-ea"/>
+                <a:cs typeface="+mn-cs"/>
+              </a:defRPr>
+            </a:lvl6pPr>
+            <a:lvl7pPr marL="3200400" indent="-384048" algn="l" defTabSz="914400" rtl="0" eaLnBrk="1" latinLnBrk="0" hangingPunct="1">
+              <a:lnSpc>
+                <a:spcPct val="94000"/>
+              </a:lnSpc>
+              <a:spcBef>
+                <a:spcPts val="500"/>
+              </a:spcBef>
+              <a:spcAft>
+                <a:spcPts val="200"/>
+              </a:spcAft>
+              <a:buFont typeface="Franklin Gothic Book" panose="020B0503020102020204" pitchFamily="34" charset="0"/>
+              <a:buChar char="■"/>
+              <a:defRPr sz="1400" kern="1200" baseline="0">
+                <a:solidFill>
+                  <a:schemeClr val="tx2"/>
+                </a:solidFill>
+                <a:latin typeface="+mn-lt"/>
+                <a:ea typeface="+mn-ea"/>
+                <a:cs typeface="+mn-cs"/>
+              </a:defRPr>
+            </a:lvl7pPr>
+            <a:lvl8pPr marL="3657600" indent="-384048" algn="l" defTabSz="914400" rtl="0" eaLnBrk="1" latinLnBrk="0" hangingPunct="1">
+              <a:lnSpc>
+                <a:spcPct val="94000"/>
+              </a:lnSpc>
+              <a:spcBef>
+                <a:spcPts val="500"/>
+              </a:spcBef>
+              <a:spcAft>
+                <a:spcPts val="200"/>
+              </a:spcAft>
+              <a:buFont typeface="Franklin Gothic Book" panose="020B0503020102020204" pitchFamily="34" charset="0"/>
+              <a:buChar char="–"/>
+              <a:defRPr sz="1400" i="1" kern="1200" baseline="0">
+                <a:solidFill>
+                  <a:schemeClr val="tx2"/>
+                </a:solidFill>
+                <a:latin typeface="+mn-lt"/>
+                <a:ea typeface="+mn-ea"/>
+                <a:cs typeface="+mn-cs"/>
+              </a:defRPr>
+            </a:lvl8pPr>
+            <a:lvl9pPr marL="4114800" indent="-384048" algn="l" defTabSz="914400" rtl="0" eaLnBrk="1" latinLnBrk="0" hangingPunct="1">
+              <a:lnSpc>
+                <a:spcPct val="94000"/>
+              </a:lnSpc>
+              <a:spcBef>
+                <a:spcPts val="500"/>
+              </a:spcBef>
+              <a:spcAft>
+                <a:spcPts val="200"/>
+              </a:spcAft>
+              <a:buFont typeface="Franklin Gothic Book" panose="020B0503020102020204" pitchFamily="34" charset="0"/>
+              <a:buChar char="■"/>
+              <a:defRPr sz="1400" kern="1200" baseline="0">
+                <a:solidFill>
+                  <a:schemeClr val="tx2"/>
+                </a:solidFill>
+                <a:latin typeface="+mn-lt"/>
+                <a:ea typeface="+mn-ea"/>
+                <a:cs typeface="+mn-cs"/>
+              </a:defRPr>
+            </a:lvl9pPr>
+          </a:lstStyle>
+          <a:p>
+            <a:pPr marL="457200" indent="-342900">
+              <a:spcBef>
+                <a:spcPts val="0"/>
+              </a:spcBef>
+              <a:spcAft>
+                <a:spcPts val="0"/>
+              </a:spcAft>
+              <a:buSzPts val="1800"/>
+              <a:buFont typeface="Franklin Gothic Book" panose="020B0503020102020204" pitchFamily="34" charset="0"/>
+              <a:buChar char="●"/>
+            </a:pPr>
+            <a:r>
+              <a:rPr lang="en-US" sz="2400"/>
+              <a:t>Alice wants from Bob and Charlie.</a:t>
+            </a:r>
+          </a:p>
+          <a:p>
+            <a:pPr marL="457200" indent="-342900">
+              <a:spcBef>
+                <a:spcPts val="1600"/>
+              </a:spcBef>
+              <a:spcAft>
+                <a:spcPts val="0"/>
+              </a:spcAft>
+              <a:buSzPts val="1800"/>
+              <a:buFont typeface="Franklin Gothic Book" panose="020B0503020102020204" pitchFamily="34" charset="0"/>
+              <a:buChar char="●"/>
+            </a:pPr>
+            <a:r>
+              <a:rPr lang="en-US" sz="2400"/>
+              <a:t>Same Serial Number</a:t>
+            </a:r>
+          </a:p>
+          <a:p>
+            <a:pPr marL="457200" indent="-342900">
+              <a:spcBef>
+                <a:spcPts val="1600"/>
+              </a:spcBef>
+              <a:spcAft>
+                <a:spcPts val="0"/>
+              </a:spcAft>
+              <a:buSzPts val="1800"/>
+              <a:buFont typeface="Franklin Gothic Book" panose="020B0503020102020204" pitchFamily="34" charset="0"/>
+              <a:buChar char="●"/>
+            </a:pPr>
+            <a:r>
+              <a:rPr lang="en-US" sz="2800"/>
+              <a:t>Send to Both</a:t>
+            </a:r>
+            <a:endParaRPr lang="en-US" sz="2400"/>
+          </a:p>
+          <a:p>
+            <a:pPr marL="457200" indent="-342900">
+              <a:spcBef>
+                <a:spcPts val="1600"/>
+              </a:spcBef>
+              <a:spcAft>
+                <a:spcPts val="0"/>
+              </a:spcAft>
+              <a:buSzPts val="1800"/>
+              <a:buFont typeface="Franklin Gothic Book" panose="020B0503020102020204" pitchFamily="34" charset="0"/>
+              <a:buChar char="●"/>
+            </a:pPr>
+            <a:r>
+              <a:rPr lang="en-US" sz="2400"/>
+              <a:t>Independently Verify</a:t>
+            </a:r>
+            <a:endParaRPr lang="en-US" sz="2800" dirty="0"/>
+          </a:p>
+        </p:txBody>
+      </p:sp>
+    </p:spTree>
+    <p:extLst>
+      <p:ext uri="{BB962C8B-B14F-4D97-AF65-F5344CB8AC3E}">
+        <p14:creationId xmlns:p14="http://schemas.microsoft.com/office/powerpoint/2010/main" val="3096913556"/>
+      </p:ext>
+    </p:extLst>
+  </p:cSld>
+  <p:clrMapOvr>
+    <a:masterClrMapping/>
+  </p:clrMapOvr>
+</p:sld>
+</file>
+
 <file path=ppt/theme/theme1.xml><?xml version="1.0" encoding="utf-8"?>
-<a:theme xmlns:a="http://schemas.openxmlformats.org/drawingml/2006/main" name="Office Theme">
+<a:theme xmlns:a="http://schemas.openxmlformats.org/drawingml/2006/main" name="Crop">
   <a:themeElements>
-    <a:clrScheme name="Office">
+    <a:clrScheme name="Crop">
       <a:dk1>
         <a:sysClr val="windowText" lastClr="000000"/>
       </a:dk1>
@@ -13304,100 +17809,48 @@
         <a:sysClr val="window" lastClr="FFFFFF"/>
       </a:lt1>
       <a:dk2>
-        <a:srgbClr val="44546A"/>
+        <a:srgbClr val="191B0E"/>
       </a:dk2>
       <a:lt2>
-        <a:srgbClr val="E7E6E6"/>
+        <a:srgbClr val="EFEDE3"/>
       </a:lt2>
       <a:accent1>
-        <a:srgbClr val="4472C4"/>
+        <a:srgbClr val="8C8D86"/>
       </a:accent1>
       <a:accent2>
-        <a:srgbClr val="ED7D31"/>
+        <a:srgbClr val="E6C069"/>
       </a:accent2>
       <a:accent3>
-        <a:srgbClr val="A5A5A5"/>
+        <a:srgbClr val="897B61"/>
       </a:accent3>
       <a:accent4>
-        <a:srgbClr val="FFC000"/>
+        <a:srgbClr val="8DAB8E"/>
       </a:accent4>
       <a:accent5>
-        <a:srgbClr val="5B9BD5"/>
+        <a:srgbClr val="77A2BB"/>
       </a:accent5>
       <a:accent6>
-        <a:srgbClr val="70AD47"/>
+        <a:srgbClr val="E28394"/>
       </a:accent6>
       <a:hlink>
-        <a:srgbClr val="0563C1"/>
+        <a:srgbClr val="77A2BB"/>
       </a:hlink>
       <a:folHlink>
-        <a:srgbClr val="954F72"/>
+        <a:srgbClr val="957A99"/>
       </a:folHlink>
     </a:clrScheme>
-    <a:fontScheme name="Office">
+    <a:fontScheme name="Crop">
       <a:majorFont>
-        <a:latin typeface="Calibri Light" panose="020F0302020204030204"/>
+        <a:latin typeface="Franklin Gothic Book" panose="020B0503020102020204"/>
         <a:ea typeface=""/>
         <a:cs typeface=""/>
-        <a:font script="Jpan" typeface="游ゴシック Light"/>
-        <a:font script="Hang" typeface="맑은 고딕"/>
-        <a:font script="Hans" typeface="等线 Light"/>
-        <a:font script="Hant" typeface="新細明體"/>
-        <a:font script="Arab" typeface="Times New Roman"/>
-        <a:font script="Hebr" typeface="Times New Roman"/>
-        <a:font script="Thai" typeface="Angsana New"/>
-        <a:font script="Ethi" typeface="Nyala"/>
-        <a:font script="Beng" typeface="Vrinda"/>
-        <a:font script="Gujr" typeface="Shruti"/>
-        <a:font script="Khmr" typeface="MoolBoran"/>
-        <a:font script="Knda" typeface="Tunga"/>
-        <a:font script="Guru" typeface="Raavi"/>
-        <a:font script="Cans" typeface="Euphemia"/>
-        <a:font script="Cher" typeface="Plantagenet Cherokee"/>
-        <a:font script="Yiii" typeface="Microsoft Yi Baiti"/>
-        <a:font script="Tibt" typeface="Microsoft Himalaya"/>
-        <a:font script="Thaa" typeface="MV Boli"/>
-        <a:font script="Deva" typeface="Mangal"/>
-        <a:font script="Telu" typeface="Gautami"/>
-        <a:font script="Taml" typeface="Latha"/>
-        <a:font script="Syrc" typeface="Estrangelo Edessa"/>
-        <a:font script="Orya" typeface="Kalinga"/>
-        <a:font script="Mlym" typeface="Kartika"/>
-        <a:font script="Laoo" typeface="DokChampa"/>
-        <a:font script="Sinh" typeface="Iskoola Pota"/>
-        <a:font script="Mong" typeface="Mongolian Baiti"/>
-        <a:font script="Viet" typeface="Times New Roman"/>
-        <a:font script="Uigh" typeface="Microsoft Uighur"/>
-        <a:font script="Geor" typeface="Sylfaen"/>
-        <a:font script="Armn" typeface="Arial"/>
-        <a:font script="Bugi" typeface="Leelawadee UI"/>
-        <a:font script="Bopo" typeface="Microsoft JhengHei"/>
-        <a:font script="Java" typeface="Javanese Text"/>
-        <a:font script="Lisu" typeface="Segoe UI"/>
-        <a:font script="Mymr" typeface="Myanmar Text"/>
-        <a:font script="Nkoo" typeface="Ebrima"/>
-        <a:font script="Olck" typeface="Nirmala UI"/>
-        <a:font script="Osma" typeface="Ebrima"/>
-        <a:font script="Phag" typeface="Phagspa"/>
-        <a:font script="Syrn" typeface="Estrangelo Edessa"/>
-        <a:font script="Syrj" typeface="Estrangelo Edessa"/>
-        <a:font script="Syre" typeface="Estrangelo Edessa"/>
-        <a:font script="Sora" typeface="Nirmala UI"/>
-        <a:font script="Tale" typeface="Microsoft Tai Le"/>
-        <a:font script="Talu" typeface="Microsoft New Tai Lue"/>
-        <a:font script="Tfng" typeface="Ebrima"/>
-      </a:majorFont>
-      <a:minorFont>
-        <a:latin typeface="Calibri" panose="020F0502020204030204"/>
-        <a:ea typeface=""/>
-        <a:cs typeface=""/>
-        <a:font script="Jpan" typeface="游ゴシック"/>
-        <a:font script="Hang" typeface="맑은 고딕"/>
-        <a:font script="Hans" typeface="等线"/>
-        <a:font script="Hant" typeface="新細明體"/>
-        <a:font script="Arab" typeface="Arial"/>
-        <a:font script="Hebr" typeface="Arial"/>
-        <a:font script="Thai" typeface="Cordia New"/>
+        <a:font script="Jpan" typeface="メイリオ"/>
+        <a:font script="Hang" typeface="돋움"/>
+        <a:font script="Hans" typeface="华文楷体"/>
+        <a:font script="Hant" typeface="微軟正黑體"/>
+        <a:font script="Arab" typeface="Tahoma"/>
+        <a:font script="Hebr" typeface="Aharoni"/>
+        <a:font script="Thai" typeface="LilyUPC"/>
         <a:font script="Ethi" typeface="Nyala"/>
         <a:font script="Beng" typeface="Vrinda"/>
         <a:font script="Gujr" typeface="Shruti"/>
@@ -13418,29 +17871,47 @@
         <a:font script="Laoo" typeface="DokChampa"/>
         <a:font script="Sinh" typeface="Iskoola Pota"/>
         <a:font script="Mong" typeface="Mongolian Baiti"/>
-        <a:font script="Viet" typeface="Arial"/>
+        <a:font script="Viet" typeface="Tahoma"/>
         <a:font script="Uigh" typeface="Microsoft Uighur"/>
         <a:font script="Geor" typeface="Sylfaen"/>
-        <a:font script="Armn" typeface="Arial"/>
-        <a:font script="Bugi" typeface="Leelawadee UI"/>
-        <a:font script="Bopo" typeface="Microsoft JhengHei"/>
-        <a:font script="Java" typeface="Javanese Text"/>
-        <a:font script="Lisu" typeface="Segoe UI"/>
-        <a:font script="Mymr" typeface="Myanmar Text"/>
-        <a:font script="Nkoo" typeface="Ebrima"/>
-        <a:font script="Olck" typeface="Nirmala UI"/>
-        <a:font script="Osma" typeface="Ebrima"/>
-        <a:font script="Phag" typeface="Phagspa"/>
-        <a:font script="Syrn" typeface="Estrangelo Edessa"/>
-        <a:font script="Syrj" typeface="Estrangelo Edessa"/>
-        <a:font script="Syre" typeface="Estrangelo Edessa"/>
-        <a:font script="Sora" typeface="Nirmala UI"/>
-        <a:font script="Tale" typeface="Microsoft Tai Le"/>
-        <a:font script="Talu" typeface="Microsoft New Tai Lue"/>
-        <a:font script="Tfng" typeface="Ebrima"/>
+      </a:majorFont>
+      <a:minorFont>
+        <a:latin typeface="Franklin Gothic Book" panose="020B0503020102020204"/>
+        <a:ea typeface=""/>
+        <a:cs typeface=""/>
+        <a:font script="Jpan" typeface="メイリオ"/>
+        <a:font script="Hang" typeface="돋움"/>
+        <a:font script="Hans" typeface="华文楷体"/>
+        <a:font script="Hant" typeface="微軟正黑體"/>
+        <a:font script="Arab" typeface="Tahoma"/>
+        <a:font script="Hebr" typeface="Aharoni"/>
+        <a:font script="Thai" typeface="LilyUPC"/>
+        <a:font script="Ethi" typeface="Nyala"/>
+        <a:font script="Beng" typeface="Vrinda"/>
+        <a:font script="Gujr" typeface="Shruti"/>
+        <a:font script="Khmr" typeface="DaunPenh"/>
+        <a:font script="Knda" typeface="Tunga"/>
+        <a:font script="Guru" typeface="Raavi"/>
+        <a:font script="Cans" typeface="Euphemia"/>
+        <a:font script="Cher" typeface="Plantagenet Cherokee"/>
+        <a:font script="Yiii" typeface="Microsoft Yi Baiti"/>
+        <a:font script="Tibt" typeface="Microsoft Himalaya"/>
+        <a:font script="Thaa" typeface="MV Boli"/>
+        <a:font script="Deva" typeface="Mangal"/>
+        <a:font script="Telu" typeface="Gautami"/>
+        <a:font script="Taml" typeface="Latha"/>
+        <a:font script="Syrc" typeface="Estrangelo Edessa"/>
+        <a:font script="Orya" typeface="Kalinga"/>
+        <a:font script="Mlym" typeface="Kartika"/>
+        <a:font script="Laoo" typeface="DokChampa"/>
+        <a:font script="Sinh" typeface="Iskoola Pota"/>
+        <a:font script="Mong" typeface="Mongolian Baiti"/>
+        <a:font script="Viet" typeface="Tahoma"/>
+        <a:font script="Uigh" typeface="Microsoft Uighur"/>
+        <a:font script="Geor" typeface="Sylfaen"/>
       </a:minorFont>
     </a:fontScheme>
-    <a:fmtScheme name="Office">
+    <a:fmtScheme name="Crop">
       <a:fillStyleLst>
         <a:solidFill>
           <a:schemeClr val="phClr"/>
@@ -13449,23 +17920,23 @@
           <a:gsLst>
             <a:gs pos="0">
               <a:schemeClr val="phClr">
+                <a:tint val="67000"/>
+                <a:satMod val="105000"/>
                 <a:lumMod val="110000"/>
-                <a:satMod val="105000"/>
-                <a:tint val="67000"/>
               </a:schemeClr>
             </a:gs>
             <a:gs pos="50000">
               <a:schemeClr val="phClr">
+                <a:tint val="73000"/>
+                <a:satMod val="103000"/>
                 <a:lumMod val="105000"/>
-                <a:satMod val="103000"/>
-                <a:tint val="73000"/>
               </a:schemeClr>
             </a:gs>
             <a:gs pos="100000">
               <a:schemeClr val="phClr">
+                <a:tint val="81000"/>
+                <a:satMod val="109000"/>
                 <a:lumMod val="105000"/>
-                <a:satMod val="109000"/>
-                <a:tint val="81000"/>
               </a:schemeClr>
             </a:gs>
           </a:gsLst>
@@ -13475,23 +17946,23 @@
           <a:gsLst>
             <a:gs pos="0">
               <a:schemeClr val="phClr">
+                <a:tint val="94000"/>
                 <a:satMod val="103000"/>
                 <a:lumMod val="102000"/>
-                <a:tint val="94000"/>
               </a:schemeClr>
             </a:gs>
             <a:gs pos="50000">
               <a:schemeClr val="phClr">
+                <a:shade val="100000"/>
                 <a:satMod val="110000"/>
                 <a:lumMod val="100000"/>
-                <a:shade val="100000"/>
               </a:schemeClr>
             </a:gs>
             <a:gs pos="100000">
               <a:schemeClr val="phClr">
+                <a:shade val="78000"/>
+                <a:satMod val="120000"/>
                 <a:lumMod val="99000"/>
-                <a:satMod val="120000"/>
-                <a:shade val="78000"/>
               </a:schemeClr>
             </a:gs>
           </a:gsLst>
@@ -13499,26 +17970,23 @@
         </a:gradFill>
       </a:fillStyleLst>
       <a:lnStyleLst>
-        <a:ln w="6350" cap="flat" cmpd="sng" algn="ctr">
+        <a:ln w="6350" cap="flat" cmpd="sng" algn="in">
           <a:solidFill>
             <a:schemeClr val="phClr"/>
           </a:solidFill>
           <a:prstDash val="solid"/>
-          <a:miter lim="800000"/>
         </a:ln>
-        <a:ln w="12700" cap="flat" cmpd="sng" algn="ctr">
+        <a:ln w="34925" cap="flat" cmpd="sng" algn="in">
           <a:solidFill>
             <a:schemeClr val="phClr"/>
           </a:solidFill>
           <a:prstDash val="solid"/>
-          <a:miter lim="800000"/>
         </a:ln>
-        <a:ln w="19050" cap="flat" cmpd="sng" algn="ctr">
+        <a:ln w="19050" cap="flat" cmpd="sng" algn="in">
           <a:solidFill>
             <a:schemeClr val="phClr"/>
           </a:solidFill>
           <a:prstDash val="solid"/>
-          <a:miter lim="800000"/>
         </a:ln>
       </a:lnStyleLst>
       <a:effectStyleLst>
@@ -13532,7 +18000,7 @@
           <a:effectLst>
             <a:outerShdw blurRad="57150" dist="19050" dir="5400000" algn="ctr" rotWithShape="0">
               <a:srgbClr val="000000">
-                <a:alpha val="63000"/>
+                <a:alpha val="35000"/>
               </a:srgbClr>
             </a:outerShdw>
           </a:effectLst>
@@ -13553,16 +18021,16 @@
             <a:gs pos="0">
               <a:schemeClr val="phClr">
                 <a:tint val="93000"/>
+                <a:shade val="98000"/>
                 <a:satMod val="150000"/>
-                <a:shade val="98000"/>
                 <a:lumMod val="102000"/>
               </a:schemeClr>
             </a:gs>
             <a:gs pos="50000">
               <a:schemeClr val="phClr">
                 <a:tint val="98000"/>
+                <a:shade val="90000"/>
                 <a:satMod val="130000"/>
-                <a:shade val="90000"/>
                 <a:lumMod val="103000"/>
               </a:schemeClr>
             </a:gs>
@@ -13582,7 +18050,7 @@
   <a:extraClrSchemeLst/>
   <a:extLst>
     <a:ext uri="{05A4C25C-085E-4340-85A3-A5531E510DB2}">
-      <thm15:themeFamily xmlns:thm15="http://schemas.microsoft.com/office/thememl/2012/main" name="Office Theme" id="{62F939B6-93AF-4DB8-9C6B-D6C7DFDC589F}" vid="{4A3C46E8-61CC-4603-A589-7422A47A8E4A}"/>
+      <thm15:themeFamily xmlns:thm15="http://schemas.microsoft.com/office/thememl/2012/main" name="Crop" id="{EC9488ED-E761-4D60-9AC4-764D1FE2C171}" vid="{CE19780C-D67D-4C13-9DE9-A52BC3BA51B4}"/>
     </a:ext>
   </a:extLst>
 </a:theme>
